--- a/presentation/Model 설명서.pptx
+++ b/presentation/Model 설명서.pptx
@@ -44,8 +44,19 @@
     <p:sldId id="324" r:id="rId38"/>
     <p:sldId id="325" r:id="rId39"/>
     <p:sldId id="315" r:id="rId40"/>
-    <p:sldId id="316" r:id="rId41"/>
-    <p:sldId id="317" r:id="rId42"/>
+    <p:sldId id="328" r:id="rId41"/>
+    <p:sldId id="316" r:id="rId42"/>
+    <p:sldId id="326" r:id="rId43"/>
+    <p:sldId id="329" r:id="rId44"/>
+    <p:sldId id="334" r:id="rId45"/>
+    <p:sldId id="332" r:id="rId46"/>
+    <p:sldId id="333" r:id="rId47"/>
+    <p:sldId id="335" r:id="rId48"/>
+    <p:sldId id="331" r:id="rId49"/>
+    <p:sldId id="330" r:id="rId50"/>
+    <p:sldId id="327" r:id="rId51"/>
+    <p:sldId id="336" r:id="rId52"/>
+    <p:sldId id="337" r:id="rId53"/>
   </p:sldIdLst>
   <p:sldSz cx="12192000" cy="6858000"/>
   <p:notesSz cx="6858000" cy="9144000"/>
@@ -144,6 +155,11 @@
       </a:defRPr>
     </a:lvl9pPr>
   </p:defaultTextStyle>
+  <p:extLst>
+    <p:ext uri="{EFAFB233-063F-42B5-8137-9DF3F51BA10A}">
+      <p15:sldGuideLst xmlns:p15="http://schemas.microsoft.com/office/powerpoint/2012/main"/>
+    </p:ext>
+  </p:extLst>
 </p:presentation>
 </file>
 
@@ -278,7 +294,7 @@
           <a:p>
             <a:fld id="{7FED6602-5AEF-47D5-8D5F-8BC7DC09E59A}" type="datetimeFigureOut">
               <a:rPr lang="ko-KR" altLang="en-US" smtClean="0"/>
-              <a:t>2025-07-08</a:t>
+              <a:t>2025-07-09</a:t>
             </a:fld>
             <a:endParaRPr lang="ko-KR" altLang="en-US"/>
           </a:p>
@@ -448,7 +464,7 @@
           <a:p>
             <a:fld id="{7FED6602-5AEF-47D5-8D5F-8BC7DC09E59A}" type="datetimeFigureOut">
               <a:rPr lang="ko-KR" altLang="en-US" smtClean="0"/>
-              <a:t>2025-07-08</a:t>
+              <a:t>2025-07-09</a:t>
             </a:fld>
             <a:endParaRPr lang="ko-KR" altLang="en-US"/>
           </a:p>
@@ -628,7 +644,7 @@
           <a:p>
             <a:fld id="{7FED6602-5AEF-47D5-8D5F-8BC7DC09E59A}" type="datetimeFigureOut">
               <a:rPr lang="ko-KR" altLang="en-US" smtClean="0"/>
-              <a:t>2025-07-08</a:t>
+              <a:t>2025-07-09</a:t>
             </a:fld>
             <a:endParaRPr lang="ko-KR" altLang="en-US"/>
           </a:p>
@@ -798,7 +814,7 @@
           <a:p>
             <a:fld id="{7FED6602-5AEF-47D5-8D5F-8BC7DC09E59A}" type="datetimeFigureOut">
               <a:rPr lang="ko-KR" altLang="en-US" smtClean="0"/>
-              <a:t>2025-07-08</a:t>
+              <a:t>2025-07-09</a:t>
             </a:fld>
             <a:endParaRPr lang="ko-KR" altLang="en-US"/>
           </a:p>
@@ -1044,7 +1060,7 @@
           <a:p>
             <a:fld id="{7FED6602-5AEF-47D5-8D5F-8BC7DC09E59A}" type="datetimeFigureOut">
               <a:rPr lang="ko-KR" altLang="en-US" smtClean="0"/>
-              <a:t>2025-07-08</a:t>
+              <a:t>2025-07-09</a:t>
             </a:fld>
             <a:endParaRPr lang="ko-KR" altLang="en-US"/>
           </a:p>
@@ -1276,7 +1292,7 @@
           <a:p>
             <a:fld id="{7FED6602-5AEF-47D5-8D5F-8BC7DC09E59A}" type="datetimeFigureOut">
               <a:rPr lang="ko-KR" altLang="en-US" smtClean="0"/>
-              <a:t>2025-07-08</a:t>
+              <a:t>2025-07-09</a:t>
             </a:fld>
             <a:endParaRPr lang="ko-KR" altLang="en-US"/>
           </a:p>
@@ -1643,7 +1659,7 @@
           <a:p>
             <a:fld id="{7FED6602-5AEF-47D5-8D5F-8BC7DC09E59A}" type="datetimeFigureOut">
               <a:rPr lang="ko-KR" altLang="en-US" smtClean="0"/>
-              <a:t>2025-07-08</a:t>
+              <a:t>2025-07-09</a:t>
             </a:fld>
             <a:endParaRPr lang="ko-KR" altLang="en-US"/>
           </a:p>
@@ -1761,7 +1777,7 @@
           <a:p>
             <a:fld id="{7FED6602-5AEF-47D5-8D5F-8BC7DC09E59A}" type="datetimeFigureOut">
               <a:rPr lang="ko-KR" altLang="en-US" smtClean="0"/>
-              <a:t>2025-07-08</a:t>
+              <a:t>2025-07-09</a:t>
             </a:fld>
             <a:endParaRPr lang="ko-KR" altLang="en-US"/>
           </a:p>
@@ -1856,7 +1872,7 @@
           <a:p>
             <a:fld id="{7FED6602-5AEF-47D5-8D5F-8BC7DC09E59A}" type="datetimeFigureOut">
               <a:rPr lang="ko-KR" altLang="en-US" smtClean="0"/>
-              <a:t>2025-07-08</a:t>
+              <a:t>2025-07-09</a:t>
             </a:fld>
             <a:endParaRPr lang="ko-KR" altLang="en-US"/>
           </a:p>
@@ -2133,7 +2149,7 @@
           <a:p>
             <a:fld id="{7FED6602-5AEF-47D5-8D5F-8BC7DC09E59A}" type="datetimeFigureOut">
               <a:rPr lang="ko-KR" altLang="en-US" smtClean="0"/>
-              <a:t>2025-07-08</a:t>
+              <a:t>2025-07-09</a:t>
             </a:fld>
             <a:endParaRPr lang="ko-KR" altLang="en-US"/>
           </a:p>
@@ -2390,7 +2406,7 @@
           <a:p>
             <a:fld id="{7FED6602-5AEF-47D5-8D5F-8BC7DC09E59A}" type="datetimeFigureOut">
               <a:rPr lang="ko-KR" altLang="en-US" smtClean="0"/>
-              <a:t>2025-07-08</a:t>
+              <a:t>2025-07-09</a:t>
             </a:fld>
             <a:endParaRPr lang="ko-KR" altLang="en-US"/>
           </a:p>
@@ -2603,7 +2619,7 @@
           <a:p>
             <a:fld id="{7FED6602-5AEF-47D5-8D5F-8BC7DC09E59A}" type="datetimeFigureOut">
               <a:rPr lang="ko-KR" altLang="en-US" smtClean="0"/>
-              <a:t>2025-07-08</a:t>
+              <a:t>2025-07-09</a:t>
             </a:fld>
             <a:endParaRPr lang="ko-KR" altLang="en-US"/>
           </a:p>
@@ -6156,59 +6172,63 @@
               <a:t>결과 </a:t>
             </a:r>
             <a:r>
-              <a:rPr lang="en-US" altLang="ko-KR" dirty="0"/>
+              <a:rPr lang="en-US" altLang="ko-KR" b="1" dirty="0"/>
               <a:t>: DNN </a:t>
             </a:r>
             <a:r>
-              <a:rPr lang="ko-KR" altLang="en-US" dirty="0"/>
+              <a:rPr lang="ko-KR" altLang="en-US" b="1" dirty="0"/>
               <a:t>선형회귀모델에서 </a:t>
             </a:r>
             <a:r>
-              <a:rPr lang="en-US" altLang="ko-KR" dirty="0" err="1"/>
+              <a:rPr lang="en-US" altLang="ko-KR" b="1" dirty="0" err="1"/>
               <a:t>mae</a:t>
             </a:r>
             <a:r>
-              <a:rPr lang="en-US" altLang="ko-KR" dirty="0"/>
+              <a:rPr lang="en-US" altLang="ko-KR" b="1" dirty="0"/>
               <a:t>(</a:t>
             </a:r>
             <a:r>
-              <a:rPr lang="ko-KR" altLang="en-US" dirty="0"/>
+              <a:rPr lang="ko-KR" altLang="en-US" b="1" dirty="0"/>
               <a:t>평균 절대값 오차</a:t>
             </a:r>
             <a:r>
-              <a:rPr lang="en-US" altLang="ko-KR" dirty="0"/>
+              <a:rPr lang="en-US" altLang="ko-KR" b="1" dirty="0"/>
               <a:t>) = 0.32</a:t>
             </a:r>
             <a:r>
-              <a:rPr lang="ko-KR" altLang="en-US" dirty="0"/>
+              <a:rPr lang="ko-KR" altLang="en-US" b="1" dirty="0"/>
               <a:t>를 기록하며 </a:t>
             </a:r>
             <a:r>
-              <a:rPr lang="en-US" altLang="ko-KR" dirty="0"/>
+              <a:rPr lang="en-US" altLang="ko-KR" b="1" dirty="0"/>
               <a:t>M2</a:t>
             </a:r>
             <a:r>
-              <a:rPr lang="ko-KR" altLang="en-US" dirty="0"/>
+              <a:rPr lang="ko-KR" altLang="en-US" b="1" dirty="0"/>
               <a:t>모델의 </a:t>
             </a:r>
             <a:r>
-              <a:rPr lang="en-US" altLang="ko-KR" dirty="0"/>
+              <a:rPr lang="en-US" altLang="ko-KR" b="1" dirty="0"/>
               <a:t>feature </a:t>
             </a:r>
             <a:r>
-              <a:rPr lang="ko-KR" altLang="en-US" dirty="0"/>
+              <a:rPr lang="ko-KR" altLang="en-US" b="1" dirty="0"/>
               <a:t>값으로 사용에 무리가 </a:t>
             </a:r>
-            <a:endParaRPr lang="en-US" altLang="ko-KR" dirty="0"/>
-          </a:p>
-          <a:p>
-            <a:r>
-              <a:rPr lang="en-US" altLang="ko-KR" dirty="0"/>
+            <a:endParaRPr lang="en-US" altLang="ko-KR" b="1" dirty="0"/>
+          </a:p>
+          <a:p>
+            <a:r>
+              <a:rPr lang="en-US" altLang="ko-KR" b="1" dirty="0"/>
               <a:t>		</a:t>
             </a:r>
             <a:r>
-              <a:rPr lang="ko-KR" altLang="en-US" dirty="0"/>
-              <a:t>없을 것으로 판단하여 </a:t>
+              <a:rPr lang="ko-KR" altLang="en-US" b="1" dirty="0"/>
+              <a:t>없을 것으로 판단</a:t>
+            </a:r>
+            <a:r>
+              <a:rPr lang="ko-KR" altLang="en-US" dirty="0"/>
+              <a:t>하여 </a:t>
             </a:r>
             <a:r>
               <a:rPr lang="en-US" altLang="ko-KR" dirty="0"/>
@@ -7626,10 +7646,14 @@
             </a:r>
             <a:r>
               <a:rPr lang="en-US" altLang="ko-KR" dirty="0"/>
-              <a:t>“PM</a:t>
-            </a:r>
-            <a:r>
-              <a:rPr lang="ko-KR" altLang="en-US" dirty="0"/>
+              <a:t>“</a:t>
+            </a:r>
+            <a:r>
+              <a:rPr lang="en-US" altLang="ko-KR" b="1" dirty="0"/>
+              <a:t>PM</a:t>
+            </a:r>
+            <a:r>
+              <a:rPr lang="ko-KR" altLang="en-US" b="1" dirty="0"/>
               <a:t>을 재배치 하여 수익성을 극대화</a:t>
             </a:r>
             <a:r>
@@ -7638,49 +7662,53 @@
             </a:r>
             <a:r>
               <a:rPr lang="ko-KR" altLang="en-US" dirty="0"/>
-              <a:t>하기 위해서 가장 중요한 </a:t>
-            </a:r>
-            <a:r>
-              <a:rPr lang="en-US" altLang="ko-KR" dirty="0"/>
+              <a:t>하기 위해서 </a:t>
+            </a:r>
+            <a:r>
+              <a:rPr lang="ko-KR" altLang="en-US" b="1" dirty="0"/>
+              <a:t>가장 중요한 </a:t>
+            </a:r>
+            <a:r>
+              <a:rPr lang="en-US" altLang="ko-KR" b="1" dirty="0"/>
               <a:t>“</a:t>
             </a:r>
             <a:r>
-              <a:rPr lang="ko-KR" altLang="en-US" dirty="0"/>
+              <a:rPr lang="ko-KR" altLang="en-US" b="1" dirty="0"/>
               <a:t>공급 부족</a:t>
             </a:r>
             <a:r>
-              <a:rPr lang="en-US" altLang="ko-KR" dirty="0"/>
+              <a:rPr lang="en-US" altLang="ko-KR" b="1" dirty="0"/>
               <a:t>” </a:t>
             </a:r>
             <a:r>
-              <a:rPr lang="ko-KR" altLang="en-US" dirty="0"/>
+              <a:rPr lang="ko-KR" altLang="en-US" b="1" dirty="0"/>
               <a:t>과 </a:t>
             </a:r>
             <a:r>
-              <a:rPr lang="en-US" altLang="ko-KR" dirty="0"/>
+              <a:rPr lang="en-US" altLang="ko-KR" b="1" dirty="0"/>
               <a:t>“</a:t>
             </a:r>
             <a:r>
-              <a:rPr lang="ko-KR" altLang="en-US" dirty="0"/>
+              <a:rPr lang="ko-KR" altLang="en-US" b="1" dirty="0"/>
               <a:t>공급 절대부족</a:t>
             </a:r>
             <a:r>
-              <a:rPr lang="en-US" altLang="ko-KR" dirty="0"/>
+              <a:rPr lang="en-US" altLang="ko-KR" b="1" dirty="0"/>
               <a:t>＂</a:t>
             </a:r>
             <a:r>
-              <a:rPr lang="ko-KR" altLang="en-US" dirty="0"/>
+              <a:rPr lang="ko-KR" altLang="en-US" b="1" dirty="0"/>
               <a:t>을 </a:t>
             </a:r>
-            <a:endParaRPr lang="en-US" altLang="ko-KR" dirty="0"/>
-          </a:p>
-          <a:p>
-            <a:r>
-              <a:rPr lang="en-US" altLang="ko-KR" dirty="0"/>
+            <a:endParaRPr lang="en-US" altLang="ko-KR" b="1" dirty="0"/>
+          </a:p>
+          <a:p>
+            <a:r>
+              <a:rPr lang="en-US" altLang="ko-KR" b="1" dirty="0"/>
               <a:t>	</a:t>
             </a:r>
             <a:r>
-              <a:rPr lang="ko-KR" altLang="en-US" dirty="0"/>
+              <a:rPr lang="ko-KR" altLang="en-US" b="1" dirty="0"/>
               <a:t>가장 예측을 잘하는 모델이 중요하다고 판단</a:t>
             </a:r>
             <a:r>
@@ -7688,30 +7716,21 @@
               <a:t>, </a:t>
             </a:r>
             <a:r>
-              <a:rPr lang="en-US" altLang="ko-KR" dirty="0" err="1"/>
-              <a:t>LightGBM</a:t>
-            </a:r>
-            <a:r>
-              <a:rPr lang="en-US" altLang="ko-KR" dirty="0"/>
+              <a:rPr lang="en-US" altLang="ko-KR" b="1" dirty="0" err="1"/>
+              <a:t>RandomForest</a:t>
+            </a:r>
+            <a:r>
+              <a:rPr lang="en-US" altLang="ko-KR" b="1" dirty="0"/>
               <a:t> </a:t>
             </a:r>
             <a:r>
-              <a:rPr lang="ko-KR" altLang="en-US" dirty="0"/>
-              <a:t>모델 선택</a:t>
-            </a:r>
-            <a:r>
-              <a:rPr lang="en-US" altLang="ko-KR" dirty="0"/>
-              <a:t>(</a:t>
-            </a:r>
-            <a:r>
-              <a:rPr lang="ko-KR" altLang="en-US" dirty="0"/>
-              <a:t>부족 상태에 대한 정확도 </a:t>
-            </a:r>
-            <a:r>
-              <a:rPr lang="en-US" altLang="ko-KR" dirty="0"/>
-              <a:t>92%)</a:t>
-            </a:r>
-            <a:endParaRPr lang="ko-KR" altLang="en-US" dirty="0"/>
+              <a:rPr lang="ko-KR" altLang="en-US" b="1" dirty="0"/>
+              <a:t>모델 </a:t>
+            </a:r>
+            <a:r>
+              <a:rPr lang="ko-KR" altLang="en-US" dirty="0"/>
+              <a:t>선택</a:t>
+            </a:r>
           </a:p>
         </p:txBody>
       </p:sp>
@@ -8689,7 +8708,7 @@
         <p:spPr>
           <a:xfrm>
             <a:off x="413657" y="870265"/>
-            <a:ext cx="5811271" cy="923330"/>
+            <a:ext cx="8074967" cy="923330"/>
           </a:xfrm>
           <a:prstGeom prst="rect">
             <a:avLst/>
@@ -8720,7 +8739,39 @@
             </a:r>
             <a:r>
               <a:rPr lang="ko-KR" altLang="en-US" dirty="0"/>
-              <a:t>결과</a:t>
+              <a:t>결과 </a:t>
+            </a:r>
+            <a:r>
+              <a:rPr lang="en-US" altLang="ko-KR" dirty="0"/>
+              <a:t>: 22</a:t>
+            </a:r>
+            <a:r>
+              <a:rPr lang="ko-KR" altLang="en-US" dirty="0"/>
+              <a:t>년 </a:t>
+            </a:r>
+            <a:r>
+              <a:rPr lang="en-US" altLang="ko-KR" dirty="0"/>
+              <a:t>1</a:t>
+            </a:r>
+            <a:r>
+              <a:rPr lang="ko-KR" altLang="en-US" dirty="0"/>
+              <a:t>월 </a:t>
+            </a:r>
+            <a:r>
+              <a:rPr lang="en-US" altLang="ko-KR" dirty="0"/>
+              <a:t>~ 22</a:t>
+            </a:r>
+            <a:r>
+              <a:rPr lang="ko-KR" altLang="en-US" dirty="0"/>
+              <a:t>년 </a:t>
+            </a:r>
+            <a:r>
+              <a:rPr lang="en-US" altLang="ko-KR" dirty="0"/>
+              <a:t>3</a:t>
+            </a:r>
+            <a:r>
+              <a:rPr lang="ko-KR" altLang="en-US" dirty="0"/>
+              <a:t>월 간의 데이터 활용</a:t>
             </a:r>
             <a:endParaRPr lang="en-US" altLang="ko-KR" dirty="0"/>
           </a:p>
@@ -9020,7 +9071,7 @@
         <p:spPr>
           <a:xfrm>
             <a:off x="413657" y="870265"/>
-            <a:ext cx="11294502" cy="923330"/>
+            <a:ext cx="11309506" cy="1477328"/>
           </a:xfrm>
           <a:prstGeom prst="rect">
             <a:avLst/>
@@ -9082,7 +9133,34 @@
             </a:r>
             <a:r>
               <a:rPr lang="ko-KR" altLang="en-US" dirty="0"/>
-              <a:t>결과에 따라 제외하고 모델 </a:t>
+              <a:t>결과에 따라 원하는 </a:t>
+            </a:r>
+            <a:r>
+              <a:rPr lang="en-US" altLang="ko-KR" dirty="0"/>
+              <a:t>accuracy</a:t>
+            </a:r>
+            <a:r>
+              <a:rPr lang="ko-KR" altLang="en-US" dirty="0"/>
+              <a:t>가 확인되지 않으면</a:t>
+            </a:r>
+            <a:endParaRPr lang="en-US" altLang="ko-KR" dirty="0"/>
+          </a:p>
+          <a:p>
+            <a:r>
+              <a:rPr lang="en-US" altLang="ko-KR" dirty="0"/>
+              <a:t>	  </a:t>
+            </a:r>
+            <a:r>
+              <a:rPr lang="ko-KR" altLang="en-US" dirty="0"/>
+              <a:t>해당 </a:t>
+            </a:r>
+            <a:r>
+              <a:rPr lang="en-US" altLang="ko-KR" dirty="0"/>
+              <a:t>feature</a:t>
+            </a:r>
+            <a:r>
+              <a:rPr lang="ko-KR" altLang="en-US" dirty="0"/>
+              <a:t>를 제외하고 모델 </a:t>
             </a:r>
             <a:r>
               <a:rPr lang="ko-KR" altLang="en-US" dirty="0" err="1"/>
@@ -9108,14 +9186,61 @@
               <a:t>그래프가 지속 상승하는 그래프로 </a:t>
             </a:r>
             <a:r>
-              <a:rPr lang="en-US" altLang="ko-KR" dirty="0"/>
+              <a:rPr lang="en-US" altLang="ko-KR" b="1" dirty="0"/>
               <a:t>feature</a:t>
             </a:r>
             <a:r>
-              <a:rPr lang="ko-KR" altLang="en-US" dirty="0"/>
+              <a:rPr lang="ko-KR" altLang="en-US" b="1" dirty="0"/>
               <a:t>의 종류가 부족하나 추가 데이터의 수집 한계</a:t>
             </a:r>
-            <a:endParaRPr lang="en-US" altLang="ko-KR" dirty="0"/>
+            <a:endParaRPr lang="en-US" altLang="ko-KR" b="1" dirty="0"/>
+          </a:p>
+          <a:p>
+            <a:r>
+              <a:rPr lang="en-US" altLang="ko-KR" dirty="0"/>
+              <a:t>	  =&gt; </a:t>
+            </a:r>
+            <a:r>
+              <a:rPr lang="ko-KR" altLang="en-US" dirty="0"/>
+              <a:t>자전거 노선</a:t>
+            </a:r>
+            <a:r>
+              <a:rPr lang="en-US" altLang="ko-KR" dirty="0"/>
+              <a:t>, </a:t>
+            </a:r>
+            <a:r>
+              <a:rPr lang="ko-KR" altLang="en-US" dirty="0"/>
+              <a:t>토지 활용도</a:t>
+            </a:r>
+            <a:r>
+              <a:rPr lang="en-US" altLang="ko-KR" dirty="0"/>
+              <a:t>, </a:t>
+            </a:r>
+            <a:r>
+              <a:rPr lang="ko-KR" altLang="en-US" dirty="0"/>
+              <a:t>주변 건물의 건축 목적 등 </a:t>
+            </a:r>
+            <a:r>
+              <a:rPr lang="en-US" altLang="ko-KR" dirty="0"/>
+              <a:t>feature</a:t>
+            </a:r>
+            <a:r>
+              <a:rPr lang="ko-KR" altLang="en-US" dirty="0"/>
+              <a:t>간 시간 해상도 불일치</a:t>
+            </a:r>
+            <a:r>
+              <a:rPr lang="en-US" altLang="ko-KR" dirty="0"/>
+              <a:t>(</a:t>
+            </a:r>
+            <a:r>
+              <a:rPr lang="ko-KR" altLang="en-US" dirty="0"/>
+              <a:t>연간 데이터</a:t>
+            </a:r>
+            <a:r>
+              <a:rPr lang="en-US" altLang="ko-KR" dirty="0"/>
+              <a:t>)</a:t>
+            </a:r>
+            <a:endParaRPr lang="en-US" altLang="ko-KR" b="1" dirty="0"/>
           </a:p>
         </p:txBody>
       </p:sp>
@@ -9141,8 +9266,8 @@
         </p:blipFill>
         <p:spPr>
           <a:xfrm>
-            <a:off x="674026" y="1793595"/>
-            <a:ext cx="11034133" cy="4848902"/>
+            <a:off x="1160585" y="2383008"/>
+            <a:ext cx="9648091" cy="4275700"/>
           </a:xfrm>
           <a:prstGeom prst="rect">
             <a:avLst/>
@@ -10067,7 +10192,7 @@
         <p:spPr>
           <a:xfrm>
             <a:off x="413656" y="988151"/>
-            <a:ext cx="3276859" cy="369332"/>
+            <a:ext cx="3329758" cy="369332"/>
           </a:xfrm>
           <a:prstGeom prst="rect">
             <a:avLst/>
@@ -10089,12 +10214,8 @@
               <a:t>.  </a:t>
             </a:r>
             <a:r>
-              <a:rPr lang="ko-KR" altLang="en-US" dirty="0" err="1"/>
-              <a:t>타겟변수</a:t>
-            </a:r>
-            <a:r>
-              <a:rPr lang="ko-KR" altLang="en-US" dirty="0"/>
-              <a:t> 통계적 특징 점검</a:t>
+              <a:rPr lang="ko-KR" altLang="en-US" dirty="0"/>
+              <a:t>타겟 변수 통계적 특징 점검</a:t>
             </a:r>
             <a:endParaRPr lang="en-US" altLang="ko-KR" dirty="0"/>
           </a:p>
@@ -10202,9 +10323,13 @@
             </a:pPr>
             <a:r>
               <a:rPr lang="ko-KR" altLang="en-US" dirty="0"/>
-              <a:t>전체적으로 낮은 수치가 중심을 이루는 비대칭 분포</a:t>
-            </a:r>
-            <a:endParaRPr lang="en-US" altLang="ko-KR" dirty="0"/>
+              <a:t>전체적으로 </a:t>
+            </a:r>
+            <a:r>
+              <a:rPr lang="ko-KR" altLang="en-US" b="1" dirty="0"/>
+              <a:t>낮은 수치가 중심을 이루는 비대칭 분포</a:t>
+            </a:r>
+            <a:endParaRPr lang="en-US" altLang="ko-KR" b="1" dirty="0"/>
           </a:p>
           <a:p>
             <a:pPr marL="285750" indent="-285750">
@@ -11674,7 +11799,7 @@
         <p:spPr>
           <a:xfrm>
             <a:off x="413656" y="5685183"/>
-            <a:ext cx="10474342" cy="369332"/>
+            <a:ext cx="10580140" cy="369332"/>
           </a:xfrm>
           <a:prstGeom prst="rect">
             <a:avLst/>
@@ -11697,18 +11822,22 @@
             </a:r>
             <a:r>
               <a:rPr lang="ko-KR" altLang="en-US" dirty="0"/>
-              <a:t>실제로 수요에 따라 공급을 재조정 해야 하는 단계는 공급 부족 예상 </a:t>
-            </a:r>
-            <a:r>
-              <a:rPr lang="en-US" altLang="ko-KR" dirty="0"/>
+              <a:t>실제로 수요에 따라 공급을 재조정 해야 하는 단계는 </a:t>
+            </a:r>
+            <a:r>
+              <a:rPr lang="ko-KR" altLang="en-US" b="1" dirty="0"/>
+              <a:t>공급 부족 예상 </a:t>
+            </a:r>
+            <a:r>
+              <a:rPr lang="en-US" altLang="ko-KR" b="1" dirty="0"/>
               <a:t>class</a:t>
             </a:r>
             <a:r>
-              <a:rPr lang="ko-KR" altLang="en-US" dirty="0"/>
+              <a:rPr lang="ko-KR" altLang="en-US" b="1" dirty="0"/>
               <a:t>와 공급 절대 부족 예상 </a:t>
             </a:r>
             <a:r>
-              <a:rPr lang="en-US" altLang="ko-KR" dirty="0"/>
+              <a:rPr lang="en-US" altLang="ko-KR" b="1" dirty="0"/>
               <a:t>class</a:t>
             </a:r>
           </a:p>
@@ -12205,7 +12334,7 @@
         <p:cNvPr id="1" name="">
           <a:extLst>
             <a:ext uri="{FF2B5EF4-FFF2-40B4-BE49-F238E27FC236}">
-              <a16:creationId xmlns:a16="http://schemas.microsoft.com/office/drawing/2014/main" id="{9EDE5E80-0961-3FFB-34DA-6450E50C2496}"/>
+              <a16:creationId xmlns:a16="http://schemas.microsoft.com/office/drawing/2014/main" id="{1B729513-1C93-7BD5-EBD4-EAD54B52D282}"/>
             </a:ext>
           </a:extLst>
         </p:cNvPr>
@@ -12222,10 +12351,10 @@
       </p:grpSpPr>
       <p:sp>
         <p:nvSpPr>
-          <p:cNvPr id="4" name="직사각형 3">
-            <a:extLst>
-              <a:ext uri="{FF2B5EF4-FFF2-40B4-BE49-F238E27FC236}">
-                <a16:creationId xmlns:a16="http://schemas.microsoft.com/office/drawing/2014/main" id="{E7E906C2-C478-2023-624D-C12890D221BF}"/>
+          <p:cNvPr id="2" name="직사각형 1">
+            <a:extLst>
+              <a:ext uri="{FF2B5EF4-FFF2-40B4-BE49-F238E27FC236}">
+                <a16:creationId xmlns:a16="http://schemas.microsoft.com/office/drawing/2014/main" id="{04C2A5C8-87E6-0C86-945C-AF923CFCF923}"/>
               </a:ext>
             </a:extLst>
           </p:cNvPr>
@@ -12234,8 +12363,8 @@
         </p:nvSpPr>
         <p:spPr>
           <a:xfrm>
-            <a:off x="0" y="0"/>
-            <a:ext cx="12192000" cy="729343"/>
+            <a:off x="59871" y="1981200"/>
+            <a:ext cx="12072257" cy="2536372"/>
           </a:xfrm>
           <a:prstGeom prst="rect">
             <a:avLst/>
@@ -12269,176 +12398,28 @@
           <a:bodyPr rtlCol="0" anchor="ctr"/>
           <a:lstStyle/>
           <a:p>
-            <a:r>
-              <a:rPr lang="en-US" altLang="ko-KR" sz="4000" dirty="0">
+            <a:pPr algn="ctr"/>
+            <a:r>
+              <a:rPr lang="en-US" altLang="ko-KR" sz="5400" dirty="0">
                 <a:latin typeface="HY헤드라인M" panose="02030600000101010101" pitchFamily="18" charset="-127"/>
                 <a:ea typeface="HY헤드라인M" panose="02030600000101010101" pitchFamily="18" charset="-127"/>
               </a:rPr>
-              <a:t>2. </a:t>
-            </a:r>
-            <a:r>
-              <a:rPr lang="ko-KR" altLang="en-US" sz="4000" dirty="0">
+              <a:t>2-1. </a:t>
+            </a:r>
+            <a:r>
+              <a:rPr lang="ko-KR" altLang="en-US" sz="5400" dirty="0">
                 <a:latin typeface="HY헤드라인M" panose="02030600000101010101" pitchFamily="18" charset="-127"/>
                 <a:ea typeface="HY헤드라인M" panose="02030600000101010101" pitchFamily="18" charset="-127"/>
               </a:rPr>
-              <a:t>모델 결과</a:t>
-            </a:r>
-          </a:p>
-        </p:txBody>
-      </p:sp>
-      <p:sp>
-        <p:nvSpPr>
-          <p:cNvPr id="2" name="TextBox 1">
-            <a:extLst>
-              <a:ext uri="{FF2B5EF4-FFF2-40B4-BE49-F238E27FC236}">
-                <a16:creationId xmlns:a16="http://schemas.microsoft.com/office/drawing/2014/main" id="{14D57E4D-9768-E4A3-EFDA-CADEA0B3F4F3}"/>
-              </a:ext>
-            </a:extLst>
-          </p:cNvPr>
-          <p:cNvSpPr txBox="1"/>
-          <p:nvPr/>
-        </p:nvSpPr>
-        <p:spPr>
-          <a:xfrm>
-            <a:off x="87086" y="854528"/>
-            <a:ext cx="3288849" cy="369332"/>
-          </a:xfrm>
-          <a:prstGeom prst="rect">
-            <a:avLst/>
-          </a:prstGeom>
-          <a:noFill/>
-        </p:spPr>
-        <p:txBody>
-          <a:bodyPr wrap="none" rtlCol="0">
-            <a:spAutoFit/>
-          </a:bodyPr>
-          <a:lstStyle/>
-          <a:p>
-            <a:r>
-              <a:rPr lang="en-US" altLang="ko-KR" dirty="0"/>
-              <a:t>1. </a:t>
-            </a:r>
-            <a:r>
-              <a:rPr lang="en-US" altLang="ko-KR" dirty="0" err="1"/>
-              <a:t>LSTM_Classification</a:t>
-            </a:r>
-            <a:r>
-              <a:rPr lang="en-US" altLang="ko-KR" dirty="0"/>
-              <a:t> </a:t>
-            </a:r>
-            <a:r>
-              <a:rPr lang="ko-KR" altLang="en-US" dirty="0"/>
-              <a:t>모델 결과</a:t>
-            </a:r>
-          </a:p>
-        </p:txBody>
-      </p:sp>
-      <p:pic>
-        <p:nvPicPr>
-          <p:cNvPr id="6" name="그림 5">
-            <a:extLst>
-              <a:ext uri="{FF2B5EF4-FFF2-40B4-BE49-F238E27FC236}">
-                <a16:creationId xmlns:a16="http://schemas.microsoft.com/office/drawing/2014/main" id="{3EAFFF54-062D-51C4-113F-891952C2F0A4}"/>
-              </a:ext>
-            </a:extLst>
-          </p:cNvPr>
-          <p:cNvPicPr>
-            <a:picLocks noChangeAspect="1"/>
-          </p:cNvPicPr>
-          <p:nvPr/>
-        </p:nvPicPr>
-        <p:blipFill>
-          <a:blip r:embed="rId2"/>
-          <a:stretch>
-            <a:fillRect/>
-          </a:stretch>
-        </p:blipFill>
-        <p:spPr>
-          <a:xfrm>
-            <a:off x="87086" y="2120363"/>
-            <a:ext cx="9583191" cy="4737637"/>
-          </a:xfrm>
-          <a:prstGeom prst="rect">
-            <a:avLst/>
-          </a:prstGeom>
-        </p:spPr>
-      </p:pic>
-      <p:pic>
-        <p:nvPicPr>
-          <p:cNvPr id="13" name="그림 12">
-            <a:extLst>
-              <a:ext uri="{FF2B5EF4-FFF2-40B4-BE49-F238E27FC236}">
-                <a16:creationId xmlns:a16="http://schemas.microsoft.com/office/drawing/2014/main" id="{B118A8BA-1061-B451-F785-B799B82F514C}"/>
-              </a:ext>
-            </a:extLst>
-          </p:cNvPr>
-          <p:cNvPicPr>
-            <a:picLocks noChangeAspect="1"/>
-          </p:cNvPicPr>
-          <p:nvPr/>
-        </p:nvPicPr>
-        <p:blipFill>
-          <a:blip r:embed="rId3"/>
-          <a:stretch>
-            <a:fillRect/>
-          </a:stretch>
-        </p:blipFill>
-        <p:spPr>
-          <a:xfrm>
-            <a:off x="9454833" y="1060182"/>
-            <a:ext cx="2143823" cy="729342"/>
-          </a:xfrm>
-          <a:prstGeom prst="rect">
-            <a:avLst/>
-          </a:prstGeom>
-        </p:spPr>
-      </p:pic>
-      <p:sp>
-        <p:nvSpPr>
-          <p:cNvPr id="14" name="TextBox 13">
-            <a:extLst>
-              <a:ext uri="{FF2B5EF4-FFF2-40B4-BE49-F238E27FC236}">
-                <a16:creationId xmlns:a16="http://schemas.microsoft.com/office/drawing/2014/main" id="{8D6B3895-970E-9038-AAA7-5D9DA4FD5641}"/>
-              </a:ext>
-            </a:extLst>
-          </p:cNvPr>
-          <p:cNvSpPr txBox="1"/>
-          <p:nvPr/>
-        </p:nvSpPr>
-        <p:spPr>
-          <a:xfrm>
-            <a:off x="380999" y="1349045"/>
-            <a:ext cx="1452385" cy="646331"/>
-          </a:xfrm>
-          <a:prstGeom prst="rect">
-            <a:avLst/>
-          </a:prstGeom>
-          <a:noFill/>
-        </p:spPr>
-        <p:txBody>
-          <a:bodyPr wrap="none" rtlCol="0">
-            <a:spAutoFit/>
-          </a:bodyPr>
-          <a:lstStyle/>
-          <a:p>
-            <a:r>
-              <a:rPr lang="en-US" altLang="ko-KR" dirty="0"/>
-              <a:t>LOSS : 14.979</a:t>
-            </a:r>
-          </a:p>
-          <a:p>
-            <a:r>
-              <a:rPr lang="en-US" altLang="ko-KR" dirty="0"/>
-              <a:t>MAE : 2.0</a:t>
-            </a:r>
-            <a:endParaRPr lang="ko-KR" altLang="en-US" dirty="0"/>
+              <a:t>딥러닝 모델 결과</a:t>
+            </a:r>
           </a:p>
         </p:txBody>
       </p:sp>
     </p:spTree>
     <p:extLst>
       <p:ext uri="{BB962C8B-B14F-4D97-AF65-F5344CB8AC3E}">
-        <p14:creationId xmlns:p14="http://schemas.microsoft.com/office/powerpoint/2010/main" val="988691405"/>
+        <p14:creationId xmlns:p14="http://schemas.microsoft.com/office/powerpoint/2010/main" val="1353354828"/>
       </p:ext>
     </p:extLst>
   </p:cSld>
@@ -12456,7 +12437,7 @@
         <p:cNvPr id="1" name="">
           <a:extLst>
             <a:ext uri="{FF2B5EF4-FFF2-40B4-BE49-F238E27FC236}">
-              <a16:creationId xmlns:a16="http://schemas.microsoft.com/office/drawing/2014/main" id="{909870A4-AB13-006B-B0BE-53969D096E1F}"/>
+              <a16:creationId xmlns:a16="http://schemas.microsoft.com/office/drawing/2014/main" id="{9EDE5E80-0961-3FFB-34DA-6450E50C2496}"/>
             </a:ext>
           </a:extLst>
         </p:cNvPr>
@@ -12476,7 +12457,7 @@
           <p:cNvPr id="4" name="직사각형 3">
             <a:extLst>
               <a:ext uri="{FF2B5EF4-FFF2-40B4-BE49-F238E27FC236}">
-                <a16:creationId xmlns:a16="http://schemas.microsoft.com/office/drawing/2014/main" id="{407C133D-5DE8-6C3C-7F9A-81BFFC908A4D}"/>
+                <a16:creationId xmlns:a16="http://schemas.microsoft.com/office/drawing/2014/main" id="{E7E906C2-C478-2023-624D-C12890D221BF}"/>
               </a:ext>
             </a:extLst>
           </p:cNvPr>
@@ -12485,7 +12466,7 @@
         </p:nvSpPr>
         <p:spPr>
           <a:xfrm>
-            <a:off x="0" y="0"/>
+            <a:off x="0" y="-42173"/>
             <a:ext cx="12192000" cy="729343"/>
           </a:xfrm>
           <a:prstGeom prst="rect">
@@ -12525,21 +12506,21 @@
                 <a:latin typeface="HY헤드라인M" panose="02030600000101010101" pitchFamily="18" charset="-127"/>
                 <a:ea typeface="HY헤드라인M" panose="02030600000101010101" pitchFamily="18" charset="-127"/>
               </a:rPr>
-              <a:t>2. </a:t>
+              <a:t>2-1. </a:t>
             </a:r>
             <a:r>
               <a:rPr lang="ko-KR" altLang="en-US" sz="4000" dirty="0">
                 <a:latin typeface="HY헤드라인M" panose="02030600000101010101" pitchFamily="18" charset="-127"/>
                 <a:ea typeface="HY헤드라인M" panose="02030600000101010101" pitchFamily="18" charset="-127"/>
               </a:rPr>
-              <a:t>선형회귀 모델 결과</a:t>
+              <a:t>딥러닝 모델 결과 </a:t>
             </a:r>
             <a:r>
               <a:rPr lang="en-US" altLang="ko-KR" sz="4000" dirty="0">
                 <a:latin typeface="HY헤드라인M" panose="02030600000101010101" pitchFamily="18" charset="-127"/>
                 <a:ea typeface="HY헤드라인M" panose="02030600000101010101" pitchFamily="18" charset="-127"/>
               </a:rPr>
-              <a:t>(2/2)</a:t>
+              <a:t>– DNN</a:t>
             </a:r>
             <a:endParaRPr lang="ko-KR" altLang="en-US" sz="4000" dirty="0">
               <a:latin typeface="HY헤드라인M" panose="02030600000101010101" pitchFamily="18" charset="-127"/>
@@ -12553,7 +12534,7 @@
           <p:cNvPr id="2" name="TextBox 1">
             <a:extLst>
               <a:ext uri="{FF2B5EF4-FFF2-40B4-BE49-F238E27FC236}">
-                <a16:creationId xmlns:a16="http://schemas.microsoft.com/office/drawing/2014/main" id="{14802092-C948-FA88-E85E-47CBE909772E}"/>
+                <a16:creationId xmlns:a16="http://schemas.microsoft.com/office/drawing/2014/main" id="{14D57E4D-9768-E4A3-EFDA-CADEA0B3F4F3}"/>
               </a:ext>
             </a:extLst>
           </p:cNvPr>
@@ -12563,7 +12544,7 @@
         <p:spPr>
           <a:xfrm>
             <a:off x="87086" y="854528"/>
-            <a:ext cx="3705823" cy="369332"/>
+            <a:ext cx="3218317" cy="369332"/>
           </a:xfrm>
           <a:prstGeom prst="rect">
             <a:avLst/>
@@ -12578,11 +12559,11 @@
           <a:p>
             <a:r>
               <a:rPr lang="en-US" altLang="ko-KR" dirty="0"/>
-              <a:t>2. </a:t>
+              <a:t>1. </a:t>
             </a:r>
             <a:r>
               <a:rPr lang="en-US" altLang="ko-KR" dirty="0" err="1"/>
-              <a:t>DNN_Linear_Regression</a:t>
+              <a:t>DNN_Classification</a:t>
             </a:r>
             <a:r>
               <a:rPr lang="en-US" altLang="ko-KR" dirty="0"/>
@@ -12597,10 +12578,10 @@
       </p:sp>
       <p:pic>
         <p:nvPicPr>
-          <p:cNvPr id="5" name="그림 4">
-            <a:extLst>
-              <a:ext uri="{FF2B5EF4-FFF2-40B4-BE49-F238E27FC236}">
-                <a16:creationId xmlns:a16="http://schemas.microsoft.com/office/drawing/2014/main" id="{46E4F767-684A-C41F-FB6C-54D9CDCB3851}"/>
+          <p:cNvPr id="8" name="그림 7">
+            <a:extLst>
+              <a:ext uri="{FF2B5EF4-FFF2-40B4-BE49-F238E27FC236}">
+                <a16:creationId xmlns:a16="http://schemas.microsoft.com/office/drawing/2014/main" id="{C40A0689-F4CD-7D42-32A5-C4B5A71784CA}"/>
               </a:ext>
             </a:extLst>
           </p:cNvPr>
@@ -12617,8 +12598,8 @@
         </p:blipFill>
         <p:spPr>
           <a:xfrm>
-            <a:off x="82525" y="2120561"/>
-            <a:ext cx="9764697" cy="4737439"/>
+            <a:off x="8258778" y="1539937"/>
+            <a:ext cx="2074515" cy="1443140"/>
           </a:xfrm>
           <a:prstGeom prst="rect">
             <a:avLst/>
@@ -12627,10 +12608,10 @@
       </p:pic>
       <p:pic>
         <p:nvPicPr>
-          <p:cNvPr id="8" name="그림 7">
-            <a:extLst>
-              <a:ext uri="{FF2B5EF4-FFF2-40B4-BE49-F238E27FC236}">
-                <a16:creationId xmlns:a16="http://schemas.microsoft.com/office/drawing/2014/main" id="{69672064-9F10-262D-BFCE-0F09FC61DA55}"/>
+          <p:cNvPr id="10" name="그림 9">
+            <a:extLst>
+              <a:ext uri="{FF2B5EF4-FFF2-40B4-BE49-F238E27FC236}">
+                <a16:creationId xmlns:a16="http://schemas.microsoft.com/office/drawing/2014/main" id="{9BBBDEA2-FE0D-4907-4D7F-78CD9294A337}"/>
               </a:ext>
             </a:extLst>
           </p:cNvPr>
@@ -12647,8 +12628,8 @@
         </p:blipFill>
         <p:spPr>
           <a:xfrm>
-            <a:off x="9346779" y="1134942"/>
-            <a:ext cx="1862882" cy="931440"/>
+            <a:off x="413656" y="1223860"/>
+            <a:ext cx="7677862" cy="4144167"/>
           </a:xfrm>
           <a:prstGeom prst="rect">
             <a:avLst/>
@@ -12657,10 +12638,10 @@
       </p:pic>
       <p:sp>
         <p:nvSpPr>
-          <p:cNvPr id="9" name="TextBox 8">
-            <a:extLst>
-              <a:ext uri="{FF2B5EF4-FFF2-40B4-BE49-F238E27FC236}">
-                <a16:creationId xmlns:a16="http://schemas.microsoft.com/office/drawing/2014/main" id="{25614669-2A21-9088-DC95-41FB3DF8DBF2}"/>
+          <p:cNvPr id="11" name="TextBox 10">
+            <a:extLst>
+              <a:ext uri="{FF2B5EF4-FFF2-40B4-BE49-F238E27FC236}">
+                <a16:creationId xmlns:a16="http://schemas.microsoft.com/office/drawing/2014/main" id="{0F24CCC8-8D4D-8A9C-852A-F448760DCABE}"/>
               </a:ext>
             </a:extLst>
           </p:cNvPr>
@@ -12669,8 +12650,8 @@
         </p:nvSpPr>
         <p:spPr>
           <a:xfrm>
-            <a:off x="380999" y="1349045"/>
-            <a:ext cx="1335366" cy="646331"/>
+            <a:off x="990600" y="5595257"/>
+            <a:ext cx="6604757" cy="369332"/>
           </a:xfrm>
           <a:prstGeom prst="rect">
             <a:avLst/>
@@ -12685,22 +12666,2155 @@
           <a:p>
             <a:r>
               <a:rPr lang="en-US" altLang="ko-KR" dirty="0"/>
-              <a:t>LOSS : 0.289</a:t>
-            </a:r>
-          </a:p>
-          <a:p>
-            <a:r>
-              <a:rPr lang="en-US" altLang="ko-KR" dirty="0"/>
-              <a:t>MAE : 0.32</a:t>
-            </a:r>
-            <a:endParaRPr lang="ko-KR" altLang="en-US" dirty="0"/>
+              <a:t>=&gt; M2</a:t>
+            </a:r>
+            <a:r>
+              <a:rPr lang="ko-KR" altLang="en-US" dirty="0"/>
+              <a:t>에서 가장 중요한 </a:t>
+            </a:r>
+            <a:r>
+              <a:rPr lang="ko-KR" altLang="en-US" dirty="0" err="1"/>
+              <a:t>예측값</a:t>
+            </a:r>
+            <a:r>
+              <a:rPr lang="ko-KR" altLang="en-US" dirty="0"/>
+              <a:t> </a:t>
+            </a:r>
+            <a:r>
+              <a:rPr lang="en-US" altLang="ko-KR" dirty="0"/>
+              <a:t>2,3</a:t>
+            </a:r>
+            <a:r>
+              <a:rPr lang="ko-KR" altLang="en-US" dirty="0"/>
+              <a:t>에 대한 </a:t>
+            </a:r>
+            <a:r>
+              <a:rPr lang="en-US" altLang="ko-KR" dirty="0"/>
+              <a:t>recall, precision</a:t>
+            </a:r>
+            <a:r>
+              <a:rPr lang="ko-KR" altLang="en-US" dirty="0"/>
+              <a:t>이 낮음</a:t>
+            </a:r>
           </a:p>
         </p:txBody>
       </p:sp>
     </p:spTree>
     <p:extLst>
       <p:ext uri="{BB962C8B-B14F-4D97-AF65-F5344CB8AC3E}">
-        <p14:creationId xmlns:p14="http://schemas.microsoft.com/office/powerpoint/2010/main" val="3348043632"/>
+        <p14:creationId xmlns:p14="http://schemas.microsoft.com/office/powerpoint/2010/main" val="988691405"/>
+      </p:ext>
+    </p:extLst>
+  </p:cSld>
+  <p:clrMapOvr>
+    <a:masterClrMapping/>
+  </p:clrMapOvr>
+</p:sld>
+</file>
+
+<file path=ppt/slides/slide42.xml><?xml version="1.0" encoding="utf-8"?>
+<p:sld xmlns:a="http://schemas.openxmlformats.org/drawingml/2006/main" xmlns:r="http://schemas.openxmlformats.org/officeDocument/2006/relationships" xmlns:p="http://schemas.openxmlformats.org/presentationml/2006/main">
+  <p:cSld>
+    <p:spTree>
+      <p:nvGrpSpPr>
+        <p:cNvPr id="1" name="">
+          <a:extLst>
+            <a:ext uri="{FF2B5EF4-FFF2-40B4-BE49-F238E27FC236}">
+              <a16:creationId xmlns:a16="http://schemas.microsoft.com/office/drawing/2014/main" id="{BCECD0C5-6693-7F22-2829-90FD7BFD51DA}"/>
+            </a:ext>
+          </a:extLst>
+        </p:cNvPr>
+        <p:cNvGrpSpPr/>
+        <p:nvPr/>
+      </p:nvGrpSpPr>
+      <p:grpSpPr>
+        <a:xfrm>
+          <a:off x="0" y="0"/>
+          <a:ext cx="0" cy="0"/>
+          <a:chOff x="0" y="0"/>
+          <a:chExt cx="0" cy="0"/>
+        </a:xfrm>
+      </p:grpSpPr>
+      <p:sp>
+        <p:nvSpPr>
+          <p:cNvPr id="11" name="TextBox 10">
+            <a:extLst>
+              <a:ext uri="{FF2B5EF4-FFF2-40B4-BE49-F238E27FC236}">
+                <a16:creationId xmlns:a16="http://schemas.microsoft.com/office/drawing/2014/main" id="{B3420620-10A8-79C7-F1ED-1F9B3D81E274}"/>
+              </a:ext>
+            </a:extLst>
+          </p:cNvPr>
+          <p:cNvSpPr txBox="1"/>
+          <p:nvPr/>
+        </p:nvSpPr>
+        <p:spPr>
+          <a:xfrm>
+            <a:off x="990600" y="5595257"/>
+            <a:ext cx="10152203" cy="369332"/>
+          </a:xfrm>
+          <a:prstGeom prst="rect">
+            <a:avLst/>
+          </a:prstGeom>
+          <a:noFill/>
+        </p:spPr>
+        <p:txBody>
+          <a:bodyPr wrap="none" rtlCol="0">
+            <a:spAutoFit/>
+          </a:bodyPr>
+          <a:lstStyle/>
+          <a:p>
+            <a:r>
+              <a:rPr lang="en-US" altLang="ko-KR" dirty="0"/>
+              <a:t>=&gt; DNN</a:t>
+            </a:r>
+            <a:r>
+              <a:rPr lang="ko-KR" altLang="en-US" dirty="0"/>
+              <a:t>모델보다는 나아졌지만 여전히 </a:t>
+            </a:r>
+            <a:r>
+              <a:rPr lang="en-US" altLang="ko-KR" dirty="0"/>
+              <a:t>M2</a:t>
+            </a:r>
+            <a:r>
+              <a:rPr lang="ko-KR" altLang="en-US" dirty="0"/>
+              <a:t>에서 가장 중요한 </a:t>
+            </a:r>
+            <a:r>
+              <a:rPr lang="ko-KR" altLang="en-US" dirty="0" err="1"/>
+              <a:t>예측값</a:t>
+            </a:r>
+            <a:r>
+              <a:rPr lang="ko-KR" altLang="en-US" dirty="0"/>
+              <a:t> </a:t>
+            </a:r>
+            <a:r>
+              <a:rPr lang="en-US" altLang="ko-KR" dirty="0"/>
+              <a:t>2,3</a:t>
+            </a:r>
+            <a:r>
+              <a:rPr lang="ko-KR" altLang="en-US" dirty="0"/>
+              <a:t>에 대한 </a:t>
+            </a:r>
+            <a:r>
+              <a:rPr lang="en-US" altLang="ko-KR" dirty="0"/>
+              <a:t>recall, precision</a:t>
+            </a:r>
+            <a:r>
+              <a:rPr lang="ko-KR" altLang="en-US" dirty="0"/>
+              <a:t>이 낮음</a:t>
+            </a:r>
+          </a:p>
+        </p:txBody>
+      </p:sp>
+      <p:pic>
+        <p:nvPicPr>
+          <p:cNvPr id="5" name="그림 4">
+            <a:extLst>
+              <a:ext uri="{FF2B5EF4-FFF2-40B4-BE49-F238E27FC236}">
+                <a16:creationId xmlns:a16="http://schemas.microsoft.com/office/drawing/2014/main" id="{8F79AACE-0561-FD4A-E28E-9FC22626F3A5}"/>
+              </a:ext>
+            </a:extLst>
+          </p:cNvPr>
+          <p:cNvPicPr>
+            <a:picLocks noChangeAspect="1"/>
+          </p:cNvPicPr>
+          <p:nvPr/>
+        </p:nvPicPr>
+        <p:blipFill>
+          <a:blip r:embed="rId2"/>
+          <a:stretch>
+            <a:fillRect/>
+          </a:stretch>
+        </p:blipFill>
+        <p:spPr>
+          <a:xfrm>
+            <a:off x="8411178" y="1568848"/>
+            <a:ext cx="2104953" cy="1500923"/>
+          </a:xfrm>
+          <a:prstGeom prst="rect">
+            <a:avLst/>
+          </a:prstGeom>
+        </p:spPr>
+      </p:pic>
+      <p:sp>
+        <p:nvSpPr>
+          <p:cNvPr id="6" name="TextBox 5">
+            <a:extLst>
+              <a:ext uri="{FF2B5EF4-FFF2-40B4-BE49-F238E27FC236}">
+                <a16:creationId xmlns:a16="http://schemas.microsoft.com/office/drawing/2014/main" id="{5EFBE348-25EA-32CE-67C4-3E234D5F48EB}"/>
+              </a:ext>
+            </a:extLst>
+          </p:cNvPr>
+          <p:cNvSpPr txBox="1"/>
+          <p:nvPr/>
+        </p:nvSpPr>
+        <p:spPr>
+          <a:xfrm>
+            <a:off x="87086" y="854528"/>
+            <a:ext cx="3288849" cy="369332"/>
+          </a:xfrm>
+          <a:prstGeom prst="rect">
+            <a:avLst/>
+          </a:prstGeom>
+          <a:noFill/>
+        </p:spPr>
+        <p:txBody>
+          <a:bodyPr wrap="none" rtlCol="0">
+            <a:spAutoFit/>
+          </a:bodyPr>
+          <a:lstStyle/>
+          <a:p>
+            <a:r>
+              <a:rPr lang="en-US" altLang="ko-KR" dirty="0"/>
+              <a:t>1. </a:t>
+            </a:r>
+            <a:r>
+              <a:rPr lang="en-US" altLang="ko-KR" dirty="0" err="1"/>
+              <a:t>LSTM_Classification</a:t>
+            </a:r>
+            <a:r>
+              <a:rPr lang="en-US" altLang="ko-KR" dirty="0"/>
+              <a:t> </a:t>
+            </a:r>
+            <a:r>
+              <a:rPr lang="ko-KR" altLang="en-US" dirty="0"/>
+              <a:t>모델 결과</a:t>
+            </a:r>
+          </a:p>
+        </p:txBody>
+      </p:sp>
+      <p:pic>
+        <p:nvPicPr>
+          <p:cNvPr id="9" name="그림 8">
+            <a:extLst>
+              <a:ext uri="{FF2B5EF4-FFF2-40B4-BE49-F238E27FC236}">
+                <a16:creationId xmlns:a16="http://schemas.microsoft.com/office/drawing/2014/main" id="{630333D8-EB10-D555-08DF-84E3E92E420D}"/>
+              </a:ext>
+            </a:extLst>
+          </p:cNvPr>
+          <p:cNvPicPr>
+            <a:picLocks noChangeAspect="1"/>
+          </p:cNvPicPr>
+          <p:nvPr/>
+        </p:nvPicPr>
+        <p:blipFill>
+          <a:blip r:embed="rId3"/>
+          <a:stretch>
+            <a:fillRect/>
+          </a:stretch>
+        </p:blipFill>
+        <p:spPr>
+          <a:xfrm>
+            <a:off x="381001" y="1257552"/>
+            <a:ext cx="7663542" cy="4076352"/>
+          </a:xfrm>
+          <a:prstGeom prst="rect">
+            <a:avLst/>
+          </a:prstGeom>
+        </p:spPr>
+      </p:pic>
+      <p:sp>
+        <p:nvSpPr>
+          <p:cNvPr id="12" name="직사각형 11">
+            <a:extLst>
+              <a:ext uri="{FF2B5EF4-FFF2-40B4-BE49-F238E27FC236}">
+                <a16:creationId xmlns:a16="http://schemas.microsoft.com/office/drawing/2014/main" id="{B3FEEF26-28B1-85DB-79C4-792B13282BA5}"/>
+              </a:ext>
+            </a:extLst>
+          </p:cNvPr>
+          <p:cNvSpPr/>
+          <p:nvPr/>
+        </p:nvSpPr>
+        <p:spPr>
+          <a:xfrm>
+            <a:off x="0" y="-42173"/>
+            <a:ext cx="12192000" cy="729343"/>
+          </a:xfrm>
+          <a:prstGeom prst="rect">
+            <a:avLst/>
+          </a:prstGeom>
+          <a:solidFill>
+            <a:schemeClr val="accent2">
+              <a:lumMod val="50000"/>
+            </a:schemeClr>
+          </a:solidFill>
+          <a:ln>
+            <a:noFill/>
+          </a:ln>
+        </p:spPr>
+        <p:style>
+          <a:lnRef idx="2">
+            <a:schemeClr val="accent2">
+              <a:shade val="15000"/>
+            </a:schemeClr>
+          </a:lnRef>
+          <a:fillRef idx="1">
+            <a:schemeClr val="accent2"/>
+          </a:fillRef>
+          <a:effectRef idx="0">
+            <a:schemeClr val="accent2"/>
+          </a:effectRef>
+          <a:fontRef idx="minor">
+            <a:schemeClr val="lt1"/>
+          </a:fontRef>
+        </p:style>
+        <p:txBody>
+          <a:bodyPr rtlCol="0" anchor="ctr"/>
+          <a:lstStyle/>
+          <a:p>
+            <a:r>
+              <a:rPr lang="en-US" altLang="ko-KR" sz="4000" dirty="0">
+                <a:latin typeface="HY헤드라인M" panose="02030600000101010101" pitchFamily="18" charset="-127"/>
+                <a:ea typeface="HY헤드라인M" panose="02030600000101010101" pitchFamily="18" charset="-127"/>
+              </a:rPr>
+              <a:t>2-1. </a:t>
+            </a:r>
+            <a:r>
+              <a:rPr lang="ko-KR" altLang="en-US" sz="4000" dirty="0">
+                <a:latin typeface="HY헤드라인M" panose="02030600000101010101" pitchFamily="18" charset="-127"/>
+                <a:ea typeface="HY헤드라인M" panose="02030600000101010101" pitchFamily="18" charset="-127"/>
+              </a:rPr>
+              <a:t>딥러닝 모델 결과 </a:t>
+            </a:r>
+            <a:r>
+              <a:rPr lang="en-US" altLang="ko-KR" sz="4000" dirty="0">
+                <a:latin typeface="HY헤드라인M" panose="02030600000101010101" pitchFamily="18" charset="-127"/>
+                <a:ea typeface="HY헤드라인M" panose="02030600000101010101" pitchFamily="18" charset="-127"/>
+              </a:rPr>
+              <a:t>– LSTM</a:t>
+            </a:r>
+            <a:endParaRPr lang="ko-KR" altLang="en-US" sz="4000" dirty="0">
+              <a:latin typeface="HY헤드라인M" panose="02030600000101010101" pitchFamily="18" charset="-127"/>
+              <a:ea typeface="HY헤드라인M" panose="02030600000101010101" pitchFamily="18" charset="-127"/>
+            </a:endParaRPr>
+          </a:p>
+        </p:txBody>
+      </p:sp>
+    </p:spTree>
+    <p:extLst>
+      <p:ext uri="{BB962C8B-B14F-4D97-AF65-F5344CB8AC3E}">
+        <p14:creationId xmlns:p14="http://schemas.microsoft.com/office/powerpoint/2010/main" val="3756022196"/>
+      </p:ext>
+    </p:extLst>
+  </p:cSld>
+  <p:clrMapOvr>
+    <a:masterClrMapping/>
+  </p:clrMapOvr>
+</p:sld>
+</file>
+
+<file path=ppt/slides/slide43.xml><?xml version="1.0" encoding="utf-8"?>
+<p:sld xmlns:a="http://schemas.openxmlformats.org/drawingml/2006/main" xmlns:r="http://schemas.openxmlformats.org/officeDocument/2006/relationships" xmlns:p="http://schemas.openxmlformats.org/presentationml/2006/main">
+  <p:cSld>
+    <p:spTree>
+      <p:nvGrpSpPr>
+        <p:cNvPr id="1" name="">
+          <a:extLst>
+            <a:ext uri="{FF2B5EF4-FFF2-40B4-BE49-F238E27FC236}">
+              <a16:creationId xmlns:a16="http://schemas.microsoft.com/office/drawing/2014/main" id="{7429292B-7057-D772-95CA-19AD7BEC3520}"/>
+            </a:ext>
+          </a:extLst>
+        </p:cNvPr>
+        <p:cNvGrpSpPr/>
+        <p:nvPr/>
+      </p:nvGrpSpPr>
+      <p:grpSpPr>
+        <a:xfrm>
+          <a:off x="0" y="0"/>
+          <a:ext cx="0" cy="0"/>
+          <a:chOff x="0" y="0"/>
+          <a:chExt cx="0" cy="0"/>
+        </a:xfrm>
+      </p:grpSpPr>
+      <p:sp>
+        <p:nvSpPr>
+          <p:cNvPr id="2" name="직사각형 1">
+            <a:extLst>
+              <a:ext uri="{FF2B5EF4-FFF2-40B4-BE49-F238E27FC236}">
+                <a16:creationId xmlns:a16="http://schemas.microsoft.com/office/drawing/2014/main" id="{9B0578E5-5833-EDC7-9432-73A5F85DC1A1}"/>
+              </a:ext>
+            </a:extLst>
+          </p:cNvPr>
+          <p:cNvSpPr/>
+          <p:nvPr/>
+        </p:nvSpPr>
+        <p:spPr>
+          <a:xfrm>
+            <a:off x="59871" y="1981200"/>
+            <a:ext cx="12072257" cy="2536372"/>
+          </a:xfrm>
+          <a:prstGeom prst="rect">
+            <a:avLst/>
+          </a:prstGeom>
+          <a:solidFill>
+            <a:schemeClr val="accent2">
+              <a:lumMod val="50000"/>
+            </a:schemeClr>
+          </a:solidFill>
+          <a:ln>
+            <a:noFill/>
+          </a:ln>
+        </p:spPr>
+        <p:style>
+          <a:lnRef idx="2">
+            <a:schemeClr val="accent2">
+              <a:shade val="15000"/>
+            </a:schemeClr>
+          </a:lnRef>
+          <a:fillRef idx="1">
+            <a:schemeClr val="accent2"/>
+          </a:fillRef>
+          <a:effectRef idx="0">
+            <a:schemeClr val="accent2"/>
+          </a:effectRef>
+          <a:fontRef idx="minor">
+            <a:schemeClr val="lt1"/>
+          </a:fontRef>
+        </p:style>
+        <p:txBody>
+          <a:bodyPr rtlCol="0" anchor="ctr"/>
+          <a:lstStyle/>
+          <a:p>
+            <a:pPr algn="ctr"/>
+            <a:r>
+              <a:rPr lang="en-US" altLang="ko-KR" sz="5400" dirty="0">
+                <a:latin typeface="HY헤드라인M" panose="02030600000101010101" pitchFamily="18" charset="-127"/>
+                <a:ea typeface="HY헤드라인M" panose="02030600000101010101" pitchFamily="18" charset="-127"/>
+              </a:rPr>
+              <a:t>2-2. </a:t>
+            </a:r>
+            <a:r>
+              <a:rPr lang="ko-KR" altLang="en-US" sz="5400" dirty="0" err="1">
+                <a:latin typeface="HY헤드라인M" panose="02030600000101010101" pitchFamily="18" charset="-127"/>
+                <a:ea typeface="HY헤드라인M" panose="02030600000101010101" pitchFamily="18" charset="-127"/>
+              </a:rPr>
+              <a:t>머신러닝</a:t>
+            </a:r>
+            <a:r>
+              <a:rPr lang="ko-KR" altLang="en-US" sz="5400" dirty="0">
+                <a:latin typeface="HY헤드라인M" panose="02030600000101010101" pitchFamily="18" charset="-127"/>
+                <a:ea typeface="HY헤드라인M" panose="02030600000101010101" pitchFamily="18" charset="-127"/>
+              </a:rPr>
+              <a:t> 모델 결과</a:t>
+            </a:r>
+          </a:p>
+        </p:txBody>
+      </p:sp>
+    </p:spTree>
+    <p:extLst>
+      <p:ext uri="{BB962C8B-B14F-4D97-AF65-F5344CB8AC3E}">
+        <p14:creationId xmlns:p14="http://schemas.microsoft.com/office/powerpoint/2010/main" val="3463947239"/>
+      </p:ext>
+    </p:extLst>
+  </p:cSld>
+  <p:clrMapOvr>
+    <a:masterClrMapping/>
+  </p:clrMapOvr>
+</p:sld>
+</file>
+
+<file path=ppt/slides/slide44.xml><?xml version="1.0" encoding="utf-8"?>
+<p:sld xmlns:a="http://schemas.openxmlformats.org/drawingml/2006/main" xmlns:r="http://schemas.openxmlformats.org/officeDocument/2006/relationships" xmlns:p="http://schemas.openxmlformats.org/presentationml/2006/main">
+  <p:cSld>
+    <p:spTree>
+      <p:nvGrpSpPr>
+        <p:cNvPr id="1" name="">
+          <a:extLst>
+            <a:ext uri="{FF2B5EF4-FFF2-40B4-BE49-F238E27FC236}">
+              <a16:creationId xmlns:a16="http://schemas.microsoft.com/office/drawing/2014/main" id="{FC6E9823-4A5A-163B-3C2D-BEA069EE0B4A}"/>
+            </a:ext>
+          </a:extLst>
+        </p:cNvPr>
+        <p:cNvGrpSpPr/>
+        <p:nvPr/>
+      </p:nvGrpSpPr>
+      <p:grpSpPr>
+        <a:xfrm>
+          <a:off x="0" y="0"/>
+          <a:ext cx="0" cy="0"/>
+          <a:chOff x="0" y="0"/>
+          <a:chExt cx="0" cy="0"/>
+        </a:xfrm>
+      </p:grpSpPr>
+      <p:sp>
+        <p:nvSpPr>
+          <p:cNvPr id="2" name="직사각형 1">
+            <a:extLst>
+              <a:ext uri="{FF2B5EF4-FFF2-40B4-BE49-F238E27FC236}">
+                <a16:creationId xmlns:a16="http://schemas.microsoft.com/office/drawing/2014/main" id="{5B3161C7-16FB-ADE3-B8D5-432852A86B00}"/>
+              </a:ext>
+            </a:extLst>
+          </p:cNvPr>
+          <p:cNvSpPr/>
+          <p:nvPr/>
+        </p:nvSpPr>
+        <p:spPr>
+          <a:xfrm>
+            <a:off x="59871" y="1981200"/>
+            <a:ext cx="12072257" cy="2536372"/>
+          </a:xfrm>
+          <a:prstGeom prst="rect">
+            <a:avLst/>
+          </a:prstGeom>
+          <a:solidFill>
+            <a:schemeClr val="accent2">
+              <a:lumMod val="50000"/>
+            </a:schemeClr>
+          </a:solidFill>
+          <a:ln>
+            <a:noFill/>
+          </a:ln>
+        </p:spPr>
+        <p:style>
+          <a:lnRef idx="2">
+            <a:schemeClr val="accent2">
+              <a:shade val="15000"/>
+            </a:schemeClr>
+          </a:lnRef>
+          <a:fillRef idx="1">
+            <a:schemeClr val="accent2"/>
+          </a:fillRef>
+          <a:effectRef idx="0">
+            <a:schemeClr val="accent2"/>
+          </a:effectRef>
+          <a:fontRef idx="minor">
+            <a:schemeClr val="lt1"/>
+          </a:fontRef>
+        </p:style>
+        <p:txBody>
+          <a:bodyPr rtlCol="0" anchor="ctr"/>
+          <a:lstStyle/>
+          <a:p>
+            <a:pPr algn="ctr"/>
+            <a:r>
+              <a:rPr lang="en-US" altLang="ko-KR" sz="5400" dirty="0">
+                <a:latin typeface="HY헤드라인M" panose="02030600000101010101" pitchFamily="18" charset="-127"/>
+                <a:ea typeface="HY헤드라인M" panose="02030600000101010101" pitchFamily="18" charset="-127"/>
+              </a:rPr>
+              <a:t>2-2-0. </a:t>
+            </a:r>
+            <a:r>
+              <a:rPr lang="ko-KR" altLang="en-US" sz="5400" dirty="0" err="1">
+                <a:latin typeface="HY헤드라인M" panose="02030600000101010101" pitchFamily="18" charset="-127"/>
+                <a:ea typeface="HY헤드라인M" panose="02030600000101010101" pitchFamily="18" charset="-127"/>
+              </a:rPr>
+              <a:t>머신러닝</a:t>
+            </a:r>
+            <a:r>
+              <a:rPr lang="ko-KR" altLang="en-US" sz="5400" dirty="0">
+                <a:latin typeface="HY헤드라인M" panose="02030600000101010101" pitchFamily="18" charset="-127"/>
+                <a:ea typeface="HY헤드라인M" panose="02030600000101010101" pitchFamily="18" charset="-127"/>
+              </a:rPr>
+              <a:t> 모델 파라미터 탐색</a:t>
+            </a:r>
+          </a:p>
+        </p:txBody>
+      </p:sp>
+    </p:spTree>
+    <p:extLst>
+      <p:ext uri="{BB962C8B-B14F-4D97-AF65-F5344CB8AC3E}">
+        <p14:creationId xmlns:p14="http://schemas.microsoft.com/office/powerpoint/2010/main" val="3802389833"/>
+      </p:ext>
+    </p:extLst>
+  </p:cSld>
+  <p:clrMapOvr>
+    <a:masterClrMapping/>
+  </p:clrMapOvr>
+</p:sld>
+</file>
+
+<file path=ppt/slides/slide45.xml><?xml version="1.0" encoding="utf-8"?>
+<p:sld xmlns:a="http://schemas.openxmlformats.org/drawingml/2006/main" xmlns:r="http://schemas.openxmlformats.org/officeDocument/2006/relationships" xmlns:p="http://schemas.openxmlformats.org/presentationml/2006/main">
+  <p:cSld>
+    <p:spTree>
+      <p:nvGrpSpPr>
+        <p:cNvPr id="1" name="">
+          <a:extLst>
+            <a:ext uri="{FF2B5EF4-FFF2-40B4-BE49-F238E27FC236}">
+              <a16:creationId xmlns:a16="http://schemas.microsoft.com/office/drawing/2014/main" id="{8595F5F7-7FA3-BC0E-8A5F-1EFC88B10BE0}"/>
+            </a:ext>
+          </a:extLst>
+        </p:cNvPr>
+        <p:cNvGrpSpPr/>
+        <p:nvPr/>
+      </p:nvGrpSpPr>
+      <p:grpSpPr>
+        <a:xfrm>
+          <a:off x="0" y="0"/>
+          <a:ext cx="0" cy="0"/>
+          <a:chOff x="0" y="0"/>
+          <a:chExt cx="0" cy="0"/>
+        </a:xfrm>
+      </p:grpSpPr>
+      <p:sp>
+        <p:nvSpPr>
+          <p:cNvPr id="4" name="직사각형 3">
+            <a:extLst>
+              <a:ext uri="{FF2B5EF4-FFF2-40B4-BE49-F238E27FC236}">
+                <a16:creationId xmlns:a16="http://schemas.microsoft.com/office/drawing/2014/main" id="{48703974-63FA-4444-559D-B75701917B98}"/>
+              </a:ext>
+            </a:extLst>
+          </p:cNvPr>
+          <p:cNvSpPr/>
+          <p:nvPr/>
+        </p:nvSpPr>
+        <p:spPr>
+          <a:xfrm>
+            <a:off x="0" y="-42173"/>
+            <a:ext cx="12192000" cy="729343"/>
+          </a:xfrm>
+          <a:prstGeom prst="rect">
+            <a:avLst/>
+          </a:prstGeom>
+          <a:solidFill>
+            <a:schemeClr val="accent2">
+              <a:lumMod val="50000"/>
+            </a:schemeClr>
+          </a:solidFill>
+          <a:ln>
+            <a:noFill/>
+          </a:ln>
+        </p:spPr>
+        <p:style>
+          <a:lnRef idx="2">
+            <a:schemeClr val="accent2">
+              <a:shade val="15000"/>
+            </a:schemeClr>
+          </a:lnRef>
+          <a:fillRef idx="1">
+            <a:schemeClr val="accent2"/>
+          </a:fillRef>
+          <a:effectRef idx="0">
+            <a:schemeClr val="accent2"/>
+          </a:effectRef>
+          <a:fontRef idx="minor">
+            <a:schemeClr val="lt1"/>
+          </a:fontRef>
+        </p:style>
+        <p:txBody>
+          <a:bodyPr rtlCol="0" anchor="ctr"/>
+          <a:lstStyle/>
+          <a:p>
+            <a:r>
+              <a:rPr lang="en-US" altLang="ko-KR" sz="4000" dirty="0">
+                <a:latin typeface="HY헤드라인M" panose="02030600000101010101" pitchFamily="18" charset="-127"/>
+                <a:ea typeface="HY헤드라인M" panose="02030600000101010101" pitchFamily="18" charset="-127"/>
+              </a:rPr>
+              <a:t>2-2-0. </a:t>
+            </a:r>
+            <a:r>
+              <a:rPr lang="ko-KR" altLang="en-US" sz="4000" dirty="0" err="1">
+                <a:latin typeface="HY헤드라인M" panose="02030600000101010101" pitchFamily="18" charset="-127"/>
+                <a:ea typeface="HY헤드라인M" panose="02030600000101010101" pitchFamily="18" charset="-127"/>
+              </a:rPr>
+              <a:t>머신러닝</a:t>
+            </a:r>
+            <a:r>
+              <a:rPr lang="ko-KR" altLang="en-US" sz="4000" dirty="0">
+                <a:latin typeface="HY헤드라인M" panose="02030600000101010101" pitchFamily="18" charset="-127"/>
+                <a:ea typeface="HY헤드라인M" panose="02030600000101010101" pitchFamily="18" charset="-127"/>
+              </a:rPr>
+              <a:t> 파라미터 탐색</a:t>
+            </a:r>
+            <a:r>
+              <a:rPr lang="en-US" altLang="ko-KR" sz="4000" dirty="0">
+                <a:latin typeface="HY헤드라인M" panose="02030600000101010101" pitchFamily="18" charset="-127"/>
+                <a:ea typeface="HY헤드라인M" panose="02030600000101010101" pitchFamily="18" charset="-127"/>
+              </a:rPr>
+              <a:t>_</a:t>
+            </a:r>
+            <a:r>
+              <a:rPr lang="en-US" altLang="ko-KR" sz="4000" dirty="0" err="1">
+                <a:latin typeface="HY헤드라인M" panose="02030600000101010101" pitchFamily="18" charset="-127"/>
+                <a:ea typeface="HY헤드라인M" panose="02030600000101010101" pitchFamily="18" charset="-127"/>
+              </a:rPr>
+              <a:t>lgbm</a:t>
+            </a:r>
+            <a:r>
+              <a:rPr lang="ko-KR" altLang="en-US" sz="4000" dirty="0">
+                <a:latin typeface="HY헤드라인M" panose="02030600000101010101" pitchFamily="18" charset="-127"/>
+                <a:ea typeface="HY헤드라인M" panose="02030600000101010101" pitchFamily="18" charset="-127"/>
+              </a:rPr>
+              <a:t>을 예시로</a:t>
+            </a:r>
+            <a:r>
+              <a:rPr lang="en-US" altLang="ko-KR" sz="4000" dirty="0">
+                <a:latin typeface="HY헤드라인M" panose="02030600000101010101" pitchFamily="18" charset="-127"/>
+                <a:ea typeface="HY헤드라인M" panose="02030600000101010101" pitchFamily="18" charset="-127"/>
+              </a:rPr>
+              <a:t>(1/2)</a:t>
+            </a:r>
+            <a:endParaRPr lang="ko-KR" altLang="en-US" sz="4000" dirty="0">
+              <a:latin typeface="HY헤드라인M" panose="02030600000101010101" pitchFamily="18" charset="-127"/>
+              <a:ea typeface="HY헤드라인M" panose="02030600000101010101" pitchFamily="18" charset="-127"/>
+            </a:endParaRPr>
+          </a:p>
+        </p:txBody>
+      </p:sp>
+      <p:sp>
+        <p:nvSpPr>
+          <p:cNvPr id="6" name="TextBox 5">
+            <a:extLst>
+              <a:ext uri="{FF2B5EF4-FFF2-40B4-BE49-F238E27FC236}">
+                <a16:creationId xmlns:a16="http://schemas.microsoft.com/office/drawing/2014/main" id="{47DCA981-946A-402E-FCC1-02F0481D4A17}"/>
+              </a:ext>
+            </a:extLst>
+          </p:cNvPr>
+          <p:cNvSpPr txBox="1"/>
+          <p:nvPr/>
+        </p:nvSpPr>
+        <p:spPr>
+          <a:xfrm>
+            <a:off x="87086" y="854528"/>
+            <a:ext cx="6505114" cy="369332"/>
+          </a:xfrm>
+          <a:prstGeom prst="rect">
+            <a:avLst/>
+          </a:prstGeom>
+          <a:noFill/>
+        </p:spPr>
+        <p:txBody>
+          <a:bodyPr wrap="none" rtlCol="0">
+            <a:spAutoFit/>
+          </a:bodyPr>
+          <a:lstStyle/>
+          <a:p>
+            <a:r>
+              <a:rPr lang="en-US" altLang="ko-KR" dirty="0"/>
+              <a:t>1. </a:t>
+            </a:r>
+            <a:r>
+              <a:rPr lang="en-US" altLang="ko-KR" dirty="0" err="1"/>
+              <a:t>sklearn.model_selection</a:t>
+            </a:r>
+            <a:r>
+              <a:rPr lang="ko-KR" altLang="en-US" dirty="0"/>
+              <a:t>의 </a:t>
+            </a:r>
+            <a:r>
+              <a:rPr lang="en-US" altLang="ko-KR" dirty="0" err="1"/>
+              <a:t>GridSearchCV</a:t>
+            </a:r>
+            <a:r>
+              <a:rPr lang="ko-KR" altLang="en-US" dirty="0"/>
+              <a:t>를 통해 파라미터 탐색</a:t>
+            </a:r>
+          </a:p>
+        </p:txBody>
+      </p:sp>
+      <p:pic>
+        <p:nvPicPr>
+          <p:cNvPr id="5" name="그림 4">
+            <a:extLst>
+              <a:ext uri="{FF2B5EF4-FFF2-40B4-BE49-F238E27FC236}">
+                <a16:creationId xmlns:a16="http://schemas.microsoft.com/office/drawing/2014/main" id="{6456862B-202E-691B-A583-5DA50B4472F1}"/>
+              </a:ext>
+            </a:extLst>
+          </p:cNvPr>
+          <p:cNvPicPr>
+            <a:picLocks noChangeAspect="1"/>
+          </p:cNvPicPr>
+          <p:nvPr/>
+        </p:nvPicPr>
+        <p:blipFill>
+          <a:blip r:embed="rId2"/>
+          <a:stretch>
+            <a:fillRect/>
+          </a:stretch>
+        </p:blipFill>
+        <p:spPr>
+          <a:xfrm>
+            <a:off x="546663" y="1545581"/>
+            <a:ext cx="6681451" cy="1476135"/>
+          </a:xfrm>
+          <a:prstGeom prst="rect">
+            <a:avLst/>
+          </a:prstGeom>
+        </p:spPr>
+      </p:pic>
+      <p:pic>
+        <p:nvPicPr>
+          <p:cNvPr id="9" name="그림 8">
+            <a:extLst>
+              <a:ext uri="{FF2B5EF4-FFF2-40B4-BE49-F238E27FC236}">
+                <a16:creationId xmlns:a16="http://schemas.microsoft.com/office/drawing/2014/main" id="{3F051641-847F-450A-E969-6C4FB1AF95A1}"/>
+              </a:ext>
+            </a:extLst>
+          </p:cNvPr>
+          <p:cNvPicPr>
+            <a:picLocks noChangeAspect="1"/>
+          </p:cNvPicPr>
+          <p:nvPr/>
+        </p:nvPicPr>
+        <p:blipFill>
+          <a:blip r:embed="rId3"/>
+          <a:stretch>
+            <a:fillRect/>
+          </a:stretch>
+        </p:blipFill>
+        <p:spPr>
+          <a:xfrm>
+            <a:off x="7978416" y="1524646"/>
+            <a:ext cx="2427700" cy="1415141"/>
+          </a:xfrm>
+          <a:prstGeom prst="rect">
+            <a:avLst/>
+          </a:prstGeom>
+        </p:spPr>
+      </p:pic>
+      <p:sp>
+        <p:nvSpPr>
+          <p:cNvPr id="16" name="TextBox 15">
+            <a:extLst>
+              <a:ext uri="{FF2B5EF4-FFF2-40B4-BE49-F238E27FC236}">
+                <a16:creationId xmlns:a16="http://schemas.microsoft.com/office/drawing/2014/main" id="{B2C75730-BE63-1163-B2F8-CFA37C968905}"/>
+              </a:ext>
+            </a:extLst>
+          </p:cNvPr>
+          <p:cNvSpPr txBox="1"/>
+          <p:nvPr/>
+        </p:nvSpPr>
+        <p:spPr>
+          <a:xfrm>
+            <a:off x="87085" y="3513119"/>
+            <a:ext cx="8638903" cy="646331"/>
+          </a:xfrm>
+          <a:prstGeom prst="rect">
+            <a:avLst/>
+          </a:prstGeom>
+          <a:noFill/>
+        </p:spPr>
+        <p:txBody>
+          <a:bodyPr wrap="none" rtlCol="0">
+            <a:spAutoFit/>
+          </a:bodyPr>
+          <a:lstStyle/>
+          <a:p>
+            <a:r>
+              <a:rPr lang="en-US" altLang="ko-KR" dirty="0"/>
+              <a:t>2. </a:t>
+            </a:r>
+            <a:r>
+              <a:rPr lang="ko-KR" altLang="en-US" dirty="0"/>
+              <a:t>데이터의 양이 방대하여 샘플 추출 </a:t>
+            </a:r>
+            <a:r>
+              <a:rPr lang="en-US" altLang="ko-KR" dirty="0"/>
+              <a:t>: </a:t>
+            </a:r>
+          </a:p>
+          <a:p>
+            <a:r>
+              <a:rPr lang="en-US" altLang="ko-KR" dirty="0"/>
+              <a:t>	- </a:t>
+            </a:r>
+            <a:r>
+              <a:rPr lang="ko-KR" altLang="en-US" dirty="0"/>
+              <a:t>시계열 속성을 고려하여 </a:t>
+            </a:r>
+            <a:r>
+              <a:rPr lang="en-US" altLang="ko-KR" dirty="0"/>
+              <a:t>22</a:t>
+            </a:r>
+            <a:r>
+              <a:rPr lang="ko-KR" altLang="en-US" dirty="0"/>
+              <a:t>년도 </a:t>
+            </a:r>
+            <a:r>
+              <a:rPr lang="en-US" altLang="ko-KR" dirty="0"/>
+              <a:t>1</a:t>
+            </a:r>
+            <a:r>
+              <a:rPr lang="ko-KR" altLang="en-US" dirty="0"/>
+              <a:t>월부터 </a:t>
+            </a:r>
+            <a:r>
+              <a:rPr lang="en-US" altLang="ko-KR" dirty="0"/>
+              <a:t>3</a:t>
+            </a:r>
+            <a:r>
+              <a:rPr lang="ko-KR" altLang="en-US" dirty="0"/>
+              <a:t>월까지의 데이터를 샘플로 탐색 시도</a:t>
+            </a:r>
+          </a:p>
+        </p:txBody>
+      </p:sp>
+      <p:sp>
+        <p:nvSpPr>
+          <p:cNvPr id="17" name="TextBox 16">
+            <a:extLst>
+              <a:ext uri="{FF2B5EF4-FFF2-40B4-BE49-F238E27FC236}">
+                <a16:creationId xmlns:a16="http://schemas.microsoft.com/office/drawing/2014/main" id="{B058F759-8C85-5502-2648-70B92489D836}"/>
+              </a:ext>
+            </a:extLst>
+          </p:cNvPr>
+          <p:cNvSpPr txBox="1"/>
+          <p:nvPr/>
+        </p:nvSpPr>
+        <p:spPr>
+          <a:xfrm>
+            <a:off x="87085" y="5101351"/>
+            <a:ext cx="10869386" cy="369332"/>
+          </a:xfrm>
+          <a:prstGeom prst="rect">
+            <a:avLst/>
+          </a:prstGeom>
+          <a:noFill/>
+        </p:spPr>
+        <p:txBody>
+          <a:bodyPr wrap="none" rtlCol="0">
+            <a:spAutoFit/>
+          </a:bodyPr>
+          <a:lstStyle/>
+          <a:p>
+            <a:r>
+              <a:rPr lang="en-US" altLang="ko-KR" dirty="0"/>
+              <a:t>3. </a:t>
+            </a:r>
+            <a:r>
+              <a:rPr lang="ko-KR" altLang="en-US" dirty="0"/>
+              <a:t>여러 </a:t>
+            </a:r>
+            <a:r>
+              <a:rPr lang="en-US" altLang="ko-KR" dirty="0"/>
+              <a:t>parameter</a:t>
+            </a:r>
+            <a:r>
+              <a:rPr lang="ko-KR" altLang="en-US" dirty="0"/>
+              <a:t>를 시도하며 최적의 파라미터를 체크 후 </a:t>
+            </a:r>
+            <a:r>
+              <a:rPr lang="en-US" altLang="ko-KR" dirty="0"/>
+              <a:t>parameter </a:t>
+            </a:r>
+            <a:r>
+              <a:rPr lang="ko-KR" altLang="en-US" dirty="0"/>
+              <a:t>영역을 확장하는 방식으로 탐색을 실시</a:t>
+            </a:r>
+          </a:p>
+        </p:txBody>
+      </p:sp>
+    </p:spTree>
+    <p:extLst>
+      <p:ext uri="{BB962C8B-B14F-4D97-AF65-F5344CB8AC3E}">
+        <p14:creationId xmlns:p14="http://schemas.microsoft.com/office/powerpoint/2010/main" val="530399509"/>
+      </p:ext>
+    </p:extLst>
+  </p:cSld>
+  <p:clrMapOvr>
+    <a:masterClrMapping/>
+  </p:clrMapOvr>
+</p:sld>
+</file>
+
+<file path=ppt/slides/slide46.xml><?xml version="1.0" encoding="utf-8"?>
+<p:sld xmlns:a="http://schemas.openxmlformats.org/drawingml/2006/main" xmlns:r="http://schemas.openxmlformats.org/officeDocument/2006/relationships" xmlns:p="http://schemas.openxmlformats.org/presentationml/2006/main">
+  <p:cSld>
+    <p:spTree>
+      <p:nvGrpSpPr>
+        <p:cNvPr id="1" name="">
+          <a:extLst>
+            <a:ext uri="{FF2B5EF4-FFF2-40B4-BE49-F238E27FC236}">
+              <a16:creationId xmlns:a16="http://schemas.microsoft.com/office/drawing/2014/main" id="{69FDBAB8-D466-898E-1C30-4CC4BD45981B}"/>
+            </a:ext>
+          </a:extLst>
+        </p:cNvPr>
+        <p:cNvGrpSpPr/>
+        <p:nvPr/>
+      </p:nvGrpSpPr>
+      <p:grpSpPr>
+        <a:xfrm>
+          <a:off x="0" y="0"/>
+          <a:ext cx="0" cy="0"/>
+          <a:chOff x="0" y="0"/>
+          <a:chExt cx="0" cy="0"/>
+        </a:xfrm>
+      </p:grpSpPr>
+      <p:sp>
+        <p:nvSpPr>
+          <p:cNvPr id="4" name="직사각형 3">
+            <a:extLst>
+              <a:ext uri="{FF2B5EF4-FFF2-40B4-BE49-F238E27FC236}">
+                <a16:creationId xmlns:a16="http://schemas.microsoft.com/office/drawing/2014/main" id="{DA652BD9-9959-2F52-5688-C07C36CEDAAB}"/>
+              </a:ext>
+            </a:extLst>
+          </p:cNvPr>
+          <p:cNvSpPr/>
+          <p:nvPr/>
+        </p:nvSpPr>
+        <p:spPr>
+          <a:xfrm>
+            <a:off x="0" y="-42173"/>
+            <a:ext cx="12192000" cy="729343"/>
+          </a:xfrm>
+          <a:prstGeom prst="rect">
+            <a:avLst/>
+          </a:prstGeom>
+          <a:solidFill>
+            <a:schemeClr val="accent2">
+              <a:lumMod val="50000"/>
+            </a:schemeClr>
+          </a:solidFill>
+          <a:ln>
+            <a:noFill/>
+          </a:ln>
+        </p:spPr>
+        <p:style>
+          <a:lnRef idx="2">
+            <a:schemeClr val="accent2">
+              <a:shade val="15000"/>
+            </a:schemeClr>
+          </a:lnRef>
+          <a:fillRef idx="1">
+            <a:schemeClr val="accent2"/>
+          </a:fillRef>
+          <a:effectRef idx="0">
+            <a:schemeClr val="accent2"/>
+          </a:effectRef>
+          <a:fontRef idx="minor">
+            <a:schemeClr val="lt1"/>
+          </a:fontRef>
+        </p:style>
+        <p:txBody>
+          <a:bodyPr rtlCol="0" anchor="ctr"/>
+          <a:lstStyle/>
+          <a:p>
+            <a:r>
+              <a:rPr lang="en-US" altLang="ko-KR" sz="4000" dirty="0">
+                <a:latin typeface="HY헤드라인M" panose="02030600000101010101" pitchFamily="18" charset="-127"/>
+                <a:ea typeface="HY헤드라인M" panose="02030600000101010101" pitchFamily="18" charset="-127"/>
+              </a:rPr>
+              <a:t>2-2-0. </a:t>
+            </a:r>
+            <a:r>
+              <a:rPr lang="ko-KR" altLang="en-US" sz="4000" dirty="0" err="1">
+                <a:latin typeface="HY헤드라인M" panose="02030600000101010101" pitchFamily="18" charset="-127"/>
+                <a:ea typeface="HY헤드라인M" panose="02030600000101010101" pitchFamily="18" charset="-127"/>
+              </a:rPr>
+              <a:t>머신러닝</a:t>
+            </a:r>
+            <a:r>
+              <a:rPr lang="ko-KR" altLang="en-US" sz="4000" dirty="0">
+                <a:latin typeface="HY헤드라인M" panose="02030600000101010101" pitchFamily="18" charset="-127"/>
+                <a:ea typeface="HY헤드라인M" panose="02030600000101010101" pitchFamily="18" charset="-127"/>
+              </a:rPr>
+              <a:t> 파라미터 탐색</a:t>
+            </a:r>
+            <a:r>
+              <a:rPr lang="en-US" altLang="ko-KR" sz="4000" dirty="0">
+                <a:latin typeface="HY헤드라인M" panose="02030600000101010101" pitchFamily="18" charset="-127"/>
+                <a:ea typeface="HY헤드라인M" panose="02030600000101010101" pitchFamily="18" charset="-127"/>
+              </a:rPr>
+              <a:t>_</a:t>
+            </a:r>
+            <a:r>
+              <a:rPr lang="en-US" altLang="ko-KR" sz="4000" dirty="0" err="1">
+                <a:latin typeface="HY헤드라인M" panose="02030600000101010101" pitchFamily="18" charset="-127"/>
+                <a:ea typeface="HY헤드라인M" panose="02030600000101010101" pitchFamily="18" charset="-127"/>
+              </a:rPr>
+              <a:t>lgbm</a:t>
+            </a:r>
+            <a:r>
+              <a:rPr lang="ko-KR" altLang="en-US" sz="4000" dirty="0">
+                <a:latin typeface="HY헤드라인M" panose="02030600000101010101" pitchFamily="18" charset="-127"/>
+                <a:ea typeface="HY헤드라인M" panose="02030600000101010101" pitchFamily="18" charset="-127"/>
+              </a:rPr>
+              <a:t>을 예시로</a:t>
+            </a:r>
+            <a:r>
+              <a:rPr lang="en-US" altLang="ko-KR" sz="4000" dirty="0">
+                <a:latin typeface="HY헤드라인M" panose="02030600000101010101" pitchFamily="18" charset="-127"/>
+                <a:ea typeface="HY헤드라인M" panose="02030600000101010101" pitchFamily="18" charset="-127"/>
+              </a:rPr>
+              <a:t>(2/2)</a:t>
+            </a:r>
+            <a:endParaRPr lang="ko-KR" altLang="en-US" sz="4000" dirty="0">
+              <a:latin typeface="HY헤드라인M" panose="02030600000101010101" pitchFamily="18" charset="-127"/>
+              <a:ea typeface="HY헤드라인M" panose="02030600000101010101" pitchFamily="18" charset="-127"/>
+            </a:endParaRPr>
+          </a:p>
+        </p:txBody>
+      </p:sp>
+      <p:sp>
+        <p:nvSpPr>
+          <p:cNvPr id="6" name="TextBox 5">
+            <a:extLst>
+              <a:ext uri="{FF2B5EF4-FFF2-40B4-BE49-F238E27FC236}">
+                <a16:creationId xmlns:a16="http://schemas.microsoft.com/office/drawing/2014/main" id="{95C4F756-ECE9-FB8E-99A6-44C4177EE828}"/>
+              </a:ext>
+            </a:extLst>
+          </p:cNvPr>
+          <p:cNvSpPr txBox="1"/>
+          <p:nvPr/>
+        </p:nvSpPr>
+        <p:spPr>
+          <a:xfrm>
+            <a:off x="87086" y="4838700"/>
+            <a:ext cx="7303923" cy="646331"/>
+          </a:xfrm>
+          <a:prstGeom prst="rect">
+            <a:avLst/>
+          </a:prstGeom>
+          <a:noFill/>
+        </p:spPr>
+        <p:txBody>
+          <a:bodyPr wrap="none" rtlCol="0">
+            <a:spAutoFit/>
+          </a:bodyPr>
+          <a:lstStyle/>
+          <a:p>
+            <a:r>
+              <a:rPr lang="en-US" altLang="ko-KR" dirty="0"/>
+              <a:t>5. Boosting</a:t>
+            </a:r>
+            <a:r>
+              <a:rPr lang="ko-KR" altLang="en-US" dirty="0"/>
+              <a:t> 마다 </a:t>
+            </a:r>
+            <a:r>
+              <a:rPr lang="en-US" altLang="ko-KR" dirty="0"/>
+              <a:t>predict </a:t>
+            </a:r>
+            <a:r>
+              <a:rPr lang="ko-KR" altLang="en-US" dirty="0"/>
+              <a:t>값을 체크하여 </a:t>
+            </a:r>
+            <a:r>
+              <a:rPr lang="en-US" altLang="ko-KR" dirty="0"/>
+              <a:t>accuracy</a:t>
+            </a:r>
+            <a:r>
+              <a:rPr lang="ko-KR" altLang="en-US" dirty="0"/>
+              <a:t>의 변화를 확인</a:t>
+            </a:r>
+            <a:endParaRPr lang="en-US" altLang="ko-KR" dirty="0"/>
+          </a:p>
+          <a:p>
+            <a:r>
+              <a:rPr lang="en-US" altLang="ko-KR" dirty="0"/>
+              <a:t>	=&gt; </a:t>
+            </a:r>
+            <a:r>
+              <a:rPr lang="ko-KR" altLang="en-US" dirty="0"/>
+              <a:t>결과 </a:t>
+            </a:r>
+            <a:r>
+              <a:rPr lang="en-US" altLang="ko-KR" dirty="0"/>
+              <a:t>: </a:t>
+            </a:r>
+            <a:r>
+              <a:rPr lang="ko-KR" altLang="en-US" dirty="0"/>
+              <a:t> </a:t>
+            </a:r>
+            <a:r>
+              <a:rPr lang="en-US" altLang="ko-KR" dirty="0"/>
+              <a:t>estimators</a:t>
+            </a:r>
+            <a:r>
+              <a:rPr lang="ko-KR" altLang="en-US" dirty="0"/>
+              <a:t>가 증가할 수록 그래프가 여전히 상승하는 모습</a:t>
+            </a:r>
+          </a:p>
+        </p:txBody>
+      </p:sp>
+      <p:sp>
+        <p:nvSpPr>
+          <p:cNvPr id="2" name="TextBox 1">
+            <a:extLst>
+              <a:ext uri="{FF2B5EF4-FFF2-40B4-BE49-F238E27FC236}">
+                <a16:creationId xmlns:a16="http://schemas.microsoft.com/office/drawing/2014/main" id="{2CF86329-0CAA-5139-A27A-690986C677DF}"/>
+              </a:ext>
+            </a:extLst>
+          </p:cNvPr>
+          <p:cNvSpPr txBox="1"/>
+          <p:nvPr/>
+        </p:nvSpPr>
+        <p:spPr>
+          <a:xfrm>
+            <a:off x="87086" y="5759968"/>
+            <a:ext cx="7414530" cy="646331"/>
+          </a:xfrm>
+          <a:prstGeom prst="rect">
+            <a:avLst/>
+          </a:prstGeom>
+          <a:noFill/>
+        </p:spPr>
+        <p:txBody>
+          <a:bodyPr wrap="none" rtlCol="0">
+            <a:spAutoFit/>
+          </a:bodyPr>
+          <a:lstStyle/>
+          <a:p>
+            <a:r>
+              <a:rPr lang="en-US" altLang="ko-KR" dirty="0"/>
+              <a:t>6. </a:t>
+            </a:r>
+            <a:r>
+              <a:rPr lang="en-US" altLang="ko-KR" dirty="0" err="1"/>
+              <a:t>GridSearchCV</a:t>
+            </a:r>
+            <a:r>
+              <a:rPr lang="ko-KR" altLang="en-US" dirty="0"/>
+              <a:t>를 통해 </a:t>
+            </a:r>
+            <a:r>
+              <a:rPr lang="en-US" altLang="ko-KR" dirty="0"/>
+              <a:t>estimators</a:t>
+            </a:r>
+            <a:r>
+              <a:rPr lang="ko-KR" altLang="en-US" dirty="0"/>
+              <a:t>의 값을 추가로 체크 결과</a:t>
+            </a:r>
+            <a:endParaRPr lang="en-US" altLang="ko-KR" dirty="0"/>
+          </a:p>
+          <a:p>
+            <a:r>
+              <a:rPr lang="en-US" altLang="ko-KR" dirty="0"/>
+              <a:t>	=&gt; </a:t>
+            </a:r>
+            <a:r>
+              <a:rPr lang="en-US" altLang="ko-KR" dirty="0" err="1"/>
+              <a:t>n_estimators</a:t>
+            </a:r>
+            <a:r>
+              <a:rPr lang="en-US" altLang="ko-KR" dirty="0"/>
+              <a:t> = [2000, 3000, 4000] </a:t>
+            </a:r>
+            <a:r>
+              <a:rPr lang="ko-KR" altLang="en-US" dirty="0"/>
+              <a:t>중 </a:t>
+            </a:r>
+            <a:r>
+              <a:rPr lang="en-US" altLang="ko-KR" dirty="0"/>
+              <a:t>3000</a:t>
+            </a:r>
+            <a:r>
+              <a:rPr lang="ko-KR" altLang="en-US" dirty="0"/>
+              <a:t>이 가장 최적의 값을 반환</a:t>
+            </a:r>
+          </a:p>
+        </p:txBody>
+      </p:sp>
+      <p:sp>
+        <p:nvSpPr>
+          <p:cNvPr id="3" name="TextBox 2">
+            <a:extLst>
+              <a:ext uri="{FF2B5EF4-FFF2-40B4-BE49-F238E27FC236}">
+                <a16:creationId xmlns:a16="http://schemas.microsoft.com/office/drawing/2014/main" id="{F131C09F-B8E8-CEC2-930F-4A2953765C53}"/>
+              </a:ext>
+            </a:extLst>
+          </p:cNvPr>
+          <p:cNvSpPr txBox="1"/>
+          <p:nvPr/>
+        </p:nvSpPr>
+        <p:spPr>
+          <a:xfrm>
+            <a:off x="87086" y="831868"/>
+            <a:ext cx="8570295" cy="369332"/>
+          </a:xfrm>
+          <a:prstGeom prst="rect">
+            <a:avLst/>
+          </a:prstGeom>
+          <a:noFill/>
+        </p:spPr>
+        <p:txBody>
+          <a:bodyPr wrap="none" rtlCol="0">
+            <a:spAutoFit/>
+          </a:bodyPr>
+          <a:lstStyle/>
+          <a:p>
+            <a:r>
+              <a:rPr lang="en-US" altLang="ko-KR" dirty="0"/>
+              <a:t>4. </a:t>
+            </a:r>
+            <a:r>
+              <a:rPr lang="ko-KR" altLang="en-US" dirty="0"/>
+              <a:t>최초 </a:t>
+            </a:r>
+            <a:r>
+              <a:rPr lang="en-US" altLang="ko-KR" dirty="0" err="1"/>
+              <a:t>n_estimators</a:t>
+            </a:r>
+            <a:r>
+              <a:rPr lang="ko-KR" altLang="en-US" dirty="0"/>
+              <a:t>를 </a:t>
+            </a:r>
+            <a:r>
+              <a:rPr lang="en-US" altLang="ko-KR" dirty="0"/>
+              <a:t>100, 200, 300… ,2000 </a:t>
+            </a:r>
+            <a:r>
+              <a:rPr lang="ko-KR" altLang="en-US" dirty="0"/>
+              <a:t>체크 후 확인 결과 가장 양호한 </a:t>
+            </a:r>
+            <a:r>
+              <a:rPr lang="en-US" altLang="ko-KR" dirty="0"/>
+              <a:t>2000</a:t>
+            </a:r>
+            <a:r>
+              <a:rPr lang="ko-KR" altLang="en-US" dirty="0"/>
+              <a:t> 체크</a:t>
+            </a:r>
+            <a:endParaRPr lang="en-US" altLang="ko-KR" dirty="0"/>
+          </a:p>
+        </p:txBody>
+      </p:sp>
+      <p:pic>
+        <p:nvPicPr>
+          <p:cNvPr id="15" name="그림 14">
+            <a:extLst>
+              <a:ext uri="{FF2B5EF4-FFF2-40B4-BE49-F238E27FC236}">
+                <a16:creationId xmlns:a16="http://schemas.microsoft.com/office/drawing/2014/main" id="{C8947BB7-08F2-9FDD-0427-7CFF562FF7B8}"/>
+              </a:ext>
+            </a:extLst>
+          </p:cNvPr>
+          <p:cNvPicPr>
+            <a:picLocks noChangeAspect="1"/>
+          </p:cNvPicPr>
+          <p:nvPr/>
+        </p:nvPicPr>
+        <p:blipFill>
+          <a:blip r:embed="rId2"/>
+          <a:stretch>
+            <a:fillRect/>
+          </a:stretch>
+        </p:blipFill>
+        <p:spPr>
+          <a:xfrm>
+            <a:off x="2329542" y="1238576"/>
+            <a:ext cx="6745177" cy="3318393"/>
+          </a:xfrm>
+          <a:prstGeom prst="rect">
+            <a:avLst/>
+          </a:prstGeom>
+        </p:spPr>
+      </p:pic>
+    </p:spTree>
+    <p:extLst>
+      <p:ext uri="{BB962C8B-B14F-4D97-AF65-F5344CB8AC3E}">
+        <p14:creationId xmlns:p14="http://schemas.microsoft.com/office/powerpoint/2010/main" val="531453212"/>
+      </p:ext>
+    </p:extLst>
+  </p:cSld>
+  <p:clrMapOvr>
+    <a:masterClrMapping/>
+  </p:clrMapOvr>
+</p:sld>
+</file>
+
+<file path=ppt/slides/slide47.xml><?xml version="1.0" encoding="utf-8"?>
+<p:sld xmlns:a="http://schemas.openxmlformats.org/drawingml/2006/main" xmlns:r="http://schemas.openxmlformats.org/officeDocument/2006/relationships" xmlns:p="http://schemas.openxmlformats.org/presentationml/2006/main">
+  <p:cSld>
+    <p:spTree>
+      <p:nvGrpSpPr>
+        <p:cNvPr id="1" name="">
+          <a:extLst>
+            <a:ext uri="{FF2B5EF4-FFF2-40B4-BE49-F238E27FC236}">
+              <a16:creationId xmlns:a16="http://schemas.microsoft.com/office/drawing/2014/main" id="{C81E563D-73A0-EB23-6E4D-0842C9069027}"/>
+            </a:ext>
+          </a:extLst>
+        </p:cNvPr>
+        <p:cNvGrpSpPr/>
+        <p:nvPr/>
+      </p:nvGrpSpPr>
+      <p:grpSpPr>
+        <a:xfrm>
+          <a:off x="0" y="0"/>
+          <a:ext cx="0" cy="0"/>
+          <a:chOff x="0" y="0"/>
+          <a:chExt cx="0" cy="0"/>
+        </a:xfrm>
+      </p:grpSpPr>
+      <p:sp>
+        <p:nvSpPr>
+          <p:cNvPr id="2" name="직사각형 1">
+            <a:extLst>
+              <a:ext uri="{FF2B5EF4-FFF2-40B4-BE49-F238E27FC236}">
+                <a16:creationId xmlns:a16="http://schemas.microsoft.com/office/drawing/2014/main" id="{BFD43649-BACD-D47E-42B0-E76D9DDD147E}"/>
+              </a:ext>
+            </a:extLst>
+          </p:cNvPr>
+          <p:cNvSpPr/>
+          <p:nvPr/>
+        </p:nvSpPr>
+        <p:spPr>
+          <a:xfrm>
+            <a:off x="59871" y="1981200"/>
+            <a:ext cx="12072257" cy="2536372"/>
+          </a:xfrm>
+          <a:prstGeom prst="rect">
+            <a:avLst/>
+          </a:prstGeom>
+          <a:solidFill>
+            <a:schemeClr val="accent2">
+              <a:lumMod val="50000"/>
+            </a:schemeClr>
+          </a:solidFill>
+          <a:ln>
+            <a:noFill/>
+          </a:ln>
+        </p:spPr>
+        <p:style>
+          <a:lnRef idx="2">
+            <a:schemeClr val="accent2">
+              <a:shade val="15000"/>
+            </a:schemeClr>
+          </a:lnRef>
+          <a:fillRef idx="1">
+            <a:schemeClr val="accent2"/>
+          </a:fillRef>
+          <a:effectRef idx="0">
+            <a:schemeClr val="accent2"/>
+          </a:effectRef>
+          <a:fontRef idx="minor">
+            <a:schemeClr val="lt1"/>
+          </a:fontRef>
+        </p:style>
+        <p:txBody>
+          <a:bodyPr rtlCol="0" anchor="ctr"/>
+          <a:lstStyle/>
+          <a:p>
+            <a:pPr algn="ctr"/>
+            <a:r>
+              <a:rPr lang="en-US" altLang="ko-KR" sz="5400" dirty="0">
+                <a:latin typeface="HY헤드라인M" panose="02030600000101010101" pitchFamily="18" charset="-127"/>
+                <a:ea typeface="HY헤드라인M" panose="02030600000101010101" pitchFamily="18" charset="-127"/>
+              </a:rPr>
+              <a:t>2-2. </a:t>
+            </a:r>
+            <a:r>
+              <a:rPr lang="ko-KR" altLang="en-US" sz="5400" dirty="0" err="1">
+                <a:latin typeface="HY헤드라인M" panose="02030600000101010101" pitchFamily="18" charset="-127"/>
+                <a:ea typeface="HY헤드라인M" panose="02030600000101010101" pitchFamily="18" charset="-127"/>
+              </a:rPr>
+              <a:t>머신러닝</a:t>
+            </a:r>
+            <a:r>
+              <a:rPr lang="ko-KR" altLang="en-US" sz="5400" dirty="0">
+                <a:latin typeface="HY헤드라인M" panose="02030600000101010101" pitchFamily="18" charset="-127"/>
+                <a:ea typeface="HY헤드라인M" panose="02030600000101010101" pitchFamily="18" charset="-127"/>
+              </a:rPr>
+              <a:t> 모델 결과</a:t>
+            </a:r>
+          </a:p>
+        </p:txBody>
+      </p:sp>
+    </p:spTree>
+    <p:extLst>
+      <p:ext uri="{BB962C8B-B14F-4D97-AF65-F5344CB8AC3E}">
+        <p14:creationId xmlns:p14="http://schemas.microsoft.com/office/powerpoint/2010/main" val="2567963646"/>
+      </p:ext>
+    </p:extLst>
+  </p:cSld>
+  <p:clrMapOvr>
+    <a:masterClrMapping/>
+  </p:clrMapOvr>
+</p:sld>
+</file>
+
+<file path=ppt/slides/slide48.xml><?xml version="1.0" encoding="utf-8"?>
+<p:sld xmlns:a="http://schemas.openxmlformats.org/drawingml/2006/main" xmlns:r="http://schemas.openxmlformats.org/officeDocument/2006/relationships" xmlns:p="http://schemas.openxmlformats.org/presentationml/2006/main">
+  <p:cSld>
+    <p:spTree>
+      <p:nvGrpSpPr>
+        <p:cNvPr id="1" name="">
+          <a:extLst>
+            <a:ext uri="{FF2B5EF4-FFF2-40B4-BE49-F238E27FC236}">
+              <a16:creationId xmlns:a16="http://schemas.microsoft.com/office/drawing/2014/main" id="{65D978A2-71E6-E14C-9AC4-F998E8F9A90E}"/>
+            </a:ext>
+          </a:extLst>
+        </p:cNvPr>
+        <p:cNvGrpSpPr/>
+        <p:nvPr/>
+      </p:nvGrpSpPr>
+      <p:grpSpPr>
+        <a:xfrm>
+          <a:off x="0" y="0"/>
+          <a:ext cx="0" cy="0"/>
+          <a:chOff x="0" y="0"/>
+          <a:chExt cx="0" cy="0"/>
+        </a:xfrm>
+      </p:grpSpPr>
+      <p:sp>
+        <p:nvSpPr>
+          <p:cNvPr id="4" name="직사각형 3">
+            <a:extLst>
+              <a:ext uri="{FF2B5EF4-FFF2-40B4-BE49-F238E27FC236}">
+                <a16:creationId xmlns:a16="http://schemas.microsoft.com/office/drawing/2014/main" id="{D2827F5A-5A72-7241-3246-6790A4832E5B}"/>
+              </a:ext>
+            </a:extLst>
+          </p:cNvPr>
+          <p:cNvSpPr/>
+          <p:nvPr/>
+        </p:nvSpPr>
+        <p:spPr>
+          <a:xfrm>
+            <a:off x="0" y="-42173"/>
+            <a:ext cx="12192000" cy="729343"/>
+          </a:xfrm>
+          <a:prstGeom prst="rect">
+            <a:avLst/>
+          </a:prstGeom>
+          <a:solidFill>
+            <a:schemeClr val="accent2">
+              <a:lumMod val="50000"/>
+            </a:schemeClr>
+          </a:solidFill>
+          <a:ln>
+            <a:noFill/>
+          </a:ln>
+        </p:spPr>
+        <p:style>
+          <a:lnRef idx="2">
+            <a:schemeClr val="accent2">
+              <a:shade val="15000"/>
+            </a:schemeClr>
+          </a:lnRef>
+          <a:fillRef idx="1">
+            <a:schemeClr val="accent2"/>
+          </a:fillRef>
+          <a:effectRef idx="0">
+            <a:schemeClr val="accent2"/>
+          </a:effectRef>
+          <a:fontRef idx="minor">
+            <a:schemeClr val="lt1"/>
+          </a:fontRef>
+        </p:style>
+        <p:txBody>
+          <a:bodyPr rtlCol="0" anchor="ctr"/>
+          <a:lstStyle/>
+          <a:p>
+            <a:r>
+              <a:rPr lang="en-US" altLang="ko-KR" sz="4000" dirty="0">
+                <a:latin typeface="HY헤드라인M" panose="02030600000101010101" pitchFamily="18" charset="-127"/>
+                <a:ea typeface="HY헤드라인M" panose="02030600000101010101" pitchFamily="18" charset="-127"/>
+              </a:rPr>
+              <a:t>2-2. </a:t>
+            </a:r>
+            <a:r>
+              <a:rPr lang="ko-KR" altLang="en-US" sz="4000" dirty="0" err="1">
+                <a:latin typeface="HY헤드라인M" panose="02030600000101010101" pitchFamily="18" charset="-127"/>
+                <a:ea typeface="HY헤드라인M" panose="02030600000101010101" pitchFamily="18" charset="-127"/>
+              </a:rPr>
+              <a:t>머신러닝</a:t>
+            </a:r>
+            <a:r>
+              <a:rPr lang="ko-KR" altLang="en-US" sz="4000" dirty="0">
+                <a:latin typeface="HY헤드라인M" panose="02030600000101010101" pitchFamily="18" charset="-127"/>
+                <a:ea typeface="HY헤드라인M" panose="02030600000101010101" pitchFamily="18" charset="-127"/>
+              </a:rPr>
+              <a:t> 모델 결과 </a:t>
+            </a:r>
+            <a:r>
+              <a:rPr lang="en-US" altLang="ko-KR" sz="4000" dirty="0">
+                <a:latin typeface="HY헤드라인M" panose="02030600000101010101" pitchFamily="18" charset="-127"/>
+                <a:ea typeface="HY헤드라인M" panose="02030600000101010101" pitchFamily="18" charset="-127"/>
+              </a:rPr>
+              <a:t>- </a:t>
+            </a:r>
+            <a:r>
+              <a:rPr lang="en-US" altLang="ko-KR" sz="4000" dirty="0" err="1">
+                <a:latin typeface="HY헤드라인M" panose="02030600000101010101" pitchFamily="18" charset="-127"/>
+                <a:ea typeface="HY헤드라인M" panose="02030600000101010101" pitchFamily="18" charset="-127"/>
+              </a:rPr>
+              <a:t>LightGBM</a:t>
+            </a:r>
+            <a:endParaRPr lang="ko-KR" altLang="en-US" sz="4000" dirty="0">
+              <a:latin typeface="HY헤드라인M" panose="02030600000101010101" pitchFamily="18" charset="-127"/>
+              <a:ea typeface="HY헤드라인M" panose="02030600000101010101" pitchFamily="18" charset="-127"/>
+            </a:endParaRPr>
+          </a:p>
+        </p:txBody>
+      </p:sp>
+      <p:sp>
+        <p:nvSpPr>
+          <p:cNvPr id="11" name="TextBox 10">
+            <a:extLst>
+              <a:ext uri="{FF2B5EF4-FFF2-40B4-BE49-F238E27FC236}">
+                <a16:creationId xmlns:a16="http://schemas.microsoft.com/office/drawing/2014/main" id="{FAC5FA9F-4F9A-A4A7-398F-A3B578A3121A}"/>
+              </a:ext>
+            </a:extLst>
+          </p:cNvPr>
+          <p:cNvSpPr txBox="1"/>
+          <p:nvPr/>
+        </p:nvSpPr>
+        <p:spPr>
+          <a:xfrm>
+            <a:off x="990600" y="5528267"/>
+            <a:ext cx="7906460" cy="1200329"/>
+          </a:xfrm>
+          <a:prstGeom prst="rect">
+            <a:avLst/>
+          </a:prstGeom>
+          <a:noFill/>
+        </p:spPr>
+        <p:txBody>
+          <a:bodyPr wrap="none" rtlCol="0">
+            <a:spAutoFit/>
+          </a:bodyPr>
+          <a:lstStyle/>
+          <a:p>
+            <a:pPr marL="285750" indent="-285750">
+              <a:buFont typeface="Symbol" panose="05050102010706020507" pitchFamily="18" charset="2"/>
+              <a:buChar char="Þ"/>
+            </a:pPr>
+            <a:r>
+              <a:rPr lang="ko-KR" altLang="en-US" dirty="0"/>
+              <a:t>기존 딥러닝 모델 대비 </a:t>
+            </a:r>
+            <a:r>
+              <a:rPr lang="en-US" altLang="ko-KR" dirty="0"/>
+              <a:t>accuracy</a:t>
+            </a:r>
+            <a:r>
+              <a:rPr lang="ko-KR" altLang="en-US" dirty="0"/>
+              <a:t>와 </a:t>
+            </a:r>
+            <a:r>
+              <a:rPr lang="en-US" altLang="ko-KR" dirty="0"/>
+              <a:t>precision, recall </a:t>
+            </a:r>
+            <a:r>
+              <a:rPr lang="ko-KR" altLang="en-US" dirty="0"/>
+              <a:t>점수가 모두 높아진 모습</a:t>
+            </a:r>
+            <a:r>
+              <a:rPr lang="en-US" altLang="ko-KR" dirty="0"/>
+              <a:t>.</a:t>
+            </a:r>
+          </a:p>
+          <a:p>
+            <a:pPr marL="285750" indent="-285750">
+              <a:buFont typeface="Symbol" panose="05050102010706020507" pitchFamily="18" charset="2"/>
+              <a:buChar char="Þ"/>
+            </a:pPr>
+            <a:r>
+              <a:rPr lang="en-US" altLang="ko-KR" dirty="0"/>
+              <a:t>M2 </a:t>
+            </a:r>
+            <a:r>
+              <a:rPr lang="ko-KR" altLang="en-US" dirty="0"/>
+              <a:t>모델에서 가장 중요한 </a:t>
+            </a:r>
+            <a:r>
+              <a:rPr lang="en-US" altLang="ko-KR" dirty="0"/>
+              <a:t>2, 3 class</a:t>
+            </a:r>
+            <a:r>
+              <a:rPr lang="ko-KR" altLang="en-US" dirty="0"/>
+              <a:t>에 대한 </a:t>
+            </a:r>
+            <a:r>
+              <a:rPr lang="en-US" altLang="ko-KR" dirty="0"/>
+              <a:t>recall :</a:t>
+            </a:r>
+          </a:p>
+          <a:p>
+            <a:pPr marL="742950" lvl="1" indent="-285750">
+              <a:buFontTx/>
+              <a:buChar char="-"/>
+            </a:pPr>
+            <a:r>
+              <a:rPr lang="en-US" altLang="ko-KR" dirty="0"/>
+              <a:t>Class2(</a:t>
+            </a:r>
+            <a:r>
+              <a:rPr lang="ko-KR" altLang="en-US" dirty="0"/>
+              <a:t>공급부족</a:t>
+            </a:r>
+            <a:r>
+              <a:rPr lang="en-US" altLang="ko-KR" dirty="0"/>
+              <a:t>) : 78.93%</a:t>
+            </a:r>
+          </a:p>
+          <a:p>
+            <a:pPr marL="742950" lvl="1" indent="-285750">
+              <a:buFontTx/>
+              <a:buChar char="-"/>
+            </a:pPr>
+            <a:r>
+              <a:rPr lang="en-US" altLang="ko-KR" dirty="0"/>
+              <a:t>Class3(</a:t>
+            </a:r>
+            <a:r>
+              <a:rPr lang="ko-KR" altLang="en-US" dirty="0"/>
+              <a:t>공급절대부족</a:t>
+            </a:r>
+            <a:r>
+              <a:rPr lang="en-US" altLang="ko-KR" dirty="0"/>
+              <a:t>) : 89.25%</a:t>
+            </a:r>
+            <a:endParaRPr lang="ko-KR" altLang="en-US" dirty="0"/>
+          </a:p>
+        </p:txBody>
+      </p:sp>
+      <p:sp>
+        <p:nvSpPr>
+          <p:cNvPr id="6" name="TextBox 5">
+            <a:extLst>
+              <a:ext uri="{FF2B5EF4-FFF2-40B4-BE49-F238E27FC236}">
+                <a16:creationId xmlns:a16="http://schemas.microsoft.com/office/drawing/2014/main" id="{C4FCCD51-167C-B19D-7B2C-C5C4372A6B56}"/>
+              </a:ext>
+            </a:extLst>
+          </p:cNvPr>
+          <p:cNvSpPr txBox="1"/>
+          <p:nvPr/>
+        </p:nvSpPr>
+        <p:spPr>
+          <a:xfrm>
+            <a:off x="87086" y="854528"/>
+            <a:ext cx="2365840" cy="369332"/>
+          </a:xfrm>
+          <a:prstGeom prst="rect">
+            <a:avLst/>
+          </a:prstGeom>
+          <a:noFill/>
+        </p:spPr>
+        <p:txBody>
+          <a:bodyPr wrap="none" rtlCol="0">
+            <a:spAutoFit/>
+          </a:bodyPr>
+          <a:lstStyle/>
+          <a:p>
+            <a:r>
+              <a:rPr lang="en-US" altLang="ko-KR" dirty="0"/>
+              <a:t>1. </a:t>
+            </a:r>
+            <a:r>
+              <a:rPr lang="en-US" altLang="ko-KR" dirty="0" err="1"/>
+              <a:t>LightGBM</a:t>
+            </a:r>
+            <a:r>
+              <a:rPr lang="en-US" altLang="ko-KR" dirty="0"/>
+              <a:t> </a:t>
+            </a:r>
+            <a:r>
+              <a:rPr lang="ko-KR" altLang="en-US" dirty="0"/>
+              <a:t>모델 결과</a:t>
+            </a:r>
+          </a:p>
+        </p:txBody>
+      </p:sp>
+      <p:pic>
+        <p:nvPicPr>
+          <p:cNvPr id="5" name="그림 4">
+            <a:extLst>
+              <a:ext uri="{FF2B5EF4-FFF2-40B4-BE49-F238E27FC236}">
+                <a16:creationId xmlns:a16="http://schemas.microsoft.com/office/drawing/2014/main" id="{5D5AADA8-E92F-A415-7A12-A2E3BCA10FEC}"/>
+              </a:ext>
+            </a:extLst>
+          </p:cNvPr>
+          <p:cNvPicPr>
+            <a:picLocks noChangeAspect="1"/>
+          </p:cNvPicPr>
+          <p:nvPr/>
+        </p:nvPicPr>
+        <p:blipFill>
+          <a:blip r:embed="rId2"/>
+          <a:stretch>
+            <a:fillRect/>
+          </a:stretch>
+        </p:blipFill>
+        <p:spPr>
+          <a:xfrm>
+            <a:off x="500317" y="1391217"/>
+            <a:ext cx="7174112" cy="3956971"/>
+          </a:xfrm>
+          <a:prstGeom prst="rect">
+            <a:avLst/>
+          </a:prstGeom>
+        </p:spPr>
+      </p:pic>
+      <p:pic>
+        <p:nvPicPr>
+          <p:cNvPr id="12" name="그림 11">
+            <a:extLst>
+              <a:ext uri="{FF2B5EF4-FFF2-40B4-BE49-F238E27FC236}">
+                <a16:creationId xmlns:a16="http://schemas.microsoft.com/office/drawing/2014/main" id="{47151076-779E-E1A0-BFC4-2A77D0520DE7}"/>
+              </a:ext>
+            </a:extLst>
+          </p:cNvPr>
+          <p:cNvPicPr>
+            <a:picLocks noChangeAspect="1"/>
+          </p:cNvPicPr>
+          <p:nvPr/>
+        </p:nvPicPr>
+        <p:blipFill>
+          <a:blip r:embed="rId3"/>
+          <a:stretch>
+            <a:fillRect/>
+          </a:stretch>
+        </p:blipFill>
+        <p:spPr>
+          <a:xfrm>
+            <a:off x="8056713" y="1656720"/>
+            <a:ext cx="2400658" cy="1200329"/>
+          </a:xfrm>
+          <a:prstGeom prst="rect">
+            <a:avLst/>
+          </a:prstGeom>
+        </p:spPr>
+      </p:pic>
+    </p:spTree>
+    <p:extLst>
+      <p:ext uri="{BB962C8B-B14F-4D97-AF65-F5344CB8AC3E}">
+        <p14:creationId xmlns:p14="http://schemas.microsoft.com/office/powerpoint/2010/main" val="3422131796"/>
+      </p:ext>
+    </p:extLst>
+  </p:cSld>
+  <p:clrMapOvr>
+    <a:masterClrMapping/>
+  </p:clrMapOvr>
+</p:sld>
+</file>
+
+<file path=ppt/slides/slide49.xml><?xml version="1.0" encoding="utf-8"?>
+<p:sld xmlns:a="http://schemas.openxmlformats.org/drawingml/2006/main" xmlns:r="http://schemas.openxmlformats.org/officeDocument/2006/relationships" xmlns:p="http://schemas.openxmlformats.org/presentationml/2006/main">
+  <p:cSld>
+    <p:spTree>
+      <p:nvGrpSpPr>
+        <p:cNvPr id="1" name="">
+          <a:extLst>
+            <a:ext uri="{FF2B5EF4-FFF2-40B4-BE49-F238E27FC236}">
+              <a16:creationId xmlns:a16="http://schemas.microsoft.com/office/drawing/2014/main" id="{B280AC05-1FF5-940F-A8D8-0360A863400D}"/>
+            </a:ext>
+          </a:extLst>
+        </p:cNvPr>
+        <p:cNvGrpSpPr/>
+        <p:nvPr/>
+      </p:nvGrpSpPr>
+      <p:grpSpPr>
+        <a:xfrm>
+          <a:off x="0" y="0"/>
+          <a:ext cx="0" cy="0"/>
+          <a:chOff x="0" y="0"/>
+          <a:chExt cx="0" cy="0"/>
+        </a:xfrm>
+      </p:grpSpPr>
+      <p:sp>
+        <p:nvSpPr>
+          <p:cNvPr id="4" name="직사각형 3">
+            <a:extLst>
+              <a:ext uri="{FF2B5EF4-FFF2-40B4-BE49-F238E27FC236}">
+                <a16:creationId xmlns:a16="http://schemas.microsoft.com/office/drawing/2014/main" id="{6AED457C-F324-B208-8611-973048A2D997}"/>
+              </a:ext>
+            </a:extLst>
+          </p:cNvPr>
+          <p:cNvSpPr/>
+          <p:nvPr/>
+        </p:nvSpPr>
+        <p:spPr>
+          <a:xfrm>
+            <a:off x="0" y="-42173"/>
+            <a:ext cx="12192000" cy="729343"/>
+          </a:xfrm>
+          <a:prstGeom prst="rect">
+            <a:avLst/>
+          </a:prstGeom>
+          <a:solidFill>
+            <a:schemeClr val="accent2">
+              <a:lumMod val="50000"/>
+            </a:schemeClr>
+          </a:solidFill>
+          <a:ln>
+            <a:noFill/>
+          </a:ln>
+        </p:spPr>
+        <p:style>
+          <a:lnRef idx="2">
+            <a:schemeClr val="accent2">
+              <a:shade val="15000"/>
+            </a:schemeClr>
+          </a:lnRef>
+          <a:fillRef idx="1">
+            <a:schemeClr val="accent2"/>
+          </a:fillRef>
+          <a:effectRef idx="0">
+            <a:schemeClr val="accent2"/>
+          </a:effectRef>
+          <a:fontRef idx="minor">
+            <a:schemeClr val="lt1"/>
+          </a:fontRef>
+        </p:style>
+        <p:txBody>
+          <a:bodyPr rtlCol="0" anchor="ctr"/>
+          <a:lstStyle/>
+          <a:p>
+            <a:r>
+              <a:rPr lang="en-US" altLang="ko-KR" sz="4000" dirty="0">
+                <a:latin typeface="HY헤드라인M" panose="02030600000101010101" pitchFamily="18" charset="-127"/>
+                <a:ea typeface="HY헤드라인M" panose="02030600000101010101" pitchFamily="18" charset="-127"/>
+              </a:rPr>
+              <a:t>2-2. </a:t>
+            </a:r>
+            <a:r>
+              <a:rPr lang="ko-KR" altLang="en-US" sz="4000" dirty="0" err="1">
+                <a:latin typeface="HY헤드라인M" panose="02030600000101010101" pitchFamily="18" charset="-127"/>
+                <a:ea typeface="HY헤드라인M" panose="02030600000101010101" pitchFamily="18" charset="-127"/>
+              </a:rPr>
+              <a:t>머신러닝</a:t>
+            </a:r>
+            <a:r>
+              <a:rPr lang="ko-KR" altLang="en-US" sz="4000" dirty="0">
+                <a:latin typeface="HY헤드라인M" panose="02030600000101010101" pitchFamily="18" charset="-127"/>
+                <a:ea typeface="HY헤드라인M" panose="02030600000101010101" pitchFamily="18" charset="-127"/>
+              </a:rPr>
+              <a:t> 모델 결과 </a:t>
+            </a:r>
+            <a:r>
+              <a:rPr lang="en-US" altLang="ko-KR" sz="4000" dirty="0">
+                <a:latin typeface="HY헤드라인M" panose="02030600000101010101" pitchFamily="18" charset="-127"/>
+                <a:ea typeface="HY헤드라인M" panose="02030600000101010101" pitchFamily="18" charset="-127"/>
+              </a:rPr>
+              <a:t>- </a:t>
+            </a:r>
+            <a:r>
+              <a:rPr lang="en-US" altLang="ko-KR" sz="4000" dirty="0" err="1">
+                <a:latin typeface="HY헤드라인M" panose="02030600000101010101" pitchFamily="18" charset="-127"/>
+                <a:ea typeface="HY헤드라인M" panose="02030600000101010101" pitchFamily="18" charset="-127"/>
+              </a:rPr>
+              <a:t>CatBoost</a:t>
+            </a:r>
+            <a:endParaRPr lang="ko-KR" altLang="en-US" sz="4000" dirty="0">
+              <a:latin typeface="HY헤드라인M" panose="02030600000101010101" pitchFamily="18" charset="-127"/>
+              <a:ea typeface="HY헤드라인M" panose="02030600000101010101" pitchFamily="18" charset="-127"/>
+            </a:endParaRPr>
+          </a:p>
+        </p:txBody>
+      </p:sp>
+      <p:sp>
+        <p:nvSpPr>
+          <p:cNvPr id="11" name="TextBox 10">
+            <a:extLst>
+              <a:ext uri="{FF2B5EF4-FFF2-40B4-BE49-F238E27FC236}">
+                <a16:creationId xmlns:a16="http://schemas.microsoft.com/office/drawing/2014/main" id="{ECFFD240-044A-A3E4-6B55-A4C3BC88D87B}"/>
+              </a:ext>
+            </a:extLst>
+          </p:cNvPr>
+          <p:cNvSpPr txBox="1"/>
+          <p:nvPr/>
+        </p:nvSpPr>
+        <p:spPr>
+          <a:xfrm>
+            <a:off x="990600" y="5528267"/>
+            <a:ext cx="7906460" cy="1200329"/>
+          </a:xfrm>
+          <a:prstGeom prst="rect">
+            <a:avLst/>
+          </a:prstGeom>
+          <a:noFill/>
+        </p:spPr>
+        <p:txBody>
+          <a:bodyPr wrap="none" rtlCol="0">
+            <a:spAutoFit/>
+          </a:bodyPr>
+          <a:lstStyle/>
+          <a:p>
+            <a:pPr marL="285750" indent="-285750">
+              <a:buFont typeface="Symbol" panose="05050102010706020507" pitchFamily="18" charset="2"/>
+              <a:buChar char="Þ"/>
+            </a:pPr>
+            <a:r>
+              <a:rPr lang="ko-KR" altLang="en-US" dirty="0"/>
+              <a:t>기존 딥러닝 모델 대비 </a:t>
+            </a:r>
+            <a:r>
+              <a:rPr lang="en-US" altLang="ko-KR" dirty="0"/>
+              <a:t>accuracy</a:t>
+            </a:r>
+            <a:r>
+              <a:rPr lang="ko-KR" altLang="en-US" dirty="0"/>
+              <a:t>와 </a:t>
+            </a:r>
+            <a:r>
+              <a:rPr lang="en-US" altLang="ko-KR" dirty="0"/>
+              <a:t>precision, recall </a:t>
+            </a:r>
+            <a:r>
+              <a:rPr lang="ko-KR" altLang="en-US" dirty="0"/>
+              <a:t>점수가 소폭 높아진 모습</a:t>
+            </a:r>
+            <a:r>
+              <a:rPr lang="en-US" altLang="ko-KR" dirty="0"/>
+              <a:t>.</a:t>
+            </a:r>
+          </a:p>
+          <a:p>
+            <a:pPr marL="285750" indent="-285750">
+              <a:buFont typeface="Symbol" panose="05050102010706020507" pitchFamily="18" charset="2"/>
+              <a:buChar char="Þ"/>
+            </a:pPr>
+            <a:r>
+              <a:rPr lang="en-US" altLang="ko-KR" dirty="0"/>
+              <a:t>M2 </a:t>
+            </a:r>
+            <a:r>
+              <a:rPr lang="ko-KR" altLang="en-US" dirty="0"/>
+              <a:t>모델에서 가장 중요한 </a:t>
+            </a:r>
+            <a:r>
+              <a:rPr lang="en-US" altLang="ko-KR" dirty="0"/>
+              <a:t>2, 3 class</a:t>
+            </a:r>
+            <a:r>
+              <a:rPr lang="ko-KR" altLang="en-US" dirty="0"/>
+              <a:t>에 대한 </a:t>
+            </a:r>
+            <a:r>
+              <a:rPr lang="en-US" altLang="ko-KR" dirty="0"/>
+              <a:t>recall :</a:t>
+            </a:r>
+          </a:p>
+          <a:p>
+            <a:pPr marL="742950" lvl="1" indent="-285750">
+              <a:buFontTx/>
+              <a:buChar char="-"/>
+            </a:pPr>
+            <a:r>
+              <a:rPr lang="en-US" altLang="ko-KR" dirty="0"/>
+              <a:t>Class2(</a:t>
+            </a:r>
+            <a:r>
+              <a:rPr lang="ko-KR" altLang="en-US" dirty="0"/>
+              <a:t>공급부족</a:t>
+            </a:r>
+            <a:r>
+              <a:rPr lang="en-US" altLang="ko-KR" dirty="0"/>
+              <a:t>) : 69.89%</a:t>
+            </a:r>
+          </a:p>
+          <a:p>
+            <a:pPr marL="742950" lvl="1" indent="-285750">
+              <a:buFontTx/>
+              <a:buChar char="-"/>
+            </a:pPr>
+            <a:r>
+              <a:rPr lang="en-US" altLang="ko-KR" dirty="0"/>
+              <a:t>Class3(</a:t>
+            </a:r>
+            <a:r>
+              <a:rPr lang="ko-KR" altLang="en-US" dirty="0"/>
+              <a:t>공급절대부족</a:t>
+            </a:r>
+            <a:r>
+              <a:rPr lang="en-US" altLang="ko-KR" dirty="0"/>
+              <a:t>) : 90.18%</a:t>
+            </a:r>
+            <a:endParaRPr lang="ko-KR" altLang="en-US" dirty="0"/>
+          </a:p>
+        </p:txBody>
+      </p:sp>
+      <p:sp>
+        <p:nvSpPr>
+          <p:cNvPr id="6" name="TextBox 5">
+            <a:extLst>
+              <a:ext uri="{FF2B5EF4-FFF2-40B4-BE49-F238E27FC236}">
+                <a16:creationId xmlns:a16="http://schemas.microsoft.com/office/drawing/2014/main" id="{CB460027-3C32-3D42-38AC-3E1A34A57743}"/>
+              </a:ext>
+            </a:extLst>
+          </p:cNvPr>
+          <p:cNvSpPr txBox="1"/>
+          <p:nvPr/>
+        </p:nvSpPr>
+        <p:spPr>
+          <a:xfrm>
+            <a:off x="87086" y="854528"/>
+            <a:ext cx="3619196" cy="369332"/>
+          </a:xfrm>
+          <a:prstGeom prst="rect">
+            <a:avLst/>
+          </a:prstGeom>
+          <a:noFill/>
+        </p:spPr>
+        <p:txBody>
+          <a:bodyPr wrap="none" rtlCol="0">
+            <a:spAutoFit/>
+          </a:bodyPr>
+          <a:lstStyle/>
+          <a:p>
+            <a:r>
+              <a:rPr lang="en-US" altLang="ko-KR" dirty="0"/>
+              <a:t>1. </a:t>
+            </a:r>
+            <a:r>
+              <a:rPr lang="en-US" altLang="ko-KR" dirty="0" err="1"/>
+              <a:t>CatBoost_Classification</a:t>
+            </a:r>
+            <a:r>
+              <a:rPr lang="en-US" altLang="ko-KR" dirty="0"/>
+              <a:t> </a:t>
+            </a:r>
+            <a:r>
+              <a:rPr lang="ko-KR" altLang="en-US" dirty="0"/>
+              <a:t>모델 결과</a:t>
+            </a:r>
+          </a:p>
+        </p:txBody>
+      </p:sp>
+      <p:pic>
+        <p:nvPicPr>
+          <p:cNvPr id="5" name="그림 4">
+            <a:extLst>
+              <a:ext uri="{FF2B5EF4-FFF2-40B4-BE49-F238E27FC236}">
+                <a16:creationId xmlns:a16="http://schemas.microsoft.com/office/drawing/2014/main" id="{61FEC7D5-C3F5-7D0D-9022-58CEFB7DF4BB}"/>
+              </a:ext>
+            </a:extLst>
+          </p:cNvPr>
+          <p:cNvPicPr>
+            <a:picLocks noChangeAspect="1"/>
+          </p:cNvPicPr>
+          <p:nvPr/>
+        </p:nvPicPr>
+        <p:blipFill>
+          <a:blip r:embed="rId2"/>
+          <a:stretch>
+            <a:fillRect/>
+          </a:stretch>
+        </p:blipFill>
+        <p:spPr>
+          <a:xfrm>
+            <a:off x="7987320" y="1632858"/>
+            <a:ext cx="2441729" cy="1379124"/>
+          </a:xfrm>
+          <a:prstGeom prst="rect">
+            <a:avLst/>
+          </a:prstGeom>
+        </p:spPr>
+      </p:pic>
+      <p:pic>
+        <p:nvPicPr>
+          <p:cNvPr id="12" name="그림 11">
+            <a:extLst>
+              <a:ext uri="{FF2B5EF4-FFF2-40B4-BE49-F238E27FC236}">
+                <a16:creationId xmlns:a16="http://schemas.microsoft.com/office/drawing/2014/main" id="{E7531E91-3ADD-5CE0-1A86-8003D2DD08AF}"/>
+              </a:ext>
+            </a:extLst>
+          </p:cNvPr>
+          <p:cNvPicPr>
+            <a:picLocks noChangeAspect="1"/>
+          </p:cNvPicPr>
+          <p:nvPr/>
+        </p:nvPicPr>
+        <p:blipFill>
+          <a:blip r:embed="rId3"/>
+          <a:stretch>
+            <a:fillRect/>
+          </a:stretch>
+        </p:blipFill>
+        <p:spPr>
+          <a:xfrm>
+            <a:off x="390090" y="1391218"/>
+            <a:ext cx="7143278" cy="3877468"/>
+          </a:xfrm>
+          <a:prstGeom prst="rect">
+            <a:avLst/>
+          </a:prstGeom>
+        </p:spPr>
+      </p:pic>
+    </p:spTree>
+    <p:extLst>
+      <p:ext uri="{BB962C8B-B14F-4D97-AF65-F5344CB8AC3E}">
+        <p14:creationId xmlns:p14="http://schemas.microsoft.com/office/powerpoint/2010/main" val="385953763"/>
       </p:ext>
     </p:extLst>
   </p:cSld>
@@ -13049,6 +15163,785 @@
     <p:extLst>
       <p:ext uri="{BB962C8B-B14F-4D97-AF65-F5344CB8AC3E}">
         <p14:creationId xmlns:p14="http://schemas.microsoft.com/office/powerpoint/2010/main" val="205062583"/>
+      </p:ext>
+    </p:extLst>
+  </p:cSld>
+  <p:clrMapOvr>
+    <a:masterClrMapping/>
+  </p:clrMapOvr>
+</p:sld>
+</file>
+
+<file path=ppt/slides/slide50.xml><?xml version="1.0" encoding="utf-8"?>
+<p:sld xmlns:a="http://schemas.openxmlformats.org/drawingml/2006/main" xmlns:r="http://schemas.openxmlformats.org/officeDocument/2006/relationships" xmlns:p="http://schemas.openxmlformats.org/presentationml/2006/main">
+  <p:cSld>
+    <p:spTree>
+      <p:nvGrpSpPr>
+        <p:cNvPr id="1" name="">
+          <a:extLst>
+            <a:ext uri="{FF2B5EF4-FFF2-40B4-BE49-F238E27FC236}">
+              <a16:creationId xmlns:a16="http://schemas.microsoft.com/office/drawing/2014/main" id="{4C4B9A71-FBF2-C2F7-8840-79251D01B6A5}"/>
+            </a:ext>
+          </a:extLst>
+        </p:cNvPr>
+        <p:cNvGrpSpPr/>
+        <p:nvPr/>
+      </p:nvGrpSpPr>
+      <p:grpSpPr>
+        <a:xfrm>
+          <a:off x="0" y="0"/>
+          <a:ext cx="0" cy="0"/>
+          <a:chOff x="0" y="0"/>
+          <a:chExt cx="0" cy="0"/>
+        </a:xfrm>
+      </p:grpSpPr>
+      <p:sp>
+        <p:nvSpPr>
+          <p:cNvPr id="4" name="직사각형 3">
+            <a:extLst>
+              <a:ext uri="{FF2B5EF4-FFF2-40B4-BE49-F238E27FC236}">
+                <a16:creationId xmlns:a16="http://schemas.microsoft.com/office/drawing/2014/main" id="{EED1656E-625B-E7D0-C7FE-C21EC85F1004}"/>
+              </a:ext>
+            </a:extLst>
+          </p:cNvPr>
+          <p:cNvSpPr/>
+          <p:nvPr/>
+        </p:nvSpPr>
+        <p:spPr>
+          <a:xfrm>
+            <a:off x="0" y="-42173"/>
+            <a:ext cx="12192000" cy="729343"/>
+          </a:xfrm>
+          <a:prstGeom prst="rect">
+            <a:avLst/>
+          </a:prstGeom>
+          <a:solidFill>
+            <a:schemeClr val="accent2">
+              <a:lumMod val="50000"/>
+            </a:schemeClr>
+          </a:solidFill>
+          <a:ln>
+            <a:noFill/>
+          </a:ln>
+        </p:spPr>
+        <p:style>
+          <a:lnRef idx="2">
+            <a:schemeClr val="accent2">
+              <a:shade val="15000"/>
+            </a:schemeClr>
+          </a:lnRef>
+          <a:fillRef idx="1">
+            <a:schemeClr val="accent2"/>
+          </a:fillRef>
+          <a:effectRef idx="0">
+            <a:schemeClr val="accent2"/>
+          </a:effectRef>
+          <a:fontRef idx="minor">
+            <a:schemeClr val="lt1"/>
+          </a:fontRef>
+        </p:style>
+        <p:txBody>
+          <a:bodyPr rtlCol="0" anchor="ctr"/>
+          <a:lstStyle/>
+          <a:p>
+            <a:r>
+              <a:rPr lang="en-US" altLang="ko-KR" sz="4000" dirty="0">
+                <a:latin typeface="HY헤드라인M" panose="02030600000101010101" pitchFamily="18" charset="-127"/>
+                <a:ea typeface="HY헤드라인M" panose="02030600000101010101" pitchFamily="18" charset="-127"/>
+              </a:rPr>
+              <a:t>2-2. </a:t>
+            </a:r>
+            <a:r>
+              <a:rPr lang="ko-KR" altLang="en-US" sz="4000" dirty="0" err="1">
+                <a:latin typeface="HY헤드라인M" panose="02030600000101010101" pitchFamily="18" charset="-127"/>
+                <a:ea typeface="HY헤드라인M" panose="02030600000101010101" pitchFamily="18" charset="-127"/>
+              </a:rPr>
+              <a:t>머신러닝</a:t>
+            </a:r>
+            <a:r>
+              <a:rPr lang="ko-KR" altLang="en-US" sz="4000" dirty="0">
+                <a:latin typeface="HY헤드라인M" panose="02030600000101010101" pitchFamily="18" charset="-127"/>
+                <a:ea typeface="HY헤드라인M" panose="02030600000101010101" pitchFamily="18" charset="-127"/>
+              </a:rPr>
+              <a:t> 모델 결과 </a:t>
+            </a:r>
+            <a:r>
+              <a:rPr lang="en-US" altLang="ko-KR" sz="4000" dirty="0">
+                <a:latin typeface="HY헤드라인M" panose="02030600000101010101" pitchFamily="18" charset="-127"/>
+                <a:ea typeface="HY헤드라인M" panose="02030600000101010101" pitchFamily="18" charset="-127"/>
+              </a:rPr>
+              <a:t>- </a:t>
+            </a:r>
+            <a:r>
+              <a:rPr lang="en-US" altLang="ko-KR" sz="4000" dirty="0" err="1">
+                <a:latin typeface="HY헤드라인M" panose="02030600000101010101" pitchFamily="18" charset="-127"/>
+                <a:ea typeface="HY헤드라인M" panose="02030600000101010101" pitchFamily="18" charset="-127"/>
+              </a:rPr>
+              <a:t>RandomForest</a:t>
+            </a:r>
+            <a:endParaRPr lang="ko-KR" altLang="en-US" sz="4000" dirty="0">
+              <a:latin typeface="HY헤드라인M" panose="02030600000101010101" pitchFamily="18" charset="-127"/>
+              <a:ea typeface="HY헤드라인M" panose="02030600000101010101" pitchFamily="18" charset="-127"/>
+            </a:endParaRPr>
+          </a:p>
+        </p:txBody>
+      </p:sp>
+      <p:sp>
+        <p:nvSpPr>
+          <p:cNvPr id="11" name="TextBox 10">
+            <a:extLst>
+              <a:ext uri="{FF2B5EF4-FFF2-40B4-BE49-F238E27FC236}">
+                <a16:creationId xmlns:a16="http://schemas.microsoft.com/office/drawing/2014/main" id="{DA55DC08-7133-1B1B-39F1-1F36FC82ACF4}"/>
+              </a:ext>
+            </a:extLst>
+          </p:cNvPr>
+          <p:cNvSpPr txBox="1"/>
+          <p:nvPr/>
+        </p:nvSpPr>
+        <p:spPr>
+          <a:xfrm>
+            <a:off x="990600" y="5516544"/>
+            <a:ext cx="7906460" cy="1200329"/>
+          </a:xfrm>
+          <a:prstGeom prst="rect">
+            <a:avLst/>
+          </a:prstGeom>
+          <a:noFill/>
+        </p:spPr>
+        <p:txBody>
+          <a:bodyPr wrap="none" rtlCol="0">
+            <a:spAutoFit/>
+          </a:bodyPr>
+          <a:lstStyle/>
+          <a:p>
+            <a:pPr marL="285750" indent="-285750">
+              <a:buFont typeface="Symbol" panose="05050102010706020507" pitchFamily="18" charset="2"/>
+              <a:buChar char="Þ"/>
+            </a:pPr>
+            <a:r>
+              <a:rPr lang="ko-KR" altLang="en-US" dirty="0"/>
+              <a:t>기존 딥러닝 모델 대비 </a:t>
+            </a:r>
+            <a:r>
+              <a:rPr lang="en-US" altLang="ko-KR" dirty="0"/>
+              <a:t>accuracy</a:t>
+            </a:r>
+            <a:r>
+              <a:rPr lang="ko-KR" altLang="en-US" dirty="0"/>
+              <a:t>와 </a:t>
+            </a:r>
+            <a:r>
+              <a:rPr lang="en-US" altLang="ko-KR" dirty="0"/>
+              <a:t>precision, recall </a:t>
+            </a:r>
+            <a:r>
+              <a:rPr lang="ko-KR" altLang="en-US" dirty="0"/>
+              <a:t>점수가 모두 높아진 모습</a:t>
+            </a:r>
+            <a:r>
+              <a:rPr lang="en-US" altLang="ko-KR" dirty="0"/>
+              <a:t>.</a:t>
+            </a:r>
+          </a:p>
+          <a:p>
+            <a:pPr marL="285750" indent="-285750">
+              <a:buFont typeface="Symbol" panose="05050102010706020507" pitchFamily="18" charset="2"/>
+              <a:buChar char="Þ"/>
+            </a:pPr>
+            <a:r>
+              <a:rPr lang="en-US" altLang="ko-KR" dirty="0"/>
+              <a:t>M2 </a:t>
+            </a:r>
+            <a:r>
+              <a:rPr lang="ko-KR" altLang="en-US" dirty="0"/>
+              <a:t>모델에서 가장 중요한 </a:t>
+            </a:r>
+            <a:r>
+              <a:rPr lang="en-US" altLang="ko-KR" dirty="0"/>
+              <a:t>2, 3 class</a:t>
+            </a:r>
+            <a:r>
+              <a:rPr lang="ko-KR" altLang="en-US" dirty="0"/>
+              <a:t>에 대한 </a:t>
+            </a:r>
+            <a:r>
+              <a:rPr lang="en-US" altLang="ko-KR" dirty="0"/>
+              <a:t>recall :</a:t>
+            </a:r>
+          </a:p>
+          <a:p>
+            <a:pPr marL="742950" lvl="1" indent="-285750">
+              <a:buFontTx/>
+              <a:buChar char="-"/>
+            </a:pPr>
+            <a:r>
+              <a:rPr lang="en-US" altLang="ko-KR" b="1" dirty="0"/>
+              <a:t>Class2(</a:t>
+            </a:r>
+            <a:r>
+              <a:rPr lang="ko-KR" altLang="en-US" b="1" dirty="0"/>
+              <a:t>공급부족</a:t>
+            </a:r>
+            <a:r>
+              <a:rPr lang="en-US" altLang="ko-KR" b="1" dirty="0"/>
+              <a:t>) : 87.98%</a:t>
+            </a:r>
+          </a:p>
+          <a:p>
+            <a:pPr marL="742950" lvl="1" indent="-285750">
+              <a:buFontTx/>
+              <a:buChar char="-"/>
+            </a:pPr>
+            <a:r>
+              <a:rPr lang="en-US" altLang="ko-KR" b="1" dirty="0"/>
+              <a:t>Class3(</a:t>
+            </a:r>
+            <a:r>
+              <a:rPr lang="ko-KR" altLang="en-US" b="1" dirty="0"/>
+              <a:t>공급절대부족</a:t>
+            </a:r>
+            <a:r>
+              <a:rPr lang="en-US" altLang="ko-KR" b="1" dirty="0"/>
+              <a:t>) : 89.51%</a:t>
+            </a:r>
+            <a:endParaRPr lang="ko-KR" altLang="en-US" b="1" dirty="0"/>
+          </a:p>
+        </p:txBody>
+      </p:sp>
+      <p:sp>
+        <p:nvSpPr>
+          <p:cNvPr id="6" name="TextBox 5">
+            <a:extLst>
+              <a:ext uri="{FF2B5EF4-FFF2-40B4-BE49-F238E27FC236}">
+                <a16:creationId xmlns:a16="http://schemas.microsoft.com/office/drawing/2014/main" id="{CB6BC431-5583-B7E4-17AC-064F456A41F1}"/>
+              </a:ext>
+            </a:extLst>
+          </p:cNvPr>
+          <p:cNvSpPr txBox="1"/>
+          <p:nvPr/>
+        </p:nvSpPr>
+        <p:spPr>
+          <a:xfrm>
+            <a:off x="87086" y="854528"/>
+            <a:ext cx="4144148" cy="369332"/>
+          </a:xfrm>
+          <a:prstGeom prst="rect">
+            <a:avLst/>
+          </a:prstGeom>
+          <a:noFill/>
+        </p:spPr>
+        <p:txBody>
+          <a:bodyPr wrap="none" rtlCol="0">
+            <a:spAutoFit/>
+          </a:bodyPr>
+          <a:lstStyle/>
+          <a:p>
+            <a:r>
+              <a:rPr lang="en-US" altLang="ko-KR" dirty="0"/>
+              <a:t>1. </a:t>
+            </a:r>
+            <a:r>
+              <a:rPr lang="en-US" altLang="ko-KR" dirty="0" err="1"/>
+              <a:t>RandomForest_Classification</a:t>
+            </a:r>
+            <a:r>
+              <a:rPr lang="en-US" altLang="ko-KR" dirty="0"/>
+              <a:t> </a:t>
+            </a:r>
+            <a:r>
+              <a:rPr lang="ko-KR" altLang="en-US" dirty="0"/>
+              <a:t>모델 결과</a:t>
+            </a:r>
+          </a:p>
+        </p:txBody>
+      </p:sp>
+      <p:pic>
+        <p:nvPicPr>
+          <p:cNvPr id="3" name="그림 2">
+            <a:extLst>
+              <a:ext uri="{FF2B5EF4-FFF2-40B4-BE49-F238E27FC236}">
+                <a16:creationId xmlns:a16="http://schemas.microsoft.com/office/drawing/2014/main" id="{CA940691-2BE9-9D59-A7B0-C36A2464C8EC}"/>
+              </a:ext>
+            </a:extLst>
+          </p:cNvPr>
+          <p:cNvPicPr>
+            <a:picLocks noChangeAspect="1"/>
+          </p:cNvPicPr>
+          <p:nvPr/>
+        </p:nvPicPr>
+        <p:blipFill>
+          <a:blip r:embed="rId2"/>
+          <a:stretch>
+            <a:fillRect/>
+          </a:stretch>
+        </p:blipFill>
+        <p:spPr>
+          <a:xfrm>
+            <a:off x="8011800" y="1581324"/>
+            <a:ext cx="2830372" cy="1437298"/>
+          </a:xfrm>
+          <a:prstGeom prst="rect">
+            <a:avLst/>
+          </a:prstGeom>
+        </p:spPr>
+      </p:pic>
+      <p:pic>
+        <p:nvPicPr>
+          <p:cNvPr id="8" name="그림 7">
+            <a:extLst>
+              <a:ext uri="{FF2B5EF4-FFF2-40B4-BE49-F238E27FC236}">
+                <a16:creationId xmlns:a16="http://schemas.microsoft.com/office/drawing/2014/main" id="{EDDA0B35-DC0C-CED9-1392-66BCCB2C63F6}"/>
+              </a:ext>
+            </a:extLst>
+          </p:cNvPr>
+          <p:cNvPicPr>
+            <a:picLocks noChangeAspect="1"/>
+          </p:cNvPicPr>
+          <p:nvPr/>
+        </p:nvPicPr>
+        <p:blipFill>
+          <a:blip r:embed="rId3"/>
+          <a:stretch>
+            <a:fillRect/>
+          </a:stretch>
+        </p:blipFill>
+        <p:spPr>
+          <a:xfrm>
+            <a:off x="424791" y="1391217"/>
+            <a:ext cx="7209293" cy="3910125"/>
+          </a:xfrm>
+          <a:prstGeom prst="rect">
+            <a:avLst/>
+          </a:prstGeom>
+        </p:spPr>
+      </p:pic>
+    </p:spTree>
+    <p:extLst>
+      <p:ext uri="{BB962C8B-B14F-4D97-AF65-F5344CB8AC3E}">
+        <p14:creationId xmlns:p14="http://schemas.microsoft.com/office/powerpoint/2010/main" val="2396320495"/>
+      </p:ext>
+    </p:extLst>
+  </p:cSld>
+  <p:clrMapOvr>
+    <a:masterClrMapping/>
+  </p:clrMapOvr>
+</p:sld>
+</file>
+
+<file path=ppt/slides/slide51.xml><?xml version="1.0" encoding="utf-8"?>
+<p:sld xmlns:a="http://schemas.openxmlformats.org/drawingml/2006/main" xmlns:r="http://schemas.openxmlformats.org/officeDocument/2006/relationships" xmlns:p="http://schemas.openxmlformats.org/presentationml/2006/main">
+  <p:cSld>
+    <p:spTree>
+      <p:nvGrpSpPr>
+        <p:cNvPr id="1" name="">
+          <a:extLst>
+            <a:ext uri="{FF2B5EF4-FFF2-40B4-BE49-F238E27FC236}">
+              <a16:creationId xmlns:a16="http://schemas.microsoft.com/office/drawing/2014/main" id="{6D506231-D1B6-6FB4-16A6-AC90774DDA3C}"/>
+            </a:ext>
+          </a:extLst>
+        </p:cNvPr>
+        <p:cNvGrpSpPr/>
+        <p:nvPr/>
+      </p:nvGrpSpPr>
+      <p:grpSpPr>
+        <a:xfrm>
+          <a:off x="0" y="0"/>
+          <a:ext cx="0" cy="0"/>
+          <a:chOff x="0" y="0"/>
+          <a:chExt cx="0" cy="0"/>
+        </a:xfrm>
+      </p:grpSpPr>
+      <p:sp>
+        <p:nvSpPr>
+          <p:cNvPr id="2" name="직사각형 1">
+            <a:extLst>
+              <a:ext uri="{FF2B5EF4-FFF2-40B4-BE49-F238E27FC236}">
+                <a16:creationId xmlns:a16="http://schemas.microsoft.com/office/drawing/2014/main" id="{9B92609B-61F2-DFAC-1504-93E861FC9816}"/>
+              </a:ext>
+            </a:extLst>
+          </p:cNvPr>
+          <p:cNvSpPr/>
+          <p:nvPr/>
+        </p:nvSpPr>
+        <p:spPr>
+          <a:xfrm>
+            <a:off x="59871" y="1981200"/>
+            <a:ext cx="12072257" cy="2536372"/>
+          </a:xfrm>
+          <a:prstGeom prst="rect">
+            <a:avLst/>
+          </a:prstGeom>
+          <a:solidFill>
+            <a:schemeClr val="accent5">
+              <a:lumMod val="75000"/>
+            </a:schemeClr>
+          </a:solidFill>
+          <a:ln>
+            <a:noFill/>
+          </a:ln>
+        </p:spPr>
+        <p:style>
+          <a:lnRef idx="2">
+            <a:schemeClr val="accent2">
+              <a:shade val="15000"/>
+            </a:schemeClr>
+          </a:lnRef>
+          <a:fillRef idx="1">
+            <a:schemeClr val="accent2"/>
+          </a:fillRef>
+          <a:effectRef idx="0">
+            <a:schemeClr val="accent2"/>
+          </a:effectRef>
+          <a:fontRef idx="minor">
+            <a:schemeClr val="lt1"/>
+          </a:fontRef>
+        </p:style>
+        <p:txBody>
+          <a:bodyPr rtlCol="0" anchor="ctr"/>
+          <a:lstStyle/>
+          <a:p>
+            <a:pPr algn="ctr"/>
+            <a:r>
+              <a:rPr lang="ko-KR" altLang="en-US" sz="5400" dirty="0">
+                <a:latin typeface="HY헤드라인M" panose="02030600000101010101" pitchFamily="18" charset="-127"/>
+                <a:ea typeface="HY헤드라인M" panose="02030600000101010101" pitchFamily="18" charset="-127"/>
+              </a:rPr>
+              <a:t>최종 모델 선택 </a:t>
+            </a:r>
+          </a:p>
+        </p:txBody>
+      </p:sp>
+    </p:spTree>
+    <p:extLst>
+      <p:ext uri="{BB962C8B-B14F-4D97-AF65-F5344CB8AC3E}">
+        <p14:creationId xmlns:p14="http://schemas.microsoft.com/office/powerpoint/2010/main" val="718600651"/>
+      </p:ext>
+    </p:extLst>
+  </p:cSld>
+  <p:clrMapOvr>
+    <a:masterClrMapping/>
+  </p:clrMapOvr>
+</p:sld>
+</file>
+
+<file path=ppt/slides/slide52.xml><?xml version="1.0" encoding="utf-8"?>
+<p:sld xmlns:a="http://schemas.openxmlformats.org/drawingml/2006/main" xmlns:r="http://schemas.openxmlformats.org/officeDocument/2006/relationships" xmlns:p="http://schemas.openxmlformats.org/presentationml/2006/main">
+  <p:cSld>
+    <p:spTree>
+      <p:nvGrpSpPr>
+        <p:cNvPr id="1" name="">
+          <a:extLst>
+            <a:ext uri="{FF2B5EF4-FFF2-40B4-BE49-F238E27FC236}">
+              <a16:creationId xmlns:a16="http://schemas.microsoft.com/office/drawing/2014/main" id="{2B991203-EF5E-6274-AE82-BE5F68FB2C49}"/>
+            </a:ext>
+          </a:extLst>
+        </p:cNvPr>
+        <p:cNvGrpSpPr/>
+        <p:nvPr/>
+      </p:nvGrpSpPr>
+      <p:grpSpPr>
+        <a:xfrm>
+          <a:off x="0" y="0"/>
+          <a:ext cx="0" cy="0"/>
+          <a:chOff x="0" y="0"/>
+          <a:chExt cx="0" cy="0"/>
+        </a:xfrm>
+      </p:grpSpPr>
+      <p:sp>
+        <p:nvSpPr>
+          <p:cNvPr id="2" name="직사각형 1">
+            <a:extLst>
+              <a:ext uri="{FF2B5EF4-FFF2-40B4-BE49-F238E27FC236}">
+                <a16:creationId xmlns:a16="http://schemas.microsoft.com/office/drawing/2014/main" id="{B176AAC5-42FE-8059-9143-53C21618632B}"/>
+              </a:ext>
+            </a:extLst>
+          </p:cNvPr>
+          <p:cNvSpPr/>
+          <p:nvPr/>
+        </p:nvSpPr>
+        <p:spPr>
+          <a:xfrm>
+            <a:off x="0" y="892628"/>
+            <a:ext cx="12192000" cy="1709895"/>
+          </a:xfrm>
+          <a:prstGeom prst="rect">
+            <a:avLst/>
+          </a:prstGeom>
+          <a:noFill/>
+          <a:ln>
+            <a:noFill/>
+          </a:ln>
+        </p:spPr>
+        <p:style>
+          <a:lnRef idx="2">
+            <a:schemeClr val="accent2">
+              <a:shade val="15000"/>
+            </a:schemeClr>
+          </a:lnRef>
+          <a:fillRef idx="1">
+            <a:schemeClr val="accent2"/>
+          </a:fillRef>
+          <a:effectRef idx="0">
+            <a:schemeClr val="accent2"/>
+          </a:effectRef>
+          <a:fontRef idx="minor">
+            <a:schemeClr val="lt1"/>
+          </a:fontRef>
+        </p:style>
+        <p:txBody>
+          <a:bodyPr rtlCol="0" anchor="ctr"/>
+          <a:lstStyle/>
+          <a:p>
+            <a:r>
+              <a:rPr lang="en-US" altLang="ko-KR" sz="2400" dirty="0">
+                <a:ln w="0">
+                  <a:noFill/>
+                </a:ln>
+                <a:solidFill>
+                  <a:schemeClr val="tx1"/>
+                </a:solidFill>
+                <a:latin typeface="HY헤드라인M" panose="02030600000101010101" pitchFamily="18" charset="-127"/>
+                <a:ea typeface="HY헤드라인M" panose="02030600000101010101" pitchFamily="18" charset="-127"/>
+              </a:rPr>
+              <a:t>- M1_model : </a:t>
+            </a:r>
+            <a:r>
+              <a:rPr lang="ko-KR" altLang="en-US" sz="2400" dirty="0">
+                <a:ln w="0">
+                  <a:noFill/>
+                </a:ln>
+                <a:solidFill>
+                  <a:schemeClr val="tx1"/>
+                </a:solidFill>
+                <a:latin typeface="HY헤드라인M" panose="02030600000101010101" pitchFamily="18" charset="-127"/>
+                <a:ea typeface="HY헤드라인M" panose="02030600000101010101" pitchFamily="18" charset="-127"/>
+              </a:rPr>
+              <a:t>공공자전거 수요 예측 모델</a:t>
+            </a:r>
+            <a:r>
+              <a:rPr lang="en-US" altLang="ko-KR" sz="2400" dirty="0">
+                <a:ln w="0">
+                  <a:noFill/>
+                </a:ln>
+                <a:solidFill>
+                  <a:schemeClr val="tx1"/>
+                </a:solidFill>
+                <a:latin typeface="HY헤드라인M" panose="02030600000101010101" pitchFamily="18" charset="-127"/>
+                <a:ea typeface="HY헤드라인M" panose="02030600000101010101" pitchFamily="18" charset="-127"/>
+              </a:rPr>
+              <a:t>, </a:t>
+            </a:r>
+            <a:r>
+              <a:rPr lang="en-US" altLang="ko-KR" sz="2400" dirty="0" err="1">
+                <a:ln w="0">
+                  <a:noFill/>
+                </a:ln>
+                <a:solidFill>
+                  <a:schemeClr val="tx1"/>
+                </a:solidFill>
+                <a:latin typeface="HY헤드라인M" panose="02030600000101010101" pitchFamily="18" charset="-127"/>
+                <a:ea typeface="HY헤드라인M" panose="02030600000101010101" pitchFamily="18" charset="-127"/>
+              </a:rPr>
+              <a:t>DNN_Linear_Regression</a:t>
+            </a:r>
+            <a:endParaRPr lang="en-US" altLang="ko-KR" sz="2400" dirty="0">
+              <a:ln w="0">
+                <a:noFill/>
+              </a:ln>
+              <a:solidFill>
+                <a:schemeClr val="tx1"/>
+              </a:solidFill>
+              <a:latin typeface="HY헤드라인M" panose="02030600000101010101" pitchFamily="18" charset="-127"/>
+              <a:ea typeface="HY헤드라인M" panose="02030600000101010101" pitchFamily="18" charset="-127"/>
+            </a:endParaRPr>
+          </a:p>
+          <a:p>
+            <a:endParaRPr lang="en-US" altLang="ko-KR" sz="2400" dirty="0">
+              <a:ln w="0">
+                <a:noFill/>
+              </a:ln>
+              <a:solidFill>
+                <a:schemeClr val="tx1"/>
+              </a:solidFill>
+              <a:latin typeface="HY헤드라인M" panose="02030600000101010101" pitchFamily="18" charset="-127"/>
+              <a:ea typeface="HY헤드라인M" panose="02030600000101010101" pitchFamily="18" charset="-127"/>
+            </a:endParaRPr>
+          </a:p>
+          <a:p>
+            <a:r>
+              <a:rPr lang="en-US" altLang="ko-KR" sz="2400" dirty="0">
+                <a:ln w="0">
+                  <a:noFill/>
+                </a:ln>
+                <a:solidFill>
+                  <a:schemeClr val="tx1"/>
+                </a:solidFill>
+                <a:latin typeface="HY헤드라인M" panose="02030600000101010101" pitchFamily="18" charset="-127"/>
+                <a:ea typeface="HY헤드라인M" panose="02030600000101010101" pitchFamily="18" charset="-127"/>
+              </a:rPr>
+              <a:t>- M2_model : </a:t>
+            </a:r>
+            <a:r>
+              <a:rPr lang="ko-KR" altLang="en-US" sz="2400" dirty="0">
+                <a:ln w="0">
+                  <a:noFill/>
+                </a:ln>
+                <a:solidFill>
+                  <a:schemeClr val="tx1"/>
+                </a:solidFill>
+                <a:latin typeface="HY헤드라인M" panose="02030600000101010101" pitchFamily="18" charset="-127"/>
+                <a:ea typeface="HY헤드라인M" panose="02030600000101010101" pitchFamily="18" charset="-127"/>
+              </a:rPr>
+              <a:t>민간 </a:t>
+            </a:r>
+            <a:r>
+              <a:rPr lang="en-US" altLang="ko-KR" sz="2400" dirty="0">
+                <a:ln w="0">
+                  <a:noFill/>
+                </a:ln>
+                <a:solidFill>
+                  <a:schemeClr val="tx1"/>
+                </a:solidFill>
+                <a:latin typeface="HY헤드라인M" panose="02030600000101010101" pitchFamily="18" charset="-127"/>
+                <a:ea typeface="HY헤드라인M" panose="02030600000101010101" pitchFamily="18" charset="-127"/>
+              </a:rPr>
+              <a:t>PM </a:t>
+            </a:r>
+            <a:r>
+              <a:rPr lang="ko-KR" altLang="en-US" sz="2400" dirty="0">
+                <a:ln w="0">
+                  <a:noFill/>
+                </a:ln>
+                <a:solidFill>
+                  <a:schemeClr val="tx1"/>
+                </a:solidFill>
+                <a:latin typeface="HY헤드라인M" panose="02030600000101010101" pitchFamily="18" charset="-127"/>
+                <a:ea typeface="HY헤드라인M" panose="02030600000101010101" pitchFamily="18" charset="-127"/>
+              </a:rPr>
+              <a:t>수요 예측 모델</a:t>
+            </a:r>
+            <a:r>
+              <a:rPr lang="en-US" altLang="ko-KR" sz="2400" dirty="0">
+                <a:ln w="0">
+                  <a:noFill/>
+                </a:ln>
+                <a:solidFill>
+                  <a:schemeClr val="tx1"/>
+                </a:solidFill>
+                <a:latin typeface="HY헤드라인M" panose="02030600000101010101" pitchFamily="18" charset="-127"/>
+                <a:ea typeface="HY헤드라인M" panose="02030600000101010101" pitchFamily="18" charset="-127"/>
+              </a:rPr>
+              <a:t>, </a:t>
+            </a:r>
+            <a:r>
+              <a:rPr lang="en-US" altLang="ko-KR" sz="2400" dirty="0" err="1">
+                <a:ln w="0">
+                  <a:noFill/>
+                </a:ln>
+                <a:solidFill>
+                  <a:schemeClr val="tx1"/>
+                </a:solidFill>
+                <a:latin typeface="HY헤드라인M" panose="02030600000101010101" pitchFamily="18" charset="-127"/>
+                <a:ea typeface="HY헤드라인M" panose="02030600000101010101" pitchFamily="18" charset="-127"/>
+              </a:rPr>
+              <a:t>RandomForest_Linear_Regession</a:t>
+            </a:r>
+            <a:endParaRPr lang="ko-KR" altLang="en-US" sz="2400" dirty="0">
+              <a:ln w="0">
+                <a:noFill/>
+              </a:ln>
+              <a:solidFill>
+                <a:schemeClr val="tx1"/>
+              </a:solidFill>
+              <a:latin typeface="HY헤드라인M" panose="02030600000101010101" pitchFamily="18" charset="-127"/>
+              <a:ea typeface="HY헤드라인M" panose="02030600000101010101" pitchFamily="18" charset="-127"/>
+            </a:endParaRPr>
+          </a:p>
+          <a:p>
+            <a:pPr algn="ctr"/>
+            <a:r>
+              <a:rPr lang="ko-KR" altLang="en-US" sz="5400" dirty="0">
+                <a:ln w="0">
+                  <a:noFill/>
+                </a:ln>
+                <a:solidFill>
+                  <a:schemeClr val="tx1"/>
+                </a:solidFill>
+                <a:latin typeface="HY헤드라인M" panose="02030600000101010101" pitchFamily="18" charset="-127"/>
+                <a:ea typeface="HY헤드라인M" panose="02030600000101010101" pitchFamily="18" charset="-127"/>
+              </a:rPr>
+              <a:t> </a:t>
+            </a:r>
+          </a:p>
+        </p:txBody>
+      </p:sp>
+      <p:sp>
+        <p:nvSpPr>
+          <p:cNvPr id="3" name="직사각형 2">
+            <a:extLst>
+              <a:ext uri="{FF2B5EF4-FFF2-40B4-BE49-F238E27FC236}">
+                <a16:creationId xmlns:a16="http://schemas.microsoft.com/office/drawing/2014/main" id="{92A33C49-17F6-A611-4ABF-DB57667CABBC}"/>
+              </a:ext>
+            </a:extLst>
+          </p:cNvPr>
+          <p:cNvSpPr/>
+          <p:nvPr/>
+        </p:nvSpPr>
+        <p:spPr>
+          <a:xfrm>
+            <a:off x="0" y="-42173"/>
+            <a:ext cx="12192000" cy="729343"/>
+          </a:xfrm>
+          <a:prstGeom prst="rect">
+            <a:avLst/>
+          </a:prstGeom>
+          <a:solidFill>
+            <a:schemeClr val="accent5">
+              <a:lumMod val="75000"/>
+            </a:schemeClr>
+          </a:solidFill>
+          <a:ln>
+            <a:noFill/>
+          </a:ln>
+        </p:spPr>
+        <p:style>
+          <a:lnRef idx="2">
+            <a:schemeClr val="accent2">
+              <a:shade val="15000"/>
+            </a:schemeClr>
+          </a:lnRef>
+          <a:fillRef idx="1">
+            <a:schemeClr val="accent2"/>
+          </a:fillRef>
+          <a:effectRef idx="0">
+            <a:schemeClr val="accent2"/>
+          </a:effectRef>
+          <a:fontRef idx="minor">
+            <a:schemeClr val="lt1"/>
+          </a:fontRef>
+        </p:style>
+        <p:txBody>
+          <a:bodyPr rtlCol="0" anchor="ctr"/>
+          <a:lstStyle/>
+          <a:p>
+            <a:r>
+              <a:rPr lang="ko-KR" altLang="en-US" sz="4000" dirty="0">
+                <a:latin typeface="HY헤드라인M" panose="02030600000101010101" pitchFamily="18" charset="-127"/>
+                <a:ea typeface="HY헤드라인M" panose="02030600000101010101" pitchFamily="18" charset="-127"/>
+              </a:rPr>
+              <a:t>최종 모델 선택</a:t>
+            </a:r>
+            <a:endParaRPr lang="en-US" altLang="ko-KR" sz="4000" dirty="0">
+              <a:latin typeface="HY헤드라인M" panose="02030600000101010101" pitchFamily="18" charset="-127"/>
+              <a:ea typeface="HY헤드라인M" panose="02030600000101010101" pitchFamily="18" charset="-127"/>
+            </a:endParaRPr>
+          </a:p>
+        </p:txBody>
+      </p:sp>
+    </p:spTree>
+    <p:extLst>
+      <p:ext uri="{BB962C8B-B14F-4D97-AF65-F5344CB8AC3E}">
+        <p14:creationId xmlns:p14="http://schemas.microsoft.com/office/powerpoint/2010/main" val="3812992167"/>
       </p:ext>
     </p:extLst>
   </p:cSld>

--- a/presentation/Model 설명서.pptx
+++ b/presentation/Model 설명서.pptx
@@ -19,44 +19,47 @@
     <p:sldId id="273" r:id="rId13"/>
     <p:sldId id="274" r:id="rId14"/>
     <p:sldId id="275" r:id="rId15"/>
-    <p:sldId id="260" r:id="rId16"/>
-    <p:sldId id="257" r:id="rId17"/>
-    <p:sldId id="258" r:id="rId18"/>
-    <p:sldId id="259" r:id="rId19"/>
-    <p:sldId id="261" r:id="rId20"/>
-    <p:sldId id="263" r:id="rId21"/>
-    <p:sldId id="262" r:id="rId22"/>
-    <p:sldId id="297" r:id="rId23"/>
-    <p:sldId id="298" r:id="rId24"/>
-    <p:sldId id="299" r:id="rId25"/>
-    <p:sldId id="300" r:id="rId26"/>
-    <p:sldId id="301" r:id="rId27"/>
-    <p:sldId id="303" r:id="rId28"/>
-    <p:sldId id="304" r:id="rId29"/>
-    <p:sldId id="318" r:id="rId30"/>
-    <p:sldId id="309" r:id="rId31"/>
-    <p:sldId id="310" r:id="rId32"/>
-    <p:sldId id="319" r:id="rId33"/>
-    <p:sldId id="320" r:id="rId34"/>
-    <p:sldId id="321" r:id="rId35"/>
-    <p:sldId id="322" r:id="rId36"/>
-    <p:sldId id="323" r:id="rId37"/>
-    <p:sldId id="324" r:id="rId38"/>
-    <p:sldId id="325" r:id="rId39"/>
-    <p:sldId id="315" r:id="rId40"/>
-    <p:sldId id="328" r:id="rId41"/>
-    <p:sldId id="316" r:id="rId42"/>
-    <p:sldId id="326" r:id="rId43"/>
-    <p:sldId id="329" r:id="rId44"/>
-    <p:sldId id="334" r:id="rId45"/>
-    <p:sldId id="332" r:id="rId46"/>
-    <p:sldId id="333" r:id="rId47"/>
-    <p:sldId id="335" r:id="rId48"/>
-    <p:sldId id="331" r:id="rId49"/>
-    <p:sldId id="330" r:id="rId50"/>
-    <p:sldId id="327" r:id="rId51"/>
-    <p:sldId id="336" r:id="rId52"/>
-    <p:sldId id="337" r:id="rId53"/>
+    <p:sldId id="339" r:id="rId16"/>
+    <p:sldId id="338" r:id="rId17"/>
+    <p:sldId id="340" r:id="rId18"/>
+    <p:sldId id="260" r:id="rId19"/>
+    <p:sldId id="257" r:id="rId20"/>
+    <p:sldId id="258" r:id="rId21"/>
+    <p:sldId id="259" r:id="rId22"/>
+    <p:sldId id="261" r:id="rId23"/>
+    <p:sldId id="263" r:id="rId24"/>
+    <p:sldId id="262" r:id="rId25"/>
+    <p:sldId id="297" r:id="rId26"/>
+    <p:sldId id="298" r:id="rId27"/>
+    <p:sldId id="299" r:id="rId28"/>
+    <p:sldId id="300" r:id="rId29"/>
+    <p:sldId id="301" r:id="rId30"/>
+    <p:sldId id="303" r:id="rId31"/>
+    <p:sldId id="304" r:id="rId32"/>
+    <p:sldId id="318" r:id="rId33"/>
+    <p:sldId id="309" r:id="rId34"/>
+    <p:sldId id="310" r:id="rId35"/>
+    <p:sldId id="319" r:id="rId36"/>
+    <p:sldId id="320" r:id="rId37"/>
+    <p:sldId id="321" r:id="rId38"/>
+    <p:sldId id="322" r:id="rId39"/>
+    <p:sldId id="323" r:id="rId40"/>
+    <p:sldId id="324" r:id="rId41"/>
+    <p:sldId id="325" r:id="rId42"/>
+    <p:sldId id="315" r:id="rId43"/>
+    <p:sldId id="328" r:id="rId44"/>
+    <p:sldId id="316" r:id="rId45"/>
+    <p:sldId id="326" r:id="rId46"/>
+    <p:sldId id="329" r:id="rId47"/>
+    <p:sldId id="334" r:id="rId48"/>
+    <p:sldId id="332" r:id="rId49"/>
+    <p:sldId id="333" r:id="rId50"/>
+    <p:sldId id="335" r:id="rId51"/>
+    <p:sldId id="331" r:id="rId52"/>
+    <p:sldId id="330" r:id="rId53"/>
+    <p:sldId id="327" r:id="rId54"/>
+    <p:sldId id="336" r:id="rId55"/>
+    <p:sldId id="337" r:id="rId56"/>
   </p:sldIdLst>
   <p:sldSz cx="12192000" cy="6858000"/>
   <p:notesSz cx="6858000" cy="9144000"/>
@@ -294,7 +297,7 @@
           <a:p>
             <a:fld id="{7FED6602-5AEF-47D5-8D5F-8BC7DC09E59A}" type="datetimeFigureOut">
               <a:rPr lang="ko-KR" altLang="en-US" smtClean="0"/>
-              <a:t>2025-07-09</a:t>
+              <a:t>2025-07-14</a:t>
             </a:fld>
             <a:endParaRPr lang="ko-KR" altLang="en-US"/>
           </a:p>
@@ -464,7 +467,7 @@
           <a:p>
             <a:fld id="{7FED6602-5AEF-47D5-8D5F-8BC7DC09E59A}" type="datetimeFigureOut">
               <a:rPr lang="ko-KR" altLang="en-US" smtClean="0"/>
-              <a:t>2025-07-09</a:t>
+              <a:t>2025-07-14</a:t>
             </a:fld>
             <a:endParaRPr lang="ko-KR" altLang="en-US"/>
           </a:p>
@@ -644,7 +647,7 @@
           <a:p>
             <a:fld id="{7FED6602-5AEF-47D5-8D5F-8BC7DC09E59A}" type="datetimeFigureOut">
               <a:rPr lang="ko-KR" altLang="en-US" smtClean="0"/>
-              <a:t>2025-07-09</a:t>
+              <a:t>2025-07-14</a:t>
             </a:fld>
             <a:endParaRPr lang="ko-KR" altLang="en-US"/>
           </a:p>
@@ -814,7 +817,7 @@
           <a:p>
             <a:fld id="{7FED6602-5AEF-47D5-8D5F-8BC7DC09E59A}" type="datetimeFigureOut">
               <a:rPr lang="ko-KR" altLang="en-US" smtClean="0"/>
-              <a:t>2025-07-09</a:t>
+              <a:t>2025-07-14</a:t>
             </a:fld>
             <a:endParaRPr lang="ko-KR" altLang="en-US"/>
           </a:p>
@@ -1060,7 +1063,7 @@
           <a:p>
             <a:fld id="{7FED6602-5AEF-47D5-8D5F-8BC7DC09E59A}" type="datetimeFigureOut">
               <a:rPr lang="ko-KR" altLang="en-US" smtClean="0"/>
-              <a:t>2025-07-09</a:t>
+              <a:t>2025-07-14</a:t>
             </a:fld>
             <a:endParaRPr lang="ko-KR" altLang="en-US"/>
           </a:p>
@@ -1292,7 +1295,7 @@
           <a:p>
             <a:fld id="{7FED6602-5AEF-47D5-8D5F-8BC7DC09E59A}" type="datetimeFigureOut">
               <a:rPr lang="ko-KR" altLang="en-US" smtClean="0"/>
-              <a:t>2025-07-09</a:t>
+              <a:t>2025-07-14</a:t>
             </a:fld>
             <a:endParaRPr lang="ko-KR" altLang="en-US"/>
           </a:p>
@@ -1659,7 +1662,7 @@
           <a:p>
             <a:fld id="{7FED6602-5AEF-47D5-8D5F-8BC7DC09E59A}" type="datetimeFigureOut">
               <a:rPr lang="ko-KR" altLang="en-US" smtClean="0"/>
-              <a:t>2025-07-09</a:t>
+              <a:t>2025-07-14</a:t>
             </a:fld>
             <a:endParaRPr lang="ko-KR" altLang="en-US"/>
           </a:p>
@@ -1777,7 +1780,7 @@
           <a:p>
             <a:fld id="{7FED6602-5AEF-47D5-8D5F-8BC7DC09E59A}" type="datetimeFigureOut">
               <a:rPr lang="ko-KR" altLang="en-US" smtClean="0"/>
-              <a:t>2025-07-09</a:t>
+              <a:t>2025-07-14</a:t>
             </a:fld>
             <a:endParaRPr lang="ko-KR" altLang="en-US"/>
           </a:p>
@@ -1872,7 +1875,7 @@
           <a:p>
             <a:fld id="{7FED6602-5AEF-47D5-8D5F-8BC7DC09E59A}" type="datetimeFigureOut">
               <a:rPr lang="ko-KR" altLang="en-US" smtClean="0"/>
-              <a:t>2025-07-09</a:t>
+              <a:t>2025-07-14</a:t>
             </a:fld>
             <a:endParaRPr lang="ko-KR" altLang="en-US"/>
           </a:p>
@@ -2149,7 +2152,7 @@
           <a:p>
             <a:fld id="{7FED6602-5AEF-47D5-8D5F-8BC7DC09E59A}" type="datetimeFigureOut">
               <a:rPr lang="ko-KR" altLang="en-US" smtClean="0"/>
-              <a:t>2025-07-09</a:t>
+              <a:t>2025-07-14</a:t>
             </a:fld>
             <a:endParaRPr lang="ko-KR" altLang="en-US"/>
           </a:p>
@@ -2406,7 +2409,7 @@
           <a:p>
             <a:fld id="{7FED6602-5AEF-47D5-8D5F-8BC7DC09E59A}" type="datetimeFigureOut">
               <a:rPr lang="ko-KR" altLang="en-US" smtClean="0"/>
-              <a:t>2025-07-09</a:t>
+              <a:t>2025-07-14</a:t>
             </a:fld>
             <a:endParaRPr lang="ko-KR" altLang="en-US"/>
           </a:p>
@@ -2619,7 +2622,7 @@
           <a:p>
             <a:fld id="{7FED6602-5AEF-47D5-8D5F-8BC7DC09E59A}" type="datetimeFigureOut">
               <a:rPr lang="ko-KR" altLang="en-US" smtClean="0"/>
-              <a:t>2025-07-09</a:t>
+              <a:t>2025-07-14</a:t>
             </a:fld>
             <a:endParaRPr lang="ko-KR" altLang="en-US"/>
           </a:p>
@@ -4627,7 +4630,13 @@
   <p:cSld>
     <p:spTree>
       <p:nvGrpSpPr>
-        <p:cNvPr id="1" name=""/>
+        <p:cNvPr id="1" name="">
+          <a:extLst>
+            <a:ext uri="{FF2B5EF4-FFF2-40B4-BE49-F238E27FC236}">
+              <a16:creationId xmlns:a16="http://schemas.microsoft.com/office/drawing/2014/main" id="{18A20339-301B-0D71-4389-40DE2AF2BD85}"/>
+            </a:ext>
+          </a:extLst>
+        </p:cNvPr>
         <p:cNvGrpSpPr/>
         <p:nvPr/>
       </p:nvGrpSpPr>
@@ -4644,7 +4653,7 @@
           <p:cNvPr id="2" name="직사각형 1">
             <a:extLst>
               <a:ext uri="{FF2B5EF4-FFF2-40B4-BE49-F238E27FC236}">
-                <a16:creationId xmlns:a16="http://schemas.microsoft.com/office/drawing/2014/main" id="{7AD56EEF-7273-72AA-4332-63F63BF5DEB9}"/>
+                <a16:creationId xmlns:a16="http://schemas.microsoft.com/office/drawing/2014/main" id="{269C8CE2-C162-BF63-4501-9B54BDEBFB4C}"/>
               </a:ext>
             </a:extLst>
           </p:cNvPr>
@@ -4689,6 +4698,902 @@
                 <a:latin typeface="HY헤드라인M" panose="02030600000101010101" pitchFamily="18" charset="-127"/>
                 <a:ea typeface="HY헤드라인M" panose="02030600000101010101" pitchFamily="18" charset="-127"/>
               </a:rPr>
+              <a:t>0 - 4. </a:t>
+            </a:r>
+            <a:r>
+              <a:rPr lang="ko-KR" altLang="en-US" sz="5400" dirty="0">
+                <a:latin typeface="HY헤드라인M" panose="02030600000101010101" pitchFamily="18" charset="-127"/>
+                <a:ea typeface="HY헤드라인M" panose="02030600000101010101" pitchFamily="18" charset="-127"/>
+              </a:rPr>
+              <a:t>데이터 분포 확인</a:t>
+            </a:r>
+          </a:p>
+        </p:txBody>
+      </p:sp>
+      <p:sp>
+        <p:nvSpPr>
+          <p:cNvPr id="3" name="TextBox 2">
+            <a:extLst>
+              <a:ext uri="{FF2B5EF4-FFF2-40B4-BE49-F238E27FC236}">
+                <a16:creationId xmlns:a16="http://schemas.microsoft.com/office/drawing/2014/main" id="{0AA25499-4F23-AE3E-8745-DEC4D14A5F07}"/>
+              </a:ext>
+            </a:extLst>
+          </p:cNvPr>
+          <p:cNvSpPr txBox="1"/>
+          <p:nvPr/>
+        </p:nvSpPr>
+        <p:spPr>
+          <a:xfrm>
+            <a:off x="914400" y="1019908"/>
+            <a:ext cx="1326004" cy="769441"/>
+          </a:xfrm>
+          <a:prstGeom prst="rect">
+            <a:avLst/>
+          </a:prstGeom>
+          <a:noFill/>
+        </p:spPr>
+        <p:txBody>
+          <a:bodyPr wrap="none" rtlCol="0">
+            <a:spAutoFit/>
+          </a:bodyPr>
+          <a:lstStyle/>
+          <a:p>
+            <a:r>
+              <a:rPr lang="en-US" altLang="ko-KR" sz="4400" dirty="0"/>
+              <a:t>NEW</a:t>
+            </a:r>
+            <a:endParaRPr lang="ko-KR" altLang="en-US" sz="4400" dirty="0"/>
+          </a:p>
+        </p:txBody>
+      </p:sp>
+    </p:spTree>
+    <p:extLst>
+      <p:ext uri="{BB962C8B-B14F-4D97-AF65-F5344CB8AC3E}">
+        <p14:creationId xmlns:p14="http://schemas.microsoft.com/office/powerpoint/2010/main" val="3221131670"/>
+      </p:ext>
+    </p:extLst>
+  </p:cSld>
+  <p:clrMapOvr>
+    <a:masterClrMapping/>
+  </p:clrMapOvr>
+</p:sld>
+</file>
+
+<file path=ppt/slides/slide16.xml><?xml version="1.0" encoding="utf-8"?>
+<p:sld xmlns:a="http://schemas.openxmlformats.org/drawingml/2006/main" xmlns:r="http://schemas.openxmlformats.org/officeDocument/2006/relationships" xmlns:p="http://schemas.openxmlformats.org/presentationml/2006/main">
+  <p:cSld>
+    <p:spTree>
+      <p:nvGrpSpPr>
+        <p:cNvPr id="1" name="">
+          <a:extLst>
+            <a:ext uri="{FF2B5EF4-FFF2-40B4-BE49-F238E27FC236}">
+              <a16:creationId xmlns:a16="http://schemas.microsoft.com/office/drawing/2014/main" id="{11352664-1E72-00FF-8492-C89CF548FB6F}"/>
+            </a:ext>
+          </a:extLst>
+        </p:cNvPr>
+        <p:cNvGrpSpPr/>
+        <p:nvPr/>
+      </p:nvGrpSpPr>
+      <p:grpSpPr>
+        <a:xfrm>
+          <a:off x="0" y="0"/>
+          <a:ext cx="0" cy="0"/>
+          <a:chOff x="0" y="0"/>
+          <a:chExt cx="0" cy="0"/>
+        </a:xfrm>
+      </p:grpSpPr>
+      <p:sp>
+        <p:nvSpPr>
+          <p:cNvPr id="4" name="직사각형 3">
+            <a:extLst>
+              <a:ext uri="{FF2B5EF4-FFF2-40B4-BE49-F238E27FC236}">
+                <a16:creationId xmlns:a16="http://schemas.microsoft.com/office/drawing/2014/main" id="{F5C9A927-0DEE-B949-FA9A-51C38CFA7DAB}"/>
+              </a:ext>
+            </a:extLst>
+          </p:cNvPr>
+          <p:cNvSpPr/>
+          <p:nvPr/>
+        </p:nvSpPr>
+        <p:spPr>
+          <a:xfrm>
+            <a:off x="0" y="0"/>
+            <a:ext cx="12192000" cy="729343"/>
+          </a:xfrm>
+          <a:prstGeom prst="rect">
+            <a:avLst/>
+          </a:prstGeom>
+          <a:ln>
+            <a:noFill/>
+          </a:ln>
+        </p:spPr>
+        <p:style>
+          <a:lnRef idx="2">
+            <a:schemeClr val="accent2">
+              <a:shade val="15000"/>
+            </a:schemeClr>
+          </a:lnRef>
+          <a:fillRef idx="1">
+            <a:schemeClr val="accent2"/>
+          </a:fillRef>
+          <a:effectRef idx="0">
+            <a:schemeClr val="accent2"/>
+          </a:effectRef>
+          <a:fontRef idx="minor">
+            <a:schemeClr val="lt1"/>
+          </a:fontRef>
+        </p:style>
+        <p:txBody>
+          <a:bodyPr rtlCol="0" anchor="ctr"/>
+          <a:lstStyle/>
+          <a:p>
+            <a:r>
+              <a:rPr lang="en-US" altLang="ko-KR" sz="4000" dirty="0">
+                <a:latin typeface="HY헤드라인M" panose="02030600000101010101" pitchFamily="18" charset="-127"/>
+                <a:ea typeface="HY헤드라인M" panose="02030600000101010101" pitchFamily="18" charset="-127"/>
+              </a:rPr>
+              <a:t>0 - 4. </a:t>
+            </a:r>
+            <a:r>
+              <a:rPr lang="ko-KR" altLang="en-US" sz="4000" dirty="0">
+                <a:latin typeface="HY헤드라인M" panose="02030600000101010101" pitchFamily="18" charset="-127"/>
+                <a:ea typeface="HY헤드라인M" panose="02030600000101010101" pitchFamily="18" charset="-127"/>
+              </a:rPr>
+              <a:t>데이터 분포 확인</a:t>
+            </a:r>
+          </a:p>
+        </p:txBody>
+      </p:sp>
+      <p:sp>
+        <p:nvSpPr>
+          <p:cNvPr id="3" name="TextBox 2">
+            <a:extLst>
+              <a:ext uri="{FF2B5EF4-FFF2-40B4-BE49-F238E27FC236}">
+                <a16:creationId xmlns:a16="http://schemas.microsoft.com/office/drawing/2014/main" id="{8C6C29B7-5A63-69C7-7A16-107049EE6C95}"/>
+              </a:ext>
+            </a:extLst>
+          </p:cNvPr>
+          <p:cNvSpPr txBox="1"/>
+          <p:nvPr/>
+        </p:nvSpPr>
+        <p:spPr>
+          <a:xfrm>
+            <a:off x="413657" y="799804"/>
+            <a:ext cx="4483920" cy="369332"/>
+          </a:xfrm>
+          <a:prstGeom prst="rect">
+            <a:avLst/>
+          </a:prstGeom>
+          <a:noFill/>
+        </p:spPr>
+        <p:txBody>
+          <a:bodyPr wrap="none" rtlCol="0">
+            <a:spAutoFit/>
+          </a:bodyPr>
+          <a:lstStyle/>
+          <a:p>
+            <a:r>
+              <a:rPr lang="ko-KR" altLang="en-US" dirty="0"/>
+              <a:t>가</a:t>
+            </a:r>
+            <a:r>
+              <a:rPr lang="en-US" altLang="ko-KR" dirty="0"/>
+              <a:t>. </a:t>
+            </a:r>
+            <a:r>
+              <a:rPr lang="ko-KR" altLang="en-US" dirty="0"/>
+              <a:t>입력변수 데이터 시각화 후 분포를 확인</a:t>
+            </a:r>
+            <a:endParaRPr lang="en-US" altLang="ko-KR" dirty="0"/>
+          </a:p>
+        </p:txBody>
+      </p:sp>
+      <p:sp>
+        <p:nvSpPr>
+          <p:cNvPr id="10" name="TextBox 9">
+            <a:extLst>
+              <a:ext uri="{FF2B5EF4-FFF2-40B4-BE49-F238E27FC236}">
+                <a16:creationId xmlns:a16="http://schemas.microsoft.com/office/drawing/2014/main" id="{3E3DDAAA-6B33-662B-DFF7-4A4CA5E337CD}"/>
+              </a:ext>
+            </a:extLst>
+          </p:cNvPr>
+          <p:cNvSpPr txBox="1"/>
+          <p:nvPr/>
+        </p:nvSpPr>
+        <p:spPr>
+          <a:xfrm>
+            <a:off x="413657" y="4934823"/>
+            <a:ext cx="10568300" cy="1200329"/>
+          </a:xfrm>
+          <a:prstGeom prst="rect">
+            <a:avLst/>
+          </a:prstGeom>
+          <a:noFill/>
+        </p:spPr>
+        <p:txBody>
+          <a:bodyPr wrap="square" rtlCol="0">
+            <a:spAutoFit/>
+          </a:bodyPr>
+          <a:lstStyle/>
+          <a:p>
+            <a:pPr marL="285750" indent="-285750">
+              <a:buFontTx/>
+              <a:buChar char="-"/>
+            </a:pPr>
+            <a:r>
+              <a:rPr lang="ko-KR" altLang="en-US" b="1" dirty="0"/>
+              <a:t>입력변수의 분포가 모두 “비정규성”</a:t>
+            </a:r>
+            <a:r>
+              <a:rPr lang="en-US" altLang="ko-KR" b="1" dirty="0"/>
+              <a:t>, “</a:t>
+            </a:r>
+            <a:r>
+              <a:rPr lang="ko-KR" altLang="en-US" b="1" dirty="0" err="1"/>
+              <a:t>극단값</a:t>
+            </a:r>
+            <a:r>
+              <a:rPr lang="en-US" altLang="ko-KR" b="1" dirty="0"/>
+              <a:t>(</a:t>
+            </a:r>
+            <a:r>
+              <a:rPr lang="ko-KR" altLang="en-US" b="1" dirty="0"/>
+              <a:t>이상치</a:t>
+            </a:r>
+            <a:r>
+              <a:rPr lang="en-US" altLang="ko-KR" b="1" dirty="0"/>
+              <a:t>)”, “</a:t>
+            </a:r>
+            <a:r>
+              <a:rPr lang="ko-KR" altLang="en-US" b="1" dirty="0"/>
+              <a:t>불균형 분포” 특징</a:t>
+            </a:r>
+            <a:endParaRPr lang="en-US" altLang="ko-KR" b="1" dirty="0"/>
+          </a:p>
+          <a:p>
+            <a:pPr marL="285750" indent="-285750">
+              <a:buFontTx/>
+              <a:buChar char="-"/>
+            </a:pPr>
+            <a:r>
+              <a:rPr lang="ko-KR" altLang="en-US" dirty="0"/>
+              <a:t>스케일 조정을 통해 입력변수의 변동성을 해소</a:t>
+            </a:r>
+            <a:endParaRPr lang="en-US" altLang="ko-KR" dirty="0"/>
+          </a:p>
+          <a:p>
+            <a:pPr marL="742950" lvl="1" indent="-285750">
+              <a:buFontTx/>
+              <a:buChar char="-"/>
+            </a:pPr>
+            <a:r>
+              <a:rPr lang="en-US" altLang="ko-KR" dirty="0"/>
+              <a:t>1. </a:t>
+            </a:r>
+            <a:r>
+              <a:rPr lang="en-US" altLang="ko-KR" dirty="0" err="1"/>
+              <a:t>MinMaxScaler</a:t>
+            </a:r>
+            <a:r>
+              <a:rPr lang="en-US" altLang="ko-KR" dirty="0"/>
+              <a:t> </a:t>
+            </a:r>
+          </a:p>
+          <a:p>
+            <a:pPr marL="742950" lvl="1" indent="-285750">
+              <a:buFontTx/>
+              <a:buChar char="-"/>
+            </a:pPr>
+            <a:r>
+              <a:rPr lang="en-US" altLang="ko-KR" dirty="0"/>
+              <a:t>2. </a:t>
+            </a:r>
+            <a:r>
+              <a:rPr lang="en-US" altLang="ko-KR" dirty="0" err="1"/>
+              <a:t>RobustScaler</a:t>
+            </a:r>
+            <a:endParaRPr lang="en-US" altLang="ko-KR" dirty="0"/>
+          </a:p>
+        </p:txBody>
+      </p:sp>
+      <p:pic>
+        <p:nvPicPr>
+          <p:cNvPr id="5" name="그림 4" descr="스크린샷, 그래프이(가) 표시된 사진&#10;&#10;AI 생성 콘텐츠는 정확하지 않을 수 있습니다.">
+            <a:extLst>
+              <a:ext uri="{FF2B5EF4-FFF2-40B4-BE49-F238E27FC236}">
+                <a16:creationId xmlns:a16="http://schemas.microsoft.com/office/drawing/2014/main" id="{58C93568-E20F-E76E-EC6B-7CDB068BEBD0}"/>
+              </a:ext>
+            </a:extLst>
+          </p:cNvPr>
+          <p:cNvPicPr>
+            <a:picLocks noChangeAspect="1"/>
+          </p:cNvPicPr>
+          <p:nvPr/>
+        </p:nvPicPr>
+        <p:blipFill>
+          <a:blip r:embed="rId2">
+            <a:extLst>
+              <a:ext uri="{28A0092B-C50C-407E-A947-70E740481C1C}">
+                <a14:useLocalDpi xmlns:a14="http://schemas.microsoft.com/office/drawing/2010/main" val="0"/>
+              </a:ext>
+            </a:extLst>
+          </a:blip>
+          <a:stretch>
+            <a:fillRect/>
+          </a:stretch>
+        </p:blipFill>
+        <p:spPr>
+          <a:xfrm>
+            <a:off x="187503" y="1276549"/>
+            <a:ext cx="3960000" cy="3397587"/>
+          </a:xfrm>
+          <a:prstGeom prst="rect">
+            <a:avLst/>
+          </a:prstGeom>
+        </p:spPr>
+      </p:pic>
+      <p:pic>
+        <p:nvPicPr>
+          <p:cNvPr id="8" name="그림 7" descr="스크린샷, 텍스트, 라인, 직사각형이(가) 표시된 사진&#10;&#10;AI 생성 콘텐츠는 정확하지 않을 수 있습니다.">
+            <a:extLst>
+              <a:ext uri="{FF2B5EF4-FFF2-40B4-BE49-F238E27FC236}">
+                <a16:creationId xmlns:a16="http://schemas.microsoft.com/office/drawing/2014/main" id="{64EAA5B6-4BA3-C7D9-A56B-8B30C5AE63E6}"/>
+              </a:ext>
+            </a:extLst>
+          </p:cNvPr>
+          <p:cNvPicPr>
+            <a:picLocks noChangeAspect="1"/>
+          </p:cNvPicPr>
+          <p:nvPr/>
+        </p:nvPicPr>
+        <p:blipFill>
+          <a:blip r:embed="rId3">
+            <a:extLst>
+              <a:ext uri="{28A0092B-C50C-407E-A947-70E740481C1C}">
+                <a14:useLocalDpi xmlns:a14="http://schemas.microsoft.com/office/drawing/2010/main" val="0"/>
+              </a:ext>
+            </a:extLst>
+          </a:blip>
+          <a:stretch>
+            <a:fillRect/>
+          </a:stretch>
+        </p:blipFill>
+        <p:spPr>
+          <a:xfrm>
+            <a:off x="4147503" y="1297815"/>
+            <a:ext cx="3960000" cy="3142815"/>
+          </a:xfrm>
+          <a:prstGeom prst="rect">
+            <a:avLst/>
+          </a:prstGeom>
+        </p:spPr>
+      </p:pic>
+      <p:pic>
+        <p:nvPicPr>
+          <p:cNvPr id="13" name="그림 12" descr="도표, 그래프, 텍스트, 스크린샷이(가) 표시된 사진&#10;&#10;AI 생성 콘텐츠는 정확하지 않을 수 있습니다.">
+            <a:extLst>
+              <a:ext uri="{FF2B5EF4-FFF2-40B4-BE49-F238E27FC236}">
+                <a16:creationId xmlns:a16="http://schemas.microsoft.com/office/drawing/2014/main" id="{445C3E76-7985-432C-8770-9BC62B4C45CC}"/>
+              </a:ext>
+            </a:extLst>
+          </p:cNvPr>
+          <p:cNvPicPr>
+            <a:picLocks noChangeAspect="1"/>
+          </p:cNvPicPr>
+          <p:nvPr/>
+        </p:nvPicPr>
+        <p:blipFill>
+          <a:blip r:embed="rId4">
+            <a:extLst>
+              <a:ext uri="{28A0092B-C50C-407E-A947-70E740481C1C}">
+                <a14:useLocalDpi xmlns:a14="http://schemas.microsoft.com/office/drawing/2010/main" val="0"/>
+              </a:ext>
+            </a:extLst>
+          </a:blip>
+          <a:stretch>
+            <a:fillRect/>
+          </a:stretch>
+        </p:blipFill>
+        <p:spPr>
+          <a:xfrm>
+            <a:off x="8044499" y="1245010"/>
+            <a:ext cx="3960000" cy="3174146"/>
+          </a:xfrm>
+          <a:prstGeom prst="rect">
+            <a:avLst/>
+          </a:prstGeom>
+        </p:spPr>
+      </p:pic>
+    </p:spTree>
+    <p:extLst>
+      <p:ext uri="{BB962C8B-B14F-4D97-AF65-F5344CB8AC3E}">
+        <p14:creationId xmlns:p14="http://schemas.microsoft.com/office/powerpoint/2010/main" val="1918987825"/>
+      </p:ext>
+    </p:extLst>
+  </p:cSld>
+  <p:clrMapOvr>
+    <a:masterClrMapping/>
+  </p:clrMapOvr>
+</p:sld>
+</file>
+
+<file path=ppt/slides/slide17.xml><?xml version="1.0" encoding="utf-8"?>
+<p:sld xmlns:a="http://schemas.openxmlformats.org/drawingml/2006/main" xmlns:r="http://schemas.openxmlformats.org/officeDocument/2006/relationships" xmlns:p="http://schemas.openxmlformats.org/presentationml/2006/main">
+  <p:cSld>
+    <p:spTree>
+      <p:nvGrpSpPr>
+        <p:cNvPr id="1" name="">
+          <a:extLst>
+            <a:ext uri="{FF2B5EF4-FFF2-40B4-BE49-F238E27FC236}">
+              <a16:creationId xmlns:a16="http://schemas.microsoft.com/office/drawing/2014/main" id="{C0AF4B36-FC4F-613A-7D00-1D9A52FE0C90}"/>
+            </a:ext>
+          </a:extLst>
+        </p:cNvPr>
+        <p:cNvGrpSpPr/>
+        <p:nvPr/>
+      </p:nvGrpSpPr>
+      <p:grpSpPr>
+        <a:xfrm>
+          <a:off x="0" y="0"/>
+          <a:ext cx="0" cy="0"/>
+          <a:chOff x="0" y="0"/>
+          <a:chExt cx="0" cy="0"/>
+        </a:xfrm>
+      </p:grpSpPr>
+      <p:sp>
+        <p:nvSpPr>
+          <p:cNvPr id="4" name="직사각형 3">
+            <a:extLst>
+              <a:ext uri="{FF2B5EF4-FFF2-40B4-BE49-F238E27FC236}">
+                <a16:creationId xmlns:a16="http://schemas.microsoft.com/office/drawing/2014/main" id="{FF03143B-5065-A72A-4856-0E18E5D4DF7A}"/>
+              </a:ext>
+            </a:extLst>
+          </p:cNvPr>
+          <p:cNvSpPr/>
+          <p:nvPr/>
+        </p:nvSpPr>
+        <p:spPr>
+          <a:xfrm>
+            <a:off x="0" y="0"/>
+            <a:ext cx="12192000" cy="729343"/>
+          </a:xfrm>
+          <a:prstGeom prst="rect">
+            <a:avLst/>
+          </a:prstGeom>
+          <a:ln>
+            <a:noFill/>
+          </a:ln>
+        </p:spPr>
+        <p:style>
+          <a:lnRef idx="2">
+            <a:schemeClr val="accent2">
+              <a:shade val="15000"/>
+            </a:schemeClr>
+          </a:lnRef>
+          <a:fillRef idx="1">
+            <a:schemeClr val="accent2"/>
+          </a:fillRef>
+          <a:effectRef idx="0">
+            <a:schemeClr val="accent2"/>
+          </a:effectRef>
+          <a:fontRef idx="minor">
+            <a:schemeClr val="lt1"/>
+          </a:fontRef>
+        </p:style>
+        <p:txBody>
+          <a:bodyPr rtlCol="0" anchor="ctr"/>
+          <a:lstStyle/>
+          <a:p>
+            <a:r>
+              <a:rPr lang="en-US" altLang="ko-KR" sz="4000" dirty="0">
+                <a:latin typeface="HY헤드라인M" panose="02030600000101010101" pitchFamily="18" charset="-127"/>
+                <a:ea typeface="HY헤드라인M" panose="02030600000101010101" pitchFamily="18" charset="-127"/>
+              </a:rPr>
+              <a:t>0 - 4. </a:t>
+            </a:r>
+            <a:r>
+              <a:rPr lang="ko-KR" altLang="en-US" sz="4000" dirty="0">
+                <a:latin typeface="HY헤드라인M" panose="02030600000101010101" pitchFamily="18" charset="-127"/>
+                <a:ea typeface="HY헤드라인M" panose="02030600000101010101" pitchFamily="18" charset="-127"/>
+              </a:rPr>
+              <a:t>데이터 분포 확인 </a:t>
+            </a:r>
+          </a:p>
+        </p:txBody>
+      </p:sp>
+      <p:sp>
+        <p:nvSpPr>
+          <p:cNvPr id="3" name="TextBox 2">
+            <a:extLst>
+              <a:ext uri="{FF2B5EF4-FFF2-40B4-BE49-F238E27FC236}">
+                <a16:creationId xmlns:a16="http://schemas.microsoft.com/office/drawing/2014/main" id="{60AC4EF5-C654-1767-896C-6382F9DDD788}"/>
+              </a:ext>
+            </a:extLst>
+          </p:cNvPr>
+          <p:cNvSpPr txBox="1"/>
+          <p:nvPr/>
+        </p:nvSpPr>
+        <p:spPr>
+          <a:xfrm>
+            <a:off x="413657" y="799804"/>
+            <a:ext cx="3687291" cy="369332"/>
+          </a:xfrm>
+          <a:prstGeom prst="rect">
+            <a:avLst/>
+          </a:prstGeom>
+          <a:noFill/>
+        </p:spPr>
+        <p:txBody>
+          <a:bodyPr wrap="none" rtlCol="0">
+            <a:spAutoFit/>
+          </a:bodyPr>
+          <a:lstStyle/>
+          <a:p>
+            <a:r>
+              <a:rPr lang="ko-KR" altLang="en-US" dirty="0"/>
+              <a:t>나</a:t>
+            </a:r>
+            <a:r>
+              <a:rPr lang="en-US" altLang="ko-KR" dirty="0"/>
+              <a:t>. </a:t>
+            </a:r>
+            <a:r>
+              <a:rPr lang="en-US" altLang="ko-KR" dirty="0" err="1"/>
+              <a:t>Dataprep</a:t>
+            </a:r>
+            <a:r>
+              <a:rPr lang="ko-KR" altLang="en-US" dirty="0"/>
+              <a:t>을</a:t>
+            </a:r>
+            <a:r>
+              <a:rPr lang="en-US" altLang="ko-KR" dirty="0"/>
+              <a:t> </a:t>
+            </a:r>
+            <a:r>
+              <a:rPr lang="ko-KR" altLang="en-US" dirty="0"/>
+              <a:t>통한 타겟 변수 체크</a:t>
+            </a:r>
+            <a:endParaRPr lang="en-US" altLang="ko-KR" dirty="0"/>
+          </a:p>
+        </p:txBody>
+      </p:sp>
+      <p:sp>
+        <p:nvSpPr>
+          <p:cNvPr id="10" name="TextBox 9">
+            <a:extLst>
+              <a:ext uri="{FF2B5EF4-FFF2-40B4-BE49-F238E27FC236}">
+                <a16:creationId xmlns:a16="http://schemas.microsoft.com/office/drawing/2014/main" id="{55D10FEF-9E93-8ECD-0559-96F449045F95}"/>
+              </a:ext>
+            </a:extLst>
+          </p:cNvPr>
+          <p:cNvSpPr txBox="1"/>
+          <p:nvPr/>
+        </p:nvSpPr>
+        <p:spPr>
+          <a:xfrm>
+            <a:off x="568622" y="4922471"/>
+            <a:ext cx="11623377" cy="1785104"/>
+          </a:xfrm>
+          <a:prstGeom prst="rect">
+            <a:avLst/>
+          </a:prstGeom>
+          <a:noFill/>
+        </p:spPr>
+        <p:txBody>
+          <a:bodyPr wrap="square" rtlCol="0">
+            <a:spAutoFit/>
+          </a:bodyPr>
+          <a:lstStyle/>
+          <a:p>
+            <a:pPr marL="285750" indent="-285750">
+              <a:buFontTx/>
+              <a:buChar char="-"/>
+            </a:pPr>
+            <a:r>
+              <a:rPr lang="ko-KR" altLang="en-US" b="1" dirty="0"/>
+              <a:t>“데이터의 </a:t>
+            </a:r>
+            <a:r>
+              <a:rPr lang="en-US" altLang="ko-KR" b="1" dirty="0"/>
+              <a:t>75%</a:t>
+            </a:r>
+            <a:r>
+              <a:rPr lang="ko-KR" altLang="en-US" b="1" dirty="0"/>
+              <a:t>가 </a:t>
+            </a:r>
+            <a:r>
+              <a:rPr lang="en-US" altLang="ko-KR" b="1" dirty="0"/>
+              <a:t>232 </a:t>
+            </a:r>
+            <a:r>
+              <a:rPr lang="ko-KR" altLang="en-US" b="1" dirty="0"/>
+              <a:t>이하”</a:t>
+            </a:r>
+            <a:r>
+              <a:rPr lang="ko-KR" altLang="en-US" dirty="0"/>
+              <a:t> → 서비스 대다수는 저수요 구간에 집중 </a:t>
+            </a:r>
+            <a:endParaRPr lang="en-US" altLang="ko-KR" dirty="0"/>
+          </a:p>
+          <a:p>
+            <a:pPr marL="285750" indent="-285750">
+              <a:buFontTx/>
+              <a:buChar char="-"/>
+            </a:pPr>
+            <a:r>
+              <a:rPr lang="en-US" altLang="ko-KR" dirty="0"/>
+              <a:t>Skew : 3.3165, Kurtosis : 18.0422</a:t>
+            </a:r>
+          </a:p>
+          <a:p>
+            <a:pPr marL="285750" indent="-285750">
+              <a:buFontTx/>
+              <a:buChar char="-"/>
+            </a:pPr>
+            <a:r>
+              <a:rPr lang="ko-KR" altLang="en-US" b="1" dirty="0"/>
+              <a:t>상위 </a:t>
+            </a:r>
+            <a:r>
+              <a:rPr lang="en-US" altLang="ko-KR" b="1" dirty="0"/>
+              <a:t>5% </a:t>
+            </a:r>
+            <a:r>
+              <a:rPr lang="ko-KR" altLang="en-US" b="1" dirty="0"/>
+              <a:t>구간</a:t>
+            </a:r>
+            <a:r>
+              <a:rPr lang="en-US" altLang="ko-KR" b="1" dirty="0"/>
+              <a:t>(95th percentile: 593)~</a:t>
+            </a:r>
+            <a:r>
+              <a:rPr lang="ko-KR" altLang="en-US" b="1" dirty="0"/>
+              <a:t>최대치</a:t>
+            </a:r>
+            <a:r>
+              <a:rPr lang="en-US" altLang="ko-KR" b="1" dirty="0"/>
+              <a:t>(3258)</a:t>
+            </a:r>
+            <a:br>
+              <a:rPr lang="ko-KR" altLang="en-US" dirty="0"/>
+            </a:br>
+            <a:r>
+              <a:rPr lang="en-US" altLang="ko-KR" dirty="0"/>
+              <a:t>: </a:t>
+            </a:r>
+            <a:r>
+              <a:rPr lang="ko-KR" altLang="en-US" b="1" i="1" dirty="0"/>
+              <a:t>상위 소수의 초고수요 구간</a:t>
+            </a:r>
+            <a:r>
+              <a:rPr lang="ko-KR" altLang="en-US" dirty="0"/>
+              <a:t>이 전체 수요 총합에 미치는 영향이 매우 큼 </a:t>
+            </a:r>
+            <a:endParaRPr lang="en-US" altLang="ko-KR" dirty="0"/>
+          </a:p>
+          <a:p>
+            <a:pPr marL="285750" indent="-285750">
+              <a:buFontTx/>
+              <a:buChar char="-"/>
+            </a:pPr>
+            <a:r>
+              <a:rPr lang="en-US" altLang="ko-KR" dirty="0"/>
+              <a:t>=&gt; </a:t>
+            </a:r>
+            <a:r>
+              <a:rPr lang="ko-KR" altLang="en-US" dirty="0"/>
+              <a:t>사업성의 확보를 위해선 </a:t>
+            </a:r>
+            <a:r>
+              <a:rPr lang="en-US" altLang="ko-KR" dirty="0"/>
+              <a:t>“</a:t>
+            </a:r>
+            <a:r>
+              <a:rPr lang="ko-KR" altLang="en-US" dirty="0"/>
+              <a:t>이상치</a:t>
+            </a:r>
+            <a:r>
+              <a:rPr lang="en-US" altLang="ko-KR" dirty="0"/>
+              <a:t>”</a:t>
+            </a:r>
+            <a:r>
+              <a:rPr lang="ko-KR" altLang="en-US" dirty="0"/>
+              <a:t>를 예측하여야 극대화 가능</a:t>
+            </a:r>
+            <a:endParaRPr lang="en-US" altLang="ko-KR" dirty="0"/>
+          </a:p>
+          <a:p>
+            <a:r>
+              <a:rPr lang="en-US" altLang="ko-KR" sz="2000" b="1" dirty="0"/>
+              <a:t>-&gt; </a:t>
+            </a:r>
+            <a:r>
+              <a:rPr lang="en-US" altLang="ko-KR" sz="2000" b="1" dirty="0" err="1"/>
+              <a:t>MinMaxScaler</a:t>
+            </a:r>
+            <a:r>
+              <a:rPr lang="ko-KR" altLang="en-US" sz="2000" b="1" dirty="0"/>
+              <a:t>와 </a:t>
+            </a:r>
+            <a:r>
+              <a:rPr lang="en-US" altLang="ko-KR" sz="2000" b="1" dirty="0" err="1"/>
+              <a:t>RobustScaler</a:t>
+            </a:r>
+            <a:r>
+              <a:rPr lang="ko-KR" altLang="en-US" sz="2000" b="1" dirty="0"/>
+              <a:t>를 각각 사용하여 </a:t>
+            </a:r>
+            <a:r>
+              <a:rPr lang="en-US" altLang="ko-KR" sz="2000" b="1" dirty="0"/>
+              <a:t>“</a:t>
+            </a:r>
+            <a:r>
+              <a:rPr lang="ko-KR" altLang="en-US" sz="2000" b="1" dirty="0"/>
+              <a:t>이상치</a:t>
+            </a:r>
+            <a:r>
+              <a:rPr lang="en-US" altLang="ko-KR" sz="2000" b="1" dirty="0"/>
+              <a:t>”</a:t>
+            </a:r>
+            <a:r>
+              <a:rPr lang="ko-KR" altLang="en-US" sz="2000" b="1" dirty="0"/>
+              <a:t>를 예측 가능한 모델을 구성 목표</a:t>
+            </a:r>
+            <a:endParaRPr lang="en-US" altLang="ko-KR" sz="2000" b="1" dirty="0"/>
+          </a:p>
+        </p:txBody>
+      </p:sp>
+      <p:pic>
+        <p:nvPicPr>
+          <p:cNvPr id="6" name="그림 5" descr="텍스트, 스크린샷, 번호, 라인이(가) 표시된 사진&#10;&#10;AI 생성 콘텐츠는 정확하지 않을 수 있습니다.">
+            <a:extLst>
+              <a:ext uri="{FF2B5EF4-FFF2-40B4-BE49-F238E27FC236}">
+                <a16:creationId xmlns:a16="http://schemas.microsoft.com/office/drawing/2014/main" id="{BF89CB47-B393-2CBD-4CE9-8264824CC687}"/>
+              </a:ext>
+            </a:extLst>
+          </p:cNvPr>
+          <p:cNvPicPr>
+            <a:picLocks noChangeAspect="1"/>
+          </p:cNvPicPr>
+          <p:nvPr/>
+        </p:nvPicPr>
+        <p:blipFill>
+          <a:blip r:embed="rId2">
+            <a:extLst>
+              <a:ext uri="{28A0092B-C50C-407E-A947-70E740481C1C}">
+                <a14:useLocalDpi xmlns:a14="http://schemas.microsoft.com/office/drawing/2010/main" val="0"/>
+              </a:ext>
+            </a:extLst>
+          </a:blip>
+          <a:stretch>
+            <a:fillRect/>
+          </a:stretch>
+        </p:blipFill>
+        <p:spPr>
+          <a:xfrm>
+            <a:off x="992317" y="1601906"/>
+            <a:ext cx="4128074" cy="3087326"/>
+          </a:xfrm>
+          <a:prstGeom prst="rect">
+            <a:avLst/>
+          </a:prstGeom>
+        </p:spPr>
+      </p:pic>
+      <p:pic>
+        <p:nvPicPr>
+          <p:cNvPr id="12" name="그림 11" descr="텍스트, 스크린샷, 번호, 폰트이(가) 표시된 사진&#10;&#10;AI 생성 콘텐츠는 정확하지 않을 수 있습니다.">
+            <a:extLst>
+              <a:ext uri="{FF2B5EF4-FFF2-40B4-BE49-F238E27FC236}">
+                <a16:creationId xmlns:a16="http://schemas.microsoft.com/office/drawing/2014/main" id="{319C6B7D-5346-1C59-AD5E-AA0B00C7519B}"/>
+              </a:ext>
+            </a:extLst>
+          </p:cNvPr>
+          <p:cNvPicPr>
+            <a:picLocks noChangeAspect="1"/>
+          </p:cNvPicPr>
+          <p:nvPr/>
+        </p:nvPicPr>
+        <p:blipFill>
+          <a:blip r:embed="rId3">
+            <a:extLst>
+              <a:ext uri="{28A0092B-C50C-407E-A947-70E740481C1C}">
+                <a14:useLocalDpi xmlns:a14="http://schemas.microsoft.com/office/drawing/2010/main" val="0"/>
+              </a:ext>
+            </a:extLst>
+          </a:blip>
+          <a:stretch>
+            <a:fillRect/>
+          </a:stretch>
+        </p:blipFill>
+        <p:spPr>
+          <a:xfrm>
+            <a:off x="6962232" y="1608928"/>
+            <a:ext cx="3385346" cy="3172622"/>
+          </a:xfrm>
+          <a:prstGeom prst="rect">
+            <a:avLst/>
+          </a:prstGeom>
+        </p:spPr>
+      </p:pic>
+    </p:spTree>
+    <p:extLst>
+      <p:ext uri="{BB962C8B-B14F-4D97-AF65-F5344CB8AC3E}">
+        <p14:creationId xmlns:p14="http://schemas.microsoft.com/office/powerpoint/2010/main" val="1031099625"/>
+      </p:ext>
+    </p:extLst>
+  </p:cSld>
+  <p:clrMapOvr>
+    <a:masterClrMapping/>
+  </p:clrMapOvr>
+</p:sld>
+</file>
+
+<file path=ppt/slides/slide18.xml><?xml version="1.0" encoding="utf-8"?>
+<p:sld xmlns:a="http://schemas.openxmlformats.org/drawingml/2006/main" xmlns:r="http://schemas.openxmlformats.org/officeDocument/2006/relationships" xmlns:p="http://schemas.openxmlformats.org/presentationml/2006/main">
+  <p:cSld>
+    <p:spTree>
+      <p:nvGrpSpPr>
+        <p:cNvPr id="1" name=""/>
+        <p:cNvGrpSpPr/>
+        <p:nvPr/>
+      </p:nvGrpSpPr>
+      <p:grpSpPr>
+        <a:xfrm>
+          <a:off x="0" y="0"/>
+          <a:ext cx="0" cy="0"/>
+          <a:chOff x="0" y="0"/>
+          <a:chExt cx="0" cy="0"/>
+        </a:xfrm>
+      </p:grpSpPr>
+      <p:sp>
+        <p:nvSpPr>
+          <p:cNvPr id="2" name="직사각형 1">
+            <a:extLst>
+              <a:ext uri="{FF2B5EF4-FFF2-40B4-BE49-F238E27FC236}">
+                <a16:creationId xmlns:a16="http://schemas.microsoft.com/office/drawing/2014/main" id="{7AD56EEF-7273-72AA-4332-63F63BF5DEB9}"/>
+              </a:ext>
+            </a:extLst>
+          </p:cNvPr>
+          <p:cNvSpPr/>
+          <p:nvPr/>
+        </p:nvSpPr>
+        <p:spPr>
+          <a:xfrm>
+            <a:off x="59871" y="1981200"/>
+            <a:ext cx="12072257" cy="2536372"/>
+          </a:xfrm>
+          <a:prstGeom prst="rect">
+            <a:avLst/>
+          </a:prstGeom>
+          <a:ln>
+            <a:noFill/>
+          </a:ln>
+        </p:spPr>
+        <p:style>
+          <a:lnRef idx="2">
+            <a:schemeClr val="accent2">
+              <a:shade val="15000"/>
+            </a:schemeClr>
+          </a:lnRef>
+          <a:fillRef idx="1">
+            <a:schemeClr val="accent2"/>
+          </a:fillRef>
+          <a:effectRef idx="0">
+            <a:schemeClr val="accent2"/>
+          </a:effectRef>
+          <a:fontRef idx="minor">
+            <a:schemeClr val="lt1"/>
+          </a:fontRef>
+        </p:style>
+        <p:txBody>
+          <a:bodyPr rtlCol="0" anchor="ctr"/>
+          <a:lstStyle/>
+          <a:p>
+            <a:pPr algn="ctr"/>
+            <a:r>
+              <a:rPr lang="en-US" altLang="ko-KR" sz="5400" dirty="0">
+                <a:latin typeface="HY헤드라인M" panose="02030600000101010101" pitchFamily="18" charset="-127"/>
+                <a:ea typeface="HY헤드라인M" panose="02030600000101010101" pitchFamily="18" charset="-127"/>
+              </a:rPr>
               <a:t>1. </a:t>
             </a:r>
             <a:r>
@@ -4714,7 +5619,7 @@
 </p:sld>
 </file>
 
-<file path=ppt/slides/slide16.xml><?xml version="1.0" encoding="utf-8"?>
+<file path=ppt/slides/slide19.xml><?xml version="1.0" encoding="utf-8"?>
 <p:sld xmlns:a="http://schemas.openxmlformats.org/drawingml/2006/main" xmlns:r="http://schemas.openxmlformats.org/officeDocument/2006/relationships" xmlns:p="http://schemas.openxmlformats.org/presentationml/2006/main">
   <p:cSld>
     <p:spTree>
@@ -4980,624 +5885,6 @@
     <p:extLst>
       <p:ext uri="{BB962C8B-B14F-4D97-AF65-F5344CB8AC3E}">
         <p14:creationId xmlns:p14="http://schemas.microsoft.com/office/powerpoint/2010/main" val="4014461833"/>
-      </p:ext>
-    </p:extLst>
-  </p:cSld>
-  <p:clrMapOvr>
-    <a:masterClrMapping/>
-  </p:clrMapOvr>
-</p:sld>
-</file>
-
-<file path=ppt/slides/slide17.xml><?xml version="1.0" encoding="utf-8"?>
-<p:sld xmlns:a="http://schemas.openxmlformats.org/drawingml/2006/main" xmlns:r="http://schemas.openxmlformats.org/officeDocument/2006/relationships" xmlns:p="http://schemas.openxmlformats.org/presentationml/2006/main">
-  <p:cSld>
-    <p:spTree>
-      <p:nvGrpSpPr>
-        <p:cNvPr id="1" name="">
-          <a:extLst>
-            <a:ext uri="{FF2B5EF4-FFF2-40B4-BE49-F238E27FC236}">
-              <a16:creationId xmlns:a16="http://schemas.microsoft.com/office/drawing/2014/main" id="{1CA3629A-6E40-9391-7041-00F35C202BB4}"/>
-            </a:ext>
-          </a:extLst>
-        </p:cNvPr>
-        <p:cNvGrpSpPr/>
-        <p:nvPr/>
-      </p:nvGrpSpPr>
-      <p:grpSpPr>
-        <a:xfrm>
-          <a:off x="0" y="0"/>
-          <a:ext cx="0" cy="0"/>
-          <a:chOff x="0" y="0"/>
-          <a:chExt cx="0" cy="0"/>
-        </a:xfrm>
-      </p:grpSpPr>
-      <p:pic>
-        <p:nvPicPr>
-          <p:cNvPr id="13" name="그림 12">
-            <a:extLst>
-              <a:ext uri="{FF2B5EF4-FFF2-40B4-BE49-F238E27FC236}">
-                <a16:creationId xmlns:a16="http://schemas.microsoft.com/office/drawing/2014/main" id="{74201CA9-4ACC-EB2F-0CFE-6B5D9B429D04}"/>
-              </a:ext>
-            </a:extLst>
-          </p:cNvPr>
-          <p:cNvPicPr>
-            <a:picLocks noChangeAspect="1"/>
-          </p:cNvPicPr>
-          <p:nvPr/>
-        </p:nvPicPr>
-        <p:blipFill>
-          <a:blip r:embed="rId2"/>
-          <a:stretch>
-            <a:fillRect/>
-          </a:stretch>
-        </p:blipFill>
-        <p:spPr>
-          <a:xfrm>
-            <a:off x="282014" y="1349046"/>
-            <a:ext cx="4791744" cy="2448267"/>
-          </a:xfrm>
-          <a:prstGeom prst="rect">
-            <a:avLst/>
-          </a:prstGeom>
-        </p:spPr>
-      </p:pic>
-      <p:sp>
-        <p:nvSpPr>
-          <p:cNvPr id="4" name="직사각형 3">
-            <a:extLst>
-              <a:ext uri="{FF2B5EF4-FFF2-40B4-BE49-F238E27FC236}">
-                <a16:creationId xmlns:a16="http://schemas.microsoft.com/office/drawing/2014/main" id="{5EACCB23-9F08-C875-1D2E-89ECB6AD988C}"/>
-              </a:ext>
-            </a:extLst>
-          </p:cNvPr>
-          <p:cNvSpPr/>
-          <p:nvPr/>
-        </p:nvSpPr>
-        <p:spPr>
-          <a:xfrm>
-            <a:off x="0" y="0"/>
-            <a:ext cx="12192000" cy="729343"/>
-          </a:xfrm>
-          <a:prstGeom prst="rect">
-            <a:avLst/>
-          </a:prstGeom>
-          <a:ln>
-            <a:noFill/>
-          </a:ln>
-        </p:spPr>
-        <p:style>
-          <a:lnRef idx="2">
-            <a:schemeClr val="accent2">
-              <a:shade val="15000"/>
-            </a:schemeClr>
-          </a:lnRef>
-          <a:fillRef idx="1">
-            <a:schemeClr val="accent2"/>
-          </a:fillRef>
-          <a:effectRef idx="0">
-            <a:schemeClr val="accent2"/>
-          </a:effectRef>
-          <a:fontRef idx="minor">
-            <a:schemeClr val="lt1"/>
-          </a:fontRef>
-        </p:style>
-        <p:txBody>
-          <a:bodyPr rtlCol="0" anchor="ctr"/>
-          <a:lstStyle/>
-          <a:p>
-            <a:r>
-              <a:rPr lang="en-US" altLang="ko-KR" sz="4000" dirty="0">
-                <a:latin typeface="HY헤드라인M" panose="02030600000101010101" pitchFamily="18" charset="-127"/>
-                <a:ea typeface="HY헤드라인M" panose="02030600000101010101" pitchFamily="18" charset="-127"/>
-              </a:rPr>
-              <a:t>1. </a:t>
-            </a:r>
-            <a:r>
-              <a:rPr lang="ko-KR" altLang="en-US" sz="4000" dirty="0">
-                <a:latin typeface="HY헤드라인M" panose="02030600000101010101" pitchFamily="18" charset="-127"/>
-                <a:ea typeface="HY헤드라인M" panose="02030600000101010101" pitchFamily="18" charset="-127"/>
-              </a:rPr>
-              <a:t>분류분석 모델 결과</a:t>
-            </a:r>
-            <a:r>
-              <a:rPr lang="en-US" altLang="ko-KR" sz="4000" dirty="0">
-                <a:latin typeface="HY헤드라인M" panose="02030600000101010101" pitchFamily="18" charset="-127"/>
-                <a:ea typeface="HY헤드라인M" panose="02030600000101010101" pitchFamily="18" charset="-127"/>
-              </a:rPr>
-              <a:t>(2/3)</a:t>
-            </a:r>
-            <a:endParaRPr lang="ko-KR" altLang="en-US" sz="4000" dirty="0">
-              <a:latin typeface="HY헤드라인M" panose="02030600000101010101" pitchFamily="18" charset="-127"/>
-              <a:ea typeface="HY헤드라인M" panose="02030600000101010101" pitchFamily="18" charset="-127"/>
-            </a:endParaRPr>
-          </a:p>
-        </p:txBody>
-      </p:sp>
-      <p:sp>
-        <p:nvSpPr>
-          <p:cNvPr id="2" name="TextBox 1">
-            <a:extLst>
-              <a:ext uri="{FF2B5EF4-FFF2-40B4-BE49-F238E27FC236}">
-                <a16:creationId xmlns:a16="http://schemas.microsoft.com/office/drawing/2014/main" id="{4A5DBB3D-A314-7212-7945-7AC12C65F466}"/>
-              </a:ext>
-            </a:extLst>
-          </p:cNvPr>
-          <p:cNvSpPr txBox="1"/>
-          <p:nvPr/>
-        </p:nvSpPr>
-        <p:spPr>
-          <a:xfrm>
-            <a:off x="87086" y="854528"/>
-            <a:ext cx="3218317" cy="369332"/>
-          </a:xfrm>
-          <a:prstGeom prst="rect">
-            <a:avLst/>
-          </a:prstGeom>
-          <a:noFill/>
-        </p:spPr>
-        <p:txBody>
-          <a:bodyPr wrap="none" rtlCol="0">
-            <a:spAutoFit/>
-          </a:bodyPr>
-          <a:lstStyle/>
-          <a:p>
-            <a:r>
-              <a:rPr lang="en-US" altLang="ko-KR" dirty="0"/>
-              <a:t>2. </a:t>
-            </a:r>
-            <a:r>
-              <a:rPr lang="en-US" altLang="ko-KR" dirty="0" err="1"/>
-              <a:t>DNN_Classification</a:t>
-            </a:r>
-            <a:r>
-              <a:rPr lang="en-US" altLang="ko-KR" dirty="0"/>
-              <a:t> </a:t>
-            </a:r>
-            <a:r>
-              <a:rPr lang="ko-KR" altLang="en-US" dirty="0"/>
-              <a:t>모델 결과</a:t>
-            </a:r>
-          </a:p>
-        </p:txBody>
-      </p:sp>
-      <p:pic>
-        <p:nvPicPr>
-          <p:cNvPr id="5" name="그림 4">
-            <a:extLst>
-              <a:ext uri="{FF2B5EF4-FFF2-40B4-BE49-F238E27FC236}">
-                <a16:creationId xmlns:a16="http://schemas.microsoft.com/office/drawing/2014/main" id="{80267E0B-AA65-35B1-0267-9E73F2CA3FCF}"/>
-              </a:ext>
-            </a:extLst>
-          </p:cNvPr>
-          <p:cNvPicPr>
-            <a:picLocks noChangeAspect="1"/>
-          </p:cNvPicPr>
-          <p:nvPr/>
-        </p:nvPicPr>
-        <p:blipFill>
-          <a:blip r:embed="rId3"/>
-          <a:stretch>
-            <a:fillRect/>
-          </a:stretch>
-        </p:blipFill>
-        <p:spPr>
-          <a:xfrm>
-            <a:off x="395645" y="1349045"/>
-            <a:ext cx="4629796" cy="2095792"/>
-          </a:xfrm>
-          <a:prstGeom prst="rect">
-            <a:avLst/>
-          </a:prstGeom>
-        </p:spPr>
-      </p:pic>
-      <p:pic>
-        <p:nvPicPr>
-          <p:cNvPr id="8" name="그림 7">
-            <a:extLst>
-              <a:ext uri="{FF2B5EF4-FFF2-40B4-BE49-F238E27FC236}">
-                <a16:creationId xmlns:a16="http://schemas.microsoft.com/office/drawing/2014/main" id="{3DCF739A-49C8-8D27-1EAB-8ADCD3D49B20}"/>
-              </a:ext>
-            </a:extLst>
-          </p:cNvPr>
-          <p:cNvPicPr>
-            <a:picLocks noChangeAspect="1"/>
-          </p:cNvPicPr>
-          <p:nvPr/>
-        </p:nvPicPr>
-        <p:blipFill>
-          <a:blip r:embed="rId4"/>
-          <a:stretch>
-            <a:fillRect/>
-          </a:stretch>
-        </p:blipFill>
-        <p:spPr>
-          <a:xfrm>
-            <a:off x="4980756" y="1223860"/>
-            <a:ext cx="7211244" cy="3504681"/>
-          </a:xfrm>
-          <a:prstGeom prst="rect">
-            <a:avLst/>
-          </a:prstGeom>
-        </p:spPr>
-      </p:pic>
-      <p:pic>
-        <p:nvPicPr>
-          <p:cNvPr id="10" name="그림 9">
-            <a:extLst>
-              <a:ext uri="{FF2B5EF4-FFF2-40B4-BE49-F238E27FC236}">
-                <a16:creationId xmlns:a16="http://schemas.microsoft.com/office/drawing/2014/main" id="{E9781603-4B29-5750-0D49-400BEFC0BF95}"/>
-              </a:ext>
-            </a:extLst>
-          </p:cNvPr>
-          <p:cNvPicPr>
-            <a:picLocks noChangeAspect="1"/>
-          </p:cNvPicPr>
-          <p:nvPr/>
-        </p:nvPicPr>
-        <p:blipFill>
-          <a:blip r:embed="rId5"/>
-          <a:stretch>
-            <a:fillRect/>
-          </a:stretch>
-        </p:blipFill>
-        <p:spPr>
-          <a:xfrm>
-            <a:off x="395645" y="3355275"/>
-            <a:ext cx="4999157" cy="3146400"/>
-          </a:xfrm>
-          <a:prstGeom prst="rect">
-            <a:avLst/>
-          </a:prstGeom>
-        </p:spPr>
-      </p:pic>
-      <p:pic>
-        <p:nvPicPr>
-          <p:cNvPr id="12" name="그림 11">
-            <a:extLst>
-              <a:ext uri="{FF2B5EF4-FFF2-40B4-BE49-F238E27FC236}">
-                <a16:creationId xmlns:a16="http://schemas.microsoft.com/office/drawing/2014/main" id="{66FACF0D-DADF-DAFF-5508-D97628850D5A}"/>
-              </a:ext>
-            </a:extLst>
-          </p:cNvPr>
-          <p:cNvPicPr>
-            <a:picLocks noChangeAspect="1"/>
-          </p:cNvPicPr>
-          <p:nvPr/>
-        </p:nvPicPr>
-        <p:blipFill>
-          <a:blip r:embed="rId6"/>
-          <a:stretch>
-            <a:fillRect/>
-          </a:stretch>
-        </p:blipFill>
-        <p:spPr>
-          <a:xfrm>
-            <a:off x="7467600" y="5006176"/>
-            <a:ext cx="2216169" cy="1494235"/>
-          </a:xfrm>
-          <a:prstGeom prst="rect">
-            <a:avLst/>
-          </a:prstGeom>
-        </p:spPr>
-      </p:pic>
-    </p:spTree>
-    <p:extLst>
-      <p:ext uri="{BB962C8B-B14F-4D97-AF65-F5344CB8AC3E}">
-        <p14:creationId xmlns:p14="http://schemas.microsoft.com/office/powerpoint/2010/main" val="4235210990"/>
-      </p:ext>
-    </p:extLst>
-  </p:cSld>
-  <p:clrMapOvr>
-    <a:masterClrMapping/>
-  </p:clrMapOvr>
-</p:sld>
-</file>
-
-<file path=ppt/slides/slide18.xml><?xml version="1.0" encoding="utf-8"?>
-<p:sld xmlns:a="http://schemas.openxmlformats.org/drawingml/2006/main" xmlns:r="http://schemas.openxmlformats.org/officeDocument/2006/relationships" xmlns:p="http://schemas.openxmlformats.org/presentationml/2006/main">
-  <p:cSld>
-    <p:spTree>
-      <p:nvGrpSpPr>
-        <p:cNvPr id="1" name="">
-          <a:extLst>
-            <a:ext uri="{FF2B5EF4-FFF2-40B4-BE49-F238E27FC236}">
-              <a16:creationId xmlns:a16="http://schemas.microsoft.com/office/drawing/2014/main" id="{B651B7D7-4F07-DE76-9D5D-4015D8972B6F}"/>
-            </a:ext>
-          </a:extLst>
-        </p:cNvPr>
-        <p:cNvGrpSpPr/>
-        <p:nvPr/>
-      </p:nvGrpSpPr>
-      <p:grpSpPr>
-        <a:xfrm>
-          <a:off x="0" y="0"/>
-          <a:ext cx="0" cy="0"/>
-          <a:chOff x="0" y="0"/>
-          <a:chExt cx="0" cy="0"/>
-        </a:xfrm>
-      </p:grpSpPr>
-      <p:sp>
-        <p:nvSpPr>
-          <p:cNvPr id="4" name="직사각형 3">
-            <a:extLst>
-              <a:ext uri="{FF2B5EF4-FFF2-40B4-BE49-F238E27FC236}">
-                <a16:creationId xmlns:a16="http://schemas.microsoft.com/office/drawing/2014/main" id="{B54F8466-02AD-FB98-E606-F97D2D5263CF}"/>
-              </a:ext>
-            </a:extLst>
-          </p:cNvPr>
-          <p:cNvSpPr/>
-          <p:nvPr/>
-        </p:nvSpPr>
-        <p:spPr>
-          <a:xfrm>
-            <a:off x="0" y="0"/>
-            <a:ext cx="12192000" cy="729343"/>
-          </a:xfrm>
-          <a:prstGeom prst="rect">
-            <a:avLst/>
-          </a:prstGeom>
-          <a:ln>
-            <a:noFill/>
-          </a:ln>
-        </p:spPr>
-        <p:style>
-          <a:lnRef idx="2">
-            <a:schemeClr val="accent2">
-              <a:shade val="15000"/>
-            </a:schemeClr>
-          </a:lnRef>
-          <a:fillRef idx="1">
-            <a:schemeClr val="accent2"/>
-          </a:fillRef>
-          <a:effectRef idx="0">
-            <a:schemeClr val="accent2"/>
-          </a:effectRef>
-          <a:fontRef idx="minor">
-            <a:schemeClr val="lt1"/>
-          </a:fontRef>
-        </p:style>
-        <p:txBody>
-          <a:bodyPr rtlCol="0" anchor="ctr"/>
-          <a:lstStyle/>
-          <a:p>
-            <a:r>
-              <a:rPr lang="en-US" altLang="ko-KR" sz="4000" dirty="0">
-                <a:latin typeface="HY헤드라인M" panose="02030600000101010101" pitchFamily="18" charset="-127"/>
-                <a:ea typeface="HY헤드라인M" panose="02030600000101010101" pitchFamily="18" charset="-127"/>
-              </a:rPr>
-              <a:t>1. </a:t>
-            </a:r>
-            <a:r>
-              <a:rPr lang="ko-KR" altLang="en-US" sz="4000" dirty="0">
-                <a:latin typeface="HY헤드라인M" panose="02030600000101010101" pitchFamily="18" charset="-127"/>
-                <a:ea typeface="HY헤드라인M" panose="02030600000101010101" pitchFamily="18" charset="-127"/>
-              </a:rPr>
-              <a:t>분류분석 모델 결과</a:t>
-            </a:r>
-            <a:r>
-              <a:rPr lang="en-US" altLang="ko-KR" sz="4000" dirty="0">
-                <a:latin typeface="HY헤드라인M" panose="02030600000101010101" pitchFamily="18" charset="-127"/>
-                <a:ea typeface="HY헤드라인M" panose="02030600000101010101" pitchFamily="18" charset="-127"/>
-              </a:rPr>
-              <a:t>(3/3)</a:t>
-            </a:r>
-            <a:endParaRPr lang="ko-KR" altLang="en-US" sz="4000" dirty="0">
-              <a:latin typeface="HY헤드라인M" panose="02030600000101010101" pitchFamily="18" charset="-127"/>
-              <a:ea typeface="HY헤드라인M" panose="02030600000101010101" pitchFamily="18" charset="-127"/>
-            </a:endParaRPr>
-          </a:p>
-        </p:txBody>
-      </p:sp>
-      <p:sp>
-        <p:nvSpPr>
-          <p:cNvPr id="2" name="TextBox 1">
-            <a:extLst>
-              <a:ext uri="{FF2B5EF4-FFF2-40B4-BE49-F238E27FC236}">
-                <a16:creationId xmlns:a16="http://schemas.microsoft.com/office/drawing/2014/main" id="{C44BF11B-3989-C1B8-A111-523FA346221A}"/>
-              </a:ext>
-            </a:extLst>
-          </p:cNvPr>
-          <p:cNvSpPr txBox="1"/>
-          <p:nvPr/>
-        </p:nvSpPr>
-        <p:spPr>
-          <a:xfrm>
-            <a:off x="87086" y="854528"/>
-            <a:ext cx="3701911" cy="369332"/>
-          </a:xfrm>
-          <a:prstGeom prst="rect">
-            <a:avLst/>
-          </a:prstGeom>
-          <a:noFill/>
-        </p:spPr>
-        <p:txBody>
-          <a:bodyPr wrap="none" rtlCol="0">
-            <a:spAutoFit/>
-          </a:bodyPr>
-          <a:lstStyle/>
-          <a:p>
-            <a:r>
-              <a:rPr lang="en-US" altLang="ko-KR" dirty="0"/>
-              <a:t>3. </a:t>
-            </a:r>
-            <a:r>
-              <a:rPr lang="en-US" altLang="ko-KR" dirty="0" err="1"/>
-              <a:t>LightGBM_Classification</a:t>
-            </a:r>
-            <a:r>
-              <a:rPr lang="en-US" altLang="ko-KR" dirty="0"/>
-              <a:t> </a:t>
-            </a:r>
-            <a:r>
-              <a:rPr lang="ko-KR" altLang="en-US" dirty="0"/>
-              <a:t>모델 결과</a:t>
-            </a:r>
-          </a:p>
-        </p:txBody>
-      </p:sp>
-      <p:pic>
-        <p:nvPicPr>
-          <p:cNvPr id="6" name="그림 5">
-            <a:extLst>
-              <a:ext uri="{FF2B5EF4-FFF2-40B4-BE49-F238E27FC236}">
-                <a16:creationId xmlns:a16="http://schemas.microsoft.com/office/drawing/2014/main" id="{2D825C4F-8D99-5758-F1BA-B61EB0AD9286}"/>
-              </a:ext>
-            </a:extLst>
-          </p:cNvPr>
-          <p:cNvPicPr>
-            <a:picLocks noChangeAspect="1"/>
-          </p:cNvPicPr>
-          <p:nvPr/>
-        </p:nvPicPr>
-        <p:blipFill>
-          <a:blip r:embed="rId2"/>
-          <a:stretch>
-            <a:fillRect/>
-          </a:stretch>
-        </p:blipFill>
-        <p:spPr>
-          <a:xfrm>
-            <a:off x="185613" y="1344873"/>
-            <a:ext cx="5576716" cy="4658599"/>
-          </a:xfrm>
-          <a:prstGeom prst="rect">
-            <a:avLst/>
-          </a:prstGeom>
-        </p:spPr>
-      </p:pic>
-      <p:pic>
-        <p:nvPicPr>
-          <p:cNvPr id="9" name="그림 8">
-            <a:extLst>
-              <a:ext uri="{FF2B5EF4-FFF2-40B4-BE49-F238E27FC236}">
-                <a16:creationId xmlns:a16="http://schemas.microsoft.com/office/drawing/2014/main" id="{0A029C39-E20F-922C-1A54-2C70E88C7C98}"/>
-              </a:ext>
-            </a:extLst>
-          </p:cNvPr>
-          <p:cNvPicPr>
-            <a:picLocks noChangeAspect="1"/>
-          </p:cNvPicPr>
-          <p:nvPr/>
-        </p:nvPicPr>
-        <p:blipFill>
-          <a:blip r:embed="rId3"/>
-          <a:stretch>
-            <a:fillRect/>
-          </a:stretch>
-        </p:blipFill>
-        <p:spPr>
-          <a:xfrm>
-            <a:off x="6096000" y="1617016"/>
-            <a:ext cx="5697084" cy="4065327"/>
-          </a:xfrm>
-          <a:prstGeom prst="rect">
-            <a:avLst/>
-          </a:prstGeom>
-        </p:spPr>
-      </p:pic>
-    </p:spTree>
-    <p:extLst>
-      <p:ext uri="{BB962C8B-B14F-4D97-AF65-F5344CB8AC3E}">
-        <p14:creationId xmlns:p14="http://schemas.microsoft.com/office/powerpoint/2010/main" val="936209884"/>
-      </p:ext>
-    </p:extLst>
-  </p:cSld>
-  <p:clrMapOvr>
-    <a:masterClrMapping/>
-  </p:clrMapOvr>
-</p:sld>
-</file>
-
-<file path=ppt/slides/slide19.xml><?xml version="1.0" encoding="utf-8"?>
-<p:sld xmlns:a="http://schemas.openxmlformats.org/drawingml/2006/main" xmlns:r="http://schemas.openxmlformats.org/officeDocument/2006/relationships" xmlns:p="http://schemas.openxmlformats.org/presentationml/2006/main">
-  <p:cSld>
-    <p:spTree>
-      <p:nvGrpSpPr>
-        <p:cNvPr id="1" name="">
-          <a:extLst>
-            <a:ext uri="{FF2B5EF4-FFF2-40B4-BE49-F238E27FC236}">
-              <a16:creationId xmlns:a16="http://schemas.microsoft.com/office/drawing/2014/main" id="{A6FBEA70-23BC-6097-C654-611FEF14C766}"/>
-            </a:ext>
-          </a:extLst>
-        </p:cNvPr>
-        <p:cNvGrpSpPr/>
-        <p:nvPr/>
-      </p:nvGrpSpPr>
-      <p:grpSpPr>
-        <a:xfrm>
-          <a:off x="0" y="0"/>
-          <a:ext cx="0" cy="0"/>
-          <a:chOff x="0" y="0"/>
-          <a:chExt cx="0" cy="0"/>
-        </a:xfrm>
-      </p:grpSpPr>
-      <p:sp>
-        <p:nvSpPr>
-          <p:cNvPr id="2" name="직사각형 1">
-            <a:extLst>
-              <a:ext uri="{FF2B5EF4-FFF2-40B4-BE49-F238E27FC236}">
-                <a16:creationId xmlns:a16="http://schemas.microsoft.com/office/drawing/2014/main" id="{AD423732-80DC-0209-994D-16B49E40E3C4}"/>
-              </a:ext>
-            </a:extLst>
-          </p:cNvPr>
-          <p:cNvSpPr/>
-          <p:nvPr/>
-        </p:nvSpPr>
-        <p:spPr>
-          <a:xfrm>
-            <a:off x="59871" y="1981200"/>
-            <a:ext cx="12072257" cy="2536372"/>
-          </a:xfrm>
-          <a:prstGeom prst="rect">
-            <a:avLst/>
-          </a:prstGeom>
-          <a:ln>
-            <a:noFill/>
-          </a:ln>
-        </p:spPr>
-        <p:style>
-          <a:lnRef idx="2">
-            <a:schemeClr val="accent2">
-              <a:shade val="15000"/>
-            </a:schemeClr>
-          </a:lnRef>
-          <a:fillRef idx="1">
-            <a:schemeClr val="accent2"/>
-          </a:fillRef>
-          <a:effectRef idx="0">
-            <a:schemeClr val="accent2"/>
-          </a:effectRef>
-          <a:fontRef idx="minor">
-            <a:schemeClr val="lt1"/>
-          </a:fontRef>
-        </p:style>
-        <p:txBody>
-          <a:bodyPr rtlCol="0" anchor="ctr"/>
-          <a:lstStyle/>
-          <a:p>
-            <a:pPr algn="ctr"/>
-            <a:r>
-              <a:rPr lang="en-US" altLang="ko-KR" sz="5400" dirty="0">
-                <a:latin typeface="HY헤드라인M" panose="02030600000101010101" pitchFamily="18" charset="-127"/>
-                <a:ea typeface="HY헤드라인M" panose="02030600000101010101" pitchFamily="18" charset="-127"/>
-              </a:rPr>
-              <a:t>2. </a:t>
-            </a:r>
-            <a:r>
-              <a:rPr lang="ko-KR" altLang="en-US" sz="5400" dirty="0">
-                <a:latin typeface="HY헤드라인M" panose="02030600000101010101" pitchFamily="18" charset="-127"/>
-                <a:ea typeface="HY헤드라인M" panose="02030600000101010101" pitchFamily="18" charset="-127"/>
-              </a:rPr>
-              <a:t>선형회귀 모델 결과</a:t>
-            </a:r>
-          </a:p>
-        </p:txBody>
-      </p:sp>
-    </p:spTree>
-    <p:extLst>
-      <p:ext uri="{BB962C8B-B14F-4D97-AF65-F5344CB8AC3E}">
-        <p14:creationId xmlns:p14="http://schemas.microsoft.com/office/powerpoint/2010/main" val="3703203148"/>
       </p:ext>
     </p:extLst>
   </p:cSld>
@@ -6371,7 +6658,7 @@
         <p:cNvPr id="1" name="">
           <a:extLst>
             <a:ext uri="{FF2B5EF4-FFF2-40B4-BE49-F238E27FC236}">
-              <a16:creationId xmlns:a16="http://schemas.microsoft.com/office/drawing/2014/main" id="{C461E7D5-563E-6E27-A524-8CBA6F8A9746}"/>
+              <a16:creationId xmlns:a16="http://schemas.microsoft.com/office/drawing/2014/main" id="{1CA3629A-6E40-9391-7041-00F35C202BB4}"/>
             </a:ext>
           </a:extLst>
         </p:cNvPr>
@@ -6386,12 +6673,42 @@
           <a:chExt cx="0" cy="0"/>
         </a:xfrm>
       </p:grpSpPr>
+      <p:pic>
+        <p:nvPicPr>
+          <p:cNvPr id="13" name="그림 12">
+            <a:extLst>
+              <a:ext uri="{FF2B5EF4-FFF2-40B4-BE49-F238E27FC236}">
+                <a16:creationId xmlns:a16="http://schemas.microsoft.com/office/drawing/2014/main" id="{74201CA9-4ACC-EB2F-0CFE-6B5D9B429D04}"/>
+              </a:ext>
+            </a:extLst>
+          </p:cNvPr>
+          <p:cNvPicPr>
+            <a:picLocks noChangeAspect="1"/>
+          </p:cNvPicPr>
+          <p:nvPr/>
+        </p:nvPicPr>
+        <p:blipFill>
+          <a:blip r:embed="rId2"/>
+          <a:stretch>
+            <a:fillRect/>
+          </a:stretch>
+        </p:blipFill>
+        <p:spPr>
+          <a:xfrm>
+            <a:off x="282014" y="1349046"/>
+            <a:ext cx="4791744" cy="2448267"/>
+          </a:xfrm>
+          <a:prstGeom prst="rect">
+            <a:avLst/>
+          </a:prstGeom>
+        </p:spPr>
+      </p:pic>
       <p:sp>
         <p:nvSpPr>
           <p:cNvPr id="4" name="직사각형 3">
             <a:extLst>
               <a:ext uri="{FF2B5EF4-FFF2-40B4-BE49-F238E27FC236}">
-                <a16:creationId xmlns:a16="http://schemas.microsoft.com/office/drawing/2014/main" id="{7CBFC6A6-A315-D8A6-88E0-AAD8A7E05BD3}"/>
+                <a16:creationId xmlns:a16="http://schemas.microsoft.com/office/drawing/2014/main" id="{5EACCB23-9F08-C875-1D2E-89ECB6AD988C}"/>
               </a:ext>
             </a:extLst>
           </p:cNvPr>
@@ -6435,6 +6752,594 @@
                 <a:latin typeface="HY헤드라인M" panose="02030600000101010101" pitchFamily="18" charset="-127"/>
                 <a:ea typeface="HY헤드라인M" panose="02030600000101010101" pitchFamily="18" charset="-127"/>
               </a:rPr>
+              <a:t>1. </a:t>
+            </a:r>
+            <a:r>
+              <a:rPr lang="ko-KR" altLang="en-US" sz="4000" dirty="0">
+                <a:latin typeface="HY헤드라인M" panose="02030600000101010101" pitchFamily="18" charset="-127"/>
+                <a:ea typeface="HY헤드라인M" panose="02030600000101010101" pitchFamily="18" charset="-127"/>
+              </a:rPr>
+              <a:t>분류분석 모델 결과</a:t>
+            </a:r>
+            <a:r>
+              <a:rPr lang="en-US" altLang="ko-KR" sz="4000" dirty="0">
+                <a:latin typeface="HY헤드라인M" panose="02030600000101010101" pitchFamily="18" charset="-127"/>
+                <a:ea typeface="HY헤드라인M" panose="02030600000101010101" pitchFamily="18" charset="-127"/>
+              </a:rPr>
+              <a:t>(2/3)</a:t>
+            </a:r>
+            <a:endParaRPr lang="ko-KR" altLang="en-US" sz="4000" dirty="0">
+              <a:latin typeface="HY헤드라인M" panose="02030600000101010101" pitchFamily="18" charset="-127"/>
+              <a:ea typeface="HY헤드라인M" panose="02030600000101010101" pitchFamily="18" charset="-127"/>
+            </a:endParaRPr>
+          </a:p>
+        </p:txBody>
+      </p:sp>
+      <p:sp>
+        <p:nvSpPr>
+          <p:cNvPr id="2" name="TextBox 1">
+            <a:extLst>
+              <a:ext uri="{FF2B5EF4-FFF2-40B4-BE49-F238E27FC236}">
+                <a16:creationId xmlns:a16="http://schemas.microsoft.com/office/drawing/2014/main" id="{4A5DBB3D-A314-7212-7945-7AC12C65F466}"/>
+              </a:ext>
+            </a:extLst>
+          </p:cNvPr>
+          <p:cNvSpPr txBox="1"/>
+          <p:nvPr/>
+        </p:nvSpPr>
+        <p:spPr>
+          <a:xfrm>
+            <a:off x="87086" y="854528"/>
+            <a:ext cx="3218317" cy="369332"/>
+          </a:xfrm>
+          <a:prstGeom prst="rect">
+            <a:avLst/>
+          </a:prstGeom>
+          <a:noFill/>
+        </p:spPr>
+        <p:txBody>
+          <a:bodyPr wrap="none" rtlCol="0">
+            <a:spAutoFit/>
+          </a:bodyPr>
+          <a:lstStyle/>
+          <a:p>
+            <a:r>
+              <a:rPr lang="en-US" altLang="ko-KR" dirty="0"/>
+              <a:t>2. </a:t>
+            </a:r>
+            <a:r>
+              <a:rPr lang="en-US" altLang="ko-KR" dirty="0" err="1"/>
+              <a:t>DNN_Classification</a:t>
+            </a:r>
+            <a:r>
+              <a:rPr lang="en-US" altLang="ko-KR" dirty="0"/>
+              <a:t> </a:t>
+            </a:r>
+            <a:r>
+              <a:rPr lang="ko-KR" altLang="en-US" dirty="0"/>
+              <a:t>모델 결과</a:t>
+            </a:r>
+          </a:p>
+        </p:txBody>
+      </p:sp>
+      <p:pic>
+        <p:nvPicPr>
+          <p:cNvPr id="5" name="그림 4">
+            <a:extLst>
+              <a:ext uri="{FF2B5EF4-FFF2-40B4-BE49-F238E27FC236}">
+                <a16:creationId xmlns:a16="http://schemas.microsoft.com/office/drawing/2014/main" id="{80267E0B-AA65-35B1-0267-9E73F2CA3FCF}"/>
+              </a:ext>
+            </a:extLst>
+          </p:cNvPr>
+          <p:cNvPicPr>
+            <a:picLocks noChangeAspect="1"/>
+          </p:cNvPicPr>
+          <p:nvPr/>
+        </p:nvPicPr>
+        <p:blipFill>
+          <a:blip r:embed="rId3"/>
+          <a:stretch>
+            <a:fillRect/>
+          </a:stretch>
+        </p:blipFill>
+        <p:spPr>
+          <a:xfrm>
+            <a:off x="395645" y="1349045"/>
+            <a:ext cx="4629796" cy="2095792"/>
+          </a:xfrm>
+          <a:prstGeom prst="rect">
+            <a:avLst/>
+          </a:prstGeom>
+        </p:spPr>
+      </p:pic>
+      <p:pic>
+        <p:nvPicPr>
+          <p:cNvPr id="8" name="그림 7">
+            <a:extLst>
+              <a:ext uri="{FF2B5EF4-FFF2-40B4-BE49-F238E27FC236}">
+                <a16:creationId xmlns:a16="http://schemas.microsoft.com/office/drawing/2014/main" id="{3DCF739A-49C8-8D27-1EAB-8ADCD3D49B20}"/>
+              </a:ext>
+            </a:extLst>
+          </p:cNvPr>
+          <p:cNvPicPr>
+            <a:picLocks noChangeAspect="1"/>
+          </p:cNvPicPr>
+          <p:nvPr/>
+        </p:nvPicPr>
+        <p:blipFill>
+          <a:blip r:embed="rId4"/>
+          <a:stretch>
+            <a:fillRect/>
+          </a:stretch>
+        </p:blipFill>
+        <p:spPr>
+          <a:xfrm>
+            <a:off x="4980756" y="1223860"/>
+            <a:ext cx="7211244" cy="3504681"/>
+          </a:xfrm>
+          <a:prstGeom prst="rect">
+            <a:avLst/>
+          </a:prstGeom>
+        </p:spPr>
+      </p:pic>
+      <p:pic>
+        <p:nvPicPr>
+          <p:cNvPr id="10" name="그림 9">
+            <a:extLst>
+              <a:ext uri="{FF2B5EF4-FFF2-40B4-BE49-F238E27FC236}">
+                <a16:creationId xmlns:a16="http://schemas.microsoft.com/office/drawing/2014/main" id="{E9781603-4B29-5750-0D49-400BEFC0BF95}"/>
+              </a:ext>
+            </a:extLst>
+          </p:cNvPr>
+          <p:cNvPicPr>
+            <a:picLocks noChangeAspect="1"/>
+          </p:cNvPicPr>
+          <p:nvPr/>
+        </p:nvPicPr>
+        <p:blipFill>
+          <a:blip r:embed="rId5"/>
+          <a:stretch>
+            <a:fillRect/>
+          </a:stretch>
+        </p:blipFill>
+        <p:spPr>
+          <a:xfrm>
+            <a:off x="395645" y="3355275"/>
+            <a:ext cx="4999157" cy="3146400"/>
+          </a:xfrm>
+          <a:prstGeom prst="rect">
+            <a:avLst/>
+          </a:prstGeom>
+        </p:spPr>
+      </p:pic>
+      <p:pic>
+        <p:nvPicPr>
+          <p:cNvPr id="12" name="그림 11">
+            <a:extLst>
+              <a:ext uri="{FF2B5EF4-FFF2-40B4-BE49-F238E27FC236}">
+                <a16:creationId xmlns:a16="http://schemas.microsoft.com/office/drawing/2014/main" id="{66FACF0D-DADF-DAFF-5508-D97628850D5A}"/>
+              </a:ext>
+            </a:extLst>
+          </p:cNvPr>
+          <p:cNvPicPr>
+            <a:picLocks noChangeAspect="1"/>
+          </p:cNvPicPr>
+          <p:nvPr/>
+        </p:nvPicPr>
+        <p:blipFill>
+          <a:blip r:embed="rId6"/>
+          <a:stretch>
+            <a:fillRect/>
+          </a:stretch>
+        </p:blipFill>
+        <p:spPr>
+          <a:xfrm>
+            <a:off x="7467600" y="5006176"/>
+            <a:ext cx="2216169" cy="1494235"/>
+          </a:xfrm>
+          <a:prstGeom prst="rect">
+            <a:avLst/>
+          </a:prstGeom>
+        </p:spPr>
+      </p:pic>
+    </p:spTree>
+    <p:extLst>
+      <p:ext uri="{BB962C8B-B14F-4D97-AF65-F5344CB8AC3E}">
+        <p14:creationId xmlns:p14="http://schemas.microsoft.com/office/powerpoint/2010/main" val="4235210990"/>
+      </p:ext>
+    </p:extLst>
+  </p:cSld>
+  <p:clrMapOvr>
+    <a:masterClrMapping/>
+  </p:clrMapOvr>
+</p:sld>
+</file>
+
+<file path=ppt/slides/slide21.xml><?xml version="1.0" encoding="utf-8"?>
+<p:sld xmlns:a="http://schemas.openxmlformats.org/drawingml/2006/main" xmlns:r="http://schemas.openxmlformats.org/officeDocument/2006/relationships" xmlns:p="http://schemas.openxmlformats.org/presentationml/2006/main">
+  <p:cSld>
+    <p:spTree>
+      <p:nvGrpSpPr>
+        <p:cNvPr id="1" name="">
+          <a:extLst>
+            <a:ext uri="{FF2B5EF4-FFF2-40B4-BE49-F238E27FC236}">
+              <a16:creationId xmlns:a16="http://schemas.microsoft.com/office/drawing/2014/main" id="{B651B7D7-4F07-DE76-9D5D-4015D8972B6F}"/>
+            </a:ext>
+          </a:extLst>
+        </p:cNvPr>
+        <p:cNvGrpSpPr/>
+        <p:nvPr/>
+      </p:nvGrpSpPr>
+      <p:grpSpPr>
+        <a:xfrm>
+          <a:off x="0" y="0"/>
+          <a:ext cx="0" cy="0"/>
+          <a:chOff x="0" y="0"/>
+          <a:chExt cx="0" cy="0"/>
+        </a:xfrm>
+      </p:grpSpPr>
+      <p:sp>
+        <p:nvSpPr>
+          <p:cNvPr id="4" name="직사각형 3">
+            <a:extLst>
+              <a:ext uri="{FF2B5EF4-FFF2-40B4-BE49-F238E27FC236}">
+                <a16:creationId xmlns:a16="http://schemas.microsoft.com/office/drawing/2014/main" id="{B54F8466-02AD-FB98-E606-F97D2D5263CF}"/>
+              </a:ext>
+            </a:extLst>
+          </p:cNvPr>
+          <p:cNvSpPr/>
+          <p:nvPr/>
+        </p:nvSpPr>
+        <p:spPr>
+          <a:xfrm>
+            <a:off x="0" y="0"/>
+            <a:ext cx="12192000" cy="729343"/>
+          </a:xfrm>
+          <a:prstGeom prst="rect">
+            <a:avLst/>
+          </a:prstGeom>
+          <a:ln>
+            <a:noFill/>
+          </a:ln>
+        </p:spPr>
+        <p:style>
+          <a:lnRef idx="2">
+            <a:schemeClr val="accent2">
+              <a:shade val="15000"/>
+            </a:schemeClr>
+          </a:lnRef>
+          <a:fillRef idx="1">
+            <a:schemeClr val="accent2"/>
+          </a:fillRef>
+          <a:effectRef idx="0">
+            <a:schemeClr val="accent2"/>
+          </a:effectRef>
+          <a:fontRef idx="minor">
+            <a:schemeClr val="lt1"/>
+          </a:fontRef>
+        </p:style>
+        <p:txBody>
+          <a:bodyPr rtlCol="0" anchor="ctr"/>
+          <a:lstStyle/>
+          <a:p>
+            <a:r>
+              <a:rPr lang="en-US" altLang="ko-KR" sz="4000" dirty="0">
+                <a:latin typeface="HY헤드라인M" panose="02030600000101010101" pitchFamily="18" charset="-127"/>
+                <a:ea typeface="HY헤드라인M" panose="02030600000101010101" pitchFamily="18" charset="-127"/>
+              </a:rPr>
+              <a:t>1. </a:t>
+            </a:r>
+            <a:r>
+              <a:rPr lang="ko-KR" altLang="en-US" sz="4000" dirty="0">
+                <a:latin typeface="HY헤드라인M" panose="02030600000101010101" pitchFamily="18" charset="-127"/>
+                <a:ea typeface="HY헤드라인M" panose="02030600000101010101" pitchFamily="18" charset="-127"/>
+              </a:rPr>
+              <a:t>분류분석 모델 결과</a:t>
+            </a:r>
+            <a:r>
+              <a:rPr lang="en-US" altLang="ko-KR" sz="4000" dirty="0">
+                <a:latin typeface="HY헤드라인M" panose="02030600000101010101" pitchFamily="18" charset="-127"/>
+                <a:ea typeface="HY헤드라인M" panose="02030600000101010101" pitchFamily="18" charset="-127"/>
+              </a:rPr>
+              <a:t>(3/3)</a:t>
+            </a:r>
+            <a:endParaRPr lang="ko-KR" altLang="en-US" sz="4000" dirty="0">
+              <a:latin typeface="HY헤드라인M" panose="02030600000101010101" pitchFamily="18" charset="-127"/>
+              <a:ea typeface="HY헤드라인M" panose="02030600000101010101" pitchFamily="18" charset="-127"/>
+            </a:endParaRPr>
+          </a:p>
+        </p:txBody>
+      </p:sp>
+      <p:sp>
+        <p:nvSpPr>
+          <p:cNvPr id="2" name="TextBox 1">
+            <a:extLst>
+              <a:ext uri="{FF2B5EF4-FFF2-40B4-BE49-F238E27FC236}">
+                <a16:creationId xmlns:a16="http://schemas.microsoft.com/office/drawing/2014/main" id="{C44BF11B-3989-C1B8-A111-523FA346221A}"/>
+              </a:ext>
+            </a:extLst>
+          </p:cNvPr>
+          <p:cNvSpPr txBox="1"/>
+          <p:nvPr/>
+        </p:nvSpPr>
+        <p:spPr>
+          <a:xfrm>
+            <a:off x="87086" y="854528"/>
+            <a:ext cx="3701911" cy="369332"/>
+          </a:xfrm>
+          <a:prstGeom prst="rect">
+            <a:avLst/>
+          </a:prstGeom>
+          <a:noFill/>
+        </p:spPr>
+        <p:txBody>
+          <a:bodyPr wrap="none" rtlCol="0">
+            <a:spAutoFit/>
+          </a:bodyPr>
+          <a:lstStyle/>
+          <a:p>
+            <a:r>
+              <a:rPr lang="en-US" altLang="ko-KR" dirty="0"/>
+              <a:t>3. </a:t>
+            </a:r>
+            <a:r>
+              <a:rPr lang="en-US" altLang="ko-KR" dirty="0" err="1"/>
+              <a:t>LightGBM_Classification</a:t>
+            </a:r>
+            <a:r>
+              <a:rPr lang="en-US" altLang="ko-KR" dirty="0"/>
+              <a:t> </a:t>
+            </a:r>
+            <a:r>
+              <a:rPr lang="ko-KR" altLang="en-US" dirty="0"/>
+              <a:t>모델 결과</a:t>
+            </a:r>
+          </a:p>
+        </p:txBody>
+      </p:sp>
+      <p:pic>
+        <p:nvPicPr>
+          <p:cNvPr id="6" name="그림 5">
+            <a:extLst>
+              <a:ext uri="{FF2B5EF4-FFF2-40B4-BE49-F238E27FC236}">
+                <a16:creationId xmlns:a16="http://schemas.microsoft.com/office/drawing/2014/main" id="{2D825C4F-8D99-5758-F1BA-B61EB0AD9286}"/>
+              </a:ext>
+            </a:extLst>
+          </p:cNvPr>
+          <p:cNvPicPr>
+            <a:picLocks noChangeAspect="1"/>
+          </p:cNvPicPr>
+          <p:nvPr/>
+        </p:nvPicPr>
+        <p:blipFill>
+          <a:blip r:embed="rId2"/>
+          <a:stretch>
+            <a:fillRect/>
+          </a:stretch>
+        </p:blipFill>
+        <p:spPr>
+          <a:xfrm>
+            <a:off x="185613" y="1344873"/>
+            <a:ext cx="5576716" cy="4658599"/>
+          </a:xfrm>
+          <a:prstGeom prst="rect">
+            <a:avLst/>
+          </a:prstGeom>
+        </p:spPr>
+      </p:pic>
+      <p:pic>
+        <p:nvPicPr>
+          <p:cNvPr id="9" name="그림 8">
+            <a:extLst>
+              <a:ext uri="{FF2B5EF4-FFF2-40B4-BE49-F238E27FC236}">
+                <a16:creationId xmlns:a16="http://schemas.microsoft.com/office/drawing/2014/main" id="{0A029C39-E20F-922C-1A54-2C70E88C7C98}"/>
+              </a:ext>
+            </a:extLst>
+          </p:cNvPr>
+          <p:cNvPicPr>
+            <a:picLocks noChangeAspect="1"/>
+          </p:cNvPicPr>
+          <p:nvPr/>
+        </p:nvPicPr>
+        <p:blipFill>
+          <a:blip r:embed="rId3"/>
+          <a:stretch>
+            <a:fillRect/>
+          </a:stretch>
+        </p:blipFill>
+        <p:spPr>
+          <a:xfrm>
+            <a:off x="6096000" y="1617016"/>
+            <a:ext cx="5697084" cy="4065327"/>
+          </a:xfrm>
+          <a:prstGeom prst="rect">
+            <a:avLst/>
+          </a:prstGeom>
+        </p:spPr>
+      </p:pic>
+    </p:spTree>
+    <p:extLst>
+      <p:ext uri="{BB962C8B-B14F-4D97-AF65-F5344CB8AC3E}">
+        <p14:creationId xmlns:p14="http://schemas.microsoft.com/office/powerpoint/2010/main" val="936209884"/>
+      </p:ext>
+    </p:extLst>
+  </p:cSld>
+  <p:clrMapOvr>
+    <a:masterClrMapping/>
+  </p:clrMapOvr>
+</p:sld>
+</file>
+
+<file path=ppt/slides/slide22.xml><?xml version="1.0" encoding="utf-8"?>
+<p:sld xmlns:a="http://schemas.openxmlformats.org/drawingml/2006/main" xmlns:r="http://schemas.openxmlformats.org/officeDocument/2006/relationships" xmlns:p="http://schemas.openxmlformats.org/presentationml/2006/main">
+  <p:cSld>
+    <p:spTree>
+      <p:nvGrpSpPr>
+        <p:cNvPr id="1" name="">
+          <a:extLst>
+            <a:ext uri="{FF2B5EF4-FFF2-40B4-BE49-F238E27FC236}">
+              <a16:creationId xmlns:a16="http://schemas.microsoft.com/office/drawing/2014/main" id="{A6FBEA70-23BC-6097-C654-611FEF14C766}"/>
+            </a:ext>
+          </a:extLst>
+        </p:cNvPr>
+        <p:cNvGrpSpPr/>
+        <p:nvPr/>
+      </p:nvGrpSpPr>
+      <p:grpSpPr>
+        <a:xfrm>
+          <a:off x="0" y="0"/>
+          <a:ext cx="0" cy="0"/>
+          <a:chOff x="0" y="0"/>
+          <a:chExt cx="0" cy="0"/>
+        </a:xfrm>
+      </p:grpSpPr>
+      <p:sp>
+        <p:nvSpPr>
+          <p:cNvPr id="2" name="직사각형 1">
+            <a:extLst>
+              <a:ext uri="{FF2B5EF4-FFF2-40B4-BE49-F238E27FC236}">
+                <a16:creationId xmlns:a16="http://schemas.microsoft.com/office/drawing/2014/main" id="{AD423732-80DC-0209-994D-16B49E40E3C4}"/>
+              </a:ext>
+            </a:extLst>
+          </p:cNvPr>
+          <p:cNvSpPr/>
+          <p:nvPr/>
+        </p:nvSpPr>
+        <p:spPr>
+          <a:xfrm>
+            <a:off x="59871" y="1981200"/>
+            <a:ext cx="12072257" cy="2536372"/>
+          </a:xfrm>
+          <a:prstGeom prst="rect">
+            <a:avLst/>
+          </a:prstGeom>
+          <a:ln>
+            <a:noFill/>
+          </a:ln>
+        </p:spPr>
+        <p:style>
+          <a:lnRef idx="2">
+            <a:schemeClr val="accent2">
+              <a:shade val="15000"/>
+            </a:schemeClr>
+          </a:lnRef>
+          <a:fillRef idx="1">
+            <a:schemeClr val="accent2"/>
+          </a:fillRef>
+          <a:effectRef idx="0">
+            <a:schemeClr val="accent2"/>
+          </a:effectRef>
+          <a:fontRef idx="minor">
+            <a:schemeClr val="lt1"/>
+          </a:fontRef>
+        </p:style>
+        <p:txBody>
+          <a:bodyPr rtlCol="0" anchor="ctr"/>
+          <a:lstStyle/>
+          <a:p>
+            <a:pPr algn="ctr"/>
+            <a:r>
+              <a:rPr lang="en-US" altLang="ko-KR" sz="5400" dirty="0">
+                <a:latin typeface="HY헤드라인M" panose="02030600000101010101" pitchFamily="18" charset="-127"/>
+                <a:ea typeface="HY헤드라인M" panose="02030600000101010101" pitchFamily="18" charset="-127"/>
+              </a:rPr>
+              <a:t>2. </a:t>
+            </a:r>
+            <a:r>
+              <a:rPr lang="ko-KR" altLang="en-US" sz="5400" dirty="0">
+                <a:latin typeface="HY헤드라인M" panose="02030600000101010101" pitchFamily="18" charset="-127"/>
+                <a:ea typeface="HY헤드라인M" panose="02030600000101010101" pitchFamily="18" charset="-127"/>
+              </a:rPr>
+              <a:t>선형회귀 모델 결과</a:t>
+            </a:r>
+          </a:p>
+        </p:txBody>
+      </p:sp>
+    </p:spTree>
+    <p:extLst>
+      <p:ext uri="{BB962C8B-B14F-4D97-AF65-F5344CB8AC3E}">
+        <p14:creationId xmlns:p14="http://schemas.microsoft.com/office/powerpoint/2010/main" val="3703203148"/>
+      </p:ext>
+    </p:extLst>
+  </p:cSld>
+  <p:clrMapOvr>
+    <a:masterClrMapping/>
+  </p:clrMapOvr>
+</p:sld>
+</file>
+
+<file path=ppt/slides/slide23.xml><?xml version="1.0" encoding="utf-8"?>
+<p:sld xmlns:a="http://schemas.openxmlformats.org/drawingml/2006/main" xmlns:r="http://schemas.openxmlformats.org/officeDocument/2006/relationships" xmlns:p="http://schemas.openxmlformats.org/presentationml/2006/main">
+  <p:cSld>
+    <p:spTree>
+      <p:nvGrpSpPr>
+        <p:cNvPr id="1" name="">
+          <a:extLst>
+            <a:ext uri="{FF2B5EF4-FFF2-40B4-BE49-F238E27FC236}">
+              <a16:creationId xmlns:a16="http://schemas.microsoft.com/office/drawing/2014/main" id="{C461E7D5-563E-6E27-A524-8CBA6F8A9746}"/>
+            </a:ext>
+          </a:extLst>
+        </p:cNvPr>
+        <p:cNvGrpSpPr/>
+        <p:nvPr/>
+      </p:nvGrpSpPr>
+      <p:grpSpPr>
+        <a:xfrm>
+          <a:off x="0" y="0"/>
+          <a:ext cx="0" cy="0"/>
+          <a:chOff x="0" y="0"/>
+          <a:chExt cx="0" cy="0"/>
+        </a:xfrm>
+      </p:grpSpPr>
+      <p:sp>
+        <p:nvSpPr>
+          <p:cNvPr id="4" name="직사각형 3">
+            <a:extLst>
+              <a:ext uri="{FF2B5EF4-FFF2-40B4-BE49-F238E27FC236}">
+                <a16:creationId xmlns:a16="http://schemas.microsoft.com/office/drawing/2014/main" id="{7CBFC6A6-A315-D8A6-88E0-AAD8A7E05BD3}"/>
+              </a:ext>
+            </a:extLst>
+          </p:cNvPr>
+          <p:cNvSpPr/>
+          <p:nvPr/>
+        </p:nvSpPr>
+        <p:spPr>
+          <a:xfrm>
+            <a:off x="0" y="0"/>
+            <a:ext cx="12192000" cy="729343"/>
+          </a:xfrm>
+          <a:prstGeom prst="rect">
+            <a:avLst/>
+          </a:prstGeom>
+          <a:ln>
+            <a:noFill/>
+          </a:ln>
+        </p:spPr>
+        <p:style>
+          <a:lnRef idx="2">
+            <a:schemeClr val="accent2">
+              <a:shade val="15000"/>
+            </a:schemeClr>
+          </a:lnRef>
+          <a:fillRef idx="1">
+            <a:schemeClr val="accent2"/>
+          </a:fillRef>
+          <a:effectRef idx="0">
+            <a:schemeClr val="accent2"/>
+          </a:effectRef>
+          <a:fontRef idx="minor">
+            <a:schemeClr val="lt1"/>
+          </a:fontRef>
+        </p:style>
+        <p:txBody>
+          <a:bodyPr rtlCol="0" anchor="ctr"/>
+          <a:lstStyle/>
+          <a:p>
+            <a:r>
+              <a:rPr lang="en-US" altLang="ko-KR" sz="4000" dirty="0">
+                <a:latin typeface="HY헤드라인M" panose="02030600000101010101" pitchFamily="18" charset="-127"/>
+                <a:ea typeface="HY헤드라인M" panose="02030600000101010101" pitchFamily="18" charset="-127"/>
+              </a:rPr>
               <a:t>2. </a:t>
             </a:r>
             <a:r>
@@ -6620,7 +7525,7 @@
 </p:sld>
 </file>
 
-<file path=ppt/slides/slide21.xml><?xml version="1.0" encoding="utf-8"?>
+<file path=ppt/slides/slide24.xml><?xml version="1.0" encoding="utf-8"?>
 <p:sld xmlns:a="http://schemas.openxmlformats.org/drawingml/2006/main" xmlns:r="http://schemas.openxmlformats.org/officeDocument/2006/relationships" xmlns:p="http://schemas.openxmlformats.org/presentationml/2006/main">
   <p:cSld>
     <p:spTree>
@@ -6877,7 +7782,7 @@
 </p:sld>
 </file>
 
-<file path=ppt/slides/slide22.xml><?xml version="1.0" encoding="utf-8"?>
+<file path=ppt/slides/slide25.xml><?xml version="1.0" encoding="utf-8"?>
 <p:sld xmlns:a="http://schemas.openxmlformats.org/drawingml/2006/main" xmlns:r="http://schemas.openxmlformats.org/officeDocument/2006/relationships" xmlns:p="http://schemas.openxmlformats.org/presentationml/2006/main">
   <p:cSld>
     <p:spTree>
@@ -6994,7 +7899,7 @@
 </p:sld>
 </file>
 
-<file path=ppt/slides/slide23.xml><?xml version="1.0" encoding="utf-8"?>
+<file path=ppt/slides/slide26.xml><?xml version="1.0" encoding="utf-8"?>
 <p:sld xmlns:a="http://schemas.openxmlformats.org/drawingml/2006/main" xmlns:r="http://schemas.openxmlformats.org/officeDocument/2006/relationships" xmlns:p="http://schemas.openxmlformats.org/presentationml/2006/main">
   <p:cSld>
     <p:spTree>
@@ -7747,7 +8652,7 @@
 </p:sld>
 </file>
 
-<file path=ppt/slides/slide24.xml><?xml version="1.0" encoding="utf-8"?>
+<file path=ppt/slides/slide27.xml><?xml version="1.0" encoding="utf-8"?>
 <p:sld xmlns:a="http://schemas.openxmlformats.org/drawingml/2006/main" xmlns:r="http://schemas.openxmlformats.org/officeDocument/2006/relationships" xmlns:p="http://schemas.openxmlformats.org/presentationml/2006/main">
   <p:cSld>
     <p:spTree>
@@ -7850,7 +8755,7 @@
 </p:sld>
 </file>
 
-<file path=ppt/slides/slide25.xml><?xml version="1.0" encoding="utf-8"?>
+<file path=ppt/slides/slide28.xml><?xml version="1.0" encoding="utf-8"?>
 <p:sld xmlns:a="http://schemas.openxmlformats.org/drawingml/2006/main" xmlns:r="http://schemas.openxmlformats.org/officeDocument/2006/relationships" xmlns:p="http://schemas.openxmlformats.org/presentationml/2006/main">
   <p:cSld>
     <p:spTree>
@@ -7953,7 +8858,7 @@
 </p:sld>
 </file>
 
-<file path=ppt/slides/slide26.xml><?xml version="1.0" encoding="utf-8"?>
+<file path=ppt/slides/slide29.xml><?xml version="1.0" encoding="utf-8"?>
 <p:sld xmlns:a="http://schemas.openxmlformats.org/drawingml/2006/main" xmlns:r="http://schemas.openxmlformats.org/officeDocument/2006/relationships" xmlns:p="http://schemas.openxmlformats.org/presentationml/2006/main">
   <p:cSld>
     <p:spTree>
@@ -8481,803 +9386,6 @@
     <p:extLst>
       <p:ext uri="{BB962C8B-B14F-4D97-AF65-F5344CB8AC3E}">
         <p14:creationId xmlns:p14="http://schemas.microsoft.com/office/powerpoint/2010/main" val="3851136824"/>
-      </p:ext>
-    </p:extLst>
-  </p:cSld>
-  <p:clrMapOvr>
-    <a:masterClrMapping/>
-  </p:clrMapOvr>
-</p:sld>
-</file>
-
-<file path=ppt/slides/slide27.xml><?xml version="1.0" encoding="utf-8"?>
-<p:sld xmlns:a="http://schemas.openxmlformats.org/drawingml/2006/main" xmlns:r="http://schemas.openxmlformats.org/officeDocument/2006/relationships" xmlns:p="http://schemas.openxmlformats.org/presentationml/2006/main">
-  <p:cSld>
-    <p:spTree>
-      <p:nvGrpSpPr>
-        <p:cNvPr id="1" name="">
-          <a:extLst>
-            <a:ext uri="{FF2B5EF4-FFF2-40B4-BE49-F238E27FC236}">
-              <a16:creationId xmlns:a16="http://schemas.microsoft.com/office/drawing/2014/main" id="{7844CA5B-9256-6A87-65B2-431DDA564003}"/>
-            </a:ext>
-          </a:extLst>
-        </p:cNvPr>
-        <p:cNvGrpSpPr/>
-        <p:nvPr/>
-      </p:nvGrpSpPr>
-      <p:grpSpPr>
-        <a:xfrm>
-          <a:off x="0" y="0"/>
-          <a:ext cx="0" cy="0"/>
-          <a:chOff x="0" y="0"/>
-          <a:chExt cx="0" cy="0"/>
-        </a:xfrm>
-      </p:grpSpPr>
-      <p:sp>
-        <p:nvSpPr>
-          <p:cNvPr id="2" name="직사각형 1">
-            <a:extLst>
-              <a:ext uri="{FF2B5EF4-FFF2-40B4-BE49-F238E27FC236}">
-                <a16:creationId xmlns:a16="http://schemas.microsoft.com/office/drawing/2014/main" id="{742FA00F-F61A-3098-DF58-D8DB4776D0BA}"/>
-              </a:ext>
-            </a:extLst>
-          </p:cNvPr>
-          <p:cNvSpPr/>
-          <p:nvPr/>
-        </p:nvSpPr>
-        <p:spPr>
-          <a:xfrm>
-            <a:off x="59871" y="1981200"/>
-            <a:ext cx="12072257" cy="2536372"/>
-          </a:xfrm>
-          <a:prstGeom prst="rect">
-            <a:avLst/>
-          </a:prstGeom>
-          <a:solidFill>
-            <a:schemeClr val="accent2">
-              <a:lumMod val="50000"/>
-            </a:schemeClr>
-          </a:solidFill>
-          <a:ln>
-            <a:noFill/>
-          </a:ln>
-        </p:spPr>
-        <p:style>
-          <a:lnRef idx="2">
-            <a:schemeClr val="accent2">
-              <a:shade val="15000"/>
-            </a:schemeClr>
-          </a:lnRef>
-          <a:fillRef idx="1">
-            <a:schemeClr val="accent2"/>
-          </a:fillRef>
-          <a:effectRef idx="0">
-            <a:schemeClr val="accent2"/>
-          </a:effectRef>
-          <a:fontRef idx="minor">
-            <a:schemeClr val="lt1"/>
-          </a:fontRef>
-        </p:style>
-        <p:txBody>
-          <a:bodyPr rtlCol="0" anchor="ctr"/>
-          <a:lstStyle/>
-          <a:p>
-            <a:pPr algn="ctr"/>
-            <a:r>
-              <a:rPr lang="en-US" altLang="ko-KR" sz="5400" dirty="0">
-                <a:latin typeface="HY헤드라인M" panose="02030600000101010101" pitchFamily="18" charset="-127"/>
-                <a:ea typeface="HY헤드라인M" panose="02030600000101010101" pitchFamily="18" charset="-127"/>
-              </a:rPr>
-              <a:t>0 - 2. Feature </a:t>
-            </a:r>
-            <a:r>
-              <a:rPr lang="ko-KR" altLang="en-US" sz="5400" dirty="0">
-                <a:latin typeface="HY헤드라인M" panose="02030600000101010101" pitchFamily="18" charset="-127"/>
-                <a:ea typeface="HY헤드라인M" panose="02030600000101010101" pitchFamily="18" charset="-127"/>
-              </a:rPr>
-              <a:t>상관관계 분석</a:t>
-            </a:r>
-          </a:p>
-        </p:txBody>
-      </p:sp>
-    </p:spTree>
-    <p:extLst>
-      <p:ext uri="{BB962C8B-B14F-4D97-AF65-F5344CB8AC3E}">
-        <p14:creationId xmlns:p14="http://schemas.microsoft.com/office/powerpoint/2010/main" val="2509709524"/>
-      </p:ext>
-    </p:extLst>
-  </p:cSld>
-  <p:clrMapOvr>
-    <a:masterClrMapping/>
-  </p:clrMapOvr>
-</p:sld>
-</file>
-
-<file path=ppt/slides/slide28.xml><?xml version="1.0" encoding="utf-8"?>
-<p:sld xmlns:a="http://schemas.openxmlformats.org/drawingml/2006/main" xmlns:r="http://schemas.openxmlformats.org/officeDocument/2006/relationships" xmlns:p="http://schemas.openxmlformats.org/presentationml/2006/main">
-  <p:cSld>
-    <p:spTree>
-      <p:nvGrpSpPr>
-        <p:cNvPr id="1" name="">
-          <a:extLst>
-            <a:ext uri="{FF2B5EF4-FFF2-40B4-BE49-F238E27FC236}">
-              <a16:creationId xmlns:a16="http://schemas.microsoft.com/office/drawing/2014/main" id="{DAC364D2-7B46-FA2B-0499-370D574B8BAA}"/>
-            </a:ext>
-          </a:extLst>
-        </p:cNvPr>
-        <p:cNvGrpSpPr/>
-        <p:nvPr/>
-      </p:nvGrpSpPr>
-      <p:grpSpPr>
-        <a:xfrm>
-          <a:off x="0" y="0"/>
-          <a:ext cx="0" cy="0"/>
-          <a:chOff x="0" y="0"/>
-          <a:chExt cx="0" cy="0"/>
-        </a:xfrm>
-      </p:grpSpPr>
-      <p:sp>
-        <p:nvSpPr>
-          <p:cNvPr id="4" name="직사각형 3">
-            <a:extLst>
-              <a:ext uri="{FF2B5EF4-FFF2-40B4-BE49-F238E27FC236}">
-                <a16:creationId xmlns:a16="http://schemas.microsoft.com/office/drawing/2014/main" id="{E81AA9D7-C944-E8CF-5D72-C49D25789C8E}"/>
-              </a:ext>
-            </a:extLst>
-          </p:cNvPr>
-          <p:cNvSpPr/>
-          <p:nvPr/>
-        </p:nvSpPr>
-        <p:spPr>
-          <a:xfrm>
-            <a:off x="0" y="0"/>
-            <a:ext cx="12192000" cy="729343"/>
-          </a:xfrm>
-          <a:prstGeom prst="rect">
-            <a:avLst/>
-          </a:prstGeom>
-          <a:solidFill>
-            <a:schemeClr val="accent2">
-              <a:lumMod val="50000"/>
-            </a:schemeClr>
-          </a:solidFill>
-          <a:ln>
-            <a:noFill/>
-          </a:ln>
-        </p:spPr>
-        <p:style>
-          <a:lnRef idx="2">
-            <a:schemeClr val="accent2">
-              <a:shade val="15000"/>
-            </a:schemeClr>
-          </a:lnRef>
-          <a:fillRef idx="1">
-            <a:schemeClr val="accent2"/>
-          </a:fillRef>
-          <a:effectRef idx="0">
-            <a:schemeClr val="accent2"/>
-          </a:effectRef>
-          <a:fontRef idx="minor">
-            <a:schemeClr val="lt1"/>
-          </a:fontRef>
-        </p:style>
-        <p:txBody>
-          <a:bodyPr rtlCol="0" anchor="ctr"/>
-          <a:lstStyle/>
-          <a:p>
-            <a:r>
-              <a:rPr lang="en-US" altLang="ko-KR" sz="4000" dirty="0">
-                <a:latin typeface="HY헤드라인M" panose="02030600000101010101" pitchFamily="18" charset="-127"/>
-                <a:ea typeface="HY헤드라인M" panose="02030600000101010101" pitchFamily="18" charset="-127"/>
-              </a:rPr>
-              <a:t>0 - 2. Feature </a:t>
-            </a:r>
-            <a:r>
-              <a:rPr lang="ko-KR" altLang="en-US" sz="4000" dirty="0">
-                <a:latin typeface="HY헤드라인M" panose="02030600000101010101" pitchFamily="18" charset="-127"/>
-                <a:ea typeface="HY헤드라인M" panose="02030600000101010101" pitchFamily="18" charset="-127"/>
-              </a:rPr>
-              <a:t>상관관계 분석</a:t>
-            </a:r>
-            <a:r>
-              <a:rPr lang="en-US" altLang="ko-KR" sz="4000" dirty="0">
-                <a:latin typeface="HY헤드라인M" panose="02030600000101010101" pitchFamily="18" charset="-127"/>
-                <a:ea typeface="HY헤드라인M" panose="02030600000101010101" pitchFamily="18" charset="-127"/>
-              </a:rPr>
-              <a:t>(1/2)</a:t>
-            </a:r>
-            <a:endParaRPr lang="ko-KR" altLang="en-US" sz="4000" dirty="0">
-              <a:latin typeface="HY헤드라인M" panose="02030600000101010101" pitchFamily="18" charset="-127"/>
-              <a:ea typeface="HY헤드라인M" panose="02030600000101010101" pitchFamily="18" charset="-127"/>
-            </a:endParaRPr>
-          </a:p>
-        </p:txBody>
-      </p:sp>
-      <p:sp>
-        <p:nvSpPr>
-          <p:cNvPr id="3" name="TextBox 2">
-            <a:extLst>
-              <a:ext uri="{FF2B5EF4-FFF2-40B4-BE49-F238E27FC236}">
-                <a16:creationId xmlns:a16="http://schemas.microsoft.com/office/drawing/2014/main" id="{F03F0290-93CC-A236-F5E9-3418AED63077}"/>
-              </a:ext>
-            </a:extLst>
-          </p:cNvPr>
-          <p:cNvSpPr txBox="1"/>
-          <p:nvPr/>
-        </p:nvSpPr>
-        <p:spPr>
-          <a:xfrm>
-            <a:off x="413657" y="870265"/>
-            <a:ext cx="8074967" cy="923330"/>
-          </a:xfrm>
-          <a:prstGeom prst="rect">
-            <a:avLst/>
-          </a:prstGeom>
-          <a:noFill/>
-        </p:spPr>
-        <p:txBody>
-          <a:bodyPr wrap="none" rtlCol="0">
-            <a:spAutoFit/>
-          </a:bodyPr>
-          <a:lstStyle/>
-          <a:p>
-            <a:r>
-              <a:rPr lang="ko-KR" altLang="en-US" dirty="0"/>
-              <a:t>가</a:t>
-            </a:r>
-            <a:r>
-              <a:rPr lang="en-US" altLang="ko-KR" dirty="0"/>
-              <a:t>.  </a:t>
-            </a:r>
-            <a:r>
-              <a:rPr lang="ko-KR" altLang="en-US" dirty="0"/>
-              <a:t>최초 사용 </a:t>
-            </a:r>
-            <a:r>
-              <a:rPr lang="en-US" altLang="ko-KR" dirty="0"/>
-              <a:t>feature sample model </a:t>
-            </a:r>
-            <a:r>
-              <a:rPr lang="ko-KR" altLang="en-US" dirty="0"/>
-              <a:t>결과 </a:t>
-            </a:r>
-            <a:r>
-              <a:rPr lang="en-US" altLang="ko-KR" dirty="0"/>
-              <a:t>: 22</a:t>
-            </a:r>
-            <a:r>
-              <a:rPr lang="ko-KR" altLang="en-US" dirty="0"/>
-              <a:t>년 </a:t>
-            </a:r>
-            <a:r>
-              <a:rPr lang="en-US" altLang="ko-KR" dirty="0"/>
-              <a:t>1</a:t>
-            </a:r>
-            <a:r>
-              <a:rPr lang="ko-KR" altLang="en-US" dirty="0"/>
-              <a:t>월 </a:t>
-            </a:r>
-            <a:r>
-              <a:rPr lang="en-US" altLang="ko-KR" dirty="0"/>
-              <a:t>~ 22</a:t>
-            </a:r>
-            <a:r>
-              <a:rPr lang="ko-KR" altLang="en-US" dirty="0"/>
-              <a:t>년 </a:t>
-            </a:r>
-            <a:r>
-              <a:rPr lang="en-US" altLang="ko-KR" dirty="0"/>
-              <a:t>3</a:t>
-            </a:r>
-            <a:r>
-              <a:rPr lang="ko-KR" altLang="en-US" dirty="0"/>
-              <a:t>월 간의 데이터 활용</a:t>
-            </a:r>
-            <a:endParaRPr lang="en-US" altLang="ko-KR" dirty="0"/>
-          </a:p>
-          <a:p>
-            <a:r>
-              <a:rPr lang="en-US" altLang="ko-KR" dirty="0"/>
-              <a:t>	- </a:t>
-            </a:r>
-            <a:r>
-              <a:rPr lang="ko-KR" altLang="en-US" dirty="0"/>
-              <a:t>분류 분석을 통해 </a:t>
-            </a:r>
-            <a:r>
-              <a:rPr lang="en-US" altLang="ko-KR" dirty="0"/>
-              <a:t>accuracy </a:t>
-            </a:r>
-            <a:r>
-              <a:rPr lang="ko-KR" altLang="en-US" dirty="0"/>
-              <a:t>확인 결과 </a:t>
-            </a:r>
-            <a:r>
-              <a:rPr lang="en-US" altLang="ko-KR" dirty="0"/>
-              <a:t>70 ~ 75% </a:t>
-            </a:r>
-            <a:r>
-              <a:rPr lang="ko-KR" altLang="en-US" dirty="0"/>
-              <a:t>수준</a:t>
-            </a:r>
-            <a:endParaRPr lang="en-US" altLang="ko-KR" dirty="0"/>
-          </a:p>
-          <a:p>
-            <a:r>
-              <a:rPr lang="en-US" altLang="ko-KR" dirty="0"/>
-              <a:t>	- accuracy 80% </a:t>
-            </a:r>
-            <a:r>
-              <a:rPr lang="ko-KR" altLang="en-US" dirty="0"/>
-              <a:t>이상 달성을 위해 상관관계를 분석</a:t>
-            </a:r>
-            <a:endParaRPr lang="en-US" altLang="ko-KR" dirty="0"/>
-          </a:p>
-        </p:txBody>
-      </p:sp>
-      <p:sp>
-        <p:nvSpPr>
-          <p:cNvPr id="8" name="TextBox 7">
-            <a:extLst>
-              <a:ext uri="{FF2B5EF4-FFF2-40B4-BE49-F238E27FC236}">
-                <a16:creationId xmlns:a16="http://schemas.microsoft.com/office/drawing/2014/main" id="{680ACEE8-1C10-D048-D07D-20AE0C1BE124}"/>
-              </a:ext>
-            </a:extLst>
-          </p:cNvPr>
-          <p:cNvSpPr txBox="1"/>
-          <p:nvPr/>
-        </p:nvSpPr>
-        <p:spPr>
-          <a:xfrm>
-            <a:off x="413657" y="1934517"/>
-            <a:ext cx="9563067" cy="369332"/>
-          </a:xfrm>
-          <a:prstGeom prst="rect">
-            <a:avLst/>
-          </a:prstGeom>
-          <a:noFill/>
-        </p:spPr>
-        <p:txBody>
-          <a:bodyPr wrap="none" rtlCol="0">
-            <a:spAutoFit/>
-          </a:bodyPr>
-          <a:lstStyle/>
-          <a:p>
-            <a:r>
-              <a:rPr lang="ko-KR" altLang="en-US" dirty="0"/>
-              <a:t>나</a:t>
-            </a:r>
-            <a:r>
-              <a:rPr lang="en-US" altLang="ko-KR" dirty="0"/>
-              <a:t>.  </a:t>
-            </a:r>
-            <a:r>
-              <a:rPr lang="ko-KR" altLang="en-US" dirty="0"/>
-              <a:t>전체 상관계수 점검 </a:t>
-            </a:r>
-            <a:r>
-              <a:rPr lang="en-US" altLang="ko-KR" dirty="0"/>
-              <a:t>: </a:t>
-            </a:r>
-            <a:r>
-              <a:rPr lang="ko-KR" altLang="en-US" dirty="0"/>
-              <a:t>상관계수가 낮은 </a:t>
-            </a:r>
-            <a:r>
-              <a:rPr lang="en-US" altLang="ko-KR" dirty="0" err="1"/>
-              <a:t>featur</a:t>
-            </a:r>
-            <a:r>
-              <a:rPr lang="ko-KR" altLang="en-US" dirty="0"/>
-              <a:t>들이 확인되었으며 </a:t>
-            </a:r>
-            <a:r>
-              <a:rPr lang="en-US" altLang="ko-KR" dirty="0" err="1"/>
-              <a:t>feature_importance</a:t>
-            </a:r>
-            <a:r>
-              <a:rPr lang="ko-KR" altLang="en-US" dirty="0"/>
-              <a:t>를 체크</a:t>
-            </a:r>
-            <a:endParaRPr lang="en-US" altLang="ko-KR" dirty="0"/>
-          </a:p>
-        </p:txBody>
-      </p:sp>
-      <p:pic>
-        <p:nvPicPr>
-          <p:cNvPr id="5" name="그림 4">
-            <a:extLst>
-              <a:ext uri="{FF2B5EF4-FFF2-40B4-BE49-F238E27FC236}">
-                <a16:creationId xmlns:a16="http://schemas.microsoft.com/office/drawing/2014/main" id="{AFDC976E-30CE-C3F7-D83E-8850326B7586}"/>
-              </a:ext>
-            </a:extLst>
-          </p:cNvPr>
-          <p:cNvPicPr>
-            <a:picLocks noChangeAspect="1"/>
-          </p:cNvPicPr>
-          <p:nvPr/>
-        </p:nvPicPr>
-        <p:blipFill>
-          <a:blip r:embed="rId2"/>
-          <a:stretch>
-            <a:fillRect/>
-          </a:stretch>
-        </p:blipFill>
-        <p:spPr>
-          <a:xfrm>
-            <a:off x="862268" y="2303849"/>
-            <a:ext cx="3002595" cy="4276423"/>
-          </a:xfrm>
-          <a:prstGeom prst="rect">
-            <a:avLst/>
-          </a:prstGeom>
-        </p:spPr>
-      </p:pic>
-      <p:pic>
-        <p:nvPicPr>
-          <p:cNvPr id="9" name="그림 8">
-            <a:extLst>
-              <a:ext uri="{FF2B5EF4-FFF2-40B4-BE49-F238E27FC236}">
-                <a16:creationId xmlns:a16="http://schemas.microsoft.com/office/drawing/2014/main" id="{B112BEAF-D2B8-A374-E50F-3F389C780CE0}"/>
-              </a:ext>
-            </a:extLst>
-          </p:cNvPr>
-          <p:cNvPicPr>
-            <a:picLocks noChangeAspect="1"/>
-          </p:cNvPicPr>
-          <p:nvPr/>
-        </p:nvPicPr>
-        <p:blipFill>
-          <a:blip r:embed="rId3"/>
-          <a:stretch>
-            <a:fillRect/>
-          </a:stretch>
-        </p:blipFill>
-        <p:spPr>
-          <a:xfrm>
-            <a:off x="4761616" y="2303682"/>
-            <a:ext cx="5357744" cy="4276758"/>
-          </a:xfrm>
-          <a:prstGeom prst="rect">
-            <a:avLst/>
-          </a:prstGeom>
-        </p:spPr>
-      </p:pic>
-    </p:spTree>
-    <p:extLst>
-      <p:ext uri="{BB962C8B-B14F-4D97-AF65-F5344CB8AC3E}">
-        <p14:creationId xmlns:p14="http://schemas.microsoft.com/office/powerpoint/2010/main" val="2617839787"/>
-      </p:ext>
-    </p:extLst>
-  </p:cSld>
-  <p:clrMapOvr>
-    <a:masterClrMapping/>
-  </p:clrMapOvr>
-</p:sld>
-</file>
-
-<file path=ppt/slides/slide29.xml><?xml version="1.0" encoding="utf-8"?>
-<p:sld xmlns:a="http://schemas.openxmlformats.org/drawingml/2006/main" xmlns:r="http://schemas.openxmlformats.org/officeDocument/2006/relationships" xmlns:p="http://schemas.openxmlformats.org/presentationml/2006/main">
-  <p:cSld>
-    <p:spTree>
-      <p:nvGrpSpPr>
-        <p:cNvPr id="1" name="">
-          <a:extLst>
-            <a:ext uri="{FF2B5EF4-FFF2-40B4-BE49-F238E27FC236}">
-              <a16:creationId xmlns:a16="http://schemas.microsoft.com/office/drawing/2014/main" id="{572F46AB-3673-E3C5-8C2E-0A7DE23C78B9}"/>
-            </a:ext>
-          </a:extLst>
-        </p:cNvPr>
-        <p:cNvGrpSpPr/>
-        <p:nvPr/>
-      </p:nvGrpSpPr>
-      <p:grpSpPr>
-        <a:xfrm>
-          <a:off x="0" y="0"/>
-          <a:ext cx="0" cy="0"/>
-          <a:chOff x="0" y="0"/>
-          <a:chExt cx="0" cy="0"/>
-        </a:xfrm>
-      </p:grpSpPr>
-      <p:sp>
-        <p:nvSpPr>
-          <p:cNvPr id="4" name="직사각형 3">
-            <a:extLst>
-              <a:ext uri="{FF2B5EF4-FFF2-40B4-BE49-F238E27FC236}">
-                <a16:creationId xmlns:a16="http://schemas.microsoft.com/office/drawing/2014/main" id="{BC930D60-0DD4-C579-0340-1E3D97411DAD}"/>
-              </a:ext>
-            </a:extLst>
-          </p:cNvPr>
-          <p:cNvSpPr/>
-          <p:nvPr/>
-        </p:nvSpPr>
-        <p:spPr>
-          <a:xfrm>
-            <a:off x="0" y="0"/>
-            <a:ext cx="12192000" cy="729343"/>
-          </a:xfrm>
-          <a:prstGeom prst="rect">
-            <a:avLst/>
-          </a:prstGeom>
-          <a:solidFill>
-            <a:schemeClr val="accent2">
-              <a:lumMod val="50000"/>
-            </a:schemeClr>
-          </a:solidFill>
-          <a:ln>
-            <a:noFill/>
-          </a:ln>
-        </p:spPr>
-        <p:style>
-          <a:lnRef idx="2">
-            <a:schemeClr val="accent2">
-              <a:shade val="15000"/>
-            </a:schemeClr>
-          </a:lnRef>
-          <a:fillRef idx="1">
-            <a:schemeClr val="accent2"/>
-          </a:fillRef>
-          <a:effectRef idx="0">
-            <a:schemeClr val="accent2"/>
-          </a:effectRef>
-          <a:fontRef idx="minor">
-            <a:schemeClr val="lt1"/>
-          </a:fontRef>
-        </p:style>
-        <p:txBody>
-          <a:bodyPr rtlCol="0" anchor="ctr"/>
-          <a:lstStyle/>
-          <a:p>
-            <a:r>
-              <a:rPr lang="en-US" altLang="ko-KR" sz="4000" dirty="0">
-                <a:latin typeface="HY헤드라인M" panose="02030600000101010101" pitchFamily="18" charset="-127"/>
-                <a:ea typeface="HY헤드라인M" panose="02030600000101010101" pitchFamily="18" charset="-127"/>
-              </a:rPr>
-              <a:t>0 - 2. Feature </a:t>
-            </a:r>
-            <a:r>
-              <a:rPr lang="ko-KR" altLang="en-US" sz="4000" dirty="0">
-                <a:latin typeface="HY헤드라인M" panose="02030600000101010101" pitchFamily="18" charset="-127"/>
-                <a:ea typeface="HY헤드라인M" panose="02030600000101010101" pitchFamily="18" charset="-127"/>
-              </a:rPr>
-              <a:t>상관관계 분석</a:t>
-            </a:r>
-            <a:r>
-              <a:rPr lang="en-US" altLang="ko-KR" sz="4000" dirty="0">
-                <a:latin typeface="HY헤드라인M" panose="02030600000101010101" pitchFamily="18" charset="-127"/>
-                <a:ea typeface="HY헤드라인M" panose="02030600000101010101" pitchFamily="18" charset="-127"/>
-              </a:rPr>
-              <a:t>(1/2)</a:t>
-            </a:r>
-            <a:endParaRPr lang="ko-KR" altLang="en-US" sz="4000" dirty="0">
-              <a:latin typeface="HY헤드라인M" panose="02030600000101010101" pitchFamily="18" charset="-127"/>
-              <a:ea typeface="HY헤드라인M" panose="02030600000101010101" pitchFamily="18" charset="-127"/>
-            </a:endParaRPr>
-          </a:p>
-        </p:txBody>
-      </p:sp>
-      <p:sp>
-        <p:nvSpPr>
-          <p:cNvPr id="3" name="TextBox 2">
-            <a:extLst>
-              <a:ext uri="{FF2B5EF4-FFF2-40B4-BE49-F238E27FC236}">
-                <a16:creationId xmlns:a16="http://schemas.microsoft.com/office/drawing/2014/main" id="{CDE7DF06-26D7-7612-86EA-5B1D7322C367}"/>
-              </a:ext>
-            </a:extLst>
-          </p:cNvPr>
-          <p:cNvSpPr txBox="1"/>
-          <p:nvPr/>
-        </p:nvSpPr>
-        <p:spPr>
-          <a:xfrm>
-            <a:off x="413657" y="870265"/>
-            <a:ext cx="11309506" cy="1477328"/>
-          </a:xfrm>
-          <a:prstGeom prst="rect">
-            <a:avLst/>
-          </a:prstGeom>
-          <a:noFill/>
-        </p:spPr>
-        <p:txBody>
-          <a:bodyPr wrap="none" rtlCol="0">
-            <a:spAutoFit/>
-          </a:bodyPr>
-          <a:lstStyle/>
-          <a:p>
-            <a:r>
-              <a:rPr lang="ko-KR" altLang="en-US" dirty="0"/>
-              <a:t>다</a:t>
-            </a:r>
-            <a:r>
-              <a:rPr lang="en-US" altLang="ko-KR" dirty="0"/>
-              <a:t>. </a:t>
-            </a:r>
-            <a:r>
-              <a:rPr lang="en-US" altLang="ko-KR" dirty="0" err="1"/>
-              <a:t>feature_importance</a:t>
-            </a:r>
-            <a:r>
-              <a:rPr lang="en-US" altLang="ko-KR" dirty="0"/>
-              <a:t>_  </a:t>
-            </a:r>
-            <a:r>
-              <a:rPr lang="ko-KR" altLang="en-US" dirty="0"/>
-              <a:t>분석</a:t>
-            </a:r>
-            <a:endParaRPr lang="en-US" altLang="ko-KR" dirty="0"/>
-          </a:p>
-          <a:p>
-            <a:r>
-              <a:rPr lang="en-US" altLang="ko-KR" dirty="0"/>
-              <a:t>	- </a:t>
-            </a:r>
-            <a:r>
-              <a:rPr lang="en-US" altLang="ko-KR" dirty="0" err="1"/>
-              <a:t>feature_importance</a:t>
-            </a:r>
-            <a:r>
-              <a:rPr lang="ko-KR" altLang="en-US" dirty="0"/>
-              <a:t> 가 </a:t>
-            </a:r>
-            <a:r>
-              <a:rPr lang="en-US" altLang="ko-KR" dirty="0"/>
-              <a:t>0</a:t>
-            </a:r>
-            <a:r>
-              <a:rPr lang="ko-KR" altLang="en-US" dirty="0"/>
-              <a:t>으로 수렴하는 값 존재 </a:t>
-            </a:r>
-            <a:r>
-              <a:rPr lang="en-US" altLang="ko-KR" dirty="0"/>
-              <a:t>=&gt; </a:t>
-            </a:r>
-            <a:r>
-              <a:rPr lang="ko-KR" altLang="en-US" dirty="0"/>
-              <a:t>결과에 따라 원하는 </a:t>
-            </a:r>
-            <a:r>
-              <a:rPr lang="en-US" altLang="ko-KR" dirty="0"/>
-              <a:t>accuracy</a:t>
-            </a:r>
-            <a:r>
-              <a:rPr lang="ko-KR" altLang="en-US" dirty="0"/>
-              <a:t>가 확인되지 않으면</a:t>
-            </a:r>
-            <a:endParaRPr lang="en-US" altLang="ko-KR" dirty="0"/>
-          </a:p>
-          <a:p>
-            <a:r>
-              <a:rPr lang="en-US" altLang="ko-KR" dirty="0"/>
-              <a:t>	  </a:t>
-            </a:r>
-            <a:r>
-              <a:rPr lang="ko-KR" altLang="en-US" dirty="0"/>
-              <a:t>해당 </a:t>
-            </a:r>
-            <a:r>
-              <a:rPr lang="en-US" altLang="ko-KR" dirty="0"/>
-              <a:t>feature</a:t>
-            </a:r>
-            <a:r>
-              <a:rPr lang="ko-KR" altLang="en-US" dirty="0"/>
-              <a:t>를 제외하고 모델 </a:t>
-            </a:r>
-            <a:r>
-              <a:rPr lang="ko-KR" altLang="en-US" dirty="0" err="1"/>
-              <a:t>재학습</a:t>
-            </a:r>
-            <a:endParaRPr lang="en-US" altLang="ko-KR" dirty="0"/>
-          </a:p>
-          <a:p>
-            <a:r>
-              <a:rPr lang="en-US" altLang="ko-KR" dirty="0"/>
-              <a:t>	- </a:t>
-            </a:r>
-            <a:r>
-              <a:rPr lang="en-US" altLang="ko-KR" dirty="0" err="1"/>
-              <a:t>feature_importance</a:t>
-            </a:r>
-            <a:r>
-              <a:rPr lang="en-US" altLang="ko-KR" dirty="0"/>
-              <a:t> </a:t>
-            </a:r>
-            <a:r>
-              <a:rPr lang="ko-KR" altLang="en-US" dirty="0"/>
-              <a:t>그래프가 지속 상승하는 그래프로 </a:t>
-            </a:r>
-            <a:r>
-              <a:rPr lang="en-US" altLang="ko-KR" b="1" dirty="0"/>
-              <a:t>feature</a:t>
-            </a:r>
-            <a:r>
-              <a:rPr lang="ko-KR" altLang="en-US" b="1" dirty="0"/>
-              <a:t>의 종류가 부족하나 추가 데이터의 수집 한계</a:t>
-            </a:r>
-            <a:endParaRPr lang="en-US" altLang="ko-KR" b="1" dirty="0"/>
-          </a:p>
-          <a:p>
-            <a:r>
-              <a:rPr lang="en-US" altLang="ko-KR" dirty="0"/>
-              <a:t>	  =&gt; </a:t>
-            </a:r>
-            <a:r>
-              <a:rPr lang="ko-KR" altLang="en-US" dirty="0"/>
-              <a:t>자전거 노선</a:t>
-            </a:r>
-            <a:r>
-              <a:rPr lang="en-US" altLang="ko-KR" dirty="0"/>
-              <a:t>, </a:t>
-            </a:r>
-            <a:r>
-              <a:rPr lang="ko-KR" altLang="en-US" dirty="0"/>
-              <a:t>토지 활용도</a:t>
-            </a:r>
-            <a:r>
-              <a:rPr lang="en-US" altLang="ko-KR" dirty="0"/>
-              <a:t>, </a:t>
-            </a:r>
-            <a:r>
-              <a:rPr lang="ko-KR" altLang="en-US" dirty="0"/>
-              <a:t>주변 건물의 건축 목적 등 </a:t>
-            </a:r>
-            <a:r>
-              <a:rPr lang="en-US" altLang="ko-KR" dirty="0"/>
-              <a:t>feature</a:t>
-            </a:r>
-            <a:r>
-              <a:rPr lang="ko-KR" altLang="en-US" dirty="0"/>
-              <a:t>간 시간 해상도 불일치</a:t>
-            </a:r>
-            <a:r>
-              <a:rPr lang="en-US" altLang="ko-KR" dirty="0"/>
-              <a:t>(</a:t>
-            </a:r>
-            <a:r>
-              <a:rPr lang="ko-KR" altLang="en-US" dirty="0"/>
-              <a:t>연간 데이터</a:t>
-            </a:r>
-            <a:r>
-              <a:rPr lang="en-US" altLang="ko-KR" dirty="0"/>
-              <a:t>)</a:t>
-            </a:r>
-            <a:endParaRPr lang="en-US" altLang="ko-KR" b="1" dirty="0"/>
-          </a:p>
-        </p:txBody>
-      </p:sp>
-      <p:pic>
-        <p:nvPicPr>
-          <p:cNvPr id="6" name="그림 5">
-            <a:extLst>
-              <a:ext uri="{FF2B5EF4-FFF2-40B4-BE49-F238E27FC236}">
-                <a16:creationId xmlns:a16="http://schemas.microsoft.com/office/drawing/2014/main" id="{E7980A1B-1345-006E-DDE0-17A9DCFB56E1}"/>
-              </a:ext>
-            </a:extLst>
-          </p:cNvPr>
-          <p:cNvPicPr>
-            <a:picLocks noChangeAspect="1"/>
-          </p:cNvPicPr>
-          <p:nvPr/>
-        </p:nvPicPr>
-        <p:blipFill>
-          <a:blip r:embed="rId2"/>
-          <a:stretch>
-            <a:fillRect/>
-          </a:stretch>
-        </p:blipFill>
-        <p:spPr>
-          <a:xfrm>
-            <a:off x="1160585" y="2383008"/>
-            <a:ext cx="9648091" cy="4275700"/>
-          </a:xfrm>
-          <a:prstGeom prst="rect">
-            <a:avLst/>
-          </a:prstGeom>
-        </p:spPr>
-      </p:pic>
-    </p:spTree>
-    <p:extLst>
-      <p:ext uri="{BB962C8B-B14F-4D97-AF65-F5344CB8AC3E}">
-        <p14:creationId xmlns:p14="http://schemas.microsoft.com/office/powerpoint/2010/main" val="1166798638"/>
       </p:ext>
     </p:extLst>
   </p:cSld>
@@ -9387,7 +9495,7 @@
         <p:cNvPr id="1" name="">
           <a:extLst>
             <a:ext uri="{FF2B5EF4-FFF2-40B4-BE49-F238E27FC236}">
-              <a16:creationId xmlns:a16="http://schemas.microsoft.com/office/drawing/2014/main" id="{72108495-5299-84A7-5298-68B7101805F2}"/>
+              <a16:creationId xmlns:a16="http://schemas.microsoft.com/office/drawing/2014/main" id="{7844CA5B-9256-6A87-65B2-431DDA564003}"/>
             </a:ext>
           </a:extLst>
         </p:cNvPr>
@@ -9407,7 +9515,7 @@
           <p:cNvPr id="2" name="직사각형 1">
             <a:extLst>
               <a:ext uri="{FF2B5EF4-FFF2-40B4-BE49-F238E27FC236}">
-                <a16:creationId xmlns:a16="http://schemas.microsoft.com/office/drawing/2014/main" id="{640160F2-24FD-A9B0-D0DF-400B53BCD34A}"/>
+                <a16:creationId xmlns:a16="http://schemas.microsoft.com/office/drawing/2014/main" id="{742FA00F-F61A-3098-DF58-D8DB4776D0BA}"/>
               </a:ext>
             </a:extLst>
           </p:cNvPr>
@@ -9457,6 +9565,803 @@
                 <a:latin typeface="HY헤드라인M" panose="02030600000101010101" pitchFamily="18" charset="-127"/>
                 <a:ea typeface="HY헤드라인M" panose="02030600000101010101" pitchFamily="18" charset="-127"/>
               </a:rPr>
+              <a:t>0 - 2. Feature </a:t>
+            </a:r>
+            <a:r>
+              <a:rPr lang="ko-KR" altLang="en-US" sz="5400" dirty="0">
+                <a:latin typeface="HY헤드라인M" panose="02030600000101010101" pitchFamily="18" charset="-127"/>
+                <a:ea typeface="HY헤드라인M" panose="02030600000101010101" pitchFamily="18" charset="-127"/>
+              </a:rPr>
+              <a:t>상관관계 분석</a:t>
+            </a:r>
+          </a:p>
+        </p:txBody>
+      </p:sp>
+    </p:spTree>
+    <p:extLst>
+      <p:ext uri="{BB962C8B-B14F-4D97-AF65-F5344CB8AC3E}">
+        <p14:creationId xmlns:p14="http://schemas.microsoft.com/office/powerpoint/2010/main" val="2509709524"/>
+      </p:ext>
+    </p:extLst>
+  </p:cSld>
+  <p:clrMapOvr>
+    <a:masterClrMapping/>
+  </p:clrMapOvr>
+</p:sld>
+</file>
+
+<file path=ppt/slides/slide31.xml><?xml version="1.0" encoding="utf-8"?>
+<p:sld xmlns:a="http://schemas.openxmlformats.org/drawingml/2006/main" xmlns:r="http://schemas.openxmlformats.org/officeDocument/2006/relationships" xmlns:p="http://schemas.openxmlformats.org/presentationml/2006/main">
+  <p:cSld>
+    <p:spTree>
+      <p:nvGrpSpPr>
+        <p:cNvPr id="1" name="">
+          <a:extLst>
+            <a:ext uri="{FF2B5EF4-FFF2-40B4-BE49-F238E27FC236}">
+              <a16:creationId xmlns:a16="http://schemas.microsoft.com/office/drawing/2014/main" id="{DAC364D2-7B46-FA2B-0499-370D574B8BAA}"/>
+            </a:ext>
+          </a:extLst>
+        </p:cNvPr>
+        <p:cNvGrpSpPr/>
+        <p:nvPr/>
+      </p:nvGrpSpPr>
+      <p:grpSpPr>
+        <a:xfrm>
+          <a:off x="0" y="0"/>
+          <a:ext cx="0" cy="0"/>
+          <a:chOff x="0" y="0"/>
+          <a:chExt cx="0" cy="0"/>
+        </a:xfrm>
+      </p:grpSpPr>
+      <p:sp>
+        <p:nvSpPr>
+          <p:cNvPr id="4" name="직사각형 3">
+            <a:extLst>
+              <a:ext uri="{FF2B5EF4-FFF2-40B4-BE49-F238E27FC236}">
+                <a16:creationId xmlns:a16="http://schemas.microsoft.com/office/drawing/2014/main" id="{E81AA9D7-C944-E8CF-5D72-C49D25789C8E}"/>
+              </a:ext>
+            </a:extLst>
+          </p:cNvPr>
+          <p:cNvSpPr/>
+          <p:nvPr/>
+        </p:nvSpPr>
+        <p:spPr>
+          <a:xfrm>
+            <a:off x="0" y="0"/>
+            <a:ext cx="12192000" cy="729343"/>
+          </a:xfrm>
+          <a:prstGeom prst="rect">
+            <a:avLst/>
+          </a:prstGeom>
+          <a:solidFill>
+            <a:schemeClr val="accent2">
+              <a:lumMod val="50000"/>
+            </a:schemeClr>
+          </a:solidFill>
+          <a:ln>
+            <a:noFill/>
+          </a:ln>
+        </p:spPr>
+        <p:style>
+          <a:lnRef idx="2">
+            <a:schemeClr val="accent2">
+              <a:shade val="15000"/>
+            </a:schemeClr>
+          </a:lnRef>
+          <a:fillRef idx="1">
+            <a:schemeClr val="accent2"/>
+          </a:fillRef>
+          <a:effectRef idx="0">
+            <a:schemeClr val="accent2"/>
+          </a:effectRef>
+          <a:fontRef idx="minor">
+            <a:schemeClr val="lt1"/>
+          </a:fontRef>
+        </p:style>
+        <p:txBody>
+          <a:bodyPr rtlCol="0" anchor="ctr"/>
+          <a:lstStyle/>
+          <a:p>
+            <a:r>
+              <a:rPr lang="en-US" altLang="ko-KR" sz="4000" dirty="0">
+                <a:latin typeface="HY헤드라인M" panose="02030600000101010101" pitchFamily="18" charset="-127"/>
+                <a:ea typeface="HY헤드라인M" panose="02030600000101010101" pitchFamily="18" charset="-127"/>
+              </a:rPr>
+              <a:t>0 - 2. Feature </a:t>
+            </a:r>
+            <a:r>
+              <a:rPr lang="ko-KR" altLang="en-US" sz="4000" dirty="0">
+                <a:latin typeface="HY헤드라인M" panose="02030600000101010101" pitchFamily="18" charset="-127"/>
+                <a:ea typeface="HY헤드라인M" panose="02030600000101010101" pitchFamily="18" charset="-127"/>
+              </a:rPr>
+              <a:t>상관관계 분석</a:t>
+            </a:r>
+            <a:r>
+              <a:rPr lang="en-US" altLang="ko-KR" sz="4000" dirty="0">
+                <a:latin typeface="HY헤드라인M" panose="02030600000101010101" pitchFamily="18" charset="-127"/>
+                <a:ea typeface="HY헤드라인M" panose="02030600000101010101" pitchFamily="18" charset="-127"/>
+              </a:rPr>
+              <a:t>(1/2)</a:t>
+            </a:r>
+            <a:endParaRPr lang="ko-KR" altLang="en-US" sz="4000" dirty="0">
+              <a:latin typeface="HY헤드라인M" panose="02030600000101010101" pitchFamily="18" charset="-127"/>
+              <a:ea typeface="HY헤드라인M" panose="02030600000101010101" pitchFamily="18" charset="-127"/>
+            </a:endParaRPr>
+          </a:p>
+        </p:txBody>
+      </p:sp>
+      <p:sp>
+        <p:nvSpPr>
+          <p:cNvPr id="3" name="TextBox 2">
+            <a:extLst>
+              <a:ext uri="{FF2B5EF4-FFF2-40B4-BE49-F238E27FC236}">
+                <a16:creationId xmlns:a16="http://schemas.microsoft.com/office/drawing/2014/main" id="{F03F0290-93CC-A236-F5E9-3418AED63077}"/>
+              </a:ext>
+            </a:extLst>
+          </p:cNvPr>
+          <p:cNvSpPr txBox="1"/>
+          <p:nvPr/>
+        </p:nvSpPr>
+        <p:spPr>
+          <a:xfrm>
+            <a:off x="413657" y="870265"/>
+            <a:ext cx="8074967" cy="923330"/>
+          </a:xfrm>
+          <a:prstGeom prst="rect">
+            <a:avLst/>
+          </a:prstGeom>
+          <a:noFill/>
+        </p:spPr>
+        <p:txBody>
+          <a:bodyPr wrap="none" rtlCol="0">
+            <a:spAutoFit/>
+          </a:bodyPr>
+          <a:lstStyle/>
+          <a:p>
+            <a:r>
+              <a:rPr lang="ko-KR" altLang="en-US" dirty="0"/>
+              <a:t>가</a:t>
+            </a:r>
+            <a:r>
+              <a:rPr lang="en-US" altLang="ko-KR" dirty="0"/>
+              <a:t>.  </a:t>
+            </a:r>
+            <a:r>
+              <a:rPr lang="ko-KR" altLang="en-US" dirty="0"/>
+              <a:t>최초 사용 </a:t>
+            </a:r>
+            <a:r>
+              <a:rPr lang="en-US" altLang="ko-KR" dirty="0"/>
+              <a:t>feature sample model </a:t>
+            </a:r>
+            <a:r>
+              <a:rPr lang="ko-KR" altLang="en-US" dirty="0"/>
+              <a:t>결과 </a:t>
+            </a:r>
+            <a:r>
+              <a:rPr lang="en-US" altLang="ko-KR" dirty="0"/>
+              <a:t>: 22</a:t>
+            </a:r>
+            <a:r>
+              <a:rPr lang="ko-KR" altLang="en-US" dirty="0"/>
+              <a:t>년 </a:t>
+            </a:r>
+            <a:r>
+              <a:rPr lang="en-US" altLang="ko-KR" dirty="0"/>
+              <a:t>1</a:t>
+            </a:r>
+            <a:r>
+              <a:rPr lang="ko-KR" altLang="en-US" dirty="0"/>
+              <a:t>월 </a:t>
+            </a:r>
+            <a:r>
+              <a:rPr lang="en-US" altLang="ko-KR" dirty="0"/>
+              <a:t>~ 22</a:t>
+            </a:r>
+            <a:r>
+              <a:rPr lang="ko-KR" altLang="en-US" dirty="0"/>
+              <a:t>년 </a:t>
+            </a:r>
+            <a:r>
+              <a:rPr lang="en-US" altLang="ko-KR" dirty="0"/>
+              <a:t>3</a:t>
+            </a:r>
+            <a:r>
+              <a:rPr lang="ko-KR" altLang="en-US" dirty="0"/>
+              <a:t>월 간의 데이터 활용</a:t>
+            </a:r>
+            <a:endParaRPr lang="en-US" altLang="ko-KR" dirty="0"/>
+          </a:p>
+          <a:p>
+            <a:r>
+              <a:rPr lang="en-US" altLang="ko-KR" dirty="0"/>
+              <a:t>	- </a:t>
+            </a:r>
+            <a:r>
+              <a:rPr lang="ko-KR" altLang="en-US" dirty="0"/>
+              <a:t>분류 분석을 통해 </a:t>
+            </a:r>
+            <a:r>
+              <a:rPr lang="en-US" altLang="ko-KR" dirty="0"/>
+              <a:t>accuracy </a:t>
+            </a:r>
+            <a:r>
+              <a:rPr lang="ko-KR" altLang="en-US" dirty="0"/>
+              <a:t>확인 결과 </a:t>
+            </a:r>
+            <a:r>
+              <a:rPr lang="en-US" altLang="ko-KR" dirty="0"/>
+              <a:t>70 ~ 75% </a:t>
+            </a:r>
+            <a:r>
+              <a:rPr lang="ko-KR" altLang="en-US" dirty="0"/>
+              <a:t>수준</a:t>
+            </a:r>
+            <a:endParaRPr lang="en-US" altLang="ko-KR" dirty="0"/>
+          </a:p>
+          <a:p>
+            <a:r>
+              <a:rPr lang="en-US" altLang="ko-KR" dirty="0"/>
+              <a:t>	- accuracy 80% </a:t>
+            </a:r>
+            <a:r>
+              <a:rPr lang="ko-KR" altLang="en-US" dirty="0"/>
+              <a:t>이상 달성을 위해 상관관계를 분석</a:t>
+            </a:r>
+            <a:endParaRPr lang="en-US" altLang="ko-KR" dirty="0"/>
+          </a:p>
+        </p:txBody>
+      </p:sp>
+      <p:sp>
+        <p:nvSpPr>
+          <p:cNvPr id="8" name="TextBox 7">
+            <a:extLst>
+              <a:ext uri="{FF2B5EF4-FFF2-40B4-BE49-F238E27FC236}">
+                <a16:creationId xmlns:a16="http://schemas.microsoft.com/office/drawing/2014/main" id="{680ACEE8-1C10-D048-D07D-20AE0C1BE124}"/>
+              </a:ext>
+            </a:extLst>
+          </p:cNvPr>
+          <p:cNvSpPr txBox="1"/>
+          <p:nvPr/>
+        </p:nvSpPr>
+        <p:spPr>
+          <a:xfrm>
+            <a:off x="413657" y="1934517"/>
+            <a:ext cx="9563067" cy="369332"/>
+          </a:xfrm>
+          <a:prstGeom prst="rect">
+            <a:avLst/>
+          </a:prstGeom>
+          <a:noFill/>
+        </p:spPr>
+        <p:txBody>
+          <a:bodyPr wrap="none" rtlCol="0">
+            <a:spAutoFit/>
+          </a:bodyPr>
+          <a:lstStyle/>
+          <a:p>
+            <a:r>
+              <a:rPr lang="ko-KR" altLang="en-US" dirty="0"/>
+              <a:t>나</a:t>
+            </a:r>
+            <a:r>
+              <a:rPr lang="en-US" altLang="ko-KR" dirty="0"/>
+              <a:t>.  </a:t>
+            </a:r>
+            <a:r>
+              <a:rPr lang="ko-KR" altLang="en-US" dirty="0"/>
+              <a:t>전체 상관계수 점검 </a:t>
+            </a:r>
+            <a:r>
+              <a:rPr lang="en-US" altLang="ko-KR" dirty="0"/>
+              <a:t>: </a:t>
+            </a:r>
+            <a:r>
+              <a:rPr lang="ko-KR" altLang="en-US" dirty="0"/>
+              <a:t>상관계수가 낮은 </a:t>
+            </a:r>
+            <a:r>
+              <a:rPr lang="en-US" altLang="ko-KR" dirty="0" err="1"/>
+              <a:t>featur</a:t>
+            </a:r>
+            <a:r>
+              <a:rPr lang="ko-KR" altLang="en-US" dirty="0"/>
+              <a:t>들이 확인되었으며 </a:t>
+            </a:r>
+            <a:r>
+              <a:rPr lang="en-US" altLang="ko-KR" dirty="0" err="1"/>
+              <a:t>feature_importance</a:t>
+            </a:r>
+            <a:r>
+              <a:rPr lang="ko-KR" altLang="en-US" dirty="0"/>
+              <a:t>를 체크</a:t>
+            </a:r>
+            <a:endParaRPr lang="en-US" altLang="ko-KR" dirty="0"/>
+          </a:p>
+        </p:txBody>
+      </p:sp>
+      <p:pic>
+        <p:nvPicPr>
+          <p:cNvPr id="5" name="그림 4">
+            <a:extLst>
+              <a:ext uri="{FF2B5EF4-FFF2-40B4-BE49-F238E27FC236}">
+                <a16:creationId xmlns:a16="http://schemas.microsoft.com/office/drawing/2014/main" id="{AFDC976E-30CE-C3F7-D83E-8850326B7586}"/>
+              </a:ext>
+            </a:extLst>
+          </p:cNvPr>
+          <p:cNvPicPr>
+            <a:picLocks noChangeAspect="1"/>
+          </p:cNvPicPr>
+          <p:nvPr/>
+        </p:nvPicPr>
+        <p:blipFill>
+          <a:blip r:embed="rId2"/>
+          <a:stretch>
+            <a:fillRect/>
+          </a:stretch>
+        </p:blipFill>
+        <p:spPr>
+          <a:xfrm>
+            <a:off x="862268" y="2303849"/>
+            <a:ext cx="3002595" cy="4276423"/>
+          </a:xfrm>
+          <a:prstGeom prst="rect">
+            <a:avLst/>
+          </a:prstGeom>
+        </p:spPr>
+      </p:pic>
+      <p:pic>
+        <p:nvPicPr>
+          <p:cNvPr id="9" name="그림 8">
+            <a:extLst>
+              <a:ext uri="{FF2B5EF4-FFF2-40B4-BE49-F238E27FC236}">
+                <a16:creationId xmlns:a16="http://schemas.microsoft.com/office/drawing/2014/main" id="{B112BEAF-D2B8-A374-E50F-3F389C780CE0}"/>
+              </a:ext>
+            </a:extLst>
+          </p:cNvPr>
+          <p:cNvPicPr>
+            <a:picLocks noChangeAspect="1"/>
+          </p:cNvPicPr>
+          <p:nvPr/>
+        </p:nvPicPr>
+        <p:blipFill>
+          <a:blip r:embed="rId3"/>
+          <a:stretch>
+            <a:fillRect/>
+          </a:stretch>
+        </p:blipFill>
+        <p:spPr>
+          <a:xfrm>
+            <a:off x="4761616" y="2303682"/>
+            <a:ext cx="5357744" cy="4276758"/>
+          </a:xfrm>
+          <a:prstGeom prst="rect">
+            <a:avLst/>
+          </a:prstGeom>
+        </p:spPr>
+      </p:pic>
+    </p:spTree>
+    <p:extLst>
+      <p:ext uri="{BB962C8B-B14F-4D97-AF65-F5344CB8AC3E}">
+        <p14:creationId xmlns:p14="http://schemas.microsoft.com/office/powerpoint/2010/main" val="2617839787"/>
+      </p:ext>
+    </p:extLst>
+  </p:cSld>
+  <p:clrMapOvr>
+    <a:masterClrMapping/>
+  </p:clrMapOvr>
+</p:sld>
+</file>
+
+<file path=ppt/slides/slide32.xml><?xml version="1.0" encoding="utf-8"?>
+<p:sld xmlns:a="http://schemas.openxmlformats.org/drawingml/2006/main" xmlns:r="http://schemas.openxmlformats.org/officeDocument/2006/relationships" xmlns:p="http://schemas.openxmlformats.org/presentationml/2006/main">
+  <p:cSld>
+    <p:spTree>
+      <p:nvGrpSpPr>
+        <p:cNvPr id="1" name="">
+          <a:extLst>
+            <a:ext uri="{FF2B5EF4-FFF2-40B4-BE49-F238E27FC236}">
+              <a16:creationId xmlns:a16="http://schemas.microsoft.com/office/drawing/2014/main" id="{572F46AB-3673-E3C5-8C2E-0A7DE23C78B9}"/>
+            </a:ext>
+          </a:extLst>
+        </p:cNvPr>
+        <p:cNvGrpSpPr/>
+        <p:nvPr/>
+      </p:nvGrpSpPr>
+      <p:grpSpPr>
+        <a:xfrm>
+          <a:off x="0" y="0"/>
+          <a:ext cx="0" cy="0"/>
+          <a:chOff x="0" y="0"/>
+          <a:chExt cx="0" cy="0"/>
+        </a:xfrm>
+      </p:grpSpPr>
+      <p:sp>
+        <p:nvSpPr>
+          <p:cNvPr id="4" name="직사각형 3">
+            <a:extLst>
+              <a:ext uri="{FF2B5EF4-FFF2-40B4-BE49-F238E27FC236}">
+                <a16:creationId xmlns:a16="http://schemas.microsoft.com/office/drawing/2014/main" id="{BC930D60-0DD4-C579-0340-1E3D97411DAD}"/>
+              </a:ext>
+            </a:extLst>
+          </p:cNvPr>
+          <p:cNvSpPr/>
+          <p:nvPr/>
+        </p:nvSpPr>
+        <p:spPr>
+          <a:xfrm>
+            <a:off x="0" y="0"/>
+            <a:ext cx="12192000" cy="729343"/>
+          </a:xfrm>
+          <a:prstGeom prst="rect">
+            <a:avLst/>
+          </a:prstGeom>
+          <a:solidFill>
+            <a:schemeClr val="accent2">
+              <a:lumMod val="50000"/>
+            </a:schemeClr>
+          </a:solidFill>
+          <a:ln>
+            <a:noFill/>
+          </a:ln>
+        </p:spPr>
+        <p:style>
+          <a:lnRef idx="2">
+            <a:schemeClr val="accent2">
+              <a:shade val="15000"/>
+            </a:schemeClr>
+          </a:lnRef>
+          <a:fillRef idx="1">
+            <a:schemeClr val="accent2"/>
+          </a:fillRef>
+          <a:effectRef idx="0">
+            <a:schemeClr val="accent2"/>
+          </a:effectRef>
+          <a:fontRef idx="minor">
+            <a:schemeClr val="lt1"/>
+          </a:fontRef>
+        </p:style>
+        <p:txBody>
+          <a:bodyPr rtlCol="0" anchor="ctr"/>
+          <a:lstStyle/>
+          <a:p>
+            <a:r>
+              <a:rPr lang="en-US" altLang="ko-KR" sz="4000" dirty="0">
+                <a:latin typeface="HY헤드라인M" panose="02030600000101010101" pitchFamily="18" charset="-127"/>
+                <a:ea typeface="HY헤드라인M" panose="02030600000101010101" pitchFamily="18" charset="-127"/>
+              </a:rPr>
+              <a:t>0 - 2. Feature </a:t>
+            </a:r>
+            <a:r>
+              <a:rPr lang="ko-KR" altLang="en-US" sz="4000" dirty="0">
+                <a:latin typeface="HY헤드라인M" panose="02030600000101010101" pitchFamily="18" charset="-127"/>
+                <a:ea typeface="HY헤드라인M" panose="02030600000101010101" pitchFamily="18" charset="-127"/>
+              </a:rPr>
+              <a:t>상관관계 분석</a:t>
+            </a:r>
+            <a:r>
+              <a:rPr lang="en-US" altLang="ko-KR" sz="4000" dirty="0">
+                <a:latin typeface="HY헤드라인M" panose="02030600000101010101" pitchFamily="18" charset="-127"/>
+                <a:ea typeface="HY헤드라인M" panose="02030600000101010101" pitchFamily="18" charset="-127"/>
+              </a:rPr>
+              <a:t>(1/2)</a:t>
+            </a:r>
+            <a:endParaRPr lang="ko-KR" altLang="en-US" sz="4000" dirty="0">
+              <a:latin typeface="HY헤드라인M" panose="02030600000101010101" pitchFamily="18" charset="-127"/>
+              <a:ea typeface="HY헤드라인M" panose="02030600000101010101" pitchFamily="18" charset="-127"/>
+            </a:endParaRPr>
+          </a:p>
+        </p:txBody>
+      </p:sp>
+      <p:sp>
+        <p:nvSpPr>
+          <p:cNvPr id="3" name="TextBox 2">
+            <a:extLst>
+              <a:ext uri="{FF2B5EF4-FFF2-40B4-BE49-F238E27FC236}">
+                <a16:creationId xmlns:a16="http://schemas.microsoft.com/office/drawing/2014/main" id="{CDE7DF06-26D7-7612-86EA-5B1D7322C367}"/>
+              </a:ext>
+            </a:extLst>
+          </p:cNvPr>
+          <p:cNvSpPr txBox="1"/>
+          <p:nvPr/>
+        </p:nvSpPr>
+        <p:spPr>
+          <a:xfrm>
+            <a:off x="413657" y="870265"/>
+            <a:ext cx="11309506" cy="1477328"/>
+          </a:xfrm>
+          <a:prstGeom prst="rect">
+            <a:avLst/>
+          </a:prstGeom>
+          <a:noFill/>
+        </p:spPr>
+        <p:txBody>
+          <a:bodyPr wrap="none" rtlCol="0">
+            <a:spAutoFit/>
+          </a:bodyPr>
+          <a:lstStyle/>
+          <a:p>
+            <a:r>
+              <a:rPr lang="ko-KR" altLang="en-US" dirty="0"/>
+              <a:t>다</a:t>
+            </a:r>
+            <a:r>
+              <a:rPr lang="en-US" altLang="ko-KR" dirty="0"/>
+              <a:t>. </a:t>
+            </a:r>
+            <a:r>
+              <a:rPr lang="en-US" altLang="ko-KR" dirty="0" err="1"/>
+              <a:t>feature_importance</a:t>
+            </a:r>
+            <a:r>
+              <a:rPr lang="en-US" altLang="ko-KR" dirty="0"/>
+              <a:t>_  </a:t>
+            </a:r>
+            <a:r>
+              <a:rPr lang="ko-KR" altLang="en-US" dirty="0"/>
+              <a:t>분석</a:t>
+            </a:r>
+            <a:endParaRPr lang="en-US" altLang="ko-KR" dirty="0"/>
+          </a:p>
+          <a:p>
+            <a:r>
+              <a:rPr lang="en-US" altLang="ko-KR" dirty="0"/>
+              <a:t>	- </a:t>
+            </a:r>
+            <a:r>
+              <a:rPr lang="en-US" altLang="ko-KR" dirty="0" err="1"/>
+              <a:t>feature_importance</a:t>
+            </a:r>
+            <a:r>
+              <a:rPr lang="ko-KR" altLang="en-US" dirty="0"/>
+              <a:t> 가 </a:t>
+            </a:r>
+            <a:r>
+              <a:rPr lang="en-US" altLang="ko-KR" dirty="0"/>
+              <a:t>0</a:t>
+            </a:r>
+            <a:r>
+              <a:rPr lang="ko-KR" altLang="en-US" dirty="0"/>
+              <a:t>으로 수렴하는 값 존재 </a:t>
+            </a:r>
+            <a:r>
+              <a:rPr lang="en-US" altLang="ko-KR" dirty="0"/>
+              <a:t>=&gt; </a:t>
+            </a:r>
+            <a:r>
+              <a:rPr lang="ko-KR" altLang="en-US" dirty="0"/>
+              <a:t>결과에 따라 원하는 </a:t>
+            </a:r>
+            <a:r>
+              <a:rPr lang="en-US" altLang="ko-KR" dirty="0"/>
+              <a:t>accuracy</a:t>
+            </a:r>
+            <a:r>
+              <a:rPr lang="ko-KR" altLang="en-US" dirty="0"/>
+              <a:t>가 확인되지 않으면</a:t>
+            </a:r>
+            <a:endParaRPr lang="en-US" altLang="ko-KR" dirty="0"/>
+          </a:p>
+          <a:p>
+            <a:r>
+              <a:rPr lang="en-US" altLang="ko-KR" dirty="0"/>
+              <a:t>	  </a:t>
+            </a:r>
+            <a:r>
+              <a:rPr lang="ko-KR" altLang="en-US" dirty="0"/>
+              <a:t>해당 </a:t>
+            </a:r>
+            <a:r>
+              <a:rPr lang="en-US" altLang="ko-KR" dirty="0"/>
+              <a:t>feature</a:t>
+            </a:r>
+            <a:r>
+              <a:rPr lang="ko-KR" altLang="en-US" dirty="0"/>
+              <a:t>를 제외하고 모델 </a:t>
+            </a:r>
+            <a:r>
+              <a:rPr lang="ko-KR" altLang="en-US" dirty="0" err="1"/>
+              <a:t>재학습</a:t>
+            </a:r>
+            <a:endParaRPr lang="en-US" altLang="ko-KR" dirty="0"/>
+          </a:p>
+          <a:p>
+            <a:r>
+              <a:rPr lang="en-US" altLang="ko-KR" dirty="0"/>
+              <a:t>	- </a:t>
+            </a:r>
+            <a:r>
+              <a:rPr lang="en-US" altLang="ko-KR" dirty="0" err="1"/>
+              <a:t>feature_importance</a:t>
+            </a:r>
+            <a:r>
+              <a:rPr lang="en-US" altLang="ko-KR" dirty="0"/>
+              <a:t> </a:t>
+            </a:r>
+            <a:r>
+              <a:rPr lang="ko-KR" altLang="en-US" dirty="0"/>
+              <a:t>그래프가 지속 상승하는 그래프로 </a:t>
+            </a:r>
+            <a:r>
+              <a:rPr lang="en-US" altLang="ko-KR" b="1" dirty="0"/>
+              <a:t>feature</a:t>
+            </a:r>
+            <a:r>
+              <a:rPr lang="ko-KR" altLang="en-US" b="1" dirty="0"/>
+              <a:t>의 종류가 부족하나 추가 데이터의 수집 한계</a:t>
+            </a:r>
+            <a:endParaRPr lang="en-US" altLang="ko-KR" b="1" dirty="0"/>
+          </a:p>
+          <a:p>
+            <a:r>
+              <a:rPr lang="en-US" altLang="ko-KR" dirty="0"/>
+              <a:t>	  =&gt; </a:t>
+            </a:r>
+            <a:r>
+              <a:rPr lang="ko-KR" altLang="en-US" dirty="0"/>
+              <a:t>자전거 노선</a:t>
+            </a:r>
+            <a:r>
+              <a:rPr lang="en-US" altLang="ko-KR" dirty="0"/>
+              <a:t>, </a:t>
+            </a:r>
+            <a:r>
+              <a:rPr lang="ko-KR" altLang="en-US" dirty="0"/>
+              <a:t>토지 활용도</a:t>
+            </a:r>
+            <a:r>
+              <a:rPr lang="en-US" altLang="ko-KR" dirty="0"/>
+              <a:t>, </a:t>
+            </a:r>
+            <a:r>
+              <a:rPr lang="ko-KR" altLang="en-US" dirty="0"/>
+              <a:t>주변 건물의 건축 목적 등 </a:t>
+            </a:r>
+            <a:r>
+              <a:rPr lang="en-US" altLang="ko-KR" dirty="0"/>
+              <a:t>feature</a:t>
+            </a:r>
+            <a:r>
+              <a:rPr lang="ko-KR" altLang="en-US" dirty="0"/>
+              <a:t>간 시간 해상도 불일치</a:t>
+            </a:r>
+            <a:r>
+              <a:rPr lang="en-US" altLang="ko-KR" dirty="0"/>
+              <a:t>(</a:t>
+            </a:r>
+            <a:r>
+              <a:rPr lang="ko-KR" altLang="en-US" dirty="0"/>
+              <a:t>연간 데이터</a:t>
+            </a:r>
+            <a:r>
+              <a:rPr lang="en-US" altLang="ko-KR" dirty="0"/>
+              <a:t>)</a:t>
+            </a:r>
+            <a:endParaRPr lang="en-US" altLang="ko-KR" b="1" dirty="0"/>
+          </a:p>
+        </p:txBody>
+      </p:sp>
+      <p:pic>
+        <p:nvPicPr>
+          <p:cNvPr id="6" name="그림 5">
+            <a:extLst>
+              <a:ext uri="{FF2B5EF4-FFF2-40B4-BE49-F238E27FC236}">
+                <a16:creationId xmlns:a16="http://schemas.microsoft.com/office/drawing/2014/main" id="{E7980A1B-1345-006E-DDE0-17A9DCFB56E1}"/>
+              </a:ext>
+            </a:extLst>
+          </p:cNvPr>
+          <p:cNvPicPr>
+            <a:picLocks noChangeAspect="1"/>
+          </p:cNvPicPr>
+          <p:nvPr/>
+        </p:nvPicPr>
+        <p:blipFill>
+          <a:blip r:embed="rId2"/>
+          <a:stretch>
+            <a:fillRect/>
+          </a:stretch>
+        </p:blipFill>
+        <p:spPr>
+          <a:xfrm>
+            <a:off x="1160585" y="2383008"/>
+            <a:ext cx="9648091" cy="4275700"/>
+          </a:xfrm>
+          <a:prstGeom prst="rect">
+            <a:avLst/>
+          </a:prstGeom>
+        </p:spPr>
+      </p:pic>
+    </p:spTree>
+    <p:extLst>
+      <p:ext uri="{BB962C8B-B14F-4D97-AF65-F5344CB8AC3E}">
+        <p14:creationId xmlns:p14="http://schemas.microsoft.com/office/powerpoint/2010/main" val="1166798638"/>
+      </p:ext>
+    </p:extLst>
+  </p:cSld>
+  <p:clrMapOvr>
+    <a:masterClrMapping/>
+  </p:clrMapOvr>
+</p:sld>
+</file>
+
+<file path=ppt/slides/slide33.xml><?xml version="1.0" encoding="utf-8"?>
+<p:sld xmlns:a="http://schemas.openxmlformats.org/drawingml/2006/main" xmlns:r="http://schemas.openxmlformats.org/officeDocument/2006/relationships" xmlns:p="http://schemas.openxmlformats.org/presentationml/2006/main">
+  <p:cSld>
+    <p:spTree>
+      <p:nvGrpSpPr>
+        <p:cNvPr id="1" name="">
+          <a:extLst>
+            <a:ext uri="{FF2B5EF4-FFF2-40B4-BE49-F238E27FC236}">
+              <a16:creationId xmlns:a16="http://schemas.microsoft.com/office/drawing/2014/main" id="{72108495-5299-84A7-5298-68B7101805F2}"/>
+            </a:ext>
+          </a:extLst>
+        </p:cNvPr>
+        <p:cNvGrpSpPr/>
+        <p:nvPr/>
+      </p:nvGrpSpPr>
+      <p:grpSpPr>
+        <a:xfrm>
+          <a:off x="0" y="0"/>
+          <a:ext cx="0" cy="0"/>
+          <a:chOff x="0" y="0"/>
+          <a:chExt cx="0" cy="0"/>
+        </a:xfrm>
+      </p:grpSpPr>
+      <p:sp>
+        <p:nvSpPr>
+          <p:cNvPr id="2" name="직사각형 1">
+            <a:extLst>
+              <a:ext uri="{FF2B5EF4-FFF2-40B4-BE49-F238E27FC236}">
+                <a16:creationId xmlns:a16="http://schemas.microsoft.com/office/drawing/2014/main" id="{640160F2-24FD-A9B0-D0DF-400B53BCD34A}"/>
+              </a:ext>
+            </a:extLst>
+          </p:cNvPr>
+          <p:cNvSpPr/>
+          <p:nvPr/>
+        </p:nvSpPr>
+        <p:spPr>
+          <a:xfrm>
+            <a:off x="59871" y="1981200"/>
+            <a:ext cx="12072257" cy="2536372"/>
+          </a:xfrm>
+          <a:prstGeom prst="rect">
+            <a:avLst/>
+          </a:prstGeom>
+          <a:solidFill>
+            <a:schemeClr val="accent2">
+              <a:lumMod val="50000"/>
+            </a:schemeClr>
+          </a:solidFill>
+          <a:ln>
+            <a:noFill/>
+          </a:ln>
+        </p:spPr>
+        <p:style>
+          <a:lnRef idx="2">
+            <a:schemeClr val="accent2">
+              <a:shade val="15000"/>
+            </a:schemeClr>
+          </a:lnRef>
+          <a:fillRef idx="1">
+            <a:schemeClr val="accent2"/>
+          </a:fillRef>
+          <a:effectRef idx="0">
+            <a:schemeClr val="accent2"/>
+          </a:effectRef>
+          <a:fontRef idx="minor">
+            <a:schemeClr val="lt1"/>
+          </a:fontRef>
+        </p:style>
+        <p:txBody>
+          <a:bodyPr rtlCol="0" anchor="ctr"/>
+          <a:lstStyle/>
+          <a:p>
+            <a:pPr algn="ctr"/>
+            <a:r>
+              <a:rPr lang="en-US" altLang="ko-KR" sz="5400" dirty="0">
+                <a:latin typeface="HY헤드라인M" panose="02030600000101010101" pitchFamily="18" charset="-127"/>
+                <a:ea typeface="HY헤드라인M" panose="02030600000101010101" pitchFamily="18" charset="-127"/>
+              </a:rPr>
               <a:t>0 - 3. Feature </a:t>
             </a:r>
             <a:r>
@@ -9482,7 +10387,7 @@
 </p:sld>
 </file>
 
-<file path=ppt/slides/slide31.xml><?xml version="1.0" encoding="utf-8"?>
+<file path=ppt/slides/slide34.xml><?xml version="1.0" encoding="utf-8"?>
 <p:sld xmlns:a="http://schemas.openxmlformats.org/drawingml/2006/main" xmlns:r="http://schemas.openxmlformats.org/officeDocument/2006/relationships" xmlns:p="http://schemas.openxmlformats.org/presentationml/2006/main">
   <p:cSld>
     <p:spTree>
@@ -9927,7 +10832,7 @@
 </p:sld>
 </file>
 
-<file path=ppt/slides/slide32.xml><?xml version="1.0" encoding="utf-8"?>
+<file path=ppt/slides/slide35.xml><?xml version="1.0" encoding="utf-8"?>
 <p:sld xmlns:a="http://schemas.openxmlformats.org/drawingml/2006/main" xmlns:r="http://schemas.openxmlformats.org/officeDocument/2006/relationships" xmlns:p="http://schemas.openxmlformats.org/presentationml/2006/main">
   <p:cSld>
     <p:spTree>
@@ -10030,7 +10935,7 @@
 </p:sld>
 </file>
 
-<file path=ppt/slides/slide33.xml><?xml version="1.0" encoding="utf-8"?>
+<file path=ppt/slides/slide36.xml><?xml version="1.0" encoding="utf-8"?>
 <p:sld xmlns:a="http://schemas.openxmlformats.org/drawingml/2006/main" xmlns:r="http://schemas.openxmlformats.org/officeDocument/2006/relationships" xmlns:p="http://schemas.openxmlformats.org/presentationml/2006/main">
   <p:cSld>
     <p:spTree>
@@ -10583,7 +11488,7 @@
 </p:sld>
 </file>
 
-<file path=ppt/slides/slide34.xml><?xml version="1.0" encoding="utf-8"?>
+<file path=ppt/slides/slide37.xml><?xml version="1.0" encoding="utf-8"?>
 <p:sld xmlns:a="http://schemas.openxmlformats.org/drawingml/2006/main" xmlns:r="http://schemas.openxmlformats.org/officeDocument/2006/relationships" xmlns:p="http://schemas.openxmlformats.org/presentationml/2006/main">
   <p:cSld>
     <p:spTree>
@@ -10841,7 +11746,7 @@
 </p:sld>
 </file>
 
-<file path=ppt/slides/slide35.xml><?xml version="1.0" encoding="utf-8"?>
+<file path=ppt/slides/slide38.xml><?xml version="1.0" encoding="utf-8"?>
 <p:sld xmlns:a="http://schemas.openxmlformats.org/drawingml/2006/main" xmlns:r="http://schemas.openxmlformats.org/officeDocument/2006/relationships" xmlns:p="http://schemas.openxmlformats.org/presentationml/2006/main">
   <p:cSld>
     <p:spTree>
@@ -11129,7 +12034,7 @@
 </p:sld>
 </file>
 
-<file path=ppt/slides/slide36.xml><?xml version="1.0" encoding="utf-8"?>
+<file path=ppt/slides/slide39.xml><?xml version="1.0" encoding="utf-8"?>
 <p:sld xmlns:a="http://schemas.openxmlformats.org/drawingml/2006/main" xmlns:r="http://schemas.openxmlformats.org/officeDocument/2006/relationships" xmlns:p="http://schemas.openxmlformats.org/presentationml/2006/main">
   <p:cSld>
     <p:spTree>
@@ -11447,778 +12352,6 @@
     <p:extLst>
       <p:ext uri="{BB962C8B-B14F-4D97-AF65-F5344CB8AC3E}">
         <p14:creationId xmlns:p14="http://schemas.microsoft.com/office/powerpoint/2010/main" val="3913274785"/>
-      </p:ext>
-    </p:extLst>
-  </p:cSld>
-  <p:clrMapOvr>
-    <a:masterClrMapping/>
-  </p:clrMapOvr>
-</p:sld>
-</file>
-
-<file path=ppt/slides/slide37.xml><?xml version="1.0" encoding="utf-8"?>
-<p:sld xmlns:a="http://schemas.openxmlformats.org/drawingml/2006/main" xmlns:r="http://schemas.openxmlformats.org/officeDocument/2006/relationships" xmlns:p="http://schemas.openxmlformats.org/presentationml/2006/main">
-  <p:cSld>
-    <p:spTree>
-      <p:nvGrpSpPr>
-        <p:cNvPr id="1" name="">
-          <a:extLst>
-            <a:ext uri="{FF2B5EF4-FFF2-40B4-BE49-F238E27FC236}">
-              <a16:creationId xmlns:a16="http://schemas.microsoft.com/office/drawing/2014/main" id="{EE553BE2-D487-E93D-B3DF-7062F706C423}"/>
-            </a:ext>
-          </a:extLst>
-        </p:cNvPr>
-        <p:cNvGrpSpPr/>
-        <p:nvPr/>
-      </p:nvGrpSpPr>
-      <p:grpSpPr>
-        <a:xfrm>
-          <a:off x="0" y="0"/>
-          <a:ext cx="0" cy="0"/>
-          <a:chOff x="0" y="0"/>
-          <a:chExt cx="0" cy="0"/>
-        </a:xfrm>
-      </p:grpSpPr>
-      <p:sp>
-        <p:nvSpPr>
-          <p:cNvPr id="4" name="직사각형 3">
-            <a:extLst>
-              <a:ext uri="{FF2B5EF4-FFF2-40B4-BE49-F238E27FC236}">
-                <a16:creationId xmlns:a16="http://schemas.microsoft.com/office/drawing/2014/main" id="{7069BC3F-EC8F-608C-B313-8DE15DCFDE98}"/>
-              </a:ext>
-            </a:extLst>
-          </p:cNvPr>
-          <p:cNvSpPr/>
-          <p:nvPr/>
-        </p:nvSpPr>
-        <p:spPr>
-          <a:xfrm>
-            <a:off x="0" y="0"/>
-            <a:ext cx="12192000" cy="729343"/>
-          </a:xfrm>
-          <a:prstGeom prst="rect">
-            <a:avLst/>
-          </a:prstGeom>
-          <a:solidFill>
-            <a:schemeClr val="accent2">
-              <a:lumMod val="50000"/>
-            </a:schemeClr>
-          </a:solidFill>
-          <a:ln>
-            <a:noFill/>
-          </a:ln>
-        </p:spPr>
-        <p:style>
-          <a:lnRef idx="2">
-            <a:schemeClr val="accent2">
-              <a:shade val="15000"/>
-            </a:schemeClr>
-          </a:lnRef>
-          <a:fillRef idx="1">
-            <a:schemeClr val="accent2"/>
-          </a:fillRef>
-          <a:effectRef idx="0">
-            <a:schemeClr val="accent2"/>
-          </a:effectRef>
-          <a:fontRef idx="minor">
-            <a:schemeClr val="lt1"/>
-          </a:fontRef>
-        </p:style>
-        <p:txBody>
-          <a:bodyPr rtlCol="0" anchor="ctr"/>
-          <a:lstStyle/>
-          <a:p>
-            <a:r>
-              <a:rPr lang="en-US" altLang="ko-KR" sz="4000" dirty="0">
-                <a:latin typeface="HY헤드라인M" panose="02030600000101010101" pitchFamily="18" charset="-127"/>
-                <a:ea typeface="HY헤드라인M" panose="02030600000101010101" pitchFamily="18" charset="-127"/>
-              </a:rPr>
-              <a:t>1. </a:t>
-            </a:r>
-            <a:r>
-              <a:rPr lang="ko-KR" altLang="en-US" sz="4000" dirty="0">
-                <a:latin typeface="HY헤드라인M" panose="02030600000101010101" pitchFamily="18" charset="-127"/>
-                <a:ea typeface="HY헤드라인M" panose="02030600000101010101" pitchFamily="18" charset="-127"/>
-              </a:rPr>
-              <a:t>타겟 변수 범주 설정</a:t>
-            </a:r>
-            <a:r>
-              <a:rPr lang="en-US" altLang="ko-KR" sz="4000" dirty="0">
-                <a:latin typeface="HY헤드라인M" panose="02030600000101010101" pitchFamily="18" charset="-127"/>
-                <a:ea typeface="HY헤드라인M" panose="02030600000101010101" pitchFamily="18" charset="-127"/>
-              </a:rPr>
-              <a:t>(2/3)</a:t>
-            </a:r>
-            <a:endParaRPr lang="ko-KR" altLang="en-US" sz="4000" dirty="0">
-              <a:latin typeface="HY헤드라인M" panose="02030600000101010101" pitchFamily="18" charset="-127"/>
-              <a:ea typeface="HY헤드라인M" panose="02030600000101010101" pitchFamily="18" charset="-127"/>
-            </a:endParaRPr>
-          </a:p>
-        </p:txBody>
-      </p:sp>
-      <p:sp>
-        <p:nvSpPr>
-          <p:cNvPr id="3" name="TextBox 2">
-            <a:extLst>
-              <a:ext uri="{FF2B5EF4-FFF2-40B4-BE49-F238E27FC236}">
-                <a16:creationId xmlns:a16="http://schemas.microsoft.com/office/drawing/2014/main" id="{E1E2962B-D482-A6BB-31D7-2D9F2649DCA1}"/>
-              </a:ext>
-            </a:extLst>
-          </p:cNvPr>
-          <p:cNvSpPr txBox="1"/>
-          <p:nvPr/>
-        </p:nvSpPr>
-        <p:spPr>
-          <a:xfrm>
-            <a:off x="413656" y="988151"/>
-            <a:ext cx="11884600" cy="1200329"/>
-          </a:xfrm>
-          <a:prstGeom prst="rect">
-            <a:avLst/>
-          </a:prstGeom>
-          <a:noFill/>
-        </p:spPr>
-        <p:txBody>
-          <a:bodyPr wrap="none" rtlCol="0">
-            <a:spAutoFit/>
-          </a:bodyPr>
-          <a:lstStyle/>
-          <a:p>
-            <a:r>
-              <a:rPr lang="ko-KR" altLang="en-US" dirty="0"/>
-              <a:t>다</a:t>
-            </a:r>
-            <a:r>
-              <a:rPr lang="en-US" altLang="ko-KR" dirty="0"/>
-              <a:t>.  </a:t>
-            </a:r>
-            <a:r>
-              <a:rPr lang="en-US" altLang="ko-KR" dirty="0" err="1"/>
-              <a:t>Kmeans</a:t>
-            </a:r>
-            <a:r>
-              <a:rPr lang="ko-KR" altLang="en-US" dirty="0"/>
-              <a:t>를 통해 구한 실루엣 계수에 의하면 </a:t>
-            </a:r>
-            <a:r>
-              <a:rPr lang="en-US" altLang="ko-KR" dirty="0"/>
-              <a:t>2 ~ 3</a:t>
-            </a:r>
-            <a:r>
-              <a:rPr lang="ko-KR" altLang="en-US" dirty="0"/>
-              <a:t>개의 군집으로 나누는 것이 양호하지만 </a:t>
-            </a:r>
-            <a:r>
-              <a:rPr lang="en-US" altLang="ko-KR" dirty="0"/>
-              <a:t>PM</a:t>
-            </a:r>
-            <a:r>
-              <a:rPr lang="ko-KR" altLang="en-US" dirty="0"/>
-              <a:t>을 수요에 따라 재배치 </a:t>
-            </a:r>
-            <a:endParaRPr lang="en-US" altLang="ko-KR" dirty="0"/>
-          </a:p>
-          <a:p>
-            <a:r>
-              <a:rPr lang="en-US" altLang="ko-KR" dirty="0"/>
-              <a:t>	</a:t>
-            </a:r>
-            <a:r>
-              <a:rPr lang="ko-KR" altLang="en-US" dirty="0"/>
-              <a:t>하고 사업의 효율성을 위한 모델에는 부적합한 범주</a:t>
-            </a:r>
-            <a:endParaRPr lang="en-US" altLang="ko-KR" dirty="0"/>
-          </a:p>
-          <a:p>
-            <a:endParaRPr lang="en-US" altLang="ko-KR" dirty="0"/>
-          </a:p>
-          <a:p>
-            <a:r>
-              <a:rPr lang="en-US" altLang="ko-KR" dirty="0"/>
-              <a:t>	=&gt; </a:t>
-            </a:r>
-            <a:r>
-              <a:rPr lang="ko-KR" altLang="en-US" dirty="0"/>
-              <a:t>평균이 </a:t>
-            </a:r>
-            <a:r>
-              <a:rPr lang="en-US" altLang="ko-KR" dirty="0"/>
-              <a:t>28</a:t>
-            </a:r>
-            <a:r>
-              <a:rPr lang="ko-KR" altLang="en-US" dirty="0"/>
-              <a:t>이고 </a:t>
-            </a:r>
-            <a:r>
-              <a:rPr lang="en-US" altLang="ko-KR" dirty="0"/>
-              <a:t>Q3</a:t>
-            </a:r>
-            <a:r>
-              <a:rPr lang="ko-KR" altLang="en-US" dirty="0"/>
-              <a:t>가 </a:t>
-            </a:r>
-            <a:r>
-              <a:rPr lang="en-US" altLang="ko-KR" dirty="0"/>
-              <a:t>39</a:t>
-            </a:r>
-            <a:r>
-              <a:rPr lang="ko-KR" altLang="en-US" dirty="0"/>
-              <a:t>인 것을 고려하여 수동 </a:t>
-            </a:r>
-            <a:r>
-              <a:rPr lang="en-US" altLang="ko-KR" dirty="0"/>
-              <a:t>bin </a:t>
-            </a:r>
-            <a:r>
-              <a:rPr lang="ko-KR" altLang="en-US" dirty="0"/>
-              <a:t>배분</a:t>
-            </a:r>
-            <a:endParaRPr lang="en-US" altLang="ko-KR" dirty="0"/>
-          </a:p>
-        </p:txBody>
-      </p:sp>
-      <p:sp>
-        <p:nvSpPr>
-          <p:cNvPr id="5" name="TextBox 4">
-            <a:extLst>
-              <a:ext uri="{FF2B5EF4-FFF2-40B4-BE49-F238E27FC236}">
-                <a16:creationId xmlns:a16="http://schemas.microsoft.com/office/drawing/2014/main" id="{C6E4C930-A380-B467-5346-980ED728A4B2}"/>
-              </a:ext>
-            </a:extLst>
-          </p:cNvPr>
-          <p:cNvSpPr txBox="1"/>
-          <p:nvPr/>
-        </p:nvSpPr>
-        <p:spPr>
-          <a:xfrm>
-            <a:off x="413656" y="2915195"/>
-            <a:ext cx="5860900" cy="1754326"/>
-          </a:xfrm>
-          <a:prstGeom prst="rect">
-            <a:avLst/>
-          </a:prstGeom>
-          <a:noFill/>
-        </p:spPr>
-        <p:txBody>
-          <a:bodyPr wrap="none" rtlCol="0">
-            <a:spAutoFit/>
-          </a:bodyPr>
-          <a:lstStyle/>
-          <a:p>
-            <a:r>
-              <a:rPr lang="ko-KR" altLang="en-US" dirty="0"/>
-              <a:t>라</a:t>
-            </a:r>
-            <a:r>
-              <a:rPr lang="en-US" altLang="ko-KR" dirty="0"/>
-              <a:t>. </a:t>
-            </a:r>
-            <a:r>
-              <a:rPr lang="ko-KR" altLang="en-US" dirty="0"/>
-              <a:t>범주는 </a:t>
-            </a:r>
-            <a:r>
-              <a:rPr lang="en-US" altLang="ko-KR" dirty="0"/>
-              <a:t>4</a:t>
-            </a:r>
-            <a:r>
-              <a:rPr lang="ko-KR" altLang="en-US" dirty="0"/>
-              <a:t>분위 수와 편차를 기준으로 아래와 같이 배분</a:t>
-            </a:r>
-            <a:endParaRPr lang="en-US" altLang="ko-KR" dirty="0"/>
-          </a:p>
-          <a:p>
-            <a:r>
-              <a:rPr lang="en-US" altLang="ko-KR" dirty="0"/>
-              <a:t>	1. 0 ~ 8 : </a:t>
-            </a:r>
-            <a:r>
-              <a:rPr lang="ko-KR" altLang="en-US" dirty="0"/>
-              <a:t>공급 과다 예상</a:t>
-            </a:r>
-            <a:endParaRPr lang="en-US" altLang="ko-KR" dirty="0"/>
-          </a:p>
-          <a:p>
-            <a:r>
-              <a:rPr lang="en-US" altLang="ko-KR" dirty="0"/>
-              <a:t>	2. 9 ~ 38 : </a:t>
-            </a:r>
-            <a:r>
-              <a:rPr lang="ko-KR" altLang="en-US" dirty="0"/>
-              <a:t>공급 평균 예상</a:t>
-            </a:r>
-            <a:endParaRPr lang="en-US" altLang="ko-KR" dirty="0"/>
-          </a:p>
-          <a:p>
-            <a:r>
-              <a:rPr lang="en-US" altLang="ko-KR" dirty="0"/>
-              <a:t>	3. 39 ~ 64 : </a:t>
-            </a:r>
-            <a:r>
-              <a:rPr lang="ko-KR" altLang="en-US" dirty="0"/>
-              <a:t>공급 다소 부족 예상</a:t>
-            </a:r>
-            <a:endParaRPr lang="en-US" altLang="ko-KR" dirty="0"/>
-          </a:p>
-          <a:p>
-            <a:r>
-              <a:rPr lang="en-US" altLang="ko-KR" dirty="0"/>
-              <a:t>	4. 65 ~ 90 : </a:t>
-            </a:r>
-            <a:r>
-              <a:rPr lang="ko-KR" altLang="en-US" dirty="0"/>
-              <a:t>공급 부족 예상</a:t>
-            </a:r>
-            <a:endParaRPr lang="en-US" altLang="ko-KR" dirty="0"/>
-          </a:p>
-          <a:p>
-            <a:r>
-              <a:rPr lang="en-US" altLang="ko-KR" dirty="0"/>
-              <a:t>	5. 90 + </a:t>
-            </a:r>
-            <a:r>
-              <a:rPr lang="ko-KR" altLang="en-US" dirty="0"/>
-              <a:t>공급 절대 부족 예상</a:t>
-            </a:r>
-            <a:endParaRPr lang="en-US" altLang="ko-KR" dirty="0"/>
-          </a:p>
-        </p:txBody>
-      </p:sp>
-      <p:sp>
-        <p:nvSpPr>
-          <p:cNvPr id="6" name="TextBox 5">
-            <a:extLst>
-              <a:ext uri="{FF2B5EF4-FFF2-40B4-BE49-F238E27FC236}">
-                <a16:creationId xmlns:a16="http://schemas.microsoft.com/office/drawing/2014/main" id="{73E2264C-780D-4090-DE63-D797322F9257}"/>
-              </a:ext>
-            </a:extLst>
-          </p:cNvPr>
-          <p:cNvSpPr txBox="1"/>
-          <p:nvPr/>
-        </p:nvSpPr>
-        <p:spPr>
-          <a:xfrm>
-            <a:off x="413656" y="5685183"/>
-            <a:ext cx="10580140" cy="369332"/>
-          </a:xfrm>
-          <a:prstGeom prst="rect">
-            <a:avLst/>
-          </a:prstGeom>
-          <a:noFill/>
-        </p:spPr>
-        <p:txBody>
-          <a:bodyPr wrap="none" rtlCol="0">
-            <a:spAutoFit/>
-          </a:bodyPr>
-          <a:lstStyle/>
-          <a:p>
-            <a:r>
-              <a:rPr lang="ko-KR" altLang="en-US" dirty="0"/>
-              <a:t>마</a:t>
-            </a:r>
-            <a:r>
-              <a:rPr lang="en-US" altLang="ko-KR" dirty="0"/>
-              <a:t>. </a:t>
-            </a:r>
-            <a:r>
-              <a:rPr lang="ko-KR" altLang="en-US" dirty="0"/>
-              <a:t>실제로 수요에 따라 공급을 재조정 해야 하는 단계는 </a:t>
-            </a:r>
-            <a:r>
-              <a:rPr lang="ko-KR" altLang="en-US" b="1" dirty="0"/>
-              <a:t>공급 부족 예상 </a:t>
-            </a:r>
-            <a:r>
-              <a:rPr lang="en-US" altLang="ko-KR" b="1" dirty="0"/>
-              <a:t>class</a:t>
-            </a:r>
-            <a:r>
-              <a:rPr lang="ko-KR" altLang="en-US" b="1" dirty="0"/>
-              <a:t>와 공급 절대 부족 예상 </a:t>
-            </a:r>
-            <a:r>
-              <a:rPr lang="en-US" altLang="ko-KR" b="1" dirty="0"/>
-              <a:t>class</a:t>
-            </a:r>
-          </a:p>
-        </p:txBody>
-      </p:sp>
-    </p:spTree>
-    <p:extLst>
-      <p:ext uri="{BB962C8B-B14F-4D97-AF65-F5344CB8AC3E}">
-        <p14:creationId xmlns:p14="http://schemas.microsoft.com/office/powerpoint/2010/main" val="1227876839"/>
-      </p:ext>
-    </p:extLst>
-  </p:cSld>
-  <p:clrMapOvr>
-    <a:masterClrMapping/>
-  </p:clrMapOvr>
-</p:sld>
-</file>
-
-<file path=ppt/slides/slide38.xml><?xml version="1.0" encoding="utf-8"?>
-<p:sld xmlns:a="http://schemas.openxmlformats.org/drawingml/2006/main" xmlns:r="http://schemas.openxmlformats.org/officeDocument/2006/relationships" xmlns:p="http://schemas.openxmlformats.org/presentationml/2006/main">
-  <p:cSld>
-    <p:spTree>
-      <p:nvGrpSpPr>
-        <p:cNvPr id="1" name="">
-          <a:extLst>
-            <a:ext uri="{FF2B5EF4-FFF2-40B4-BE49-F238E27FC236}">
-              <a16:creationId xmlns:a16="http://schemas.microsoft.com/office/drawing/2014/main" id="{97E808E2-9997-F573-A76B-18E67AC50EAD}"/>
-            </a:ext>
-          </a:extLst>
-        </p:cNvPr>
-        <p:cNvGrpSpPr/>
-        <p:nvPr/>
-      </p:nvGrpSpPr>
-      <p:grpSpPr>
-        <a:xfrm>
-          <a:off x="0" y="0"/>
-          <a:ext cx="0" cy="0"/>
-          <a:chOff x="0" y="0"/>
-          <a:chExt cx="0" cy="0"/>
-        </a:xfrm>
-      </p:grpSpPr>
-      <p:sp>
-        <p:nvSpPr>
-          <p:cNvPr id="4" name="직사각형 3">
-            <a:extLst>
-              <a:ext uri="{FF2B5EF4-FFF2-40B4-BE49-F238E27FC236}">
-                <a16:creationId xmlns:a16="http://schemas.microsoft.com/office/drawing/2014/main" id="{71D01A5B-9F31-7580-939A-B0ABC60D0DDE}"/>
-              </a:ext>
-            </a:extLst>
-          </p:cNvPr>
-          <p:cNvSpPr/>
-          <p:nvPr/>
-        </p:nvSpPr>
-        <p:spPr>
-          <a:xfrm>
-            <a:off x="0" y="0"/>
-            <a:ext cx="12192000" cy="729343"/>
-          </a:xfrm>
-          <a:prstGeom prst="rect">
-            <a:avLst/>
-          </a:prstGeom>
-          <a:solidFill>
-            <a:schemeClr val="accent2">
-              <a:lumMod val="50000"/>
-            </a:schemeClr>
-          </a:solidFill>
-          <a:ln>
-            <a:noFill/>
-          </a:ln>
-        </p:spPr>
-        <p:style>
-          <a:lnRef idx="2">
-            <a:schemeClr val="accent2">
-              <a:shade val="15000"/>
-            </a:schemeClr>
-          </a:lnRef>
-          <a:fillRef idx="1">
-            <a:schemeClr val="accent2"/>
-          </a:fillRef>
-          <a:effectRef idx="0">
-            <a:schemeClr val="accent2"/>
-          </a:effectRef>
-          <a:fontRef idx="minor">
-            <a:schemeClr val="lt1"/>
-          </a:fontRef>
-        </p:style>
-        <p:txBody>
-          <a:bodyPr rtlCol="0" anchor="ctr"/>
-          <a:lstStyle/>
-          <a:p>
-            <a:r>
-              <a:rPr lang="en-US" altLang="ko-KR" sz="4000" dirty="0">
-                <a:latin typeface="HY헤드라인M" panose="02030600000101010101" pitchFamily="18" charset="-127"/>
-                <a:ea typeface="HY헤드라인M" panose="02030600000101010101" pitchFamily="18" charset="-127"/>
-              </a:rPr>
-              <a:t>1. </a:t>
-            </a:r>
-            <a:r>
-              <a:rPr lang="ko-KR" altLang="en-US" sz="4000" dirty="0">
-                <a:latin typeface="HY헤드라인M" panose="02030600000101010101" pitchFamily="18" charset="-127"/>
-                <a:ea typeface="HY헤드라인M" panose="02030600000101010101" pitchFamily="18" charset="-127"/>
-              </a:rPr>
-              <a:t>타겟 변수 범주 설정</a:t>
-            </a:r>
-            <a:r>
-              <a:rPr lang="en-US" altLang="ko-KR" sz="4000" dirty="0">
-                <a:latin typeface="HY헤드라인M" panose="02030600000101010101" pitchFamily="18" charset="-127"/>
-                <a:ea typeface="HY헤드라인M" panose="02030600000101010101" pitchFamily="18" charset="-127"/>
-              </a:rPr>
-              <a:t>(3/3)</a:t>
-            </a:r>
-            <a:endParaRPr lang="ko-KR" altLang="en-US" sz="4000" dirty="0">
-              <a:latin typeface="HY헤드라인M" panose="02030600000101010101" pitchFamily="18" charset="-127"/>
-              <a:ea typeface="HY헤드라인M" panose="02030600000101010101" pitchFamily="18" charset="-127"/>
-            </a:endParaRPr>
-          </a:p>
-        </p:txBody>
-      </p:sp>
-      <p:sp>
-        <p:nvSpPr>
-          <p:cNvPr id="3" name="TextBox 2">
-            <a:extLst>
-              <a:ext uri="{FF2B5EF4-FFF2-40B4-BE49-F238E27FC236}">
-                <a16:creationId xmlns:a16="http://schemas.microsoft.com/office/drawing/2014/main" id="{B842E9F2-B5ED-6863-06E6-FE5ED7D8C71C}"/>
-              </a:ext>
-            </a:extLst>
-          </p:cNvPr>
-          <p:cNvSpPr txBox="1"/>
-          <p:nvPr/>
-        </p:nvSpPr>
-        <p:spPr>
-          <a:xfrm>
-            <a:off x="413656" y="988151"/>
-            <a:ext cx="5104282" cy="369332"/>
-          </a:xfrm>
-          <a:prstGeom prst="rect">
-            <a:avLst/>
-          </a:prstGeom>
-          <a:noFill/>
-        </p:spPr>
-        <p:txBody>
-          <a:bodyPr wrap="none" rtlCol="0">
-            <a:spAutoFit/>
-          </a:bodyPr>
-          <a:lstStyle/>
-          <a:p>
-            <a:r>
-              <a:rPr lang="ko-KR" altLang="en-US" dirty="0"/>
-              <a:t>바</a:t>
-            </a:r>
-            <a:r>
-              <a:rPr lang="en-US" altLang="ko-KR" dirty="0"/>
-              <a:t>.  </a:t>
-            </a:r>
-            <a:r>
-              <a:rPr lang="ko-KR" altLang="en-US" dirty="0"/>
-              <a:t>실제 데이터 범주형 변환 후 데이터 분포 체크</a:t>
-            </a:r>
-            <a:endParaRPr lang="en-US" altLang="ko-KR" dirty="0"/>
-          </a:p>
-        </p:txBody>
-      </p:sp>
-      <p:pic>
-        <p:nvPicPr>
-          <p:cNvPr id="7" name="그림 6">
-            <a:extLst>
-              <a:ext uri="{FF2B5EF4-FFF2-40B4-BE49-F238E27FC236}">
-                <a16:creationId xmlns:a16="http://schemas.microsoft.com/office/drawing/2014/main" id="{99C379A3-70F7-6361-A43E-64264BDF60AF}"/>
-              </a:ext>
-            </a:extLst>
-          </p:cNvPr>
-          <p:cNvPicPr>
-            <a:picLocks noChangeAspect="1"/>
-          </p:cNvPicPr>
-          <p:nvPr/>
-        </p:nvPicPr>
-        <p:blipFill>
-          <a:blip r:embed="rId2"/>
-          <a:stretch>
-            <a:fillRect/>
-          </a:stretch>
-        </p:blipFill>
-        <p:spPr>
-          <a:xfrm>
-            <a:off x="307651" y="1459158"/>
-            <a:ext cx="5553850" cy="4410691"/>
-          </a:xfrm>
-          <a:prstGeom prst="rect">
-            <a:avLst/>
-          </a:prstGeom>
-        </p:spPr>
-      </p:pic>
-      <p:pic>
-        <p:nvPicPr>
-          <p:cNvPr id="9" name="그림 8">
-            <a:extLst>
-              <a:ext uri="{FF2B5EF4-FFF2-40B4-BE49-F238E27FC236}">
-                <a16:creationId xmlns:a16="http://schemas.microsoft.com/office/drawing/2014/main" id="{F917415D-53D1-3CCF-75D5-4AE3AE972476}"/>
-              </a:ext>
-            </a:extLst>
-          </p:cNvPr>
-          <p:cNvPicPr>
-            <a:picLocks noChangeAspect="1"/>
-          </p:cNvPicPr>
-          <p:nvPr/>
-        </p:nvPicPr>
-        <p:blipFill>
-          <a:blip r:embed="rId3"/>
-          <a:stretch>
-            <a:fillRect/>
-          </a:stretch>
-        </p:blipFill>
-        <p:spPr>
-          <a:xfrm>
-            <a:off x="5861501" y="1789504"/>
-            <a:ext cx="5857596" cy="2928800"/>
-          </a:xfrm>
-          <a:prstGeom prst="rect">
-            <a:avLst/>
-          </a:prstGeom>
-        </p:spPr>
-      </p:pic>
-      <p:sp>
-        <p:nvSpPr>
-          <p:cNvPr id="10" name="TextBox 9">
-            <a:extLst>
-              <a:ext uri="{FF2B5EF4-FFF2-40B4-BE49-F238E27FC236}">
-                <a16:creationId xmlns:a16="http://schemas.microsoft.com/office/drawing/2014/main" id="{713DE148-CC65-D326-733B-70B51A184547}"/>
-              </a:ext>
-            </a:extLst>
-          </p:cNvPr>
-          <p:cNvSpPr txBox="1"/>
-          <p:nvPr/>
-        </p:nvSpPr>
-        <p:spPr>
-          <a:xfrm>
-            <a:off x="413656" y="5971524"/>
-            <a:ext cx="10578409" cy="369332"/>
-          </a:xfrm>
-          <a:prstGeom prst="rect">
-            <a:avLst/>
-          </a:prstGeom>
-          <a:noFill/>
-        </p:spPr>
-        <p:txBody>
-          <a:bodyPr wrap="none" rtlCol="0">
-            <a:spAutoFit/>
-          </a:bodyPr>
-          <a:lstStyle/>
-          <a:p>
-            <a:r>
-              <a:rPr lang="ko-KR" altLang="en-US" dirty="0"/>
-              <a:t>사</a:t>
-            </a:r>
-            <a:r>
-              <a:rPr lang="en-US" altLang="ko-KR" dirty="0"/>
-              <a:t>.  </a:t>
-            </a:r>
-            <a:r>
-              <a:rPr lang="ko-KR" altLang="en-US" dirty="0"/>
-              <a:t>데이터의 불균형은 발생하였으나 절대적인 </a:t>
-            </a:r>
-            <a:r>
-              <a:rPr lang="en-US" altLang="ko-KR" dirty="0"/>
-              <a:t>data</a:t>
-            </a:r>
-            <a:r>
-              <a:rPr lang="ko-KR" altLang="en-US" dirty="0"/>
-              <a:t>의 수가 부족하진 않다고 판단되어 학습을 우선 진행</a:t>
-            </a:r>
-            <a:endParaRPr lang="en-US" altLang="ko-KR" dirty="0"/>
-          </a:p>
-        </p:txBody>
-      </p:sp>
-    </p:spTree>
-    <p:extLst>
-      <p:ext uri="{BB962C8B-B14F-4D97-AF65-F5344CB8AC3E}">
-        <p14:creationId xmlns:p14="http://schemas.microsoft.com/office/powerpoint/2010/main" val="3220798571"/>
-      </p:ext>
-    </p:extLst>
-  </p:cSld>
-  <p:clrMapOvr>
-    <a:masterClrMapping/>
-  </p:clrMapOvr>
-</p:sld>
-</file>
-
-<file path=ppt/slides/slide39.xml><?xml version="1.0" encoding="utf-8"?>
-<p:sld xmlns:a="http://schemas.openxmlformats.org/drawingml/2006/main" xmlns:r="http://schemas.openxmlformats.org/officeDocument/2006/relationships" xmlns:p="http://schemas.openxmlformats.org/presentationml/2006/main">
-  <p:cSld>
-    <p:spTree>
-      <p:nvGrpSpPr>
-        <p:cNvPr id="1" name="">
-          <a:extLst>
-            <a:ext uri="{FF2B5EF4-FFF2-40B4-BE49-F238E27FC236}">
-              <a16:creationId xmlns:a16="http://schemas.microsoft.com/office/drawing/2014/main" id="{E63914E6-20B6-3262-D186-9A8FE65F694C}"/>
-            </a:ext>
-          </a:extLst>
-        </p:cNvPr>
-        <p:cNvGrpSpPr/>
-        <p:nvPr/>
-      </p:nvGrpSpPr>
-      <p:grpSpPr>
-        <a:xfrm>
-          <a:off x="0" y="0"/>
-          <a:ext cx="0" cy="0"/>
-          <a:chOff x="0" y="0"/>
-          <a:chExt cx="0" cy="0"/>
-        </a:xfrm>
-      </p:grpSpPr>
-      <p:sp>
-        <p:nvSpPr>
-          <p:cNvPr id="2" name="직사각형 1">
-            <a:extLst>
-              <a:ext uri="{FF2B5EF4-FFF2-40B4-BE49-F238E27FC236}">
-                <a16:creationId xmlns:a16="http://schemas.microsoft.com/office/drawing/2014/main" id="{689DE3C4-F7DC-3AB7-DA67-B02D60BC5995}"/>
-              </a:ext>
-            </a:extLst>
-          </p:cNvPr>
-          <p:cNvSpPr/>
-          <p:nvPr/>
-        </p:nvSpPr>
-        <p:spPr>
-          <a:xfrm>
-            <a:off x="59871" y="1981200"/>
-            <a:ext cx="12072257" cy="2536372"/>
-          </a:xfrm>
-          <a:prstGeom prst="rect">
-            <a:avLst/>
-          </a:prstGeom>
-          <a:solidFill>
-            <a:schemeClr val="accent2">
-              <a:lumMod val="50000"/>
-            </a:schemeClr>
-          </a:solidFill>
-          <a:ln>
-            <a:noFill/>
-          </a:ln>
-        </p:spPr>
-        <p:style>
-          <a:lnRef idx="2">
-            <a:schemeClr val="accent2">
-              <a:shade val="15000"/>
-            </a:schemeClr>
-          </a:lnRef>
-          <a:fillRef idx="1">
-            <a:schemeClr val="accent2"/>
-          </a:fillRef>
-          <a:effectRef idx="0">
-            <a:schemeClr val="accent2"/>
-          </a:effectRef>
-          <a:fontRef idx="minor">
-            <a:schemeClr val="lt1"/>
-          </a:fontRef>
-        </p:style>
-        <p:txBody>
-          <a:bodyPr rtlCol="0" anchor="ctr"/>
-          <a:lstStyle/>
-          <a:p>
-            <a:pPr algn="ctr"/>
-            <a:r>
-              <a:rPr lang="en-US" altLang="ko-KR" sz="5400" dirty="0">
-                <a:latin typeface="HY헤드라인M" panose="02030600000101010101" pitchFamily="18" charset="-127"/>
-                <a:ea typeface="HY헤드라인M" panose="02030600000101010101" pitchFamily="18" charset="-127"/>
-              </a:rPr>
-              <a:t>2. </a:t>
-            </a:r>
-            <a:r>
-              <a:rPr lang="ko-KR" altLang="en-US" sz="5400" dirty="0">
-                <a:latin typeface="HY헤드라인M" panose="02030600000101010101" pitchFamily="18" charset="-127"/>
-                <a:ea typeface="HY헤드라인M" panose="02030600000101010101" pitchFamily="18" charset="-127"/>
-              </a:rPr>
-              <a:t>모델 결과</a:t>
-            </a:r>
-          </a:p>
-        </p:txBody>
-      </p:sp>
-    </p:spTree>
-    <p:extLst>
-      <p:ext uri="{BB962C8B-B14F-4D97-AF65-F5344CB8AC3E}">
-        <p14:creationId xmlns:p14="http://schemas.microsoft.com/office/powerpoint/2010/main" val="1741825416"/>
       </p:ext>
     </p:extLst>
   </p:cSld>
@@ -12334,7 +12467,7 @@
         <p:cNvPr id="1" name="">
           <a:extLst>
             <a:ext uri="{FF2B5EF4-FFF2-40B4-BE49-F238E27FC236}">
-              <a16:creationId xmlns:a16="http://schemas.microsoft.com/office/drawing/2014/main" id="{1B729513-1C93-7BD5-EBD4-EAD54B52D282}"/>
+              <a16:creationId xmlns:a16="http://schemas.microsoft.com/office/drawing/2014/main" id="{EE553BE2-D487-E93D-B3DF-7062F706C423}"/>
             </a:ext>
           </a:extLst>
         </p:cNvPr>
@@ -12351,10 +12484,10 @@
       </p:grpSpPr>
       <p:sp>
         <p:nvSpPr>
-          <p:cNvPr id="2" name="직사각형 1">
-            <a:extLst>
-              <a:ext uri="{FF2B5EF4-FFF2-40B4-BE49-F238E27FC236}">
-                <a16:creationId xmlns:a16="http://schemas.microsoft.com/office/drawing/2014/main" id="{04C2A5C8-87E6-0C86-945C-AF923CFCF923}"/>
+          <p:cNvPr id="4" name="직사각형 3">
+            <a:extLst>
+              <a:ext uri="{FF2B5EF4-FFF2-40B4-BE49-F238E27FC236}">
+                <a16:creationId xmlns:a16="http://schemas.microsoft.com/office/drawing/2014/main" id="{7069BC3F-EC8F-608C-B313-8DE15DCFDE98}"/>
               </a:ext>
             </a:extLst>
           </p:cNvPr>
@@ -12363,8 +12496,8 @@
         </p:nvSpPr>
         <p:spPr>
           <a:xfrm>
-            <a:off x="59871" y="1981200"/>
-            <a:ext cx="12072257" cy="2536372"/>
+            <a:off x="0" y="0"/>
+            <a:ext cx="12192000" cy="729343"/>
           </a:xfrm>
           <a:prstGeom prst="rect">
             <a:avLst/>
@@ -12398,6 +12531,778 @@
           <a:bodyPr rtlCol="0" anchor="ctr"/>
           <a:lstStyle/>
           <a:p>
+            <a:r>
+              <a:rPr lang="en-US" altLang="ko-KR" sz="4000" dirty="0">
+                <a:latin typeface="HY헤드라인M" panose="02030600000101010101" pitchFamily="18" charset="-127"/>
+                <a:ea typeface="HY헤드라인M" panose="02030600000101010101" pitchFamily="18" charset="-127"/>
+              </a:rPr>
+              <a:t>1. </a:t>
+            </a:r>
+            <a:r>
+              <a:rPr lang="ko-KR" altLang="en-US" sz="4000" dirty="0">
+                <a:latin typeface="HY헤드라인M" panose="02030600000101010101" pitchFamily="18" charset="-127"/>
+                <a:ea typeface="HY헤드라인M" panose="02030600000101010101" pitchFamily="18" charset="-127"/>
+              </a:rPr>
+              <a:t>타겟 변수 범주 설정</a:t>
+            </a:r>
+            <a:r>
+              <a:rPr lang="en-US" altLang="ko-KR" sz="4000" dirty="0">
+                <a:latin typeface="HY헤드라인M" panose="02030600000101010101" pitchFamily="18" charset="-127"/>
+                <a:ea typeface="HY헤드라인M" panose="02030600000101010101" pitchFamily="18" charset="-127"/>
+              </a:rPr>
+              <a:t>(2/3)</a:t>
+            </a:r>
+            <a:endParaRPr lang="ko-KR" altLang="en-US" sz="4000" dirty="0">
+              <a:latin typeface="HY헤드라인M" panose="02030600000101010101" pitchFamily="18" charset="-127"/>
+              <a:ea typeface="HY헤드라인M" panose="02030600000101010101" pitchFamily="18" charset="-127"/>
+            </a:endParaRPr>
+          </a:p>
+        </p:txBody>
+      </p:sp>
+      <p:sp>
+        <p:nvSpPr>
+          <p:cNvPr id="3" name="TextBox 2">
+            <a:extLst>
+              <a:ext uri="{FF2B5EF4-FFF2-40B4-BE49-F238E27FC236}">
+                <a16:creationId xmlns:a16="http://schemas.microsoft.com/office/drawing/2014/main" id="{E1E2962B-D482-A6BB-31D7-2D9F2649DCA1}"/>
+              </a:ext>
+            </a:extLst>
+          </p:cNvPr>
+          <p:cNvSpPr txBox="1"/>
+          <p:nvPr/>
+        </p:nvSpPr>
+        <p:spPr>
+          <a:xfrm>
+            <a:off x="413656" y="988151"/>
+            <a:ext cx="11884600" cy="1200329"/>
+          </a:xfrm>
+          <a:prstGeom prst="rect">
+            <a:avLst/>
+          </a:prstGeom>
+          <a:noFill/>
+        </p:spPr>
+        <p:txBody>
+          <a:bodyPr wrap="none" rtlCol="0">
+            <a:spAutoFit/>
+          </a:bodyPr>
+          <a:lstStyle/>
+          <a:p>
+            <a:r>
+              <a:rPr lang="ko-KR" altLang="en-US" dirty="0"/>
+              <a:t>다</a:t>
+            </a:r>
+            <a:r>
+              <a:rPr lang="en-US" altLang="ko-KR" dirty="0"/>
+              <a:t>.  </a:t>
+            </a:r>
+            <a:r>
+              <a:rPr lang="en-US" altLang="ko-KR" dirty="0" err="1"/>
+              <a:t>Kmeans</a:t>
+            </a:r>
+            <a:r>
+              <a:rPr lang="ko-KR" altLang="en-US" dirty="0"/>
+              <a:t>를 통해 구한 실루엣 계수에 의하면 </a:t>
+            </a:r>
+            <a:r>
+              <a:rPr lang="en-US" altLang="ko-KR" dirty="0"/>
+              <a:t>2 ~ 3</a:t>
+            </a:r>
+            <a:r>
+              <a:rPr lang="ko-KR" altLang="en-US" dirty="0"/>
+              <a:t>개의 군집으로 나누는 것이 양호하지만 </a:t>
+            </a:r>
+            <a:r>
+              <a:rPr lang="en-US" altLang="ko-KR" dirty="0"/>
+              <a:t>PM</a:t>
+            </a:r>
+            <a:r>
+              <a:rPr lang="ko-KR" altLang="en-US" dirty="0"/>
+              <a:t>을 수요에 따라 재배치 </a:t>
+            </a:r>
+            <a:endParaRPr lang="en-US" altLang="ko-KR" dirty="0"/>
+          </a:p>
+          <a:p>
+            <a:r>
+              <a:rPr lang="en-US" altLang="ko-KR" dirty="0"/>
+              <a:t>	</a:t>
+            </a:r>
+            <a:r>
+              <a:rPr lang="ko-KR" altLang="en-US" dirty="0"/>
+              <a:t>하고 사업의 효율성을 위한 모델에는 부적합한 범주</a:t>
+            </a:r>
+            <a:endParaRPr lang="en-US" altLang="ko-KR" dirty="0"/>
+          </a:p>
+          <a:p>
+            <a:endParaRPr lang="en-US" altLang="ko-KR" dirty="0"/>
+          </a:p>
+          <a:p>
+            <a:r>
+              <a:rPr lang="en-US" altLang="ko-KR" dirty="0"/>
+              <a:t>	=&gt; </a:t>
+            </a:r>
+            <a:r>
+              <a:rPr lang="ko-KR" altLang="en-US" dirty="0"/>
+              <a:t>평균이 </a:t>
+            </a:r>
+            <a:r>
+              <a:rPr lang="en-US" altLang="ko-KR" dirty="0"/>
+              <a:t>28</a:t>
+            </a:r>
+            <a:r>
+              <a:rPr lang="ko-KR" altLang="en-US" dirty="0"/>
+              <a:t>이고 </a:t>
+            </a:r>
+            <a:r>
+              <a:rPr lang="en-US" altLang="ko-KR" dirty="0"/>
+              <a:t>Q3</a:t>
+            </a:r>
+            <a:r>
+              <a:rPr lang="ko-KR" altLang="en-US" dirty="0"/>
+              <a:t>가 </a:t>
+            </a:r>
+            <a:r>
+              <a:rPr lang="en-US" altLang="ko-KR" dirty="0"/>
+              <a:t>39</a:t>
+            </a:r>
+            <a:r>
+              <a:rPr lang="ko-KR" altLang="en-US" dirty="0"/>
+              <a:t>인 것을 고려하여 수동 </a:t>
+            </a:r>
+            <a:r>
+              <a:rPr lang="en-US" altLang="ko-KR" dirty="0"/>
+              <a:t>bin </a:t>
+            </a:r>
+            <a:r>
+              <a:rPr lang="ko-KR" altLang="en-US" dirty="0"/>
+              <a:t>배분</a:t>
+            </a:r>
+            <a:endParaRPr lang="en-US" altLang="ko-KR" dirty="0"/>
+          </a:p>
+        </p:txBody>
+      </p:sp>
+      <p:sp>
+        <p:nvSpPr>
+          <p:cNvPr id="5" name="TextBox 4">
+            <a:extLst>
+              <a:ext uri="{FF2B5EF4-FFF2-40B4-BE49-F238E27FC236}">
+                <a16:creationId xmlns:a16="http://schemas.microsoft.com/office/drawing/2014/main" id="{C6E4C930-A380-B467-5346-980ED728A4B2}"/>
+              </a:ext>
+            </a:extLst>
+          </p:cNvPr>
+          <p:cNvSpPr txBox="1"/>
+          <p:nvPr/>
+        </p:nvSpPr>
+        <p:spPr>
+          <a:xfrm>
+            <a:off x="413656" y="2915195"/>
+            <a:ext cx="5860900" cy="1754326"/>
+          </a:xfrm>
+          <a:prstGeom prst="rect">
+            <a:avLst/>
+          </a:prstGeom>
+          <a:noFill/>
+        </p:spPr>
+        <p:txBody>
+          <a:bodyPr wrap="none" rtlCol="0">
+            <a:spAutoFit/>
+          </a:bodyPr>
+          <a:lstStyle/>
+          <a:p>
+            <a:r>
+              <a:rPr lang="ko-KR" altLang="en-US" dirty="0"/>
+              <a:t>라</a:t>
+            </a:r>
+            <a:r>
+              <a:rPr lang="en-US" altLang="ko-KR" dirty="0"/>
+              <a:t>. </a:t>
+            </a:r>
+            <a:r>
+              <a:rPr lang="ko-KR" altLang="en-US" dirty="0"/>
+              <a:t>범주는 </a:t>
+            </a:r>
+            <a:r>
+              <a:rPr lang="en-US" altLang="ko-KR" dirty="0"/>
+              <a:t>4</a:t>
+            </a:r>
+            <a:r>
+              <a:rPr lang="ko-KR" altLang="en-US" dirty="0"/>
+              <a:t>분위 수와 편차를 기준으로 아래와 같이 배분</a:t>
+            </a:r>
+            <a:endParaRPr lang="en-US" altLang="ko-KR" dirty="0"/>
+          </a:p>
+          <a:p>
+            <a:r>
+              <a:rPr lang="en-US" altLang="ko-KR" dirty="0"/>
+              <a:t>	1. 0 ~ 8 : </a:t>
+            </a:r>
+            <a:r>
+              <a:rPr lang="ko-KR" altLang="en-US" dirty="0"/>
+              <a:t>공급 과다 예상</a:t>
+            </a:r>
+            <a:endParaRPr lang="en-US" altLang="ko-KR" dirty="0"/>
+          </a:p>
+          <a:p>
+            <a:r>
+              <a:rPr lang="en-US" altLang="ko-KR" dirty="0"/>
+              <a:t>	2. 9 ~ 38 : </a:t>
+            </a:r>
+            <a:r>
+              <a:rPr lang="ko-KR" altLang="en-US" dirty="0"/>
+              <a:t>공급 평균 예상</a:t>
+            </a:r>
+            <a:endParaRPr lang="en-US" altLang="ko-KR" dirty="0"/>
+          </a:p>
+          <a:p>
+            <a:r>
+              <a:rPr lang="en-US" altLang="ko-KR" dirty="0"/>
+              <a:t>	3. 39 ~ 64 : </a:t>
+            </a:r>
+            <a:r>
+              <a:rPr lang="ko-KR" altLang="en-US" dirty="0"/>
+              <a:t>공급 다소 부족 예상</a:t>
+            </a:r>
+            <a:endParaRPr lang="en-US" altLang="ko-KR" dirty="0"/>
+          </a:p>
+          <a:p>
+            <a:r>
+              <a:rPr lang="en-US" altLang="ko-KR" dirty="0"/>
+              <a:t>	4. 65 ~ 90 : </a:t>
+            </a:r>
+            <a:r>
+              <a:rPr lang="ko-KR" altLang="en-US" dirty="0"/>
+              <a:t>공급 부족 예상</a:t>
+            </a:r>
+            <a:endParaRPr lang="en-US" altLang="ko-KR" dirty="0"/>
+          </a:p>
+          <a:p>
+            <a:r>
+              <a:rPr lang="en-US" altLang="ko-KR" dirty="0"/>
+              <a:t>	5. 90 + </a:t>
+            </a:r>
+            <a:r>
+              <a:rPr lang="ko-KR" altLang="en-US" dirty="0"/>
+              <a:t>공급 절대 부족 예상</a:t>
+            </a:r>
+            <a:endParaRPr lang="en-US" altLang="ko-KR" dirty="0"/>
+          </a:p>
+        </p:txBody>
+      </p:sp>
+      <p:sp>
+        <p:nvSpPr>
+          <p:cNvPr id="6" name="TextBox 5">
+            <a:extLst>
+              <a:ext uri="{FF2B5EF4-FFF2-40B4-BE49-F238E27FC236}">
+                <a16:creationId xmlns:a16="http://schemas.microsoft.com/office/drawing/2014/main" id="{73E2264C-780D-4090-DE63-D797322F9257}"/>
+              </a:ext>
+            </a:extLst>
+          </p:cNvPr>
+          <p:cNvSpPr txBox="1"/>
+          <p:nvPr/>
+        </p:nvSpPr>
+        <p:spPr>
+          <a:xfrm>
+            <a:off x="413656" y="5685183"/>
+            <a:ext cx="10580140" cy="369332"/>
+          </a:xfrm>
+          <a:prstGeom prst="rect">
+            <a:avLst/>
+          </a:prstGeom>
+          <a:noFill/>
+        </p:spPr>
+        <p:txBody>
+          <a:bodyPr wrap="none" rtlCol="0">
+            <a:spAutoFit/>
+          </a:bodyPr>
+          <a:lstStyle/>
+          <a:p>
+            <a:r>
+              <a:rPr lang="ko-KR" altLang="en-US" dirty="0"/>
+              <a:t>마</a:t>
+            </a:r>
+            <a:r>
+              <a:rPr lang="en-US" altLang="ko-KR" dirty="0"/>
+              <a:t>. </a:t>
+            </a:r>
+            <a:r>
+              <a:rPr lang="ko-KR" altLang="en-US" dirty="0"/>
+              <a:t>실제로 수요에 따라 공급을 재조정 해야 하는 단계는 </a:t>
+            </a:r>
+            <a:r>
+              <a:rPr lang="ko-KR" altLang="en-US" b="1" dirty="0"/>
+              <a:t>공급 부족 예상 </a:t>
+            </a:r>
+            <a:r>
+              <a:rPr lang="en-US" altLang="ko-KR" b="1" dirty="0"/>
+              <a:t>class</a:t>
+            </a:r>
+            <a:r>
+              <a:rPr lang="ko-KR" altLang="en-US" b="1" dirty="0"/>
+              <a:t>와 공급 절대 부족 예상 </a:t>
+            </a:r>
+            <a:r>
+              <a:rPr lang="en-US" altLang="ko-KR" b="1" dirty="0"/>
+              <a:t>class</a:t>
+            </a:r>
+          </a:p>
+        </p:txBody>
+      </p:sp>
+    </p:spTree>
+    <p:extLst>
+      <p:ext uri="{BB962C8B-B14F-4D97-AF65-F5344CB8AC3E}">
+        <p14:creationId xmlns:p14="http://schemas.microsoft.com/office/powerpoint/2010/main" val="1227876839"/>
+      </p:ext>
+    </p:extLst>
+  </p:cSld>
+  <p:clrMapOvr>
+    <a:masterClrMapping/>
+  </p:clrMapOvr>
+</p:sld>
+</file>
+
+<file path=ppt/slides/slide41.xml><?xml version="1.0" encoding="utf-8"?>
+<p:sld xmlns:a="http://schemas.openxmlformats.org/drawingml/2006/main" xmlns:r="http://schemas.openxmlformats.org/officeDocument/2006/relationships" xmlns:p="http://schemas.openxmlformats.org/presentationml/2006/main">
+  <p:cSld>
+    <p:spTree>
+      <p:nvGrpSpPr>
+        <p:cNvPr id="1" name="">
+          <a:extLst>
+            <a:ext uri="{FF2B5EF4-FFF2-40B4-BE49-F238E27FC236}">
+              <a16:creationId xmlns:a16="http://schemas.microsoft.com/office/drawing/2014/main" id="{97E808E2-9997-F573-A76B-18E67AC50EAD}"/>
+            </a:ext>
+          </a:extLst>
+        </p:cNvPr>
+        <p:cNvGrpSpPr/>
+        <p:nvPr/>
+      </p:nvGrpSpPr>
+      <p:grpSpPr>
+        <a:xfrm>
+          <a:off x="0" y="0"/>
+          <a:ext cx="0" cy="0"/>
+          <a:chOff x="0" y="0"/>
+          <a:chExt cx="0" cy="0"/>
+        </a:xfrm>
+      </p:grpSpPr>
+      <p:sp>
+        <p:nvSpPr>
+          <p:cNvPr id="4" name="직사각형 3">
+            <a:extLst>
+              <a:ext uri="{FF2B5EF4-FFF2-40B4-BE49-F238E27FC236}">
+                <a16:creationId xmlns:a16="http://schemas.microsoft.com/office/drawing/2014/main" id="{71D01A5B-9F31-7580-939A-B0ABC60D0DDE}"/>
+              </a:ext>
+            </a:extLst>
+          </p:cNvPr>
+          <p:cNvSpPr/>
+          <p:nvPr/>
+        </p:nvSpPr>
+        <p:spPr>
+          <a:xfrm>
+            <a:off x="0" y="0"/>
+            <a:ext cx="12192000" cy="729343"/>
+          </a:xfrm>
+          <a:prstGeom prst="rect">
+            <a:avLst/>
+          </a:prstGeom>
+          <a:solidFill>
+            <a:schemeClr val="accent2">
+              <a:lumMod val="50000"/>
+            </a:schemeClr>
+          </a:solidFill>
+          <a:ln>
+            <a:noFill/>
+          </a:ln>
+        </p:spPr>
+        <p:style>
+          <a:lnRef idx="2">
+            <a:schemeClr val="accent2">
+              <a:shade val="15000"/>
+            </a:schemeClr>
+          </a:lnRef>
+          <a:fillRef idx="1">
+            <a:schemeClr val="accent2"/>
+          </a:fillRef>
+          <a:effectRef idx="0">
+            <a:schemeClr val="accent2"/>
+          </a:effectRef>
+          <a:fontRef idx="minor">
+            <a:schemeClr val="lt1"/>
+          </a:fontRef>
+        </p:style>
+        <p:txBody>
+          <a:bodyPr rtlCol="0" anchor="ctr"/>
+          <a:lstStyle/>
+          <a:p>
+            <a:r>
+              <a:rPr lang="en-US" altLang="ko-KR" sz="4000" dirty="0">
+                <a:latin typeface="HY헤드라인M" panose="02030600000101010101" pitchFamily="18" charset="-127"/>
+                <a:ea typeface="HY헤드라인M" panose="02030600000101010101" pitchFamily="18" charset="-127"/>
+              </a:rPr>
+              <a:t>1. </a:t>
+            </a:r>
+            <a:r>
+              <a:rPr lang="ko-KR" altLang="en-US" sz="4000" dirty="0">
+                <a:latin typeface="HY헤드라인M" panose="02030600000101010101" pitchFamily="18" charset="-127"/>
+                <a:ea typeface="HY헤드라인M" panose="02030600000101010101" pitchFamily="18" charset="-127"/>
+              </a:rPr>
+              <a:t>타겟 변수 범주 설정</a:t>
+            </a:r>
+            <a:r>
+              <a:rPr lang="en-US" altLang="ko-KR" sz="4000" dirty="0">
+                <a:latin typeface="HY헤드라인M" panose="02030600000101010101" pitchFamily="18" charset="-127"/>
+                <a:ea typeface="HY헤드라인M" panose="02030600000101010101" pitchFamily="18" charset="-127"/>
+              </a:rPr>
+              <a:t>(3/3)</a:t>
+            </a:r>
+            <a:endParaRPr lang="ko-KR" altLang="en-US" sz="4000" dirty="0">
+              <a:latin typeface="HY헤드라인M" panose="02030600000101010101" pitchFamily="18" charset="-127"/>
+              <a:ea typeface="HY헤드라인M" panose="02030600000101010101" pitchFamily="18" charset="-127"/>
+            </a:endParaRPr>
+          </a:p>
+        </p:txBody>
+      </p:sp>
+      <p:sp>
+        <p:nvSpPr>
+          <p:cNvPr id="3" name="TextBox 2">
+            <a:extLst>
+              <a:ext uri="{FF2B5EF4-FFF2-40B4-BE49-F238E27FC236}">
+                <a16:creationId xmlns:a16="http://schemas.microsoft.com/office/drawing/2014/main" id="{B842E9F2-B5ED-6863-06E6-FE5ED7D8C71C}"/>
+              </a:ext>
+            </a:extLst>
+          </p:cNvPr>
+          <p:cNvSpPr txBox="1"/>
+          <p:nvPr/>
+        </p:nvSpPr>
+        <p:spPr>
+          <a:xfrm>
+            <a:off x="413656" y="988151"/>
+            <a:ext cx="5104282" cy="369332"/>
+          </a:xfrm>
+          <a:prstGeom prst="rect">
+            <a:avLst/>
+          </a:prstGeom>
+          <a:noFill/>
+        </p:spPr>
+        <p:txBody>
+          <a:bodyPr wrap="none" rtlCol="0">
+            <a:spAutoFit/>
+          </a:bodyPr>
+          <a:lstStyle/>
+          <a:p>
+            <a:r>
+              <a:rPr lang="ko-KR" altLang="en-US" dirty="0"/>
+              <a:t>바</a:t>
+            </a:r>
+            <a:r>
+              <a:rPr lang="en-US" altLang="ko-KR" dirty="0"/>
+              <a:t>.  </a:t>
+            </a:r>
+            <a:r>
+              <a:rPr lang="ko-KR" altLang="en-US" dirty="0"/>
+              <a:t>실제 데이터 범주형 변환 후 데이터 분포 체크</a:t>
+            </a:r>
+            <a:endParaRPr lang="en-US" altLang="ko-KR" dirty="0"/>
+          </a:p>
+        </p:txBody>
+      </p:sp>
+      <p:pic>
+        <p:nvPicPr>
+          <p:cNvPr id="7" name="그림 6">
+            <a:extLst>
+              <a:ext uri="{FF2B5EF4-FFF2-40B4-BE49-F238E27FC236}">
+                <a16:creationId xmlns:a16="http://schemas.microsoft.com/office/drawing/2014/main" id="{99C379A3-70F7-6361-A43E-64264BDF60AF}"/>
+              </a:ext>
+            </a:extLst>
+          </p:cNvPr>
+          <p:cNvPicPr>
+            <a:picLocks noChangeAspect="1"/>
+          </p:cNvPicPr>
+          <p:nvPr/>
+        </p:nvPicPr>
+        <p:blipFill>
+          <a:blip r:embed="rId2"/>
+          <a:stretch>
+            <a:fillRect/>
+          </a:stretch>
+        </p:blipFill>
+        <p:spPr>
+          <a:xfrm>
+            <a:off x="307651" y="1459158"/>
+            <a:ext cx="5553850" cy="4410691"/>
+          </a:xfrm>
+          <a:prstGeom prst="rect">
+            <a:avLst/>
+          </a:prstGeom>
+        </p:spPr>
+      </p:pic>
+      <p:pic>
+        <p:nvPicPr>
+          <p:cNvPr id="9" name="그림 8">
+            <a:extLst>
+              <a:ext uri="{FF2B5EF4-FFF2-40B4-BE49-F238E27FC236}">
+                <a16:creationId xmlns:a16="http://schemas.microsoft.com/office/drawing/2014/main" id="{F917415D-53D1-3CCF-75D5-4AE3AE972476}"/>
+              </a:ext>
+            </a:extLst>
+          </p:cNvPr>
+          <p:cNvPicPr>
+            <a:picLocks noChangeAspect="1"/>
+          </p:cNvPicPr>
+          <p:nvPr/>
+        </p:nvPicPr>
+        <p:blipFill>
+          <a:blip r:embed="rId3"/>
+          <a:stretch>
+            <a:fillRect/>
+          </a:stretch>
+        </p:blipFill>
+        <p:spPr>
+          <a:xfrm>
+            <a:off x="5861501" y="1789504"/>
+            <a:ext cx="5857596" cy="2928800"/>
+          </a:xfrm>
+          <a:prstGeom prst="rect">
+            <a:avLst/>
+          </a:prstGeom>
+        </p:spPr>
+      </p:pic>
+      <p:sp>
+        <p:nvSpPr>
+          <p:cNvPr id="10" name="TextBox 9">
+            <a:extLst>
+              <a:ext uri="{FF2B5EF4-FFF2-40B4-BE49-F238E27FC236}">
+                <a16:creationId xmlns:a16="http://schemas.microsoft.com/office/drawing/2014/main" id="{713DE148-CC65-D326-733B-70B51A184547}"/>
+              </a:ext>
+            </a:extLst>
+          </p:cNvPr>
+          <p:cNvSpPr txBox="1"/>
+          <p:nvPr/>
+        </p:nvSpPr>
+        <p:spPr>
+          <a:xfrm>
+            <a:off x="413656" y="5971524"/>
+            <a:ext cx="10578409" cy="369332"/>
+          </a:xfrm>
+          <a:prstGeom prst="rect">
+            <a:avLst/>
+          </a:prstGeom>
+          <a:noFill/>
+        </p:spPr>
+        <p:txBody>
+          <a:bodyPr wrap="none" rtlCol="0">
+            <a:spAutoFit/>
+          </a:bodyPr>
+          <a:lstStyle/>
+          <a:p>
+            <a:r>
+              <a:rPr lang="ko-KR" altLang="en-US" dirty="0"/>
+              <a:t>사</a:t>
+            </a:r>
+            <a:r>
+              <a:rPr lang="en-US" altLang="ko-KR" dirty="0"/>
+              <a:t>.  </a:t>
+            </a:r>
+            <a:r>
+              <a:rPr lang="ko-KR" altLang="en-US" dirty="0"/>
+              <a:t>데이터의 불균형은 발생하였으나 절대적인 </a:t>
+            </a:r>
+            <a:r>
+              <a:rPr lang="en-US" altLang="ko-KR" dirty="0"/>
+              <a:t>data</a:t>
+            </a:r>
+            <a:r>
+              <a:rPr lang="ko-KR" altLang="en-US" dirty="0"/>
+              <a:t>의 수가 부족하진 않다고 판단되어 학습을 우선 진행</a:t>
+            </a:r>
+            <a:endParaRPr lang="en-US" altLang="ko-KR" dirty="0"/>
+          </a:p>
+        </p:txBody>
+      </p:sp>
+    </p:spTree>
+    <p:extLst>
+      <p:ext uri="{BB962C8B-B14F-4D97-AF65-F5344CB8AC3E}">
+        <p14:creationId xmlns:p14="http://schemas.microsoft.com/office/powerpoint/2010/main" val="3220798571"/>
+      </p:ext>
+    </p:extLst>
+  </p:cSld>
+  <p:clrMapOvr>
+    <a:masterClrMapping/>
+  </p:clrMapOvr>
+</p:sld>
+</file>
+
+<file path=ppt/slides/slide42.xml><?xml version="1.0" encoding="utf-8"?>
+<p:sld xmlns:a="http://schemas.openxmlformats.org/drawingml/2006/main" xmlns:r="http://schemas.openxmlformats.org/officeDocument/2006/relationships" xmlns:p="http://schemas.openxmlformats.org/presentationml/2006/main">
+  <p:cSld>
+    <p:spTree>
+      <p:nvGrpSpPr>
+        <p:cNvPr id="1" name="">
+          <a:extLst>
+            <a:ext uri="{FF2B5EF4-FFF2-40B4-BE49-F238E27FC236}">
+              <a16:creationId xmlns:a16="http://schemas.microsoft.com/office/drawing/2014/main" id="{E63914E6-20B6-3262-D186-9A8FE65F694C}"/>
+            </a:ext>
+          </a:extLst>
+        </p:cNvPr>
+        <p:cNvGrpSpPr/>
+        <p:nvPr/>
+      </p:nvGrpSpPr>
+      <p:grpSpPr>
+        <a:xfrm>
+          <a:off x="0" y="0"/>
+          <a:ext cx="0" cy="0"/>
+          <a:chOff x="0" y="0"/>
+          <a:chExt cx="0" cy="0"/>
+        </a:xfrm>
+      </p:grpSpPr>
+      <p:sp>
+        <p:nvSpPr>
+          <p:cNvPr id="2" name="직사각형 1">
+            <a:extLst>
+              <a:ext uri="{FF2B5EF4-FFF2-40B4-BE49-F238E27FC236}">
+                <a16:creationId xmlns:a16="http://schemas.microsoft.com/office/drawing/2014/main" id="{689DE3C4-F7DC-3AB7-DA67-B02D60BC5995}"/>
+              </a:ext>
+            </a:extLst>
+          </p:cNvPr>
+          <p:cNvSpPr/>
+          <p:nvPr/>
+        </p:nvSpPr>
+        <p:spPr>
+          <a:xfrm>
+            <a:off x="59871" y="1981200"/>
+            <a:ext cx="12072257" cy="2536372"/>
+          </a:xfrm>
+          <a:prstGeom prst="rect">
+            <a:avLst/>
+          </a:prstGeom>
+          <a:solidFill>
+            <a:schemeClr val="accent2">
+              <a:lumMod val="50000"/>
+            </a:schemeClr>
+          </a:solidFill>
+          <a:ln>
+            <a:noFill/>
+          </a:ln>
+        </p:spPr>
+        <p:style>
+          <a:lnRef idx="2">
+            <a:schemeClr val="accent2">
+              <a:shade val="15000"/>
+            </a:schemeClr>
+          </a:lnRef>
+          <a:fillRef idx="1">
+            <a:schemeClr val="accent2"/>
+          </a:fillRef>
+          <a:effectRef idx="0">
+            <a:schemeClr val="accent2"/>
+          </a:effectRef>
+          <a:fontRef idx="minor">
+            <a:schemeClr val="lt1"/>
+          </a:fontRef>
+        </p:style>
+        <p:txBody>
+          <a:bodyPr rtlCol="0" anchor="ctr"/>
+          <a:lstStyle/>
+          <a:p>
+            <a:pPr algn="ctr"/>
+            <a:r>
+              <a:rPr lang="en-US" altLang="ko-KR" sz="5400" dirty="0">
+                <a:latin typeface="HY헤드라인M" panose="02030600000101010101" pitchFamily="18" charset="-127"/>
+                <a:ea typeface="HY헤드라인M" panose="02030600000101010101" pitchFamily="18" charset="-127"/>
+              </a:rPr>
+              <a:t>2. </a:t>
+            </a:r>
+            <a:r>
+              <a:rPr lang="ko-KR" altLang="en-US" sz="5400" dirty="0">
+                <a:latin typeface="HY헤드라인M" panose="02030600000101010101" pitchFamily="18" charset="-127"/>
+                <a:ea typeface="HY헤드라인M" panose="02030600000101010101" pitchFamily="18" charset="-127"/>
+              </a:rPr>
+              <a:t>모델 결과</a:t>
+            </a:r>
+          </a:p>
+        </p:txBody>
+      </p:sp>
+    </p:spTree>
+    <p:extLst>
+      <p:ext uri="{BB962C8B-B14F-4D97-AF65-F5344CB8AC3E}">
+        <p14:creationId xmlns:p14="http://schemas.microsoft.com/office/powerpoint/2010/main" val="1741825416"/>
+      </p:ext>
+    </p:extLst>
+  </p:cSld>
+  <p:clrMapOvr>
+    <a:masterClrMapping/>
+  </p:clrMapOvr>
+</p:sld>
+</file>
+
+<file path=ppt/slides/slide43.xml><?xml version="1.0" encoding="utf-8"?>
+<p:sld xmlns:a="http://schemas.openxmlformats.org/drawingml/2006/main" xmlns:r="http://schemas.openxmlformats.org/officeDocument/2006/relationships" xmlns:p="http://schemas.openxmlformats.org/presentationml/2006/main">
+  <p:cSld>
+    <p:spTree>
+      <p:nvGrpSpPr>
+        <p:cNvPr id="1" name="">
+          <a:extLst>
+            <a:ext uri="{FF2B5EF4-FFF2-40B4-BE49-F238E27FC236}">
+              <a16:creationId xmlns:a16="http://schemas.microsoft.com/office/drawing/2014/main" id="{1B729513-1C93-7BD5-EBD4-EAD54B52D282}"/>
+            </a:ext>
+          </a:extLst>
+        </p:cNvPr>
+        <p:cNvGrpSpPr/>
+        <p:nvPr/>
+      </p:nvGrpSpPr>
+      <p:grpSpPr>
+        <a:xfrm>
+          <a:off x="0" y="0"/>
+          <a:ext cx="0" cy="0"/>
+          <a:chOff x="0" y="0"/>
+          <a:chExt cx="0" cy="0"/>
+        </a:xfrm>
+      </p:grpSpPr>
+      <p:sp>
+        <p:nvSpPr>
+          <p:cNvPr id="2" name="직사각형 1">
+            <a:extLst>
+              <a:ext uri="{FF2B5EF4-FFF2-40B4-BE49-F238E27FC236}">
+                <a16:creationId xmlns:a16="http://schemas.microsoft.com/office/drawing/2014/main" id="{04C2A5C8-87E6-0C86-945C-AF923CFCF923}"/>
+              </a:ext>
+            </a:extLst>
+          </p:cNvPr>
+          <p:cNvSpPr/>
+          <p:nvPr/>
+        </p:nvSpPr>
+        <p:spPr>
+          <a:xfrm>
+            <a:off x="59871" y="1981200"/>
+            <a:ext cx="12072257" cy="2536372"/>
+          </a:xfrm>
+          <a:prstGeom prst="rect">
+            <a:avLst/>
+          </a:prstGeom>
+          <a:solidFill>
+            <a:schemeClr val="accent2">
+              <a:lumMod val="50000"/>
+            </a:schemeClr>
+          </a:solidFill>
+          <a:ln>
+            <a:noFill/>
+          </a:ln>
+        </p:spPr>
+        <p:style>
+          <a:lnRef idx="2">
+            <a:schemeClr val="accent2">
+              <a:shade val="15000"/>
+            </a:schemeClr>
+          </a:lnRef>
+          <a:fillRef idx="1">
+            <a:schemeClr val="accent2"/>
+          </a:fillRef>
+          <a:effectRef idx="0">
+            <a:schemeClr val="accent2"/>
+          </a:effectRef>
+          <a:fontRef idx="minor">
+            <a:schemeClr val="lt1"/>
+          </a:fontRef>
+        </p:style>
+        <p:txBody>
+          <a:bodyPr rtlCol="0" anchor="ctr"/>
+          <a:lstStyle/>
+          <a:p>
             <a:pPr algn="ctr"/>
             <a:r>
               <a:rPr lang="en-US" altLang="ko-KR" sz="5400" dirty="0">
@@ -12429,7 +13334,7 @@
 </p:sld>
 </file>
 
-<file path=ppt/slides/slide41.xml><?xml version="1.0" encoding="utf-8"?>
+<file path=ppt/slides/slide44.xml><?xml version="1.0" encoding="utf-8"?>
 <p:sld xmlns:a="http://schemas.openxmlformats.org/drawingml/2006/main" xmlns:r="http://schemas.openxmlformats.org/officeDocument/2006/relationships" xmlns:p="http://schemas.openxmlformats.org/presentationml/2006/main">
   <p:cSld>
     <p:spTree>
@@ -12712,7 +13617,7 @@
 </p:sld>
 </file>
 
-<file path=ppt/slides/slide42.xml><?xml version="1.0" encoding="utf-8"?>
+<file path=ppt/slides/slide45.xml><?xml version="1.0" encoding="utf-8"?>
 <p:sld xmlns:a="http://schemas.openxmlformats.org/drawingml/2006/main" xmlns:r="http://schemas.openxmlformats.org/officeDocument/2006/relationships" xmlns:p="http://schemas.openxmlformats.org/presentationml/2006/main">
   <p:cSld>
     <p:spTree>
@@ -13003,7 +13908,7 @@
 </p:sld>
 </file>
 
-<file path=ppt/slides/slide43.xml><?xml version="1.0" encoding="utf-8"?>
+<file path=ppt/slides/slide46.xml><?xml version="1.0" encoding="utf-8"?>
 <p:sld xmlns:a="http://schemas.openxmlformats.org/drawingml/2006/main" xmlns:r="http://schemas.openxmlformats.org/officeDocument/2006/relationships" xmlns:p="http://schemas.openxmlformats.org/presentationml/2006/main">
   <p:cSld>
     <p:spTree>
@@ -13113,7 +14018,7 @@
 </p:sld>
 </file>
 
-<file path=ppt/slides/slide44.xml><?xml version="1.0" encoding="utf-8"?>
+<file path=ppt/slides/slide47.xml><?xml version="1.0" encoding="utf-8"?>
 <p:sld xmlns:a="http://schemas.openxmlformats.org/drawingml/2006/main" xmlns:r="http://schemas.openxmlformats.org/officeDocument/2006/relationships" xmlns:p="http://schemas.openxmlformats.org/presentationml/2006/main">
   <p:cSld>
     <p:spTree>
@@ -13223,7 +14128,7 @@
 </p:sld>
 </file>
 
-<file path=ppt/slides/slide45.xml><?xml version="1.0" encoding="utf-8"?>
+<file path=ppt/slides/slide48.xml><?xml version="1.0" encoding="utf-8"?>
 <p:sld xmlns:a="http://schemas.openxmlformats.org/drawingml/2006/main" xmlns:r="http://schemas.openxmlformats.org/officeDocument/2006/relationships" xmlns:p="http://schemas.openxmlformats.org/presentationml/2006/main">
   <p:cSld>
     <p:spTree>
@@ -13607,7 +14512,7 @@
 </p:sld>
 </file>
 
-<file path=ppt/slides/slide46.xml><?xml version="1.0" encoding="utf-8"?>
+<file path=ppt/slides/slide49.xml><?xml version="1.0" encoding="utf-8"?>
 <p:sld xmlns:a="http://schemas.openxmlformats.org/drawingml/2006/main" xmlns:r="http://schemas.openxmlformats.org/officeDocument/2006/relationships" xmlns:p="http://schemas.openxmlformats.org/presentationml/2006/main">
   <p:cSld>
     <p:spTree>
@@ -13993,828 +14898,6 @@
     <p:extLst>
       <p:ext uri="{BB962C8B-B14F-4D97-AF65-F5344CB8AC3E}">
         <p14:creationId xmlns:p14="http://schemas.microsoft.com/office/powerpoint/2010/main" val="531453212"/>
-      </p:ext>
-    </p:extLst>
-  </p:cSld>
-  <p:clrMapOvr>
-    <a:masterClrMapping/>
-  </p:clrMapOvr>
-</p:sld>
-</file>
-
-<file path=ppt/slides/slide47.xml><?xml version="1.0" encoding="utf-8"?>
-<p:sld xmlns:a="http://schemas.openxmlformats.org/drawingml/2006/main" xmlns:r="http://schemas.openxmlformats.org/officeDocument/2006/relationships" xmlns:p="http://schemas.openxmlformats.org/presentationml/2006/main">
-  <p:cSld>
-    <p:spTree>
-      <p:nvGrpSpPr>
-        <p:cNvPr id="1" name="">
-          <a:extLst>
-            <a:ext uri="{FF2B5EF4-FFF2-40B4-BE49-F238E27FC236}">
-              <a16:creationId xmlns:a16="http://schemas.microsoft.com/office/drawing/2014/main" id="{C81E563D-73A0-EB23-6E4D-0842C9069027}"/>
-            </a:ext>
-          </a:extLst>
-        </p:cNvPr>
-        <p:cNvGrpSpPr/>
-        <p:nvPr/>
-      </p:nvGrpSpPr>
-      <p:grpSpPr>
-        <a:xfrm>
-          <a:off x="0" y="0"/>
-          <a:ext cx="0" cy="0"/>
-          <a:chOff x="0" y="0"/>
-          <a:chExt cx="0" cy="0"/>
-        </a:xfrm>
-      </p:grpSpPr>
-      <p:sp>
-        <p:nvSpPr>
-          <p:cNvPr id="2" name="직사각형 1">
-            <a:extLst>
-              <a:ext uri="{FF2B5EF4-FFF2-40B4-BE49-F238E27FC236}">
-                <a16:creationId xmlns:a16="http://schemas.microsoft.com/office/drawing/2014/main" id="{BFD43649-BACD-D47E-42B0-E76D9DDD147E}"/>
-              </a:ext>
-            </a:extLst>
-          </p:cNvPr>
-          <p:cNvSpPr/>
-          <p:nvPr/>
-        </p:nvSpPr>
-        <p:spPr>
-          <a:xfrm>
-            <a:off x="59871" y="1981200"/>
-            <a:ext cx="12072257" cy="2536372"/>
-          </a:xfrm>
-          <a:prstGeom prst="rect">
-            <a:avLst/>
-          </a:prstGeom>
-          <a:solidFill>
-            <a:schemeClr val="accent2">
-              <a:lumMod val="50000"/>
-            </a:schemeClr>
-          </a:solidFill>
-          <a:ln>
-            <a:noFill/>
-          </a:ln>
-        </p:spPr>
-        <p:style>
-          <a:lnRef idx="2">
-            <a:schemeClr val="accent2">
-              <a:shade val="15000"/>
-            </a:schemeClr>
-          </a:lnRef>
-          <a:fillRef idx="1">
-            <a:schemeClr val="accent2"/>
-          </a:fillRef>
-          <a:effectRef idx="0">
-            <a:schemeClr val="accent2"/>
-          </a:effectRef>
-          <a:fontRef idx="minor">
-            <a:schemeClr val="lt1"/>
-          </a:fontRef>
-        </p:style>
-        <p:txBody>
-          <a:bodyPr rtlCol="0" anchor="ctr"/>
-          <a:lstStyle/>
-          <a:p>
-            <a:pPr algn="ctr"/>
-            <a:r>
-              <a:rPr lang="en-US" altLang="ko-KR" sz="5400" dirty="0">
-                <a:latin typeface="HY헤드라인M" panose="02030600000101010101" pitchFamily="18" charset="-127"/>
-                <a:ea typeface="HY헤드라인M" panose="02030600000101010101" pitchFamily="18" charset="-127"/>
-              </a:rPr>
-              <a:t>2-2. </a:t>
-            </a:r>
-            <a:r>
-              <a:rPr lang="ko-KR" altLang="en-US" sz="5400" dirty="0" err="1">
-                <a:latin typeface="HY헤드라인M" panose="02030600000101010101" pitchFamily="18" charset="-127"/>
-                <a:ea typeface="HY헤드라인M" panose="02030600000101010101" pitchFamily="18" charset="-127"/>
-              </a:rPr>
-              <a:t>머신러닝</a:t>
-            </a:r>
-            <a:r>
-              <a:rPr lang="ko-KR" altLang="en-US" sz="5400" dirty="0">
-                <a:latin typeface="HY헤드라인M" panose="02030600000101010101" pitchFamily="18" charset="-127"/>
-                <a:ea typeface="HY헤드라인M" panose="02030600000101010101" pitchFamily="18" charset="-127"/>
-              </a:rPr>
-              <a:t> 모델 결과</a:t>
-            </a:r>
-          </a:p>
-        </p:txBody>
-      </p:sp>
-    </p:spTree>
-    <p:extLst>
-      <p:ext uri="{BB962C8B-B14F-4D97-AF65-F5344CB8AC3E}">
-        <p14:creationId xmlns:p14="http://schemas.microsoft.com/office/powerpoint/2010/main" val="2567963646"/>
-      </p:ext>
-    </p:extLst>
-  </p:cSld>
-  <p:clrMapOvr>
-    <a:masterClrMapping/>
-  </p:clrMapOvr>
-</p:sld>
-</file>
-
-<file path=ppt/slides/slide48.xml><?xml version="1.0" encoding="utf-8"?>
-<p:sld xmlns:a="http://schemas.openxmlformats.org/drawingml/2006/main" xmlns:r="http://schemas.openxmlformats.org/officeDocument/2006/relationships" xmlns:p="http://schemas.openxmlformats.org/presentationml/2006/main">
-  <p:cSld>
-    <p:spTree>
-      <p:nvGrpSpPr>
-        <p:cNvPr id="1" name="">
-          <a:extLst>
-            <a:ext uri="{FF2B5EF4-FFF2-40B4-BE49-F238E27FC236}">
-              <a16:creationId xmlns:a16="http://schemas.microsoft.com/office/drawing/2014/main" id="{65D978A2-71E6-E14C-9AC4-F998E8F9A90E}"/>
-            </a:ext>
-          </a:extLst>
-        </p:cNvPr>
-        <p:cNvGrpSpPr/>
-        <p:nvPr/>
-      </p:nvGrpSpPr>
-      <p:grpSpPr>
-        <a:xfrm>
-          <a:off x="0" y="0"/>
-          <a:ext cx="0" cy="0"/>
-          <a:chOff x="0" y="0"/>
-          <a:chExt cx="0" cy="0"/>
-        </a:xfrm>
-      </p:grpSpPr>
-      <p:sp>
-        <p:nvSpPr>
-          <p:cNvPr id="4" name="직사각형 3">
-            <a:extLst>
-              <a:ext uri="{FF2B5EF4-FFF2-40B4-BE49-F238E27FC236}">
-                <a16:creationId xmlns:a16="http://schemas.microsoft.com/office/drawing/2014/main" id="{D2827F5A-5A72-7241-3246-6790A4832E5B}"/>
-              </a:ext>
-            </a:extLst>
-          </p:cNvPr>
-          <p:cNvSpPr/>
-          <p:nvPr/>
-        </p:nvSpPr>
-        <p:spPr>
-          <a:xfrm>
-            <a:off x="0" y="-42173"/>
-            <a:ext cx="12192000" cy="729343"/>
-          </a:xfrm>
-          <a:prstGeom prst="rect">
-            <a:avLst/>
-          </a:prstGeom>
-          <a:solidFill>
-            <a:schemeClr val="accent2">
-              <a:lumMod val="50000"/>
-            </a:schemeClr>
-          </a:solidFill>
-          <a:ln>
-            <a:noFill/>
-          </a:ln>
-        </p:spPr>
-        <p:style>
-          <a:lnRef idx="2">
-            <a:schemeClr val="accent2">
-              <a:shade val="15000"/>
-            </a:schemeClr>
-          </a:lnRef>
-          <a:fillRef idx="1">
-            <a:schemeClr val="accent2"/>
-          </a:fillRef>
-          <a:effectRef idx="0">
-            <a:schemeClr val="accent2"/>
-          </a:effectRef>
-          <a:fontRef idx="minor">
-            <a:schemeClr val="lt1"/>
-          </a:fontRef>
-        </p:style>
-        <p:txBody>
-          <a:bodyPr rtlCol="0" anchor="ctr"/>
-          <a:lstStyle/>
-          <a:p>
-            <a:r>
-              <a:rPr lang="en-US" altLang="ko-KR" sz="4000" dirty="0">
-                <a:latin typeface="HY헤드라인M" panose="02030600000101010101" pitchFamily="18" charset="-127"/>
-                <a:ea typeface="HY헤드라인M" panose="02030600000101010101" pitchFamily="18" charset="-127"/>
-              </a:rPr>
-              <a:t>2-2. </a:t>
-            </a:r>
-            <a:r>
-              <a:rPr lang="ko-KR" altLang="en-US" sz="4000" dirty="0" err="1">
-                <a:latin typeface="HY헤드라인M" panose="02030600000101010101" pitchFamily="18" charset="-127"/>
-                <a:ea typeface="HY헤드라인M" panose="02030600000101010101" pitchFamily="18" charset="-127"/>
-              </a:rPr>
-              <a:t>머신러닝</a:t>
-            </a:r>
-            <a:r>
-              <a:rPr lang="ko-KR" altLang="en-US" sz="4000" dirty="0">
-                <a:latin typeface="HY헤드라인M" panose="02030600000101010101" pitchFamily="18" charset="-127"/>
-                <a:ea typeface="HY헤드라인M" panose="02030600000101010101" pitchFamily="18" charset="-127"/>
-              </a:rPr>
-              <a:t> 모델 결과 </a:t>
-            </a:r>
-            <a:r>
-              <a:rPr lang="en-US" altLang="ko-KR" sz="4000" dirty="0">
-                <a:latin typeface="HY헤드라인M" panose="02030600000101010101" pitchFamily="18" charset="-127"/>
-                <a:ea typeface="HY헤드라인M" panose="02030600000101010101" pitchFamily="18" charset="-127"/>
-              </a:rPr>
-              <a:t>- </a:t>
-            </a:r>
-            <a:r>
-              <a:rPr lang="en-US" altLang="ko-KR" sz="4000" dirty="0" err="1">
-                <a:latin typeface="HY헤드라인M" panose="02030600000101010101" pitchFamily="18" charset="-127"/>
-                <a:ea typeface="HY헤드라인M" panose="02030600000101010101" pitchFamily="18" charset="-127"/>
-              </a:rPr>
-              <a:t>LightGBM</a:t>
-            </a:r>
-            <a:endParaRPr lang="ko-KR" altLang="en-US" sz="4000" dirty="0">
-              <a:latin typeface="HY헤드라인M" panose="02030600000101010101" pitchFamily="18" charset="-127"/>
-              <a:ea typeface="HY헤드라인M" panose="02030600000101010101" pitchFamily="18" charset="-127"/>
-            </a:endParaRPr>
-          </a:p>
-        </p:txBody>
-      </p:sp>
-      <p:sp>
-        <p:nvSpPr>
-          <p:cNvPr id="11" name="TextBox 10">
-            <a:extLst>
-              <a:ext uri="{FF2B5EF4-FFF2-40B4-BE49-F238E27FC236}">
-                <a16:creationId xmlns:a16="http://schemas.microsoft.com/office/drawing/2014/main" id="{FAC5FA9F-4F9A-A4A7-398F-A3B578A3121A}"/>
-              </a:ext>
-            </a:extLst>
-          </p:cNvPr>
-          <p:cNvSpPr txBox="1"/>
-          <p:nvPr/>
-        </p:nvSpPr>
-        <p:spPr>
-          <a:xfrm>
-            <a:off x="990600" y="5528267"/>
-            <a:ext cx="7906460" cy="1200329"/>
-          </a:xfrm>
-          <a:prstGeom prst="rect">
-            <a:avLst/>
-          </a:prstGeom>
-          <a:noFill/>
-        </p:spPr>
-        <p:txBody>
-          <a:bodyPr wrap="none" rtlCol="0">
-            <a:spAutoFit/>
-          </a:bodyPr>
-          <a:lstStyle/>
-          <a:p>
-            <a:pPr marL="285750" indent="-285750">
-              <a:buFont typeface="Symbol" panose="05050102010706020507" pitchFamily="18" charset="2"/>
-              <a:buChar char="Þ"/>
-            </a:pPr>
-            <a:r>
-              <a:rPr lang="ko-KR" altLang="en-US" dirty="0"/>
-              <a:t>기존 딥러닝 모델 대비 </a:t>
-            </a:r>
-            <a:r>
-              <a:rPr lang="en-US" altLang="ko-KR" dirty="0"/>
-              <a:t>accuracy</a:t>
-            </a:r>
-            <a:r>
-              <a:rPr lang="ko-KR" altLang="en-US" dirty="0"/>
-              <a:t>와 </a:t>
-            </a:r>
-            <a:r>
-              <a:rPr lang="en-US" altLang="ko-KR" dirty="0"/>
-              <a:t>precision, recall </a:t>
-            </a:r>
-            <a:r>
-              <a:rPr lang="ko-KR" altLang="en-US" dirty="0"/>
-              <a:t>점수가 모두 높아진 모습</a:t>
-            </a:r>
-            <a:r>
-              <a:rPr lang="en-US" altLang="ko-KR" dirty="0"/>
-              <a:t>.</a:t>
-            </a:r>
-          </a:p>
-          <a:p>
-            <a:pPr marL="285750" indent="-285750">
-              <a:buFont typeface="Symbol" panose="05050102010706020507" pitchFamily="18" charset="2"/>
-              <a:buChar char="Þ"/>
-            </a:pPr>
-            <a:r>
-              <a:rPr lang="en-US" altLang="ko-KR" dirty="0"/>
-              <a:t>M2 </a:t>
-            </a:r>
-            <a:r>
-              <a:rPr lang="ko-KR" altLang="en-US" dirty="0"/>
-              <a:t>모델에서 가장 중요한 </a:t>
-            </a:r>
-            <a:r>
-              <a:rPr lang="en-US" altLang="ko-KR" dirty="0"/>
-              <a:t>2, 3 class</a:t>
-            </a:r>
-            <a:r>
-              <a:rPr lang="ko-KR" altLang="en-US" dirty="0"/>
-              <a:t>에 대한 </a:t>
-            </a:r>
-            <a:r>
-              <a:rPr lang="en-US" altLang="ko-KR" dirty="0"/>
-              <a:t>recall :</a:t>
-            </a:r>
-          </a:p>
-          <a:p>
-            <a:pPr marL="742950" lvl="1" indent="-285750">
-              <a:buFontTx/>
-              <a:buChar char="-"/>
-            </a:pPr>
-            <a:r>
-              <a:rPr lang="en-US" altLang="ko-KR" dirty="0"/>
-              <a:t>Class2(</a:t>
-            </a:r>
-            <a:r>
-              <a:rPr lang="ko-KR" altLang="en-US" dirty="0"/>
-              <a:t>공급부족</a:t>
-            </a:r>
-            <a:r>
-              <a:rPr lang="en-US" altLang="ko-KR" dirty="0"/>
-              <a:t>) : 78.93%</a:t>
-            </a:r>
-          </a:p>
-          <a:p>
-            <a:pPr marL="742950" lvl="1" indent="-285750">
-              <a:buFontTx/>
-              <a:buChar char="-"/>
-            </a:pPr>
-            <a:r>
-              <a:rPr lang="en-US" altLang="ko-KR" dirty="0"/>
-              <a:t>Class3(</a:t>
-            </a:r>
-            <a:r>
-              <a:rPr lang="ko-KR" altLang="en-US" dirty="0"/>
-              <a:t>공급절대부족</a:t>
-            </a:r>
-            <a:r>
-              <a:rPr lang="en-US" altLang="ko-KR" dirty="0"/>
-              <a:t>) : 89.25%</a:t>
-            </a:r>
-            <a:endParaRPr lang="ko-KR" altLang="en-US" dirty="0"/>
-          </a:p>
-        </p:txBody>
-      </p:sp>
-      <p:sp>
-        <p:nvSpPr>
-          <p:cNvPr id="6" name="TextBox 5">
-            <a:extLst>
-              <a:ext uri="{FF2B5EF4-FFF2-40B4-BE49-F238E27FC236}">
-                <a16:creationId xmlns:a16="http://schemas.microsoft.com/office/drawing/2014/main" id="{C4FCCD51-167C-B19D-7B2C-C5C4372A6B56}"/>
-              </a:ext>
-            </a:extLst>
-          </p:cNvPr>
-          <p:cNvSpPr txBox="1"/>
-          <p:nvPr/>
-        </p:nvSpPr>
-        <p:spPr>
-          <a:xfrm>
-            <a:off x="87086" y="854528"/>
-            <a:ext cx="2365840" cy="369332"/>
-          </a:xfrm>
-          <a:prstGeom prst="rect">
-            <a:avLst/>
-          </a:prstGeom>
-          <a:noFill/>
-        </p:spPr>
-        <p:txBody>
-          <a:bodyPr wrap="none" rtlCol="0">
-            <a:spAutoFit/>
-          </a:bodyPr>
-          <a:lstStyle/>
-          <a:p>
-            <a:r>
-              <a:rPr lang="en-US" altLang="ko-KR" dirty="0"/>
-              <a:t>1. </a:t>
-            </a:r>
-            <a:r>
-              <a:rPr lang="en-US" altLang="ko-KR" dirty="0" err="1"/>
-              <a:t>LightGBM</a:t>
-            </a:r>
-            <a:r>
-              <a:rPr lang="en-US" altLang="ko-KR" dirty="0"/>
-              <a:t> </a:t>
-            </a:r>
-            <a:r>
-              <a:rPr lang="ko-KR" altLang="en-US" dirty="0"/>
-              <a:t>모델 결과</a:t>
-            </a:r>
-          </a:p>
-        </p:txBody>
-      </p:sp>
-      <p:pic>
-        <p:nvPicPr>
-          <p:cNvPr id="5" name="그림 4">
-            <a:extLst>
-              <a:ext uri="{FF2B5EF4-FFF2-40B4-BE49-F238E27FC236}">
-                <a16:creationId xmlns:a16="http://schemas.microsoft.com/office/drawing/2014/main" id="{5D5AADA8-E92F-A415-7A12-A2E3BCA10FEC}"/>
-              </a:ext>
-            </a:extLst>
-          </p:cNvPr>
-          <p:cNvPicPr>
-            <a:picLocks noChangeAspect="1"/>
-          </p:cNvPicPr>
-          <p:nvPr/>
-        </p:nvPicPr>
-        <p:blipFill>
-          <a:blip r:embed="rId2"/>
-          <a:stretch>
-            <a:fillRect/>
-          </a:stretch>
-        </p:blipFill>
-        <p:spPr>
-          <a:xfrm>
-            <a:off x="500317" y="1391217"/>
-            <a:ext cx="7174112" cy="3956971"/>
-          </a:xfrm>
-          <a:prstGeom prst="rect">
-            <a:avLst/>
-          </a:prstGeom>
-        </p:spPr>
-      </p:pic>
-      <p:pic>
-        <p:nvPicPr>
-          <p:cNvPr id="12" name="그림 11">
-            <a:extLst>
-              <a:ext uri="{FF2B5EF4-FFF2-40B4-BE49-F238E27FC236}">
-                <a16:creationId xmlns:a16="http://schemas.microsoft.com/office/drawing/2014/main" id="{47151076-779E-E1A0-BFC4-2A77D0520DE7}"/>
-              </a:ext>
-            </a:extLst>
-          </p:cNvPr>
-          <p:cNvPicPr>
-            <a:picLocks noChangeAspect="1"/>
-          </p:cNvPicPr>
-          <p:nvPr/>
-        </p:nvPicPr>
-        <p:blipFill>
-          <a:blip r:embed="rId3"/>
-          <a:stretch>
-            <a:fillRect/>
-          </a:stretch>
-        </p:blipFill>
-        <p:spPr>
-          <a:xfrm>
-            <a:off x="8056713" y="1656720"/>
-            <a:ext cx="2400658" cy="1200329"/>
-          </a:xfrm>
-          <a:prstGeom prst="rect">
-            <a:avLst/>
-          </a:prstGeom>
-        </p:spPr>
-      </p:pic>
-    </p:spTree>
-    <p:extLst>
-      <p:ext uri="{BB962C8B-B14F-4D97-AF65-F5344CB8AC3E}">
-        <p14:creationId xmlns:p14="http://schemas.microsoft.com/office/powerpoint/2010/main" val="3422131796"/>
-      </p:ext>
-    </p:extLst>
-  </p:cSld>
-  <p:clrMapOvr>
-    <a:masterClrMapping/>
-  </p:clrMapOvr>
-</p:sld>
-</file>
-
-<file path=ppt/slides/slide49.xml><?xml version="1.0" encoding="utf-8"?>
-<p:sld xmlns:a="http://schemas.openxmlformats.org/drawingml/2006/main" xmlns:r="http://schemas.openxmlformats.org/officeDocument/2006/relationships" xmlns:p="http://schemas.openxmlformats.org/presentationml/2006/main">
-  <p:cSld>
-    <p:spTree>
-      <p:nvGrpSpPr>
-        <p:cNvPr id="1" name="">
-          <a:extLst>
-            <a:ext uri="{FF2B5EF4-FFF2-40B4-BE49-F238E27FC236}">
-              <a16:creationId xmlns:a16="http://schemas.microsoft.com/office/drawing/2014/main" id="{B280AC05-1FF5-940F-A8D8-0360A863400D}"/>
-            </a:ext>
-          </a:extLst>
-        </p:cNvPr>
-        <p:cNvGrpSpPr/>
-        <p:nvPr/>
-      </p:nvGrpSpPr>
-      <p:grpSpPr>
-        <a:xfrm>
-          <a:off x="0" y="0"/>
-          <a:ext cx="0" cy="0"/>
-          <a:chOff x="0" y="0"/>
-          <a:chExt cx="0" cy="0"/>
-        </a:xfrm>
-      </p:grpSpPr>
-      <p:sp>
-        <p:nvSpPr>
-          <p:cNvPr id="4" name="직사각형 3">
-            <a:extLst>
-              <a:ext uri="{FF2B5EF4-FFF2-40B4-BE49-F238E27FC236}">
-                <a16:creationId xmlns:a16="http://schemas.microsoft.com/office/drawing/2014/main" id="{6AED457C-F324-B208-8611-973048A2D997}"/>
-              </a:ext>
-            </a:extLst>
-          </p:cNvPr>
-          <p:cNvSpPr/>
-          <p:nvPr/>
-        </p:nvSpPr>
-        <p:spPr>
-          <a:xfrm>
-            <a:off x="0" y="-42173"/>
-            <a:ext cx="12192000" cy="729343"/>
-          </a:xfrm>
-          <a:prstGeom prst="rect">
-            <a:avLst/>
-          </a:prstGeom>
-          <a:solidFill>
-            <a:schemeClr val="accent2">
-              <a:lumMod val="50000"/>
-            </a:schemeClr>
-          </a:solidFill>
-          <a:ln>
-            <a:noFill/>
-          </a:ln>
-        </p:spPr>
-        <p:style>
-          <a:lnRef idx="2">
-            <a:schemeClr val="accent2">
-              <a:shade val="15000"/>
-            </a:schemeClr>
-          </a:lnRef>
-          <a:fillRef idx="1">
-            <a:schemeClr val="accent2"/>
-          </a:fillRef>
-          <a:effectRef idx="0">
-            <a:schemeClr val="accent2"/>
-          </a:effectRef>
-          <a:fontRef idx="minor">
-            <a:schemeClr val="lt1"/>
-          </a:fontRef>
-        </p:style>
-        <p:txBody>
-          <a:bodyPr rtlCol="0" anchor="ctr"/>
-          <a:lstStyle/>
-          <a:p>
-            <a:r>
-              <a:rPr lang="en-US" altLang="ko-KR" sz="4000" dirty="0">
-                <a:latin typeface="HY헤드라인M" panose="02030600000101010101" pitchFamily="18" charset="-127"/>
-                <a:ea typeface="HY헤드라인M" panose="02030600000101010101" pitchFamily="18" charset="-127"/>
-              </a:rPr>
-              <a:t>2-2. </a:t>
-            </a:r>
-            <a:r>
-              <a:rPr lang="ko-KR" altLang="en-US" sz="4000" dirty="0" err="1">
-                <a:latin typeface="HY헤드라인M" panose="02030600000101010101" pitchFamily="18" charset="-127"/>
-                <a:ea typeface="HY헤드라인M" panose="02030600000101010101" pitchFamily="18" charset="-127"/>
-              </a:rPr>
-              <a:t>머신러닝</a:t>
-            </a:r>
-            <a:r>
-              <a:rPr lang="ko-KR" altLang="en-US" sz="4000" dirty="0">
-                <a:latin typeface="HY헤드라인M" panose="02030600000101010101" pitchFamily="18" charset="-127"/>
-                <a:ea typeface="HY헤드라인M" panose="02030600000101010101" pitchFamily="18" charset="-127"/>
-              </a:rPr>
-              <a:t> 모델 결과 </a:t>
-            </a:r>
-            <a:r>
-              <a:rPr lang="en-US" altLang="ko-KR" sz="4000" dirty="0">
-                <a:latin typeface="HY헤드라인M" panose="02030600000101010101" pitchFamily="18" charset="-127"/>
-                <a:ea typeface="HY헤드라인M" panose="02030600000101010101" pitchFamily="18" charset="-127"/>
-              </a:rPr>
-              <a:t>- </a:t>
-            </a:r>
-            <a:r>
-              <a:rPr lang="en-US" altLang="ko-KR" sz="4000" dirty="0" err="1">
-                <a:latin typeface="HY헤드라인M" panose="02030600000101010101" pitchFamily="18" charset="-127"/>
-                <a:ea typeface="HY헤드라인M" panose="02030600000101010101" pitchFamily="18" charset="-127"/>
-              </a:rPr>
-              <a:t>CatBoost</a:t>
-            </a:r>
-            <a:endParaRPr lang="ko-KR" altLang="en-US" sz="4000" dirty="0">
-              <a:latin typeface="HY헤드라인M" panose="02030600000101010101" pitchFamily="18" charset="-127"/>
-              <a:ea typeface="HY헤드라인M" panose="02030600000101010101" pitchFamily="18" charset="-127"/>
-            </a:endParaRPr>
-          </a:p>
-        </p:txBody>
-      </p:sp>
-      <p:sp>
-        <p:nvSpPr>
-          <p:cNvPr id="11" name="TextBox 10">
-            <a:extLst>
-              <a:ext uri="{FF2B5EF4-FFF2-40B4-BE49-F238E27FC236}">
-                <a16:creationId xmlns:a16="http://schemas.microsoft.com/office/drawing/2014/main" id="{ECFFD240-044A-A3E4-6B55-A4C3BC88D87B}"/>
-              </a:ext>
-            </a:extLst>
-          </p:cNvPr>
-          <p:cNvSpPr txBox="1"/>
-          <p:nvPr/>
-        </p:nvSpPr>
-        <p:spPr>
-          <a:xfrm>
-            <a:off x="990600" y="5528267"/>
-            <a:ext cx="7906460" cy="1200329"/>
-          </a:xfrm>
-          <a:prstGeom prst="rect">
-            <a:avLst/>
-          </a:prstGeom>
-          <a:noFill/>
-        </p:spPr>
-        <p:txBody>
-          <a:bodyPr wrap="none" rtlCol="0">
-            <a:spAutoFit/>
-          </a:bodyPr>
-          <a:lstStyle/>
-          <a:p>
-            <a:pPr marL="285750" indent="-285750">
-              <a:buFont typeface="Symbol" panose="05050102010706020507" pitchFamily="18" charset="2"/>
-              <a:buChar char="Þ"/>
-            </a:pPr>
-            <a:r>
-              <a:rPr lang="ko-KR" altLang="en-US" dirty="0"/>
-              <a:t>기존 딥러닝 모델 대비 </a:t>
-            </a:r>
-            <a:r>
-              <a:rPr lang="en-US" altLang="ko-KR" dirty="0"/>
-              <a:t>accuracy</a:t>
-            </a:r>
-            <a:r>
-              <a:rPr lang="ko-KR" altLang="en-US" dirty="0"/>
-              <a:t>와 </a:t>
-            </a:r>
-            <a:r>
-              <a:rPr lang="en-US" altLang="ko-KR" dirty="0"/>
-              <a:t>precision, recall </a:t>
-            </a:r>
-            <a:r>
-              <a:rPr lang="ko-KR" altLang="en-US" dirty="0"/>
-              <a:t>점수가 소폭 높아진 모습</a:t>
-            </a:r>
-            <a:r>
-              <a:rPr lang="en-US" altLang="ko-KR" dirty="0"/>
-              <a:t>.</a:t>
-            </a:r>
-          </a:p>
-          <a:p>
-            <a:pPr marL="285750" indent="-285750">
-              <a:buFont typeface="Symbol" panose="05050102010706020507" pitchFamily="18" charset="2"/>
-              <a:buChar char="Þ"/>
-            </a:pPr>
-            <a:r>
-              <a:rPr lang="en-US" altLang="ko-KR" dirty="0"/>
-              <a:t>M2 </a:t>
-            </a:r>
-            <a:r>
-              <a:rPr lang="ko-KR" altLang="en-US" dirty="0"/>
-              <a:t>모델에서 가장 중요한 </a:t>
-            </a:r>
-            <a:r>
-              <a:rPr lang="en-US" altLang="ko-KR" dirty="0"/>
-              <a:t>2, 3 class</a:t>
-            </a:r>
-            <a:r>
-              <a:rPr lang="ko-KR" altLang="en-US" dirty="0"/>
-              <a:t>에 대한 </a:t>
-            </a:r>
-            <a:r>
-              <a:rPr lang="en-US" altLang="ko-KR" dirty="0"/>
-              <a:t>recall :</a:t>
-            </a:r>
-          </a:p>
-          <a:p>
-            <a:pPr marL="742950" lvl="1" indent="-285750">
-              <a:buFontTx/>
-              <a:buChar char="-"/>
-            </a:pPr>
-            <a:r>
-              <a:rPr lang="en-US" altLang="ko-KR" dirty="0"/>
-              <a:t>Class2(</a:t>
-            </a:r>
-            <a:r>
-              <a:rPr lang="ko-KR" altLang="en-US" dirty="0"/>
-              <a:t>공급부족</a:t>
-            </a:r>
-            <a:r>
-              <a:rPr lang="en-US" altLang="ko-KR" dirty="0"/>
-              <a:t>) : 69.89%</a:t>
-            </a:r>
-          </a:p>
-          <a:p>
-            <a:pPr marL="742950" lvl="1" indent="-285750">
-              <a:buFontTx/>
-              <a:buChar char="-"/>
-            </a:pPr>
-            <a:r>
-              <a:rPr lang="en-US" altLang="ko-KR" dirty="0"/>
-              <a:t>Class3(</a:t>
-            </a:r>
-            <a:r>
-              <a:rPr lang="ko-KR" altLang="en-US" dirty="0"/>
-              <a:t>공급절대부족</a:t>
-            </a:r>
-            <a:r>
-              <a:rPr lang="en-US" altLang="ko-KR" dirty="0"/>
-              <a:t>) : 90.18%</a:t>
-            </a:r>
-            <a:endParaRPr lang="ko-KR" altLang="en-US" dirty="0"/>
-          </a:p>
-        </p:txBody>
-      </p:sp>
-      <p:sp>
-        <p:nvSpPr>
-          <p:cNvPr id="6" name="TextBox 5">
-            <a:extLst>
-              <a:ext uri="{FF2B5EF4-FFF2-40B4-BE49-F238E27FC236}">
-                <a16:creationId xmlns:a16="http://schemas.microsoft.com/office/drawing/2014/main" id="{CB460027-3C32-3D42-38AC-3E1A34A57743}"/>
-              </a:ext>
-            </a:extLst>
-          </p:cNvPr>
-          <p:cNvSpPr txBox="1"/>
-          <p:nvPr/>
-        </p:nvSpPr>
-        <p:spPr>
-          <a:xfrm>
-            <a:off x="87086" y="854528"/>
-            <a:ext cx="3619196" cy="369332"/>
-          </a:xfrm>
-          <a:prstGeom prst="rect">
-            <a:avLst/>
-          </a:prstGeom>
-          <a:noFill/>
-        </p:spPr>
-        <p:txBody>
-          <a:bodyPr wrap="none" rtlCol="0">
-            <a:spAutoFit/>
-          </a:bodyPr>
-          <a:lstStyle/>
-          <a:p>
-            <a:r>
-              <a:rPr lang="en-US" altLang="ko-KR" dirty="0"/>
-              <a:t>1. </a:t>
-            </a:r>
-            <a:r>
-              <a:rPr lang="en-US" altLang="ko-KR" dirty="0" err="1"/>
-              <a:t>CatBoost_Classification</a:t>
-            </a:r>
-            <a:r>
-              <a:rPr lang="en-US" altLang="ko-KR" dirty="0"/>
-              <a:t> </a:t>
-            </a:r>
-            <a:r>
-              <a:rPr lang="ko-KR" altLang="en-US" dirty="0"/>
-              <a:t>모델 결과</a:t>
-            </a:r>
-          </a:p>
-        </p:txBody>
-      </p:sp>
-      <p:pic>
-        <p:nvPicPr>
-          <p:cNvPr id="5" name="그림 4">
-            <a:extLst>
-              <a:ext uri="{FF2B5EF4-FFF2-40B4-BE49-F238E27FC236}">
-                <a16:creationId xmlns:a16="http://schemas.microsoft.com/office/drawing/2014/main" id="{61FEC7D5-C3F5-7D0D-9022-58CEFB7DF4BB}"/>
-              </a:ext>
-            </a:extLst>
-          </p:cNvPr>
-          <p:cNvPicPr>
-            <a:picLocks noChangeAspect="1"/>
-          </p:cNvPicPr>
-          <p:nvPr/>
-        </p:nvPicPr>
-        <p:blipFill>
-          <a:blip r:embed="rId2"/>
-          <a:stretch>
-            <a:fillRect/>
-          </a:stretch>
-        </p:blipFill>
-        <p:spPr>
-          <a:xfrm>
-            <a:off x="7987320" y="1632858"/>
-            <a:ext cx="2441729" cy="1379124"/>
-          </a:xfrm>
-          <a:prstGeom prst="rect">
-            <a:avLst/>
-          </a:prstGeom>
-        </p:spPr>
-      </p:pic>
-      <p:pic>
-        <p:nvPicPr>
-          <p:cNvPr id="12" name="그림 11">
-            <a:extLst>
-              <a:ext uri="{FF2B5EF4-FFF2-40B4-BE49-F238E27FC236}">
-                <a16:creationId xmlns:a16="http://schemas.microsoft.com/office/drawing/2014/main" id="{E7531E91-3ADD-5CE0-1A86-8003D2DD08AF}"/>
-              </a:ext>
-            </a:extLst>
-          </p:cNvPr>
-          <p:cNvPicPr>
-            <a:picLocks noChangeAspect="1"/>
-          </p:cNvPicPr>
-          <p:nvPr/>
-        </p:nvPicPr>
-        <p:blipFill>
-          <a:blip r:embed="rId3"/>
-          <a:stretch>
-            <a:fillRect/>
-          </a:stretch>
-        </p:blipFill>
-        <p:spPr>
-          <a:xfrm>
-            <a:off x="390090" y="1391218"/>
-            <a:ext cx="7143278" cy="3877468"/>
-          </a:xfrm>
-          <a:prstGeom prst="rect">
-            <a:avLst/>
-          </a:prstGeom>
-        </p:spPr>
-      </p:pic>
-    </p:spTree>
-    <p:extLst>
-      <p:ext uri="{BB962C8B-B14F-4D97-AF65-F5344CB8AC3E}">
-        <p14:creationId xmlns:p14="http://schemas.microsoft.com/office/powerpoint/2010/main" val="385953763"/>
       </p:ext>
     </p:extLst>
   </p:cSld>
@@ -15180,7 +15263,7 @@
         <p:cNvPr id="1" name="">
           <a:extLst>
             <a:ext uri="{FF2B5EF4-FFF2-40B4-BE49-F238E27FC236}">
-              <a16:creationId xmlns:a16="http://schemas.microsoft.com/office/drawing/2014/main" id="{4C4B9A71-FBF2-C2F7-8840-79251D01B6A5}"/>
+              <a16:creationId xmlns:a16="http://schemas.microsoft.com/office/drawing/2014/main" id="{C81E563D-73A0-EB23-6E4D-0842C9069027}"/>
             </a:ext>
           </a:extLst>
         </p:cNvPr>
@@ -15197,10 +15280,10 @@
       </p:grpSpPr>
       <p:sp>
         <p:nvSpPr>
-          <p:cNvPr id="4" name="직사각형 3">
-            <a:extLst>
-              <a:ext uri="{FF2B5EF4-FFF2-40B4-BE49-F238E27FC236}">
-                <a16:creationId xmlns:a16="http://schemas.microsoft.com/office/drawing/2014/main" id="{EED1656E-625B-E7D0-C7FE-C21EC85F1004}"/>
+          <p:cNvPr id="2" name="직사각형 1">
+            <a:extLst>
+              <a:ext uri="{FF2B5EF4-FFF2-40B4-BE49-F238E27FC236}">
+                <a16:creationId xmlns:a16="http://schemas.microsoft.com/office/drawing/2014/main" id="{BFD43649-BACD-D47E-42B0-E76D9DDD147E}"/>
               </a:ext>
             </a:extLst>
           </p:cNvPr>
@@ -15209,8 +15292,8 @@
         </p:nvSpPr>
         <p:spPr>
           <a:xfrm>
-            <a:off x="0" y="-42173"/>
-            <a:ext cx="12192000" cy="729343"/>
+            <a:off x="59871" y="1981200"/>
+            <a:ext cx="12072257" cy="2536372"/>
           </a:xfrm>
           <a:prstGeom prst="rect">
             <a:avLst/>
@@ -15244,6 +15327,828 @@
           <a:bodyPr rtlCol="0" anchor="ctr"/>
           <a:lstStyle/>
           <a:p>
+            <a:pPr algn="ctr"/>
+            <a:r>
+              <a:rPr lang="en-US" altLang="ko-KR" sz="5400" dirty="0">
+                <a:latin typeface="HY헤드라인M" panose="02030600000101010101" pitchFamily="18" charset="-127"/>
+                <a:ea typeface="HY헤드라인M" panose="02030600000101010101" pitchFamily="18" charset="-127"/>
+              </a:rPr>
+              <a:t>2-2. </a:t>
+            </a:r>
+            <a:r>
+              <a:rPr lang="ko-KR" altLang="en-US" sz="5400" dirty="0" err="1">
+                <a:latin typeface="HY헤드라인M" panose="02030600000101010101" pitchFamily="18" charset="-127"/>
+                <a:ea typeface="HY헤드라인M" panose="02030600000101010101" pitchFamily="18" charset="-127"/>
+              </a:rPr>
+              <a:t>머신러닝</a:t>
+            </a:r>
+            <a:r>
+              <a:rPr lang="ko-KR" altLang="en-US" sz="5400" dirty="0">
+                <a:latin typeface="HY헤드라인M" panose="02030600000101010101" pitchFamily="18" charset="-127"/>
+                <a:ea typeface="HY헤드라인M" panose="02030600000101010101" pitchFamily="18" charset="-127"/>
+              </a:rPr>
+              <a:t> 모델 결과</a:t>
+            </a:r>
+          </a:p>
+        </p:txBody>
+      </p:sp>
+    </p:spTree>
+    <p:extLst>
+      <p:ext uri="{BB962C8B-B14F-4D97-AF65-F5344CB8AC3E}">
+        <p14:creationId xmlns:p14="http://schemas.microsoft.com/office/powerpoint/2010/main" val="2567963646"/>
+      </p:ext>
+    </p:extLst>
+  </p:cSld>
+  <p:clrMapOvr>
+    <a:masterClrMapping/>
+  </p:clrMapOvr>
+</p:sld>
+</file>
+
+<file path=ppt/slides/slide51.xml><?xml version="1.0" encoding="utf-8"?>
+<p:sld xmlns:a="http://schemas.openxmlformats.org/drawingml/2006/main" xmlns:r="http://schemas.openxmlformats.org/officeDocument/2006/relationships" xmlns:p="http://schemas.openxmlformats.org/presentationml/2006/main">
+  <p:cSld>
+    <p:spTree>
+      <p:nvGrpSpPr>
+        <p:cNvPr id="1" name="">
+          <a:extLst>
+            <a:ext uri="{FF2B5EF4-FFF2-40B4-BE49-F238E27FC236}">
+              <a16:creationId xmlns:a16="http://schemas.microsoft.com/office/drawing/2014/main" id="{65D978A2-71E6-E14C-9AC4-F998E8F9A90E}"/>
+            </a:ext>
+          </a:extLst>
+        </p:cNvPr>
+        <p:cNvGrpSpPr/>
+        <p:nvPr/>
+      </p:nvGrpSpPr>
+      <p:grpSpPr>
+        <a:xfrm>
+          <a:off x="0" y="0"/>
+          <a:ext cx="0" cy="0"/>
+          <a:chOff x="0" y="0"/>
+          <a:chExt cx="0" cy="0"/>
+        </a:xfrm>
+      </p:grpSpPr>
+      <p:sp>
+        <p:nvSpPr>
+          <p:cNvPr id="4" name="직사각형 3">
+            <a:extLst>
+              <a:ext uri="{FF2B5EF4-FFF2-40B4-BE49-F238E27FC236}">
+                <a16:creationId xmlns:a16="http://schemas.microsoft.com/office/drawing/2014/main" id="{D2827F5A-5A72-7241-3246-6790A4832E5B}"/>
+              </a:ext>
+            </a:extLst>
+          </p:cNvPr>
+          <p:cNvSpPr/>
+          <p:nvPr/>
+        </p:nvSpPr>
+        <p:spPr>
+          <a:xfrm>
+            <a:off x="0" y="-42173"/>
+            <a:ext cx="12192000" cy="729343"/>
+          </a:xfrm>
+          <a:prstGeom prst="rect">
+            <a:avLst/>
+          </a:prstGeom>
+          <a:solidFill>
+            <a:schemeClr val="accent2">
+              <a:lumMod val="50000"/>
+            </a:schemeClr>
+          </a:solidFill>
+          <a:ln>
+            <a:noFill/>
+          </a:ln>
+        </p:spPr>
+        <p:style>
+          <a:lnRef idx="2">
+            <a:schemeClr val="accent2">
+              <a:shade val="15000"/>
+            </a:schemeClr>
+          </a:lnRef>
+          <a:fillRef idx="1">
+            <a:schemeClr val="accent2"/>
+          </a:fillRef>
+          <a:effectRef idx="0">
+            <a:schemeClr val="accent2"/>
+          </a:effectRef>
+          <a:fontRef idx="minor">
+            <a:schemeClr val="lt1"/>
+          </a:fontRef>
+        </p:style>
+        <p:txBody>
+          <a:bodyPr rtlCol="0" anchor="ctr"/>
+          <a:lstStyle/>
+          <a:p>
+            <a:r>
+              <a:rPr lang="en-US" altLang="ko-KR" sz="4000" dirty="0">
+                <a:latin typeface="HY헤드라인M" panose="02030600000101010101" pitchFamily="18" charset="-127"/>
+                <a:ea typeface="HY헤드라인M" panose="02030600000101010101" pitchFamily="18" charset="-127"/>
+              </a:rPr>
+              <a:t>2-2. </a:t>
+            </a:r>
+            <a:r>
+              <a:rPr lang="ko-KR" altLang="en-US" sz="4000" dirty="0" err="1">
+                <a:latin typeface="HY헤드라인M" panose="02030600000101010101" pitchFamily="18" charset="-127"/>
+                <a:ea typeface="HY헤드라인M" panose="02030600000101010101" pitchFamily="18" charset="-127"/>
+              </a:rPr>
+              <a:t>머신러닝</a:t>
+            </a:r>
+            <a:r>
+              <a:rPr lang="ko-KR" altLang="en-US" sz="4000" dirty="0">
+                <a:latin typeface="HY헤드라인M" panose="02030600000101010101" pitchFamily="18" charset="-127"/>
+                <a:ea typeface="HY헤드라인M" panose="02030600000101010101" pitchFamily="18" charset="-127"/>
+              </a:rPr>
+              <a:t> 모델 결과 </a:t>
+            </a:r>
+            <a:r>
+              <a:rPr lang="en-US" altLang="ko-KR" sz="4000" dirty="0">
+                <a:latin typeface="HY헤드라인M" panose="02030600000101010101" pitchFamily="18" charset="-127"/>
+                <a:ea typeface="HY헤드라인M" panose="02030600000101010101" pitchFamily="18" charset="-127"/>
+              </a:rPr>
+              <a:t>- </a:t>
+            </a:r>
+            <a:r>
+              <a:rPr lang="en-US" altLang="ko-KR" sz="4000" dirty="0" err="1">
+                <a:latin typeface="HY헤드라인M" panose="02030600000101010101" pitchFamily="18" charset="-127"/>
+                <a:ea typeface="HY헤드라인M" panose="02030600000101010101" pitchFamily="18" charset="-127"/>
+              </a:rPr>
+              <a:t>LightGBM</a:t>
+            </a:r>
+            <a:endParaRPr lang="ko-KR" altLang="en-US" sz="4000" dirty="0">
+              <a:latin typeface="HY헤드라인M" panose="02030600000101010101" pitchFamily="18" charset="-127"/>
+              <a:ea typeface="HY헤드라인M" panose="02030600000101010101" pitchFamily="18" charset="-127"/>
+            </a:endParaRPr>
+          </a:p>
+        </p:txBody>
+      </p:sp>
+      <p:sp>
+        <p:nvSpPr>
+          <p:cNvPr id="11" name="TextBox 10">
+            <a:extLst>
+              <a:ext uri="{FF2B5EF4-FFF2-40B4-BE49-F238E27FC236}">
+                <a16:creationId xmlns:a16="http://schemas.microsoft.com/office/drawing/2014/main" id="{FAC5FA9F-4F9A-A4A7-398F-A3B578A3121A}"/>
+              </a:ext>
+            </a:extLst>
+          </p:cNvPr>
+          <p:cNvSpPr txBox="1"/>
+          <p:nvPr/>
+        </p:nvSpPr>
+        <p:spPr>
+          <a:xfrm>
+            <a:off x="990600" y="5528267"/>
+            <a:ext cx="7906460" cy="1200329"/>
+          </a:xfrm>
+          <a:prstGeom prst="rect">
+            <a:avLst/>
+          </a:prstGeom>
+          <a:noFill/>
+        </p:spPr>
+        <p:txBody>
+          <a:bodyPr wrap="none" rtlCol="0">
+            <a:spAutoFit/>
+          </a:bodyPr>
+          <a:lstStyle/>
+          <a:p>
+            <a:pPr marL="285750" indent="-285750">
+              <a:buFont typeface="Symbol" panose="05050102010706020507" pitchFamily="18" charset="2"/>
+              <a:buChar char="Þ"/>
+            </a:pPr>
+            <a:r>
+              <a:rPr lang="ko-KR" altLang="en-US" dirty="0"/>
+              <a:t>기존 딥러닝 모델 대비 </a:t>
+            </a:r>
+            <a:r>
+              <a:rPr lang="en-US" altLang="ko-KR" dirty="0"/>
+              <a:t>accuracy</a:t>
+            </a:r>
+            <a:r>
+              <a:rPr lang="ko-KR" altLang="en-US" dirty="0"/>
+              <a:t>와 </a:t>
+            </a:r>
+            <a:r>
+              <a:rPr lang="en-US" altLang="ko-KR" dirty="0"/>
+              <a:t>precision, recall </a:t>
+            </a:r>
+            <a:r>
+              <a:rPr lang="ko-KR" altLang="en-US" dirty="0"/>
+              <a:t>점수가 모두 높아진 모습</a:t>
+            </a:r>
+            <a:r>
+              <a:rPr lang="en-US" altLang="ko-KR" dirty="0"/>
+              <a:t>.</a:t>
+            </a:r>
+          </a:p>
+          <a:p>
+            <a:pPr marL="285750" indent="-285750">
+              <a:buFont typeface="Symbol" panose="05050102010706020507" pitchFamily="18" charset="2"/>
+              <a:buChar char="Þ"/>
+            </a:pPr>
+            <a:r>
+              <a:rPr lang="en-US" altLang="ko-KR" dirty="0"/>
+              <a:t>M2 </a:t>
+            </a:r>
+            <a:r>
+              <a:rPr lang="ko-KR" altLang="en-US" dirty="0"/>
+              <a:t>모델에서 가장 중요한 </a:t>
+            </a:r>
+            <a:r>
+              <a:rPr lang="en-US" altLang="ko-KR" dirty="0"/>
+              <a:t>2, 3 class</a:t>
+            </a:r>
+            <a:r>
+              <a:rPr lang="ko-KR" altLang="en-US" dirty="0"/>
+              <a:t>에 대한 </a:t>
+            </a:r>
+            <a:r>
+              <a:rPr lang="en-US" altLang="ko-KR" dirty="0"/>
+              <a:t>recall :</a:t>
+            </a:r>
+          </a:p>
+          <a:p>
+            <a:pPr marL="742950" lvl="1" indent="-285750">
+              <a:buFontTx/>
+              <a:buChar char="-"/>
+            </a:pPr>
+            <a:r>
+              <a:rPr lang="en-US" altLang="ko-KR" dirty="0"/>
+              <a:t>Class2(</a:t>
+            </a:r>
+            <a:r>
+              <a:rPr lang="ko-KR" altLang="en-US" dirty="0"/>
+              <a:t>공급부족</a:t>
+            </a:r>
+            <a:r>
+              <a:rPr lang="en-US" altLang="ko-KR" dirty="0"/>
+              <a:t>) : 78.93%</a:t>
+            </a:r>
+          </a:p>
+          <a:p>
+            <a:pPr marL="742950" lvl="1" indent="-285750">
+              <a:buFontTx/>
+              <a:buChar char="-"/>
+            </a:pPr>
+            <a:r>
+              <a:rPr lang="en-US" altLang="ko-KR" dirty="0"/>
+              <a:t>Class3(</a:t>
+            </a:r>
+            <a:r>
+              <a:rPr lang="ko-KR" altLang="en-US" dirty="0"/>
+              <a:t>공급절대부족</a:t>
+            </a:r>
+            <a:r>
+              <a:rPr lang="en-US" altLang="ko-KR" dirty="0"/>
+              <a:t>) : 89.25%</a:t>
+            </a:r>
+            <a:endParaRPr lang="ko-KR" altLang="en-US" dirty="0"/>
+          </a:p>
+        </p:txBody>
+      </p:sp>
+      <p:sp>
+        <p:nvSpPr>
+          <p:cNvPr id="6" name="TextBox 5">
+            <a:extLst>
+              <a:ext uri="{FF2B5EF4-FFF2-40B4-BE49-F238E27FC236}">
+                <a16:creationId xmlns:a16="http://schemas.microsoft.com/office/drawing/2014/main" id="{C4FCCD51-167C-B19D-7B2C-C5C4372A6B56}"/>
+              </a:ext>
+            </a:extLst>
+          </p:cNvPr>
+          <p:cNvSpPr txBox="1"/>
+          <p:nvPr/>
+        </p:nvSpPr>
+        <p:spPr>
+          <a:xfrm>
+            <a:off x="87086" y="854528"/>
+            <a:ext cx="2365840" cy="369332"/>
+          </a:xfrm>
+          <a:prstGeom prst="rect">
+            <a:avLst/>
+          </a:prstGeom>
+          <a:noFill/>
+        </p:spPr>
+        <p:txBody>
+          <a:bodyPr wrap="none" rtlCol="0">
+            <a:spAutoFit/>
+          </a:bodyPr>
+          <a:lstStyle/>
+          <a:p>
+            <a:r>
+              <a:rPr lang="en-US" altLang="ko-KR" dirty="0"/>
+              <a:t>1. </a:t>
+            </a:r>
+            <a:r>
+              <a:rPr lang="en-US" altLang="ko-KR" dirty="0" err="1"/>
+              <a:t>LightGBM</a:t>
+            </a:r>
+            <a:r>
+              <a:rPr lang="en-US" altLang="ko-KR" dirty="0"/>
+              <a:t> </a:t>
+            </a:r>
+            <a:r>
+              <a:rPr lang="ko-KR" altLang="en-US" dirty="0"/>
+              <a:t>모델 결과</a:t>
+            </a:r>
+          </a:p>
+        </p:txBody>
+      </p:sp>
+      <p:pic>
+        <p:nvPicPr>
+          <p:cNvPr id="5" name="그림 4">
+            <a:extLst>
+              <a:ext uri="{FF2B5EF4-FFF2-40B4-BE49-F238E27FC236}">
+                <a16:creationId xmlns:a16="http://schemas.microsoft.com/office/drawing/2014/main" id="{5D5AADA8-E92F-A415-7A12-A2E3BCA10FEC}"/>
+              </a:ext>
+            </a:extLst>
+          </p:cNvPr>
+          <p:cNvPicPr>
+            <a:picLocks noChangeAspect="1"/>
+          </p:cNvPicPr>
+          <p:nvPr/>
+        </p:nvPicPr>
+        <p:blipFill>
+          <a:blip r:embed="rId2"/>
+          <a:stretch>
+            <a:fillRect/>
+          </a:stretch>
+        </p:blipFill>
+        <p:spPr>
+          <a:xfrm>
+            <a:off x="500317" y="1391217"/>
+            <a:ext cx="7174112" cy="3956971"/>
+          </a:xfrm>
+          <a:prstGeom prst="rect">
+            <a:avLst/>
+          </a:prstGeom>
+        </p:spPr>
+      </p:pic>
+      <p:pic>
+        <p:nvPicPr>
+          <p:cNvPr id="12" name="그림 11">
+            <a:extLst>
+              <a:ext uri="{FF2B5EF4-FFF2-40B4-BE49-F238E27FC236}">
+                <a16:creationId xmlns:a16="http://schemas.microsoft.com/office/drawing/2014/main" id="{47151076-779E-E1A0-BFC4-2A77D0520DE7}"/>
+              </a:ext>
+            </a:extLst>
+          </p:cNvPr>
+          <p:cNvPicPr>
+            <a:picLocks noChangeAspect="1"/>
+          </p:cNvPicPr>
+          <p:nvPr/>
+        </p:nvPicPr>
+        <p:blipFill>
+          <a:blip r:embed="rId3"/>
+          <a:stretch>
+            <a:fillRect/>
+          </a:stretch>
+        </p:blipFill>
+        <p:spPr>
+          <a:xfrm>
+            <a:off x="8056713" y="1656720"/>
+            <a:ext cx="2400658" cy="1200329"/>
+          </a:xfrm>
+          <a:prstGeom prst="rect">
+            <a:avLst/>
+          </a:prstGeom>
+        </p:spPr>
+      </p:pic>
+    </p:spTree>
+    <p:extLst>
+      <p:ext uri="{BB962C8B-B14F-4D97-AF65-F5344CB8AC3E}">
+        <p14:creationId xmlns:p14="http://schemas.microsoft.com/office/powerpoint/2010/main" val="3422131796"/>
+      </p:ext>
+    </p:extLst>
+  </p:cSld>
+  <p:clrMapOvr>
+    <a:masterClrMapping/>
+  </p:clrMapOvr>
+</p:sld>
+</file>
+
+<file path=ppt/slides/slide52.xml><?xml version="1.0" encoding="utf-8"?>
+<p:sld xmlns:a="http://schemas.openxmlformats.org/drawingml/2006/main" xmlns:r="http://schemas.openxmlformats.org/officeDocument/2006/relationships" xmlns:p="http://schemas.openxmlformats.org/presentationml/2006/main">
+  <p:cSld>
+    <p:spTree>
+      <p:nvGrpSpPr>
+        <p:cNvPr id="1" name="">
+          <a:extLst>
+            <a:ext uri="{FF2B5EF4-FFF2-40B4-BE49-F238E27FC236}">
+              <a16:creationId xmlns:a16="http://schemas.microsoft.com/office/drawing/2014/main" id="{B280AC05-1FF5-940F-A8D8-0360A863400D}"/>
+            </a:ext>
+          </a:extLst>
+        </p:cNvPr>
+        <p:cNvGrpSpPr/>
+        <p:nvPr/>
+      </p:nvGrpSpPr>
+      <p:grpSpPr>
+        <a:xfrm>
+          <a:off x="0" y="0"/>
+          <a:ext cx="0" cy="0"/>
+          <a:chOff x="0" y="0"/>
+          <a:chExt cx="0" cy="0"/>
+        </a:xfrm>
+      </p:grpSpPr>
+      <p:sp>
+        <p:nvSpPr>
+          <p:cNvPr id="4" name="직사각형 3">
+            <a:extLst>
+              <a:ext uri="{FF2B5EF4-FFF2-40B4-BE49-F238E27FC236}">
+                <a16:creationId xmlns:a16="http://schemas.microsoft.com/office/drawing/2014/main" id="{6AED457C-F324-B208-8611-973048A2D997}"/>
+              </a:ext>
+            </a:extLst>
+          </p:cNvPr>
+          <p:cNvSpPr/>
+          <p:nvPr/>
+        </p:nvSpPr>
+        <p:spPr>
+          <a:xfrm>
+            <a:off x="0" y="-42173"/>
+            <a:ext cx="12192000" cy="729343"/>
+          </a:xfrm>
+          <a:prstGeom prst="rect">
+            <a:avLst/>
+          </a:prstGeom>
+          <a:solidFill>
+            <a:schemeClr val="accent2">
+              <a:lumMod val="50000"/>
+            </a:schemeClr>
+          </a:solidFill>
+          <a:ln>
+            <a:noFill/>
+          </a:ln>
+        </p:spPr>
+        <p:style>
+          <a:lnRef idx="2">
+            <a:schemeClr val="accent2">
+              <a:shade val="15000"/>
+            </a:schemeClr>
+          </a:lnRef>
+          <a:fillRef idx="1">
+            <a:schemeClr val="accent2"/>
+          </a:fillRef>
+          <a:effectRef idx="0">
+            <a:schemeClr val="accent2"/>
+          </a:effectRef>
+          <a:fontRef idx="minor">
+            <a:schemeClr val="lt1"/>
+          </a:fontRef>
+        </p:style>
+        <p:txBody>
+          <a:bodyPr rtlCol="0" anchor="ctr"/>
+          <a:lstStyle/>
+          <a:p>
+            <a:r>
+              <a:rPr lang="en-US" altLang="ko-KR" sz="4000" dirty="0">
+                <a:latin typeface="HY헤드라인M" panose="02030600000101010101" pitchFamily="18" charset="-127"/>
+                <a:ea typeface="HY헤드라인M" panose="02030600000101010101" pitchFamily="18" charset="-127"/>
+              </a:rPr>
+              <a:t>2-2. </a:t>
+            </a:r>
+            <a:r>
+              <a:rPr lang="ko-KR" altLang="en-US" sz="4000" dirty="0" err="1">
+                <a:latin typeface="HY헤드라인M" panose="02030600000101010101" pitchFamily="18" charset="-127"/>
+                <a:ea typeface="HY헤드라인M" panose="02030600000101010101" pitchFamily="18" charset="-127"/>
+              </a:rPr>
+              <a:t>머신러닝</a:t>
+            </a:r>
+            <a:r>
+              <a:rPr lang="ko-KR" altLang="en-US" sz="4000" dirty="0">
+                <a:latin typeface="HY헤드라인M" panose="02030600000101010101" pitchFamily="18" charset="-127"/>
+                <a:ea typeface="HY헤드라인M" panose="02030600000101010101" pitchFamily="18" charset="-127"/>
+              </a:rPr>
+              <a:t> 모델 결과 </a:t>
+            </a:r>
+            <a:r>
+              <a:rPr lang="en-US" altLang="ko-KR" sz="4000" dirty="0">
+                <a:latin typeface="HY헤드라인M" panose="02030600000101010101" pitchFamily="18" charset="-127"/>
+                <a:ea typeface="HY헤드라인M" panose="02030600000101010101" pitchFamily="18" charset="-127"/>
+              </a:rPr>
+              <a:t>- </a:t>
+            </a:r>
+            <a:r>
+              <a:rPr lang="en-US" altLang="ko-KR" sz="4000" dirty="0" err="1">
+                <a:latin typeface="HY헤드라인M" panose="02030600000101010101" pitchFamily="18" charset="-127"/>
+                <a:ea typeface="HY헤드라인M" panose="02030600000101010101" pitchFamily="18" charset="-127"/>
+              </a:rPr>
+              <a:t>CatBoost</a:t>
+            </a:r>
+            <a:endParaRPr lang="ko-KR" altLang="en-US" sz="4000" dirty="0">
+              <a:latin typeface="HY헤드라인M" panose="02030600000101010101" pitchFamily="18" charset="-127"/>
+              <a:ea typeface="HY헤드라인M" panose="02030600000101010101" pitchFamily="18" charset="-127"/>
+            </a:endParaRPr>
+          </a:p>
+        </p:txBody>
+      </p:sp>
+      <p:sp>
+        <p:nvSpPr>
+          <p:cNvPr id="11" name="TextBox 10">
+            <a:extLst>
+              <a:ext uri="{FF2B5EF4-FFF2-40B4-BE49-F238E27FC236}">
+                <a16:creationId xmlns:a16="http://schemas.microsoft.com/office/drawing/2014/main" id="{ECFFD240-044A-A3E4-6B55-A4C3BC88D87B}"/>
+              </a:ext>
+            </a:extLst>
+          </p:cNvPr>
+          <p:cNvSpPr txBox="1"/>
+          <p:nvPr/>
+        </p:nvSpPr>
+        <p:spPr>
+          <a:xfrm>
+            <a:off x="990600" y="5528267"/>
+            <a:ext cx="7906460" cy="1200329"/>
+          </a:xfrm>
+          <a:prstGeom prst="rect">
+            <a:avLst/>
+          </a:prstGeom>
+          <a:noFill/>
+        </p:spPr>
+        <p:txBody>
+          <a:bodyPr wrap="none" rtlCol="0">
+            <a:spAutoFit/>
+          </a:bodyPr>
+          <a:lstStyle/>
+          <a:p>
+            <a:pPr marL="285750" indent="-285750">
+              <a:buFont typeface="Symbol" panose="05050102010706020507" pitchFamily="18" charset="2"/>
+              <a:buChar char="Þ"/>
+            </a:pPr>
+            <a:r>
+              <a:rPr lang="ko-KR" altLang="en-US" dirty="0"/>
+              <a:t>기존 딥러닝 모델 대비 </a:t>
+            </a:r>
+            <a:r>
+              <a:rPr lang="en-US" altLang="ko-KR" dirty="0"/>
+              <a:t>accuracy</a:t>
+            </a:r>
+            <a:r>
+              <a:rPr lang="ko-KR" altLang="en-US" dirty="0"/>
+              <a:t>와 </a:t>
+            </a:r>
+            <a:r>
+              <a:rPr lang="en-US" altLang="ko-KR" dirty="0"/>
+              <a:t>precision, recall </a:t>
+            </a:r>
+            <a:r>
+              <a:rPr lang="ko-KR" altLang="en-US" dirty="0"/>
+              <a:t>점수가 소폭 높아진 모습</a:t>
+            </a:r>
+            <a:r>
+              <a:rPr lang="en-US" altLang="ko-KR" dirty="0"/>
+              <a:t>.</a:t>
+            </a:r>
+          </a:p>
+          <a:p>
+            <a:pPr marL="285750" indent="-285750">
+              <a:buFont typeface="Symbol" panose="05050102010706020507" pitchFamily="18" charset="2"/>
+              <a:buChar char="Þ"/>
+            </a:pPr>
+            <a:r>
+              <a:rPr lang="en-US" altLang="ko-KR" dirty="0"/>
+              <a:t>M2 </a:t>
+            </a:r>
+            <a:r>
+              <a:rPr lang="ko-KR" altLang="en-US" dirty="0"/>
+              <a:t>모델에서 가장 중요한 </a:t>
+            </a:r>
+            <a:r>
+              <a:rPr lang="en-US" altLang="ko-KR" dirty="0"/>
+              <a:t>2, 3 class</a:t>
+            </a:r>
+            <a:r>
+              <a:rPr lang="ko-KR" altLang="en-US" dirty="0"/>
+              <a:t>에 대한 </a:t>
+            </a:r>
+            <a:r>
+              <a:rPr lang="en-US" altLang="ko-KR" dirty="0"/>
+              <a:t>recall :</a:t>
+            </a:r>
+          </a:p>
+          <a:p>
+            <a:pPr marL="742950" lvl="1" indent="-285750">
+              <a:buFontTx/>
+              <a:buChar char="-"/>
+            </a:pPr>
+            <a:r>
+              <a:rPr lang="en-US" altLang="ko-KR" dirty="0"/>
+              <a:t>Class2(</a:t>
+            </a:r>
+            <a:r>
+              <a:rPr lang="ko-KR" altLang="en-US" dirty="0"/>
+              <a:t>공급부족</a:t>
+            </a:r>
+            <a:r>
+              <a:rPr lang="en-US" altLang="ko-KR" dirty="0"/>
+              <a:t>) : 69.89%</a:t>
+            </a:r>
+          </a:p>
+          <a:p>
+            <a:pPr marL="742950" lvl="1" indent="-285750">
+              <a:buFontTx/>
+              <a:buChar char="-"/>
+            </a:pPr>
+            <a:r>
+              <a:rPr lang="en-US" altLang="ko-KR" dirty="0"/>
+              <a:t>Class3(</a:t>
+            </a:r>
+            <a:r>
+              <a:rPr lang="ko-KR" altLang="en-US" dirty="0"/>
+              <a:t>공급절대부족</a:t>
+            </a:r>
+            <a:r>
+              <a:rPr lang="en-US" altLang="ko-KR" dirty="0"/>
+              <a:t>) : 90.18%</a:t>
+            </a:r>
+            <a:endParaRPr lang="ko-KR" altLang="en-US" dirty="0"/>
+          </a:p>
+        </p:txBody>
+      </p:sp>
+      <p:sp>
+        <p:nvSpPr>
+          <p:cNvPr id="6" name="TextBox 5">
+            <a:extLst>
+              <a:ext uri="{FF2B5EF4-FFF2-40B4-BE49-F238E27FC236}">
+                <a16:creationId xmlns:a16="http://schemas.microsoft.com/office/drawing/2014/main" id="{CB460027-3C32-3D42-38AC-3E1A34A57743}"/>
+              </a:ext>
+            </a:extLst>
+          </p:cNvPr>
+          <p:cNvSpPr txBox="1"/>
+          <p:nvPr/>
+        </p:nvSpPr>
+        <p:spPr>
+          <a:xfrm>
+            <a:off x="87086" y="854528"/>
+            <a:ext cx="3619196" cy="369332"/>
+          </a:xfrm>
+          <a:prstGeom prst="rect">
+            <a:avLst/>
+          </a:prstGeom>
+          <a:noFill/>
+        </p:spPr>
+        <p:txBody>
+          <a:bodyPr wrap="none" rtlCol="0">
+            <a:spAutoFit/>
+          </a:bodyPr>
+          <a:lstStyle/>
+          <a:p>
+            <a:r>
+              <a:rPr lang="en-US" altLang="ko-KR" dirty="0"/>
+              <a:t>1. </a:t>
+            </a:r>
+            <a:r>
+              <a:rPr lang="en-US" altLang="ko-KR" dirty="0" err="1"/>
+              <a:t>CatBoost_Classification</a:t>
+            </a:r>
+            <a:r>
+              <a:rPr lang="en-US" altLang="ko-KR" dirty="0"/>
+              <a:t> </a:t>
+            </a:r>
+            <a:r>
+              <a:rPr lang="ko-KR" altLang="en-US" dirty="0"/>
+              <a:t>모델 결과</a:t>
+            </a:r>
+          </a:p>
+        </p:txBody>
+      </p:sp>
+      <p:pic>
+        <p:nvPicPr>
+          <p:cNvPr id="5" name="그림 4">
+            <a:extLst>
+              <a:ext uri="{FF2B5EF4-FFF2-40B4-BE49-F238E27FC236}">
+                <a16:creationId xmlns:a16="http://schemas.microsoft.com/office/drawing/2014/main" id="{61FEC7D5-C3F5-7D0D-9022-58CEFB7DF4BB}"/>
+              </a:ext>
+            </a:extLst>
+          </p:cNvPr>
+          <p:cNvPicPr>
+            <a:picLocks noChangeAspect="1"/>
+          </p:cNvPicPr>
+          <p:nvPr/>
+        </p:nvPicPr>
+        <p:blipFill>
+          <a:blip r:embed="rId2"/>
+          <a:stretch>
+            <a:fillRect/>
+          </a:stretch>
+        </p:blipFill>
+        <p:spPr>
+          <a:xfrm>
+            <a:off x="7987320" y="1632858"/>
+            <a:ext cx="2441729" cy="1379124"/>
+          </a:xfrm>
+          <a:prstGeom prst="rect">
+            <a:avLst/>
+          </a:prstGeom>
+        </p:spPr>
+      </p:pic>
+      <p:pic>
+        <p:nvPicPr>
+          <p:cNvPr id="12" name="그림 11">
+            <a:extLst>
+              <a:ext uri="{FF2B5EF4-FFF2-40B4-BE49-F238E27FC236}">
+                <a16:creationId xmlns:a16="http://schemas.microsoft.com/office/drawing/2014/main" id="{E7531E91-3ADD-5CE0-1A86-8003D2DD08AF}"/>
+              </a:ext>
+            </a:extLst>
+          </p:cNvPr>
+          <p:cNvPicPr>
+            <a:picLocks noChangeAspect="1"/>
+          </p:cNvPicPr>
+          <p:nvPr/>
+        </p:nvPicPr>
+        <p:blipFill>
+          <a:blip r:embed="rId3"/>
+          <a:stretch>
+            <a:fillRect/>
+          </a:stretch>
+        </p:blipFill>
+        <p:spPr>
+          <a:xfrm>
+            <a:off x="390090" y="1391218"/>
+            <a:ext cx="7143278" cy="3877468"/>
+          </a:xfrm>
+          <a:prstGeom prst="rect">
+            <a:avLst/>
+          </a:prstGeom>
+        </p:spPr>
+      </p:pic>
+    </p:spTree>
+    <p:extLst>
+      <p:ext uri="{BB962C8B-B14F-4D97-AF65-F5344CB8AC3E}">
+        <p14:creationId xmlns:p14="http://schemas.microsoft.com/office/powerpoint/2010/main" val="385953763"/>
+      </p:ext>
+    </p:extLst>
+  </p:cSld>
+  <p:clrMapOvr>
+    <a:masterClrMapping/>
+  </p:clrMapOvr>
+</p:sld>
+</file>
+
+<file path=ppt/slides/slide53.xml><?xml version="1.0" encoding="utf-8"?>
+<p:sld xmlns:a="http://schemas.openxmlformats.org/drawingml/2006/main" xmlns:r="http://schemas.openxmlformats.org/officeDocument/2006/relationships" xmlns:p="http://schemas.openxmlformats.org/presentationml/2006/main">
+  <p:cSld>
+    <p:spTree>
+      <p:nvGrpSpPr>
+        <p:cNvPr id="1" name="">
+          <a:extLst>
+            <a:ext uri="{FF2B5EF4-FFF2-40B4-BE49-F238E27FC236}">
+              <a16:creationId xmlns:a16="http://schemas.microsoft.com/office/drawing/2014/main" id="{4C4B9A71-FBF2-C2F7-8840-79251D01B6A5}"/>
+            </a:ext>
+          </a:extLst>
+        </p:cNvPr>
+        <p:cNvGrpSpPr/>
+        <p:nvPr/>
+      </p:nvGrpSpPr>
+      <p:grpSpPr>
+        <a:xfrm>
+          <a:off x="0" y="0"/>
+          <a:ext cx="0" cy="0"/>
+          <a:chOff x="0" y="0"/>
+          <a:chExt cx="0" cy="0"/>
+        </a:xfrm>
+      </p:grpSpPr>
+      <p:sp>
+        <p:nvSpPr>
+          <p:cNvPr id="4" name="직사각형 3">
+            <a:extLst>
+              <a:ext uri="{FF2B5EF4-FFF2-40B4-BE49-F238E27FC236}">
+                <a16:creationId xmlns:a16="http://schemas.microsoft.com/office/drawing/2014/main" id="{EED1656E-625B-E7D0-C7FE-C21EC85F1004}"/>
+              </a:ext>
+            </a:extLst>
+          </p:cNvPr>
+          <p:cNvSpPr/>
+          <p:nvPr/>
+        </p:nvSpPr>
+        <p:spPr>
+          <a:xfrm>
+            <a:off x="0" y="-42173"/>
+            <a:ext cx="12192000" cy="729343"/>
+          </a:xfrm>
+          <a:prstGeom prst="rect">
+            <a:avLst/>
+          </a:prstGeom>
+          <a:solidFill>
+            <a:schemeClr val="accent2">
+              <a:lumMod val="50000"/>
+            </a:schemeClr>
+          </a:solidFill>
+          <a:ln>
+            <a:noFill/>
+          </a:ln>
+        </p:spPr>
+        <p:style>
+          <a:lnRef idx="2">
+            <a:schemeClr val="accent2">
+              <a:shade val="15000"/>
+            </a:schemeClr>
+          </a:lnRef>
+          <a:fillRef idx="1">
+            <a:schemeClr val="accent2"/>
+          </a:fillRef>
+          <a:effectRef idx="0">
+            <a:schemeClr val="accent2"/>
+          </a:effectRef>
+          <a:fontRef idx="minor">
+            <a:schemeClr val="lt1"/>
+          </a:fontRef>
+        </p:style>
+        <p:txBody>
+          <a:bodyPr rtlCol="0" anchor="ctr"/>
+          <a:lstStyle/>
+          <a:p>
             <a:r>
               <a:rPr lang="en-US" altLang="ko-KR" sz="4000" dirty="0">
                 <a:latin typeface="HY헤드라인M" panose="02030600000101010101" pitchFamily="18" charset="-127"/>
@@ -15528,7 +16433,7 @@
 </p:sld>
 </file>
 
-<file path=ppt/slides/slide51.xml><?xml version="1.0" encoding="utf-8"?>
+<file path=ppt/slides/slide54.xml><?xml version="1.0" encoding="utf-8"?>
 <p:sld xmlns:a="http://schemas.openxmlformats.org/drawingml/2006/main" xmlns:r="http://schemas.openxmlformats.org/officeDocument/2006/relationships" xmlns:p="http://schemas.openxmlformats.org/presentationml/2006/main">
   <p:cSld>
     <p:spTree>
@@ -15624,7 +16529,7 @@
 </p:sld>
 </file>
 
-<file path=ppt/slides/slide52.xml><?xml version="1.0" encoding="utf-8"?>
+<file path=ppt/slides/slide55.xml><?xml version="1.0" encoding="utf-8"?>
 <p:sld xmlns:a="http://schemas.openxmlformats.org/drawingml/2006/main" xmlns:r="http://schemas.openxmlformats.org/officeDocument/2006/relationships" xmlns:p="http://schemas.openxmlformats.org/presentationml/2006/main">
   <p:cSld>
     <p:spTree>

--- a/presentation/Model 설명서.pptx
+++ b/presentation/Model 설명서.pptx
@@ -297,7 +297,7 @@
           <a:p>
             <a:fld id="{7FED6602-5AEF-47D5-8D5F-8BC7DC09E59A}" type="datetimeFigureOut">
               <a:rPr lang="ko-KR" altLang="en-US" smtClean="0"/>
-              <a:t>2025-07-14</a:t>
+              <a:t>2025-07-16</a:t>
             </a:fld>
             <a:endParaRPr lang="ko-KR" altLang="en-US"/>
           </a:p>
@@ -467,7 +467,7 @@
           <a:p>
             <a:fld id="{7FED6602-5AEF-47D5-8D5F-8BC7DC09E59A}" type="datetimeFigureOut">
               <a:rPr lang="ko-KR" altLang="en-US" smtClean="0"/>
-              <a:t>2025-07-14</a:t>
+              <a:t>2025-07-16</a:t>
             </a:fld>
             <a:endParaRPr lang="ko-KR" altLang="en-US"/>
           </a:p>
@@ -647,7 +647,7 @@
           <a:p>
             <a:fld id="{7FED6602-5AEF-47D5-8D5F-8BC7DC09E59A}" type="datetimeFigureOut">
               <a:rPr lang="ko-KR" altLang="en-US" smtClean="0"/>
-              <a:t>2025-07-14</a:t>
+              <a:t>2025-07-16</a:t>
             </a:fld>
             <a:endParaRPr lang="ko-KR" altLang="en-US"/>
           </a:p>
@@ -817,7 +817,7 @@
           <a:p>
             <a:fld id="{7FED6602-5AEF-47D5-8D5F-8BC7DC09E59A}" type="datetimeFigureOut">
               <a:rPr lang="ko-KR" altLang="en-US" smtClean="0"/>
-              <a:t>2025-07-14</a:t>
+              <a:t>2025-07-16</a:t>
             </a:fld>
             <a:endParaRPr lang="ko-KR" altLang="en-US"/>
           </a:p>
@@ -1063,7 +1063,7 @@
           <a:p>
             <a:fld id="{7FED6602-5AEF-47D5-8D5F-8BC7DC09E59A}" type="datetimeFigureOut">
               <a:rPr lang="ko-KR" altLang="en-US" smtClean="0"/>
-              <a:t>2025-07-14</a:t>
+              <a:t>2025-07-16</a:t>
             </a:fld>
             <a:endParaRPr lang="ko-KR" altLang="en-US"/>
           </a:p>
@@ -1295,7 +1295,7 @@
           <a:p>
             <a:fld id="{7FED6602-5AEF-47D5-8D5F-8BC7DC09E59A}" type="datetimeFigureOut">
               <a:rPr lang="ko-KR" altLang="en-US" smtClean="0"/>
-              <a:t>2025-07-14</a:t>
+              <a:t>2025-07-16</a:t>
             </a:fld>
             <a:endParaRPr lang="ko-KR" altLang="en-US"/>
           </a:p>
@@ -1662,7 +1662,7 @@
           <a:p>
             <a:fld id="{7FED6602-5AEF-47D5-8D5F-8BC7DC09E59A}" type="datetimeFigureOut">
               <a:rPr lang="ko-KR" altLang="en-US" smtClean="0"/>
-              <a:t>2025-07-14</a:t>
+              <a:t>2025-07-16</a:t>
             </a:fld>
             <a:endParaRPr lang="ko-KR" altLang="en-US"/>
           </a:p>
@@ -1780,7 +1780,7 @@
           <a:p>
             <a:fld id="{7FED6602-5AEF-47D5-8D5F-8BC7DC09E59A}" type="datetimeFigureOut">
               <a:rPr lang="ko-KR" altLang="en-US" smtClean="0"/>
-              <a:t>2025-07-14</a:t>
+              <a:t>2025-07-16</a:t>
             </a:fld>
             <a:endParaRPr lang="ko-KR" altLang="en-US"/>
           </a:p>
@@ -1875,7 +1875,7 @@
           <a:p>
             <a:fld id="{7FED6602-5AEF-47D5-8D5F-8BC7DC09E59A}" type="datetimeFigureOut">
               <a:rPr lang="ko-KR" altLang="en-US" smtClean="0"/>
-              <a:t>2025-07-14</a:t>
+              <a:t>2025-07-16</a:t>
             </a:fld>
             <a:endParaRPr lang="ko-KR" altLang="en-US"/>
           </a:p>
@@ -2152,7 +2152,7 @@
           <a:p>
             <a:fld id="{7FED6602-5AEF-47D5-8D5F-8BC7DC09E59A}" type="datetimeFigureOut">
               <a:rPr lang="ko-KR" altLang="en-US" smtClean="0"/>
-              <a:t>2025-07-14</a:t>
+              <a:t>2025-07-16</a:t>
             </a:fld>
             <a:endParaRPr lang="ko-KR" altLang="en-US"/>
           </a:p>
@@ -2409,7 +2409,7 @@
           <a:p>
             <a:fld id="{7FED6602-5AEF-47D5-8D5F-8BC7DC09E59A}" type="datetimeFigureOut">
               <a:rPr lang="ko-KR" altLang="en-US" smtClean="0"/>
-              <a:t>2025-07-14</a:t>
+              <a:t>2025-07-16</a:t>
             </a:fld>
             <a:endParaRPr lang="ko-KR" altLang="en-US"/>
           </a:p>
@@ -2622,7 +2622,7 @@
           <a:p>
             <a:fld id="{7FED6602-5AEF-47D5-8D5F-8BC7DC09E59A}" type="datetimeFigureOut">
               <a:rPr lang="ko-KR" altLang="en-US" smtClean="0"/>
-              <a:t>2025-07-14</a:t>
+              <a:t>2025-07-16</a:t>
             </a:fld>
             <a:endParaRPr lang="ko-KR" altLang="en-US"/>
           </a:p>
@@ -13556,7 +13556,7 @@
         <p:spPr>
           <a:xfrm>
             <a:off x="990600" y="5595257"/>
-            <a:ext cx="6604757" cy="369332"/>
+            <a:ext cx="6609566" cy="923330"/>
           </a:xfrm>
           <a:prstGeom prst="rect">
             <a:avLst/>
@@ -13569,9 +13569,13 @@
           </a:bodyPr>
           <a:lstStyle/>
           <a:p>
-            <a:r>
-              <a:rPr lang="en-US" altLang="ko-KR" dirty="0"/>
-              <a:t>=&gt; M2</a:t>
+            <a:pPr marL="285750" indent="-285750">
+              <a:buFont typeface="Symbol" panose="05050102010706020507" pitchFamily="18" charset="2"/>
+              <a:buChar char="Þ"/>
+            </a:pPr>
+            <a:r>
+              <a:rPr lang="en-US" altLang="ko-KR" dirty="0"/>
+              <a:t>M2</a:t>
             </a:r>
             <a:r>
               <a:rPr lang="ko-KR" altLang="en-US" dirty="0"/>
@@ -13601,6 +13605,44 @@
               <a:rPr lang="ko-KR" altLang="en-US" dirty="0"/>
               <a:t>이 낮음</a:t>
             </a:r>
+            <a:endParaRPr lang="en-US" altLang="ko-KR" dirty="0"/>
+          </a:p>
+          <a:p>
+            <a:pPr marL="285750" indent="-285750">
+              <a:buFont typeface="Symbol" panose="05050102010706020507" pitchFamily="18" charset="2"/>
+              <a:buChar char="Þ"/>
+            </a:pPr>
+            <a:r>
+              <a:rPr lang="en-US" altLang="ko-KR" dirty="0"/>
+              <a:t>12573 </a:t>
+            </a:r>
+            <a:r>
+              <a:rPr lang="ko-KR" altLang="en-US" dirty="0"/>
+              <a:t>공급부족 </a:t>
+            </a:r>
+            <a:r>
+              <a:rPr lang="en-US" altLang="ko-KR" dirty="0"/>
+              <a:t>recall 30.99%</a:t>
+            </a:r>
+          </a:p>
+          <a:p>
+            <a:pPr marL="285750" indent="-285750">
+              <a:buFont typeface="Symbol" panose="05050102010706020507" pitchFamily="18" charset="2"/>
+              <a:buChar char="Þ"/>
+            </a:pPr>
+            <a:r>
+              <a:rPr lang="en-US" altLang="ko-KR" dirty="0"/>
+              <a:t>5661 </a:t>
+            </a:r>
+            <a:r>
+              <a:rPr lang="ko-KR" altLang="en-US" dirty="0"/>
+              <a:t>공급절대부족 </a:t>
+            </a:r>
+            <a:r>
+              <a:rPr lang="en-US" altLang="ko-KR" dirty="0"/>
+              <a:t>recall 8.23% </a:t>
+            </a:r>
+            <a:endParaRPr lang="ko-KR" altLang="en-US" dirty="0"/>
           </a:p>
         </p:txBody>
       </p:sp>
@@ -13655,7 +13697,7 @@
         <p:spPr>
           <a:xfrm>
             <a:off x="990600" y="5595257"/>
-            <a:ext cx="10152203" cy="369332"/>
+            <a:ext cx="10209911" cy="1200329"/>
           </a:xfrm>
           <a:prstGeom prst="rect">
             <a:avLst/>
@@ -13668,9 +13710,13 @@
           </a:bodyPr>
           <a:lstStyle/>
           <a:p>
-            <a:r>
-              <a:rPr lang="en-US" altLang="ko-KR" dirty="0"/>
-              <a:t>=&gt; DNN</a:t>
+            <a:pPr marL="285750" indent="-285750">
+              <a:buFont typeface="Symbol" panose="05050102010706020507" pitchFamily="18" charset="2"/>
+              <a:buChar char="Þ"/>
+            </a:pPr>
+            <a:r>
+              <a:rPr lang="en-US" altLang="ko-KR" dirty="0"/>
+              <a:t>DNN</a:t>
             </a:r>
             <a:r>
               <a:rPr lang="ko-KR" altLang="en-US" dirty="0"/>
@@ -13708,6 +13754,51 @@
               <a:rPr lang="ko-KR" altLang="en-US" dirty="0"/>
               <a:t>이 낮음</a:t>
             </a:r>
+            <a:endParaRPr lang="en-US" altLang="ko-KR" dirty="0"/>
+          </a:p>
+          <a:p>
+            <a:pPr marL="285750" indent="-285750">
+              <a:buFont typeface="Symbol" panose="05050102010706020507" pitchFamily="18" charset="2"/>
+              <a:buChar char="Þ"/>
+            </a:pPr>
+            <a:r>
+              <a:rPr lang="en-US" altLang="ko-KR" dirty="0"/>
+              <a:t>12573 </a:t>
+            </a:r>
+            <a:r>
+              <a:rPr lang="ko-KR" altLang="en-US" dirty="0"/>
+              <a:t>공급부족 </a:t>
+            </a:r>
+            <a:r>
+              <a:rPr lang="en-US" altLang="ko-KR" dirty="0"/>
+              <a:t>recall 33.77%</a:t>
+            </a:r>
+          </a:p>
+          <a:p>
+            <a:pPr marL="285750" indent="-285750">
+              <a:buFont typeface="Symbol" panose="05050102010706020507" pitchFamily="18" charset="2"/>
+              <a:buChar char="Þ"/>
+            </a:pPr>
+            <a:r>
+              <a:rPr lang="en-US" altLang="ko-KR" dirty="0"/>
+              <a:t>5661 </a:t>
+            </a:r>
+            <a:r>
+              <a:rPr lang="ko-KR" altLang="en-US" dirty="0"/>
+              <a:t>공급절대부족 </a:t>
+            </a:r>
+            <a:r>
+              <a:rPr lang="en-US" altLang="ko-KR" dirty="0"/>
+              <a:t>recall 30.63% </a:t>
+            </a:r>
+            <a:endParaRPr lang="ko-KR" altLang="en-US" dirty="0"/>
+          </a:p>
+          <a:p>
+            <a:pPr marL="285750" indent="-285750">
+              <a:buFont typeface="Symbol" panose="05050102010706020507" pitchFamily="18" charset="2"/>
+              <a:buChar char="Þ"/>
+            </a:pPr>
+            <a:endParaRPr lang="ko-KR" altLang="en-US" dirty="0"/>
           </a:p>
         </p:txBody>
       </p:sp>
@@ -15550,12 +15641,12 @@
               <a:t>모델에서 가장 중요한 </a:t>
             </a:r>
             <a:r>
-              <a:rPr lang="en-US" altLang="ko-KR" dirty="0"/>
-              <a:t>2, 3 class</a:t>
-            </a:r>
-            <a:r>
-              <a:rPr lang="ko-KR" altLang="en-US" dirty="0"/>
-              <a:t>에 대한 </a:t>
+              <a:rPr lang="ko-KR" altLang="en-US" dirty="0" err="1"/>
+              <a:t>타겟변수에</a:t>
+            </a:r>
+            <a:r>
+              <a:rPr lang="ko-KR" altLang="en-US" dirty="0"/>
+              <a:t> 대한 </a:t>
             </a:r>
             <a:r>
               <a:rPr lang="en-US" altLang="ko-KR" dirty="0"/>
@@ -15568,16 +15659,12 @@
               <a:buChar char="-"/>
             </a:pPr>
             <a:r>
-              <a:rPr lang="en-US" altLang="ko-KR" dirty="0"/>
-              <a:t>Class2(</a:t>
-            </a:r>
-            <a:r>
               <a:rPr lang="ko-KR" altLang="en-US" dirty="0"/>
               <a:t>공급부족</a:t>
             </a:r>
             <a:r>
               <a:rPr lang="en-US" altLang="ko-KR" dirty="0"/>
-              <a:t>) : 78.93%</a:t>
+              <a:t> : 78.93%</a:t>
             </a:r>
           </a:p>
           <a:p>
@@ -15586,16 +15673,12 @@
               <a:buChar char="-"/>
             </a:pPr>
             <a:r>
-              <a:rPr lang="en-US" altLang="ko-KR" dirty="0"/>
-              <a:t>Class3(</a:t>
-            </a:r>
-            <a:r>
               <a:rPr lang="ko-KR" altLang="en-US" dirty="0"/>
               <a:t>공급절대부족</a:t>
             </a:r>
             <a:r>
               <a:rPr lang="en-US" altLang="ko-KR" dirty="0"/>
-              <a:t>) : 89.25%</a:t>
+              <a:t> : 89.25%</a:t>
             </a:r>
             <a:endParaRPr lang="ko-KR" altLang="en-US" dirty="0"/>
           </a:p>
